--- a/INFO6150-final.pptx
+++ b/INFO6150-final.pptx
@@ -5,30 +5,31 @@
     <p:sldMasterId id="2147483648" r:id="rId1"/>
   </p:sldMasterIdLst>
   <p:notesMasterIdLst>
-    <p:notesMasterId r:id="rId18"/>
+    <p:notesMasterId r:id="rId5"/>
   </p:notesMasterIdLst>
   <p:sldIdLst>
-    <p:sldId id="256" r:id="rId2"/>
-    <p:sldId id="257" r:id="rId3"/>
-    <p:sldId id="258" r:id="rId4"/>
-    <p:sldId id="260" r:id="rId5"/>
-    <p:sldId id="262" r:id="rId6"/>
-    <p:sldId id="263" r:id="rId7"/>
-    <p:sldId id="264" r:id="rId8"/>
-    <p:sldId id="265" r:id="rId9"/>
-    <p:sldId id="266" r:id="rId10"/>
-    <p:sldId id="267" r:id="rId11"/>
-    <p:sldId id="268" r:id="rId12"/>
-    <p:sldId id="270" r:id="rId13"/>
-    <p:sldId id="271" r:id="rId14"/>
-    <p:sldId id="272" r:id="rId15"/>
-    <p:sldId id="273" r:id="rId16"/>
-    <p:sldId id="274" r:id="rId17"/>
+    <p:sldId id="256" r:id="rId3"/>
+    <p:sldId id="257" r:id="rId4"/>
+    <p:sldId id="258" r:id="rId6"/>
+    <p:sldId id="260" r:id="rId7"/>
+    <p:sldId id="262" r:id="rId8"/>
+    <p:sldId id="263" r:id="rId9"/>
+    <p:sldId id="264" r:id="rId10"/>
+    <p:sldId id="265" r:id="rId11"/>
+    <p:sldId id="266" r:id="rId12"/>
+    <p:sldId id="267" r:id="rId13"/>
+    <p:sldId id="268" r:id="rId14"/>
+    <p:sldId id="270" r:id="rId15"/>
+    <p:sldId id="271" r:id="rId16"/>
+    <p:sldId id="272" r:id="rId17"/>
+    <p:sldId id="273" r:id="rId18"/>
+    <p:sldId id="275" r:id="rId19"/>
+    <p:sldId id="274" r:id="rId20"/>
   </p:sldIdLst>
   <p:sldSz cx="12192000" cy="6858000"/>
   <p:notesSz cx="6858000" cy="9144000"/>
   <p:custDataLst>
-    <p:tags r:id="rId19"/>
+    <p:tags r:id="rId24"/>
   </p:custDataLst>
   <p:defaultTextStyle>
     <a:defPPr>
@@ -125,11 +126,6 @@
       </a:defRPr>
     </a:lvl9pPr>
   </p:defaultTextStyle>
-  <p:extLst>
-    <p:ext uri="{EFAFB233-063F-42B5-8137-9DF3F51BA10A}">
-      <p15:sldGuideLst xmlns:p15="http://schemas.microsoft.com/office/powerpoint/2012/main"/>
-    </p:ext>
-  </p:extLst>
 </p:presentation>
 </file>
 
@@ -215,7 +211,6 @@
           <a:p>
             <a:fld id="{D2A48B96-639E-45A3-A0BA-2464DFDB1FAA}" type="datetimeFigureOut">
               <a:rPr lang="zh-CN" altLang="en-US" smtClean="0"/>
-              <a:t>2023/12/11</a:t>
             </a:fld>
             <a:endParaRPr lang="zh-CN" altLang="en-US"/>
           </a:p>
@@ -279,37 +274,42 @@
           <a:p>
             <a:pPr lvl="0"/>
             <a:r>
-              <a:rPr lang="zh-CN" altLang="en-US"/>
+              <a:rPr lang="zh-CN" altLang="en-US" smtClean="0"/>
               <a:t>单击此处编辑母版文本样式</a:t>
             </a:r>
+            <a:endParaRPr lang="zh-CN" altLang="en-US" smtClean="0"/>
           </a:p>
           <a:p>
             <a:pPr lvl="1"/>
             <a:r>
-              <a:rPr lang="zh-CN" altLang="en-US"/>
+              <a:rPr lang="zh-CN" altLang="en-US" smtClean="0"/>
               <a:t>第二级</a:t>
             </a:r>
+            <a:endParaRPr lang="zh-CN" altLang="en-US" smtClean="0"/>
           </a:p>
           <a:p>
             <a:pPr lvl="2"/>
             <a:r>
-              <a:rPr lang="zh-CN" altLang="en-US"/>
+              <a:rPr lang="zh-CN" altLang="en-US" smtClean="0"/>
               <a:t>第三级</a:t>
             </a:r>
+            <a:endParaRPr lang="zh-CN" altLang="en-US" smtClean="0"/>
           </a:p>
           <a:p>
             <a:pPr lvl="3"/>
             <a:r>
-              <a:rPr lang="zh-CN" altLang="en-US"/>
+              <a:rPr lang="zh-CN" altLang="en-US" smtClean="0"/>
               <a:t>第四级</a:t>
             </a:r>
+            <a:endParaRPr lang="zh-CN" altLang="en-US" smtClean="0"/>
           </a:p>
           <a:p>
             <a:pPr lvl="4"/>
             <a:r>
-              <a:rPr lang="zh-CN" altLang="en-US"/>
+              <a:rPr lang="zh-CN" altLang="en-US" smtClean="0"/>
               <a:t>第五级</a:t>
             </a:r>
+            <a:endParaRPr lang="zh-CN" altLang="en-US"/>
           </a:p>
         </p:txBody>
       </p:sp>
@@ -373,7 +373,6 @@
           <a:p>
             <a:fld id="{A6837353-30EB-4A48-80EB-173D804AEFBD}" type="slidenum">
               <a:rPr lang="zh-CN" altLang="en-US" smtClean="0"/>
-              <a:t>‹#›</a:t>
             </a:fld>
             <a:endParaRPr lang="zh-CN" altLang="en-US"/>
           </a:p>
@@ -542,7 +541,6 @@
           <a:p>
             <a:fld id="{DA25CCEA-3F45-46FD-873C-10FB1242F407}" type="slidenum">
               <a:rPr lang="zh-CN" altLang="en-US" smtClean="0"/>
-              <a:t>2</a:t>
             </a:fld>
             <a:endParaRPr lang="zh-CN" altLang="en-US"/>
           </a:p>
@@ -621,7 +619,6 @@
           <a:p>
             <a:fld id="{59E3CF89-91F4-45FB-A589-58532703FCA1}" type="slidenum">
               <a:rPr lang="zh-CN" altLang="en-US" smtClean="0"/>
-              <a:t>11</a:t>
             </a:fld>
             <a:endParaRPr lang="zh-CN" altLang="en-US"/>
           </a:p>
@@ -700,7 +697,6 @@
           <a:p>
             <a:fld id="{59E3CF89-91F4-45FB-A589-58532703FCA1}" type="slidenum">
               <a:rPr lang="zh-CN" altLang="en-US" smtClean="0"/>
-              <a:t>12</a:t>
             </a:fld>
             <a:endParaRPr lang="zh-CN" altLang="en-US"/>
           </a:p>
@@ -779,7 +775,6 @@
           <a:p>
             <a:fld id="{DA25CCEA-3F45-46FD-873C-10FB1242F407}" type="slidenum">
               <a:rPr lang="zh-CN" altLang="en-US" smtClean="0"/>
-              <a:t>13</a:t>
             </a:fld>
             <a:endParaRPr lang="zh-CN" altLang="en-US"/>
           </a:p>
@@ -858,7 +853,6 @@
           <a:p>
             <a:fld id="{DA25CCEA-3F45-46FD-873C-10FB1242F407}" type="slidenum">
               <a:rPr lang="zh-CN" altLang="en-US" smtClean="0"/>
-              <a:t>14</a:t>
             </a:fld>
             <a:endParaRPr lang="zh-CN" altLang="en-US"/>
           </a:p>
@@ -937,7 +931,6 @@
           <a:p>
             <a:fld id="{59E3CF89-91F4-45FB-A589-58532703FCA1}" type="slidenum">
               <a:rPr lang="zh-CN" altLang="en-US" smtClean="0"/>
-              <a:t>15</a:t>
             </a:fld>
             <a:endParaRPr lang="zh-CN" altLang="en-US"/>
           </a:p>
@@ -1014,9 +1007,86 @@
           <a:bodyPr/>
           <a:lstStyle/>
           <a:p>
+            <a:fld id="{59E3CF89-91F4-45FB-A589-58532703FCA1}" type="slidenum">
+              <a:rPr lang="zh-CN" altLang="en-US" smtClean="0"/>
+            </a:fld>
+            <a:endParaRPr lang="zh-CN" altLang="en-US"/>
+          </a:p>
+        </p:txBody>
+      </p:sp>
+    </p:spTree>
+  </p:cSld>
+  <p:clrMapOvr>
+    <a:masterClrMapping/>
+  </p:clrMapOvr>
+</p:notes>
+</file>
+
+<file path=ppt/notesSlides/notesSlide16.xml><?xml version="1.0" encoding="utf-8"?>
+<p:notes xmlns:a="http://schemas.openxmlformats.org/drawingml/2006/main" xmlns:r="http://schemas.openxmlformats.org/officeDocument/2006/relationships" xmlns:p="http://schemas.openxmlformats.org/presentationml/2006/main">
+  <p:cSld>
+    <p:spTree>
+      <p:nvGrpSpPr>
+        <p:cNvPr id="1" name=""/>
+        <p:cNvGrpSpPr/>
+        <p:nvPr/>
+      </p:nvGrpSpPr>
+      <p:grpSpPr>
+        <a:xfrm>
+          <a:off x="0" y="0"/>
+          <a:ext cx="0" cy="0"/>
+          <a:chOff x="0" y="0"/>
+          <a:chExt cx="0" cy="0"/>
+        </a:xfrm>
+      </p:grpSpPr>
+      <p:sp>
+        <p:nvSpPr>
+          <p:cNvPr id="2" name="幻灯片图像占位符 1"/>
+          <p:cNvSpPr>
+            <a:spLocks noGrp="1" noRot="1" noChangeAspect="1"/>
+          </p:cNvSpPr>
+          <p:nvPr>
+            <p:ph type="sldImg"/>
+          </p:nvPr>
+        </p:nvSpPr>
+        <p:spPr/>
+      </p:sp>
+      <p:sp>
+        <p:nvSpPr>
+          <p:cNvPr id="3" name="备注占位符 2"/>
+          <p:cNvSpPr>
+            <a:spLocks noGrp="1"/>
+          </p:cNvSpPr>
+          <p:nvPr>
+            <p:ph type="body" idx="1"/>
+          </p:nvPr>
+        </p:nvSpPr>
+        <p:spPr/>
+        <p:txBody>
+          <a:bodyPr/>
+          <a:lstStyle/>
+          <a:p>
+            <a:endParaRPr lang="zh-CN" altLang="en-US"/>
+          </a:p>
+        </p:txBody>
+      </p:sp>
+      <p:sp>
+        <p:nvSpPr>
+          <p:cNvPr id="4" name="灯片编号占位符 3"/>
+          <p:cNvSpPr>
+            <a:spLocks noGrp="1"/>
+          </p:cNvSpPr>
+          <p:nvPr>
+            <p:ph type="sldNum" sz="quarter" idx="10"/>
+          </p:nvPr>
+        </p:nvSpPr>
+        <p:spPr/>
+        <p:txBody>
+          <a:bodyPr/>
+          <a:lstStyle/>
+          <a:p>
             <a:fld id="{0D64EC1F-4C1A-4575-A29E-535B091AA911}" type="slidenum">
               <a:rPr lang="zh-CN" altLang="en-US" smtClean="0"/>
-              <a:t>16</a:t>
             </a:fld>
             <a:endParaRPr lang="zh-CN" altLang="en-US"/>
           </a:p>
@@ -1095,7 +1165,6 @@
           <a:p>
             <a:fld id="{DA25CCEA-3F45-46FD-873C-10FB1242F407}" type="slidenum">
               <a:rPr lang="zh-CN" altLang="en-US" smtClean="0"/>
-              <a:t>3</a:t>
             </a:fld>
             <a:endParaRPr lang="zh-CN" altLang="en-US"/>
           </a:p>
@@ -1174,7 +1243,6 @@
           <a:p>
             <a:fld id="{59E3CF89-91F4-45FB-A589-58532703FCA1}" type="slidenum">
               <a:rPr lang="zh-CN" altLang="en-US" smtClean="0"/>
-              <a:t>4</a:t>
             </a:fld>
             <a:endParaRPr lang="zh-CN" altLang="en-US"/>
           </a:p>
@@ -1253,7 +1321,6 @@
           <a:p>
             <a:fld id="{59E3CF89-91F4-45FB-A589-58532703FCA1}" type="slidenum">
               <a:rPr lang="zh-CN" altLang="en-US" smtClean="0"/>
-              <a:t>5</a:t>
             </a:fld>
             <a:endParaRPr lang="zh-CN" altLang="en-US"/>
           </a:p>
@@ -1332,7 +1399,6 @@
           <a:p>
             <a:fld id="{DA25CCEA-3F45-46FD-873C-10FB1242F407}" type="slidenum">
               <a:rPr lang="zh-CN" altLang="en-US" smtClean="0"/>
-              <a:t>6</a:t>
             </a:fld>
             <a:endParaRPr lang="zh-CN" altLang="en-US"/>
           </a:p>
@@ -1411,7 +1477,6 @@
           <a:p>
             <a:fld id="{59E3CF89-91F4-45FB-A589-58532703FCA1}" type="slidenum">
               <a:rPr lang="zh-CN" altLang="en-US" smtClean="0"/>
-              <a:t>7</a:t>
             </a:fld>
             <a:endParaRPr lang="zh-CN" altLang="en-US"/>
           </a:p>
@@ -1490,7 +1555,6 @@
           <a:p>
             <a:fld id="{59E3CF89-91F4-45FB-A589-58532703FCA1}" type="slidenum">
               <a:rPr lang="zh-CN" altLang="en-US" smtClean="0"/>
-              <a:t>8</a:t>
             </a:fld>
             <a:endParaRPr lang="zh-CN" altLang="en-US"/>
           </a:p>
@@ -1569,7 +1633,6 @@
           <a:p>
             <a:fld id="{59E3CF89-91F4-45FB-A589-58532703FCA1}" type="slidenum">
               <a:rPr lang="zh-CN" altLang="en-US" smtClean="0"/>
-              <a:t>9</a:t>
             </a:fld>
             <a:endParaRPr lang="zh-CN" altLang="en-US"/>
           </a:p>
@@ -1648,7 +1711,6 @@
           <a:p>
             <a:fld id="{59E3CF89-91F4-45FB-A589-58532703FCA1}" type="slidenum">
               <a:rPr lang="zh-CN" altLang="en-US" smtClean="0"/>
-              <a:t>10</a:t>
             </a:fld>
             <a:endParaRPr lang="zh-CN" altLang="en-US"/>
           </a:p>
@@ -1704,9 +1766,10 @@
           </a:lstStyle>
           <a:p>
             <a:r>
-              <a:rPr lang="zh-CN" altLang="en-US"/>
+              <a:rPr lang="zh-CN" altLang="en-US" smtClean="0"/>
               <a:t>单击此处编辑母版标题样式</a:t>
             </a:r>
+            <a:endParaRPr lang="zh-CN" altLang="en-US"/>
           </a:p>
         </p:txBody>
       </p:sp>
@@ -1768,9 +1831,10 @@
           </a:lstStyle>
           <a:p>
             <a:r>
-              <a:rPr lang="zh-CN" altLang="en-US"/>
+              <a:rPr lang="zh-CN" altLang="en-US" smtClean="0"/>
               <a:t>单击此处编辑母版副标题样式</a:t>
             </a:r>
+            <a:endParaRPr lang="zh-CN" altLang="en-US"/>
           </a:p>
         </p:txBody>
       </p:sp>
@@ -1791,7 +1855,6 @@
           <a:p>
             <a:fld id="{D997B5FA-0921-464F-AAE1-844C04324D75}" type="datetimeFigureOut">
               <a:rPr lang="zh-CN" altLang="en-US" smtClean="0"/>
-              <a:t>2023/12/11</a:t>
             </a:fld>
             <a:endParaRPr lang="zh-CN" altLang="en-US"/>
           </a:p>
@@ -1833,7 +1896,6 @@
           <a:p>
             <a:fld id="{565CE74E-AB26-4998-AD42-012C4C1AD076}" type="slidenum">
               <a:rPr lang="zh-CN" altLang="en-US" smtClean="0"/>
-              <a:t>‹#›</a:t>
             </a:fld>
             <a:endParaRPr lang="zh-CN" altLang="en-US"/>
           </a:p>
@@ -1880,9 +1942,10 @@
           <a:lstStyle/>
           <a:p>
             <a:r>
-              <a:rPr lang="zh-CN" altLang="en-US"/>
+              <a:rPr lang="zh-CN" altLang="en-US" smtClean="0"/>
               <a:t>单击此处编辑母版标题样式</a:t>
             </a:r>
+            <a:endParaRPr lang="zh-CN" altLang="en-US"/>
           </a:p>
         </p:txBody>
       </p:sp>
@@ -1903,37 +1966,42 @@
           <a:p>
             <a:pPr lvl="0"/>
             <a:r>
-              <a:rPr lang="zh-CN" altLang="en-US"/>
+              <a:rPr lang="zh-CN" altLang="en-US" smtClean="0"/>
               <a:t>单击此处编辑母版文本样式</a:t>
             </a:r>
+            <a:endParaRPr lang="zh-CN" altLang="en-US" smtClean="0"/>
           </a:p>
           <a:p>
             <a:pPr lvl="1"/>
             <a:r>
-              <a:rPr lang="zh-CN" altLang="en-US"/>
+              <a:rPr lang="zh-CN" altLang="en-US" smtClean="0"/>
               <a:t>第二级</a:t>
             </a:r>
+            <a:endParaRPr lang="zh-CN" altLang="en-US" smtClean="0"/>
           </a:p>
           <a:p>
             <a:pPr lvl="2"/>
             <a:r>
-              <a:rPr lang="zh-CN" altLang="en-US"/>
+              <a:rPr lang="zh-CN" altLang="en-US" smtClean="0"/>
               <a:t>第三级</a:t>
             </a:r>
+            <a:endParaRPr lang="zh-CN" altLang="en-US" smtClean="0"/>
           </a:p>
           <a:p>
             <a:pPr lvl="3"/>
             <a:r>
-              <a:rPr lang="zh-CN" altLang="en-US"/>
+              <a:rPr lang="zh-CN" altLang="en-US" smtClean="0"/>
               <a:t>第四级</a:t>
             </a:r>
+            <a:endParaRPr lang="zh-CN" altLang="en-US" smtClean="0"/>
           </a:p>
           <a:p>
             <a:pPr lvl="4"/>
             <a:r>
-              <a:rPr lang="zh-CN" altLang="en-US"/>
+              <a:rPr lang="zh-CN" altLang="en-US" smtClean="0"/>
               <a:t>第五级</a:t>
             </a:r>
+            <a:endParaRPr lang="zh-CN" altLang="en-US"/>
           </a:p>
         </p:txBody>
       </p:sp>
@@ -1954,7 +2022,6 @@
           <a:p>
             <a:fld id="{D997B5FA-0921-464F-AAE1-844C04324D75}" type="datetimeFigureOut">
               <a:rPr lang="zh-CN" altLang="en-US" smtClean="0"/>
-              <a:t>2023/12/11</a:t>
             </a:fld>
             <a:endParaRPr lang="zh-CN" altLang="en-US"/>
           </a:p>
@@ -1996,7 +2063,6 @@
           <a:p>
             <a:fld id="{565CE74E-AB26-4998-AD42-012C4C1AD076}" type="slidenum">
               <a:rPr lang="zh-CN" altLang="en-US" smtClean="0"/>
-              <a:t>‹#›</a:t>
             </a:fld>
             <a:endParaRPr lang="zh-CN" altLang="en-US"/>
           </a:p>
@@ -2048,9 +2114,10 @@
           <a:lstStyle/>
           <a:p>
             <a:r>
-              <a:rPr lang="zh-CN" altLang="en-US"/>
+              <a:rPr lang="zh-CN" altLang="en-US" smtClean="0"/>
               <a:t>单击此处编辑母版标题样式</a:t>
             </a:r>
+            <a:endParaRPr lang="zh-CN" altLang="en-US"/>
           </a:p>
         </p:txBody>
       </p:sp>
@@ -2076,37 +2143,42 @@
           <a:p>
             <a:pPr lvl="0"/>
             <a:r>
-              <a:rPr lang="zh-CN" altLang="en-US"/>
+              <a:rPr lang="zh-CN" altLang="en-US" smtClean="0"/>
               <a:t>单击此处编辑母版文本样式</a:t>
             </a:r>
+            <a:endParaRPr lang="zh-CN" altLang="en-US" smtClean="0"/>
           </a:p>
           <a:p>
             <a:pPr lvl="1"/>
             <a:r>
-              <a:rPr lang="zh-CN" altLang="en-US"/>
+              <a:rPr lang="zh-CN" altLang="en-US" smtClean="0"/>
               <a:t>第二级</a:t>
             </a:r>
+            <a:endParaRPr lang="zh-CN" altLang="en-US" smtClean="0"/>
           </a:p>
           <a:p>
             <a:pPr lvl="2"/>
             <a:r>
-              <a:rPr lang="zh-CN" altLang="en-US"/>
+              <a:rPr lang="zh-CN" altLang="en-US" smtClean="0"/>
               <a:t>第三级</a:t>
             </a:r>
+            <a:endParaRPr lang="zh-CN" altLang="en-US" smtClean="0"/>
           </a:p>
           <a:p>
             <a:pPr lvl="3"/>
             <a:r>
-              <a:rPr lang="zh-CN" altLang="en-US"/>
+              <a:rPr lang="zh-CN" altLang="en-US" smtClean="0"/>
               <a:t>第四级</a:t>
             </a:r>
+            <a:endParaRPr lang="zh-CN" altLang="en-US" smtClean="0"/>
           </a:p>
           <a:p>
             <a:pPr lvl="4"/>
             <a:r>
-              <a:rPr lang="zh-CN" altLang="en-US"/>
+              <a:rPr lang="zh-CN" altLang="en-US" smtClean="0"/>
               <a:t>第五级</a:t>
             </a:r>
+            <a:endParaRPr lang="zh-CN" altLang="en-US"/>
           </a:p>
         </p:txBody>
       </p:sp>
@@ -2127,7 +2199,6 @@
           <a:p>
             <a:fld id="{D997B5FA-0921-464F-AAE1-844C04324D75}" type="datetimeFigureOut">
               <a:rPr lang="zh-CN" altLang="en-US" smtClean="0"/>
-              <a:t>2023/12/11</a:t>
             </a:fld>
             <a:endParaRPr lang="zh-CN" altLang="en-US"/>
           </a:p>
@@ -2169,7 +2240,6 @@
           <a:p>
             <a:fld id="{565CE74E-AB26-4998-AD42-012C4C1AD076}" type="slidenum">
               <a:rPr lang="zh-CN" altLang="en-US" smtClean="0"/>
-              <a:t>‹#›</a:t>
             </a:fld>
             <a:endParaRPr lang="zh-CN" altLang="en-US"/>
           </a:p>
@@ -2324,9 +2394,10 @@
           <a:lstStyle/>
           <a:p>
             <a:r>
-              <a:rPr lang="zh-CN" altLang="en-US"/>
+              <a:rPr lang="zh-CN" altLang="en-US" smtClean="0"/>
               <a:t>单击此处编辑母版标题样式</a:t>
             </a:r>
+            <a:endParaRPr lang="zh-CN" altLang="en-US"/>
           </a:p>
         </p:txBody>
       </p:sp>
@@ -2347,37 +2418,42 @@
           <a:p>
             <a:pPr lvl="0"/>
             <a:r>
-              <a:rPr lang="zh-CN" altLang="en-US"/>
+              <a:rPr lang="zh-CN" altLang="en-US" smtClean="0"/>
               <a:t>单击此处编辑母版文本样式</a:t>
             </a:r>
+            <a:endParaRPr lang="zh-CN" altLang="en-US" smtClean="0"/>
           </a:p>
           <a:p>
             <a:pPr lvl="1"/>
             <a:r>
-              <a:rPr lang="zh-CN" altLang="en-US"/>
+              <a:rPr lang="zh-CN" altLang="en-US" smtClean="0"/>
               <a:t>第二级</a:t>
             </a:r>
+            <a:endParaRPr lang="zh-CN" altLang="en-US" smtClean="0"/>
           </a:p>
           <a:p>
             <a:pPr lvl="2"/>
             <a:r>
-              <a:rPr lang="zh-CN" altLang="en-US"/>
+              <a:rPr lang="zh-CN" altLang="en-US" smtClean="0"/>
               <a:t>第三级</a:t>
             </a:r>
+            <a:endParaRPr lang="zh-CN" altLang="en-US" smtClean="0"/>
           </a:p>
           <a:p>
             <a:pPr lvl="3"/>
             <a:r>
-              <a:rPr lang="zh-CN" altLang="en-US"/>
+              <a:rPr lang="zh-CN" altLang="en-US" smtClean="0"/>
               <a:t>第四级</a:t>
             </a:r>
+            <a:endParaRPr lang="zh-CN" altLang="en-US" smtClean="0"/>
           </a:p>
           <a:p>
             <a:pPr lvl="4"/>
             <a:r>
-              <a:rPr lang="zh-CN" altLang="en-US"/>
+              <a:rPr lang="zh-CN" altLang="en-US" smtClean="0"/>
               <a:t>第五级</a:t>
             </a:r>
+            <a:endParaRPr lang="zh-CN" altLang="en-US"/>
           </a:p>
         </p:txBody>
       </p:sp>
@@ -2398,7 +2474,6 @@
           <a:p>
             <a:fld id="{D997B5FA-0921-464F-AAE1-844C04324D75}" type="datetimeFigureOut">
               <a:rPr lang="zh-CN" altLang="en-US" smtClean="0"/>
-              <a:t>2023/12/11</a:t>
             </a:fld>
             <a:endParaRPr lang="zh-CN" altLang="en-US"/>
           </a:p>
@@ -2440,7 +2515,6 @@
           <a:p>
             <a:fld id="{565CE74E-AB26-4998-AD42-012C4C1AD076}" type="slidenum">
               <a:rPr lang="zh-CN" altLang="en-US" smtClean="0"/>
-              <a:t>‹#›</a:t>
             </a:fld>
             <a:endParaRPr lang="zh-CN" altLang="en-US"/>
           </a:p>
@@ -2496,9 +2570,10 @@
           </a:lstStyle>
           <a:p>
             <a:r>
-              <a:rPr lang="zh-CN" altLang="en-US"/>
+              <a:rPr lang="zh-CN" altLang="en-US" smtClean="0"/>
               <a:t>单击此处编辑母版标题样式</a:t>
             </a:r>
+            <a:endParaRPr lang="zh-CN" altLang="en-US"/>
           </a:p>
         </p:txBody>
       </p:sp>
@@ -2615,9 +2690,10 @@
           <a:p>
             <a:pPr lvl="0"/>
             <a:r>
-              <a:rPr lang="zh-CN" altLang="en-US"/>
+              <a:rPr lang="zh-CN" altLang="en-US" smtClean="0"/>
               <a:t>单击此处编辑母版文本样式</a:t>
             </a:r>
+            <a:endParaRPr lang="zh-CN" altLang="en-US" smtClean="0"/>
           </a:p>
         </p:txBody>
       </p:sp>
@@ -2638,7 +2714,6 @@
           <a:p>
             <a:fld id="{D997B5FA-0921-464F-AAE1-844C04324D75}" type="datetimeFigureOut">
               <a:rPr lang="zh-CN" altLang="en-US" smtClean="0"/>
-              <a:t>2023/12/11</a:t>
             </a:fld>
             <a:endParaRPr lang="zh-CN" altLang="en-US"/>
           </a:p>
@@ -2680,7 +2755,6 @@
           <a:p>
             <a:fld id="{565CE74E-AB26-4998-AD42-012C4C1AD076}" type="slidenum">
               <a:rPr lang="zh-CN" altLang="en-US" smtClean="0"/>
-              <a:t>‹#›</a:t>
             </a:fld>
             <a:endParaRPr lang="zh-CN" altLang="en-US"/>
           </a:p>
@@ -2727,9 +2801,10 @@
           <a:lstStyle/>
           <a:p>
             <a:r>
-              <a:rPr lang="zh-CN" altLang="en-US"/>
+              <a:rPr lang="zh-CN" altLang="en-US" smtClean="0"/>
               <a:t>单击此处编辑母版标题样式</a:t>
             </a:r>
+            <a:endParaRPr lang="zh-CN" altLang="en-US"/>
           </a:p>
         </p:txBody>
       </p:sp>
@@ -2755,37 +2830,42 @@
           <a:p>
             <a:pPr lvl="0"/>
             <a:r>
-              <a:rPr lang="zh-CN" altLang="en-US"/>
+              <a:rPr lang="zh-CN" altLang="en-US" smtClean="0"/>
               <a:t>单击此处编辑母版文本样式</a:t>
             </a:r>
+            <a:endParaRPr lang="zh-CN" altLang="en-US" smtClean="0"/>
           </a:p>
           <a:p>
             <a:pPr lvl="1"/>
             <a:r>
-              <a:rPr lang="zh-CN" altLang="en-US"/>
+              <a:rPr lang="zh-CN" altLang="en-US" smtClean="0"/>
               <a:t>第二级</a:t>
             </a:r>
+            <a:endParaRPr lang="zh-CN" altLang="en-US" smtClean="0"/>
           </a:p>
           <a:p>
             <a:pPr lvl="2"/>
             <a:r>
-              <a:rPr lang="zh-CN" altLang="en-US"/>
+              <a:rPr lang="zh-CN" altLang="en-US" smtClean="0"/>
               <a:t>第三级</a:t>
             </a:r>
+            <a:endParaRPr lang="zh-CN" altLang="en-US" smtClean="0"/>
           </a:p>
           <a:p>
             <a:pPr lvl="3"/>
             <a:r>
-              <a:rPr lang="zh-CN" altLang="en-US"/>
+              <a:rPr lang="zh-CN" altLang="en-US" smtClean="0"/>
               <a:t>第四级</a:t>
             </a:r>
+            <a:endParaRPr lang="zh-CN" altLang="en-US" smtClean="0"/>
           </a:p>
           <a:p>
             <a:pPr lvl="4"/>
             <a:r>
-              <a:rPr lang="zh-CN" altLang="en-US"/>
+              <a:rPr lang="zh-CN" altLang="en-US" smtClean="0"/>
               <a:t>第五级</a:t>
             </a:r>
+            <a:endParaRPr lang="zh-CN" altLang="en-US"/>
           </a:p>
         </p:txBody>
       </p:sp>
@@ -2811,37 +2891,42 @@
           <a:p>
             <a:pPr lvl="0"/>
             <a:r>
-              <a:rPr lang="zh-CN" altLang="en-US"/>
+              <a:rPr lang="zh-CN" altLang="en-US" smtClean="0"/>
               <a:t>单击此处编辑母版文本样式</a:t>
             </a:r>
+            <a:endParaRPr lang="zh-CN" altLang="en-US" smtClean="0"/>
           </a:p>
           <a:p>
             <a:pPr lvl="1"/>
             <a:r>
-              <a:rPr lang="zh-CN" altLang="en-US"/>
+              <a:rPr lang="zh-CN" altLang="en-US" smtClean="0"/>
               <a:t>第二级</a:t>
             </a:r>
+            <a:endParaRPr lang="zh-CN" altLang="en-US" smtClean="0"/>
           </a:p>
           <a:p>
             <a:pPr lvl="2"/>
             <a:r>
-              <a:rPr lang="zh-CN" altLang="en-US"/>
+              <a:rPr lang="zh-CN" altLang="en-US" smtClean="0"/>
               <a:t>第三级</a:t>
             </a:r>
+            <a:endParaRPr lang="zh-CN" altLang="en-US" smtClean="0"/>
           </a:p>
           <a:p>
             <a:pPr lvl="3"/>
             <a:r>
-              <a:rPr lang="zh-CN" altLang="en-US"/>
+              <a:rPr lang="zh-CN" altLang="en-US" smtClean="0"/>
               <a:t>第四级</a:t>
             </a:r>
+            <a:endParaRPr lang="zh-CN" altLang="en-US" smtClean="0"/>
           </a:p>
           <a:p>
             <a:pPr lvl="4"/>
             <a:r>
-              <a:rPr lang="zh-CN" altLang="en-US"/>
+              <a:rPr lang="zh-CN" altLang="en-US" smtClean="0"/>
               <a:t>第五级</a:t>
             </a:r>
+            <a:endParaRPr lang="zh-CN" altLang="en-US"/>
           </a:p>
         </p:txBody>
       </p:sp>
@@ -2862,7 +2947,6 @@
           <a:p>
             <a:fld id="{D997B5FA-0921-464F-AAE1-844C04324D75}" type="datetimeFigureOut">
               <a:rPr lang="zh-CN" altLang="en-US" smtClean="0"/>
-              <a:t>2023/12/11</a:t>
             </a:fld>
             <a:endParaRPr lang="zh-CN" altLang="en-US"/>
           </a:p>
@@ -2904,7 +2988,6 @@
           <a:p>
             <a:fld id="{565CE74E-AB26-4998-AD42-012C4C1AD076}" type="slidenum">
               <a:rPr lang="zh-CN" altLang="en-US" smtClean="0"/>
-              <a:t>‹#›</a:t>
             </a:fld>
             <a:endParaRPr lang="zh-CN" altLang="en-US"/>
           </a:p>
@@ -2956,9 +3039,10 @@
           <a:lstStyle/>
           <a:p>
             <a:r>
-              <a:rPr lang="zh-CN" altLang="en-US"/>
+              <a:rPr lang="zh-CN" altLang="en-US" smtClean="0"/>
               <a:t>单击此处编辑母版标题样式</a:t>
             </a:r>
+            <a:endParaRPr lang="zh-CN" altLang="en-US"/>
           </a:p>
         </p:txBody>
       </p:sp>
@@ -3021,9 +3105,10 @@
           <a:p>
             <a:pPr lvl="0"/>
             <a:r>
-              <a:rPr lang="zh-CN" altLang="en-US"/>
+              <a:rPr lang="zh-CN" altLang="en-US" smtClean="0"/>
               <a:t>单击此处编辑母版文本样式</a:t>
             </a:r>
+            <a:endParaRPr lang="zh-CN" altLang="en-US" smtClean="0"/>
           </a:p>
         </p:txBody>
       </p:sp>
@@ -3049,37 +3134,42 @@
           <a:p>
             <a:pPr lvl="0"/>
             <a:r>
-              <a:rPr lang="zh-CN" altLang="en-US"/>
+              <a:rPr lang="zh-CN" altLang="en-US" smtClean="0"/>
               <a:t>单击此处编辑母版文本样式</a:t>
             </a:r>
+            <a:endParaRPr lang="zh-CN" altLang="en-US" smtClean="0"/>
           </a:p>
           <a:p>
             <a:pPr lvl="1"/>
             <a:r>
-              <a:rPr lang="zh-CN" altLang="en-US"/>
+              <a:rPr lang="zh-CN" altLang="en-US" smtClean="0"/>
               <a:t>第二级</a:t>
             </a:r>
+            <a:endParaRPr lang="zh-CN" altLang="en-US" smtClean="0"/>
           </a:p>
           <a:p>
             <a:pPr lvl="2"/>
             <a:r>
-              <a:rPr lang="zh-CN" altLang="en-US"/>
+              <a:rPr lang="zh-CN" altLang="en-US" smtClean="0"/>
               <a:t>第三级</a:t>
             </a:r>
+            <a:endParaRPr lang="zh-CN" altLang="en-US" smtClean="0"/>
           </a:p>
           <a:p>
             <a:pPr lvl="3"/>
             <a:r>
-              <a:rPr lang="zh-CN" altLang="en-US"/>
+              <a:rPr lang="zh-CN" altLang="en-US" smtClean="0"/>
               <a:t>第四级</a:t>
             </a:r>
+            <a:endParaRPr lang="zh-CN" altLang="en-US" smtClean="0"/>
           </a:p>
           <a:p>
             <a:pPr lvl="4"/>
             <a:r>
-              <a:rPr lang="zh-CN" altLang="en-US"/>
+              <a:rPr lang="zh-CN" altLang="en-US" smtClean="0"/>
               <a:t>第五级</a:t>
             </a:r>
+            <a:endParaRPr lang="zh-CN" altLang="en-US"/>
           </a:p>
         </p:txBody>
       </p:sp>
@@ -3142,9 +3232,10 @@
           <a:p>
             <a:pPr lvl="0"/>
             <a:r>
-              <a:rPr lang="zh-CN" altLang="en-US"/>
+              <a:rPr lang="zh-CN" altLang="en-US" smtClean="0"/>
               <a:t>单击此处编辑母版文本样式</a:t>
             </a:r>
+            <a:endParaRPr lang="zh-CN" altLang="en-US" smtClean="0"/>
           </a:p>
         </p:txBody>
       </p:sp>
@@ -3170,37 +3261,42 @@
           <a:p>
             <a:pPr lvl="0"/>
             <a:r>
-              <a:rPr lang="zh-CN" altLang="en-US"/>
+              <a:rPr lang="zh-CN" altLang="en-US" smtClean="0"/>
               <a:t>单击此处编辑母版文本样式</a:t>
             </a:r>
+            <a:endParaRPr lang="zh-CN" altLang="en-US" smtClean="0"/>
           </a:p>
           <a:p>
             <a:pPr lvl="1"/>
             <a:r>
-              <a:rPr lang="zh-CN" altLang="en-US"/>
+              <a:rPr lang="zh-CN" altLang="en-US" smtClean="0"/>
               <a:t>第二级</a:t>
             </a:r>
+            <a:endParaRPr lang="zh-CN" altLang="en-US" smtClean="0"/>
           </a:p>
           <a:p>
             <a:pPr lvl="2"/>
             <a:r>
-              <a:rPr lang="zh-CN" altLang="en-US"/>
+              <a:rPr lang="zh-CN" altLang="en-US" smtClean="0"/>
               <a:t>第三级</a:t>
             </a:r>
+            <a:endParaRPr lang="zh-CN" altLang="en-US" smtClean="0"/>
           </a:p>
           <a:p>
             <a:pPr lvl="3"/>
             <a:r>
-              <a:rPr lang="zh-CN" altLang="en-US"/>
+              <a:rPr lang="zh-CN" altLang="en-US" smtClean="0"/>
               <a:t>第四级</a:t>
             </a:r>
+            <a:endParaRPr lang="zh-CN" altLang="en-US" smtClean="0"/>
           </a:p>
           <a:p>
             <a:pPr lvl="4"/>
             <a:r>
-              <a:rPr lang="zh-CN" altLang="en-US"/>
+              <a:rPr lang="zh-CN" altLang="en-US" smtClean="0"/>
               <a:t>第五级</a:t>
             </a:r>
+            <a:endParaRPr lang="zh-CN" altLang="en-US"/>
           </a:p>
         </p:txBody>
       </p:sp>
@@ -3221,7 +3317,6 @@
           <a:p>
             <a:fld id="{D997B5FA-0921-464F-AAE1-844C04324D75}" type="datetimeFigureOut">
               <a:rPr lang="zh-CN" altLang="en-US" smtClean="0"/>
-              <a:t>2023/12/11</a:t>
             </a:fld>
             <a:endParaRPr lang="zh-CN" altLang="en-US"/>
           </a:p>
@@ -3263,7 +3358,6 @@
           <a:p>
             <a:fld id="{565CE74E-AB26-4998-AD42-012C4C1AD076}" type="slidenum">
               <a:rPr lang="zh-CN" altLang="en-US" smtClean="0"/>
-              <a:t>‹#›</a:t>
             </a:fld>
             <a:endParaRPr lang="zh-CN" altLang="en-US"/>
           </a:p>
@@ -3310,9 +3404,10 @@
           <a:lstStyle/>
           <a:p>
             <a:r>
-              <a:rPr lang="zh-CN" altLang="en-US"/>
+              <a:rPr lang="zh-CN" altLang="en-US" smtClean="0"/>
               <a:t>单击此处编辑母版标题样式</a:t>
             </a:r>
+            <a:endParaRPr lang="zh-CN" altLang="en-US"/>
           </a:p>
         </p:txBody>
       </p:sp>
@@ -3333,7 +3428,6 @@
           <a:p>
             <a:fld id="{D997B5FA-0921-464F-AAE1-844C04324D75}" type="datetimeFigureOut">
               <a:rPr lang="zh-CN" altLang="en-US" smtClean="0"/>
-              <a:t>2023/12/11</a:t>
             </a:fld>
             <a:endParaRPr lang="zh-CN" altLang="en-US"/>
           </a:p>
@@ -3375,7 +3469,6 @@
           <a:p>
             <a:fld id="{565CE74E-AB26-4998-AD42-012C4C1AD076}" type="slidenum">
               <a:rPr lang="zh-CN" altLang="en-US" smtClean="0"/>
-              <a:t>‹#›</a:t>
             </a:fld>
             <a:endParaRPr lang="zh-CN" altLang="en-US"/>
           </a:p>
@@ -3423,7 +3516,6 @@
           <a:p>
             <a:fld id="{D997B5FA-0921-464F-AAE1-844C04324D75}" type="datetimeFigureOut">
               <a:rPr lang="zh-CN" altLang="en-US" smtClean="0"/>
-              <a:t>2023/12/11</a:t>
             </a:fld>
             <a:endParaRPr lang="zh-CN" altLang="en-US"/>
           </a:p>
@@ -3465,7 +3557,6 @@
           <a:p>
             <a:fld id="{565CE74E-AB26-4998-AD42-012C4C1AD076}" type="slidenum">
               <a:rPr lang="zh-CN" altLang="en-US" smtClean="0"/>
-              <a:t>‹#›</a:t>
             </a:fld>
             <a:endParaRPr lang="zh-CN" altLang="en-US"/>
           </a:p>
@@ -3521,9 +3612,10 @@
           </a:lstStyle>
           <a:p>
             <a:r>
-              <a:rPr lang="zh-CN" altLang="en-US"/>
+              <a:rPr lang="zh-CN" altLang="en-US" smtClean="0"/>
               <a:t>单击此处编辑母版标题样式</a:t>
             </a:r>
+            <a:endParaRPr lang="zh-CN" altLang="en-US"/>
           </a:p>
         </p:txBody>
       </p:sp>
@@ -3577,37 +3669,42 @@
           <a:p>
             <a:pPr lvl="0"/>
             <a:r>
-              <a:rPr lang="zh-CN" altLang="en-US"/>
+              <a:rPr lang="zh-CN" altLang="en-US" smtClean="0"/>
               <a:t>单击此处编辑母版文本样式</a:t>
             </a:r>
+            <a:endParaRPr lang="zh-CN" altLang="en-US" smtClean="0"/>
           </a:p>
           <a:p>
             <a:pPr lvl="1"/>
             <a:r>
-              <a:rPr lang="zh-CN" altLang="en-US"/>
+              <a:rPr lang="zh-CN" altLang="en-US" smtClean="0"/>
               <a:t>第二级</a:t>
             </a:r>
+            <a:endParaRPr lang="zh-CN" altLang="en-US" smtClean="0"/>
           </a:p>
           <a:p>
             <a:pPr lvl="2"/>
             <a:r>
-              <a:rPr lang="zh-CN" altLang="en-US"/>
+              <a:rPr lang="zh-CN" altLang="en-US" smtClean="0"/>
               <a:t>第三级</a:t>
             </a:r>
+            <a:endParaRPr lang="zh-CN" altLang="en-US" smtClean="0"/>
           </a:p>
           <a:p>
             <a:pPr lvl="3"/>
             <a:r>
-              <a:rPr lang="zh-CN" altLang="en-US"/>
+              <a:rPr lang="zh-CN" altLang="en-US" smtClean="0"/>
               <a:t>第四级</a:t>
             </a:r>
+            <a:endParaRPr lang="zh-CN" altLang="en-US" smtClean="0"/>
           </a:p>
           <a:p>
             <a:pPr lvl="4"/>
             <a:r>
-              <a:rPr lang="zh-CN" altLang="en-US"/>
+              <a:rPr lang="zh-CN" altLang="en-US" smtClean="0"/>
               <a:t>第五级</a:t>
             </a:r>
+            <a:endParaRPr lang="zh-CN" altLang="en-US"/>
           </a:p>
         </p:txBody>
       </p:sp>
@@ -3670,9 +3767,10 @@
           <a:p>
             <a:pPr lvl="0"/>
             <a:r>
-              <a:rPr lang="zh-CN" altLang="en-US"/>
+              <a:rPr lang="zh-CN" altLang="en-US" smtClean="0"/>
               <a:t>单击此处编辑母版文本样式</a:t>
             </a:r>
+            <a:endParaRPr lang="zh-CN" altLang="en-US" smtClean="0"/>
           </a:p>
         </p:txBody>
       </p:sp>
@@ -3693,7 +3791,6 @@
           <a:p>
             <a:fld id="{D997B5FA-0921-464F-AAE1-844C04324D75}" type="datetimeFigureOut">
               <a:rPr lang="zh-CN" altLang="en-US" smtClean="0"/>
-              <a:t>2023/12/11</a:t>
             </a:fld>
             <a:endParaRPr lang="zh-CN" altLang="en-US"/>
           </a:p>
@@ -3735,7 +3832,6 @@
           <a:p>
             <a:fld id="{565CE74E-AB26-4998-AD42-012C4C1AD076}" type="slidenum">
               <a:rPr lang="zh-CN" altLang="en-US" smtClean="0"/>
-              <a:t>‹#›</a:t>
             </a:fld>
             <a:endParaRPr lang="zh-CN" altLang="en-US"/>
           </a:p>
@@ -3791,9 +3887,10 @@
           </a:lstStyle>
           <a:p>
             <a:r>
-              <a:rPr lang="zh-CN" altLang="en-US"/>
+              <a:rPr lang="zh-CN" altLang="en-US" smtClean="0"/>
               <a:t>单击此处编辑母版标题样式</a:t>
             </a:r>
+            <a:endParaRPr lang="zh-CN" altLang="en-US"/>
           </a:p>
         </p:txBody>
       </p:sp>
@@ -3917,9 +4014,10 @@
           <a:p>
             <a:pPr lvl="0"/>
             <a:r>
-              <a:rPr lang="zh-CN" altLang="en-US"/>
+              <a:rPr lang="zh-CN" altLang="en-US" smtClean="0"/>
               <a:t>单击此处编辑母版文本样式</a:t>
             </a:r>
+            <a:endParaRPr lang="zh-CN" altLang="en-US" smtClean="0"/>
           </a:p>
         </p:txBody>
       </p:sp>
@@ -3940,7 +4038,6 @@
           <a:p>
             <a:fld id="{D997B5FA-0921-464F-AAE1-844C04324D75}" type="datetimeFigureOut">
               <a:rPr lang="zh-CN" altLang="en-US" smtClean="0"/>
-              <a:t>2023/12/11</a:t>
             </a:fld>
             <a:endParaRPr lang="zh-CN" altLang="en-US"/>
           </a:p>
@@ -3982,7 +4079,6 @@
           <a:p>
             <a:fld id="{565CE74E-AB26-4998-AD42-012C4C1AD076}" type="slidenum">
               <a:rPr lang="zh-CN" altLang="en-US" smtClean="0"/>
-              <a:t>‹#›</a:t>
             </a:fld>
             <a:endParaRPr lang="zh-CN" altLang="en-US"/>
           </a:p>
@@ -4044,9 +4140,10 @@
           <a:lstStyle/>
           <a:p>
             <a:r>
-              <a:rPr lang="zh-CN" altLang="en-US"/>
+              <a:rPr lang="zh-CN" altLang="en-US" smtClean="0"/>
               <a:t>单击此处编辑母版标题样式</a:t>
             </a:r>
+            <a:endParaRPr lang="zh-CN" altLang="en-US"/>
           </a:p>
         </p:txBody>
       </p:sp>
@@ -4077,37 +4174,42 @@
           <a:p>
             <a:pPr lvl="0"/>
             <a:r>
-              <a:rPr lang="zh-CN" altLang="en-US"/>
+              <a:rPr lang="zh-CN" altLang="en-US" smtClean="0"/>
               <a:t>单击此处编辑母版文本样式</a:t>
             </a:r>
+            <a:endParaRPr lang="zh-CN" altLang="en-US" smtClean="0"/>
           </a:p>
           <a:p>
             <a:pPr lvl="1"/>
             <a:r>
-              <a:rPr lang="zh-CN" altLang="en-US"/>
+              <a:rPr lang="zh-CN" altLang="en-US" smtClean="0"/>
               <a:t>第二级</a:t>
             </a:r>
+            <a:endParaRPr lang="zh-CN" altLang="en-US" smtClean="0"/>
           </a:p>
           <a:p>
             <a:pPr lvl="2"/>
             <a:r>
-              <a:rPr lang="zh-CN" altLang="en-US"/>
+              <a:rPr lang="zh-CN" altLang="en-US" smtClean="0"/>
               <a:t>第三级</a:t>
             </a:r>
+            <a:endParaRPr lang="zh-CN" altLang="en-US" smtClean="0"/>
           </a:p>
           <a:p>
             <a:pPr lvl="3"/>
             <a:r>
-              <a:rPr lang="zh-CN" altLang="en-US"/>
+              <a:rPr lang="zh-CN" altLang="en-US" smtClean="0"/>
               <a:t>第四级</a:t>
             </a:r>
+            <a:endParaRPr lang="zh-CN" altLang="en-US" smtClean="0"/>
           </a:p>
           <a:p>
             <a:pPr lvl="4"/>
             <a:r>
-              <a:rPr lang="zh-CN" altLang="en-US"/>
+              <a:rPr lang="zh-CN" altLang="en-US" smtClean="0"/>
               <a:t>第五级</a:t>
             </a:r>
+            <a:endParaRPr lang="zh-CN" altLang="en-US"/>
           </a:p>
         </p:txBody>
       </p:sp>
@@ -4146,7 +4248,6 @@
           <a:p>
             <a:fld id="{D997B5FA-0921-464F-AAE1-844C04324D75}" type="datetimeFigureOut">
               <a:rPr lang="zh-CN" altLang="en-US" smtClean="0"/>
-              <a:t>2023/12/11</a:t>
             </a:fld>
             <a:endParaRPr lang="zh-CN" altLang="en-US"/>
           </a:p>
@@ -4224,7 +4325,6 @@
           <a:p>
             <a:fld id="{565CE74E-AB26-4998-AD42-012C4C1AD076}" type="slidenum">
               <a:rPr lang="zh-CN" altLang="en-US" smtClean="0"/>
-              <a:t>‹#›</a:t>
             </a:fld>
             <a:endParaRPr lang="zh-CN" altLang="en-US"/>
           </a:p>
@@ -4556,7 +4656,7 @@
           <p:nvPr/>
         </p:nvPicPr>
         <p:blipFill>
-          <a:blip r:embed="rId3" cstate="print">
+          <a:blip r:embed="rId1" cstate="print">
             <a:extLst>
               <a:ext uri="{28A0092B-C50C-407E-A947-70E740481C1C}">
                 <a14:useLocalDpi xmlns:a14="http://schemas.microsoft.com/office/drawing/2010/main" val="0"/>
@@ -4723,6 +4823,13 @@
               </a:rPr>
               <a:t>Midterm Project MileStone 4</a:t>
             </a:r>
+            <a:endParaRPr lang="en-US" altLang="zh-CN" sz="4400" b="1">
+              <a:solidFill>
+                <a:schemeClr val="bg1"/>
+              </a:solidFill>
+              <a:latin typeface="微软雅黑" panose="020B0503020204020204" charset="-122"/>
+              <a:ea typeface="微软雅黑" panose="020B0503020204020204" charset="-122"/>
+            </a:endParaRPr>
           </a:p>
           <a:p>
             <a:pPr algn="ctr">
@@ -4744,7 +4851,7 @@
           <p:cNvSpPr/>
           <p:nvPr>
             <p:custDataLst>
-              <p:tags r:id="rId1"/>
+              <p:tags r:id="rId2"/>
             </p:custDataLst>
           </p:nvPr>
         </p:nvSpPr>
@@ -4947,7 +5054,7 @@
           </p:nvPr>
         </p:nvPicPr>
         <p:blipFill>
-          <a:blip r:embed="rId8" cstate="print">
+          <a:blip r:embed="rId2" cstate="print">
             <a:extLst>
               <a:ext uri="{28A0092B-C50C-407E-A947-70E740481C1C}">
                 <a14:useLocalDpi xmlns:a14="http://schemas.microsoft.com/office/drawing/2010/main" val="0"/>
@@ -5020,12 +5127,12 @@
           </p:cNvPicPr>
           <p:nvPr>
             <p:custDataLst>
-              <p:tags r:id="rId2"/>
+              <p:tags r:id="rId3"/>
             </p:custDataLst>
           </p:nvPr>
         </p:nvPicPr>
         <p:blipFill>
-          <a:blip r:embed="rId9"/>
+          <a:blip r:embed="rId4"/>
           <a:stretch>
             <a:fillRect/>
           </a:stretch>
@@ -5049,7 +5156,7 @@
           <p:nvPr/>
         </p:nvPicPr>
         <p:blipFill>
-          <a:blip r:embed="rId10"/>
+          <a:blip r:embed="rId5"/>
           <a:stretch>
             <a:fillRect/>
           </a:stretch>
@@ -5073,7 +5180,7 @@
           <p:nvPr/>
         </p:nvPicPr>
         <p:blipFill>
-          <a:blip r:embed="rId11"/>
+          <a:blip r:embed="rId6"/>
           <a:stretch>
             <a:fillRect/>
           </a:stretch>
@@ -5097,7 +5204,7 @@
           <p:nvPr/>
         </p:nvPicPr>
         <p:blipFill>
-          <a:blip r:embed="rId12"/>
+          <a:blip r:embed="rId7"/>
           <a:stretch>
             <a:fillRect/>
           </a:stretch>
@@ -5121,7 +5228,7 @@
           <p:nvPr/>
         </p:nvPicPr>
         <p:blipFill>
-          <a:blip r:embed="rId13"/>
+          <a:blip r:embed="rId8"/>
           <a:stretch>
             <a:fillRect/>
           </a:stretch>
@@ -5142,7 +5249,7 @@
           <p:cNvSpPr/>
           <p:nvPr>
             <p:custDataLst>
-              <p:tags r:id="rId3"/>
+              <p:tags r:id="rId9"/>
             </p:custDataLst>
           </p:nvPr>
         </p:nvSpPr>
@@ -5180,7 +5287,6 @@
         </p:style>
         <p:txBody>
           <a:bodyPr rtlCol="0" anchor="ctr"/>
-          <a:lstStyle/>
           <a:p>
             <a:pPr algn="ctr"/>
             <a:endParaRPr lang="zh-CN" altLang="en-US">
@@ -5197,7 +5303,7 @@
           <p:cNvSpPr/>
           <p:nvPr>
             <p:custDataLst>
-              <p:tags r:id="rId4"/>
+              <p:tags r:id="rId10"/>
             </p:custDataLst>
           </p:nvPr>
         </p:nvSpPr>
@@ -5235,7 +5341,6 @@
         </p:style>
         <p:txBody>
           <a:bodyPr rtlCol="0" anchor="ctr"/>
-          <a:lstStyle/>
           <a:p>
             <a:pPr algn="ctr"/>
             <a:endParaRPr lang="zh-CN" altLang="en-US">
@@ -5252,7 +5357,7 @@
           <p:cNvSpPr/>
           <p:nvPr>
             <p:custDataLst>
-              <p:tags r:id="rId5"/>
+              <p:tags r:id="rId11"/>
             </p:custDataLst>
           </p:nvPr>
         </p:nvSpPr>
@@ -5290,7 +5395,6 @@
         </p:style>
         <p:txBody>
           <a:bodyPr rtlCol="0" anchor="ctr"/>
-          <a:lstStyle/>
           <a:p>
             <a:pPr algn="ctr"/>
             <a:endParaRPr lang="zh-CN" altLang="en-US">
@@ -5321,7 +5425,6 @@
           <a:bodyPr wrap="square" rtlCol="0">
             <a:noAutofit/>
           </a:bodyPr>
-          <a:lstStyle/>
           <a:p>
             <a:r>
               <a:rPr lang="en-US" altLang="zh-CN" sz="2000"/>
@@ -5335,6 +5438,7 @@
               <a:rPr lang="zh-CN" altLang="en-US"/>
               <a:t> </a:t>
             </a:r>
+            <a:endParaRPr lang="zh-CN" altLang="en-US"/>
           </a:p>
         </p:txBody>
       </p:sp>
@@ -5358,12 +5462,12 @@
           <a:bodyPr wrap="square" rtlCol="0">
             <a:spAutoFit/>
           </a:bodyPr>
-          <a:lstStyle/>
           <a:p>
             <a:r>
               <a:rPr lang="en-US" altLang="zh-CN" sz="2000"/>
               <a:t>Defined ‘class’ as the initial value for ‘selectgroup’</a:t>
             </a:r>
+            <a:endParaRPr lang="en-US" altLang="zh-CN" sz="2000"/>
           </a:p>
         </p:txBody>
       </p:sp>
@@ -5387,7 +5491,6 @@
           <a:bodyPr wrap="square" rtlCol="0">
             <a:spAutoFit/>
           </a:bodyPr>
-          <a:lstStyle/>
           <a:p>
             <a:r>
               <a:rPr lang="en-US" altLang="zh-CN" sz="2000"/>
@@ -5405,6 +5508,7 @@
               <a:rPr lang="zh-CN" altLang="en-US" sz="2000"/>
               <a:t> the value of selectedGroup with the identifiers of each group option ('classic' or 'small')</a:t>
             </a:r>
+            <a:endParaRPr lang="zh-CN" altLang="en-US" sz="2000"/>
           </a:p>
         </p:txBody>
       </p:sp>
@@ -5446,7 +5550,7 @@
           </p:nvPr>
         </p:nvPicPr>
         <p:blipFill>
-          <a:blip r:embed="rId6" cstate="print">
+          <a:blip r:embed="rId2" cstate="print">
             <a:extLst>
               <a:ext uri="{28A0092B-C50C-407E-A947-70E740481C1C}">
                 <a14:useLocalDpi xmlns:a14="http://schemas.microsoft.com/office/drawing/2010/main" val="0"/>
@@ -5459,7 +5563,7 @@
         </p:blipFill>
         <p:spPr>
           <a:xfrm>
-            <a:off x="0" y="-64666"/>
+            <a:off x="0" y="5819"/>
             <a:ext cx="12192000" cy="6852181"/>
           </a:xfrm>
           <a:prstGeom prst="rect">
@@ -5479,7 +5583,7 @@
         </p:nvSpPr>
         <p:spPr>
           <a:xfrm>
-            <a:off x="1415415" y="365125"/>
+            <a:off x="690245" y="454025"/>
             <a:ext cx="10515600" cy="1325563"/>
           </a:xfrm>
         </p:spPr>
@@ -5519,12 +5623,12 @@
           </p:cNvPicPr>
           <p:nvPr>
             <p:custDataLst>
-              <p:tags r:id="rId2"/>
+              <p:tags r:id="rId3"/>
             </p:custDataLst>
           </p:nvPr>
         </p:nvPicPr>
         <p:blipFill>
-          <a:blip r:embed="rId7"/>
+          <a:blip r:embed="rId4"/>
           <a:stretch>
             <a:fillRect/>
           </a:stretch>
@@ -5559,7 +5663,6 @@
           <a:bodyPr wrap="square" rtlCol="0">
             <a:spAutoFit/>
           </a:bodyPr>
-          <a:lstStyle/>
           <a:p>
             <a:r>
               <a:rPr lang="en-US" altLang="zh-CN" sz="2400" b="1" dirty="0">
@@ -5584,7 +5687,7 @@
           <p:nvPr/>
         </p:nvPicPr>
         <p:blipFill>
-          <a:blip r:embed="rId8"/>
+          <a:blip r:embed="rId5"/>
           <a:stretch>
             <a:fillRect/>
           </a:stretch>
@@ -5619,7 +5722,6 @@
           <a:bodyPr wrap="square" rtlCol="0">
             <a:spAutoFit/>
           </a:bodyPr>
-          <a:lstStyle/>
           <a:p>
             <a:pPr algn="l">
               <a:buClrTx/>
@@ -5635,6 +5737,12 @@
               </a:rPr>
               <a:t>Implemented registration function</a:t>
             </a:r>
+            <a:endParaRPr lang="en-US" altLang="zh-CN" sz="2400" b="1" dirty="0">
+              <a:solidFill>
+                <a:srgbClr val="244C89"/>
+              </a:solidFill>
+              <a:ea typeface="微软雅黑" panose="020B0503020204020204" charset="-122"/>
+            </a:endParaRPr>
           </a:p>
           <a:p>
             <a:endParaRPr lang="zh-CN" altLang="en-US"/>
@@ -5650,7 +5758,7 @@
           <p:nvPr/>
         </p:nvPicPr>
         <p:blipFill>
-          <a:blip r:embed="rId9"/>
+          <a:blip r:embed="rId6"/>
           <a:stretch>
             <a:fillRect/>
           </a:stretch>
@@ -5671,7 +5779,7 @@
           <p:cNvSpPr/>
           <p:nvPr>
             <p:custDataLst>
-              <p:tags r:id="rId3"/>
+              <p:tags r:id="rId7"/>
             </p:custDataLst>
           </p:nvPr>
         </p:nvSpPr>
@@ -5709,7 +5817,6 @@
         </p:style>
         <p:txBody>
           <a:bodyPr rtlCol="0" anchor="ctr"/>
-          <a:lstStyle/>
           <a:p>
             <a:pPr algn="ctr"/>
             <a:endParaRPr lang="zh-CN" altLang="en-US">
@@ -5740,18 +5847,19 @@
           <a:bodyPr wrap="square" rtlCol="0">
             <a:spAutoFit/>
           </a:bodyPr>
-          <a:lstStyle/>
           <a:p>
             <a:r>
               <a:rPr lang="zh-CN" altLang="en-US"/>
               <a:t>Setting form data</a:t>
             </a:r>
+            <a:endParaRPr lang="zh-CN" altLang="en-US"/>
           </a:p>
           <a:p>
             <a:r>
               <a:rPr lang="zh-CN" altLang="en-US"/>
               <a:t>Open modal box</a:t>
             </a:r>
+            <a:endParaRPr lang="zh-CN" altLang="en-US"/>
           </a:p>
         </p:txBody>
       </p:sp>
@@ -5775,12 +5883,12 @@
           <a:bodyPr wrap="square" rtlCol="0">
             <a:spAutoFit/>
           </a:bodyPr>
-          <a:lstStyle/>
           <a:p>
             <a:r>
               <a:rPr lang="zh-CN" altLang="en-US"/>
               <a:t>Setting Variables</a:t>
             </a:r>
+            <a:endParaRPr lang="zh-CN" altLang="en-US"/>
           </a:p>
         </p:txBody>
       </p:sp>
@@ -5822,7 +5930,7 @@
           </p:nvPr>
         </p:nvPicPr>
         <p:blipFill>
-          <a:blip r:embed="rId5" cstate="print">
+          <a:blip r:embed="rId2" cstate="print">
             <a:extLst>
               <a:ext uri="{28A0092B-C50C-407E-A947-70E740481C1C}">
                 <a14:useLocalDpi xmlns:a14="http://schemas.microsoft.com/office/drawing/2010/main" val="0"/>
@@ -5895,12 +6003,12 @@
           </p:cNvPicPr>
           <p:nvPr>
             <p:custDataLst>
-              <p:tags r:id="rId2"/>
+              <p:tags r:id="rId3"/>
             </p:custDataLst>
           </p:nvPr>
         </p:nvPicPr>
         <p:blipFill>
-          <a:blip r:embed="rId6"/>
+          <a:blip r:embed="rId4"/>
           <a:stretch>
             <a:fillRect/>
           </a:stretch>
@@ -5935,7 +6043,6 @@
           <a:bodyPr wrap="square" rtlCol="0">
             <a:spAutoFit/>
           </a:bodyPr>
-          <a:lstStyle/>
           <a:p>
             <a:r>
               <a:rPr lang="en-US" altLang="zh-CN" sz="2400" b="1" dirty="0">
@@ -5971,7 +6078,6 @@
           <a:bodyPr wrap="square" rtlCol="0">
             <a:spAutoFit/>
           </a:bodyPr>
-          <a:lstStyle/>
           <a:p>
             <a:pPr algn="l">
               <a:buClrTx/>
@@ -5987,6 +6093,12 @@
               </a:rPr>
               <a:t>External CSS libraries</a:t>
             </a:r>
+            <a:endParaRPr lang="en-US" altLang="zh-CN" sz="2400" b="1" dirty="0">
+              <a:solidFill>
+                <a:srgbClr val="244C89"/>
+              </a:solidFill>
+              <a:ea typeface="微软雅黑" panose="020B0503020204020204" charset="-122"/>
+            </a:endParaRPr>
           </a:p>
           <a:p>
             <a:endParaRPr lang="zh-CN" altLang="en-US"/>
@@ -6002,7 +6114,7 @@
           <p:nvPr/>
         </p:nvPicPr>
         <p:blipFill>
-          <a:blip r:embed="rId7"/>
+          <a:blip r:embed="rId5"/>
           <a:stretch>
             <a:fillRect/>
           </a:stretch>
@@ -6026,7 +6138,7 @@
           <p:nvPr/>
         </p:nvPicPr>
         <p:blipFill>
-          <a:blip r:embed="rId8"/>
+          <a:blip r:embed="rId6"/>
           <a:stretch>
             <a:fillRect/>
           </a:stretch>
@@ -6050,7 +6162,7 @@
           <p:nvPr/>
         </p:nvPicPr>
         <p:blipFill>
-          <a:blip r:embed="rId9"/>
+          <a:blip r:embed="rId7"/>
           <a:stretch>
             <a:fillRect/>
           </a:stretch>
@@ -6099,7 +6211,7 @@
           <p:nvPr/>
         </p:nvPicPr>
         <p:blipFill>
-          <a:blip r:embed="rId3" cstate="print">
+          <a:blip r:embed="rId1" cstate="print">
             <a:extLst>
               <a:ext uri="{28A0092B-C50C-407E-A947-70E740481C1C}">
                 <a14:useLocalDpi xmlns:a14="http://schemas.microsoft.com/office/drawing/2010/main" val="0"/>
@@ -6340,6 +6452,14 @@
               </a:rPr>
               <a:t>Operation </a:t>
             </a:r>
+            <a:endParaRPr lang="en-US" altLang="zh-CN" sz="4400" b="1" dirty="0">
+              <a:solidFill>
+                <a:schemeClr val="bg1"/>
+              </a:solidFill>
+              <a:latin typeface="微软雅黑" panose="020B0503020204020204" charset="-122"/>
+              <a:ea typeface="微软雅黑" panose="020B0503020204020204" charset="-122"/>
+              <a:sym typeface="+mn-ea"/>
+            </a:endParaRPr>
           </a:p>
           <a:p>
             <a:r>
@@ -6397,7 +6517,7 @@
           <p:nvPr/>
         </p:nvPicPr>
         <p:blipFill>
-          <a:blip r:embed="rId3" cstate="print">
+          <a:blip r:embed="rId1" cstate="print">
             <a:extLst>
               <a:ext uri="{28A0092B-C50C-407E-A947-70E740481C1C}">
                 <a14:useLocalDpi xmlns:a14="http://schemas.microsoft.com/office/drawing/2010/main" val="0"/>
@@ -6608,7 +6728,7 @@
         </p:nvSpPr>
         <p:spPr>
           <a:xfrm>
-            <a:off x="4818295" y="3069277"/>
+            <a:off x="4818295" y="2597472"/>
             <a:ext cx="4517294" cy="830997"/>
           </a:xfrm>
           <a:prstGeom prst="rect">
@@ -6648,6 +6768,48 @@
           </a:p>
         </p:txBody>
       </p:sp>
+      <p:sp>
+        <p:nvSpPr>
+          <p:cNvPr id="3" name="文本框 2"/>
+          <p:cNvSpPr txBox="1"/>
+          <p:nvPr/>
+        </p:nvSpPr>
+        <p:spPr>
+          <a:xfrm>
+            <a:off x="4846320" y="3582670"/>
+            <a:ext cx="4509770" cy="829945"/>
+          </a:xfrm>
+          <a:prstGeom prst="rect">
+            <a:avLst/>
+          </a:prstGeom>
+          <a:noFill/>
+        </p:spPr>
+        <p:txBody>
+          <a:bodyPr wrap="square" rtlCol="0">
+            <a:spAutoFit/>
+          </a:bodyPr>
+          <a:p>
+            <a:r>
+              <a:rPr lang="en-US" altLang="zh-CN" sz="4800" b="1" dirty="0">
+                <a:solidFill>
+                  <a:schemeClr val="bg1"/>
+                </a:solidFill>
+                <a:latin typeface="微软雅黑" panose="020B0503020204020204" charset="-122"/>
+                <a:ea typeface="微软雅黑" panose="020B0503020204020204" charset="-122"/>
+                <a:sym typeface="+mn-ea"/>
+              </a:rPr>
+              <a:t> &amp; Learnings</a:t>
+            </a:r>
+            <a:endParaRPr lang="en-US" altLang="zh-CN" sz="4800" b="1" dirty="0">
+              <a:solidFill>
+                <a:schemeClr val="bg1"/>
+              </a:solidFill>
+              <a:latin typeface="微软雅黑" panose="020B0503020204020204" charset="-122"/>
+              <a:ea typeface="微软雅黑" panose="020B0503020204020204" charset="-122"/>
+            </a:endParaRPr>
+          </a:p>
+        </p:txBody>
+      </p:sp>
     </p:spTree>
   </p:cSld>
   <p:clrMapOvr>
@@ -6673,6 +6835,40 @@
           <a:chExt cx="0" cy="0"/>
         </a:xfrm>
       </p:grpSpPr>
+      <p:pic>
+        <p:nvPicPr>
+          <p:cNvPr id="18" name="图片 17"/>
+          <p:cNvPicPr>
+            <a:picLocks noChangeAspect="1"/>
+          </p:cNvPicPr>
+          <p:nvPr>
+            <p:custDataLst>
+              <p:tags r:id="rId1"/>
+            </p:custDataLst>
+          </p:nvPr>
+        </p:nvPicPr>
+        <p:blipFill>
+          <a:blip r:embed="rId2" cstate="print">
+            <a:extLst>
+              <a:ext uri="{28A0092B-C50C-407E-A947-70E740481C1C}">
+                <a14:useLocalDpi xmlns:a14="http://schemas.microsoft.com/office/drawing/2010/main" val="0"/>
+              </a:ext>
+            </a:extLst>
+          </a:blip>
+          <a:stretch>
+            <a:fillRect/>
+          </a:stretch>
+        </p:blipFill>
+        <p:spPr>
+          <a:xfrm>
+            <a:off x="0" y="5819"/>
+            <a:ext cx="12192000" cy="6852181"/>
+          </a:xfrm>
+          <a:prstGeom prst="rect">
+            <a:avLst/>
+          </a:prstGeom>
+        </p:spPr>
+      </p:pic>
       <p:sp>
         <p:nvSpPr>
           <p:cNvPr id="2" name="标题 1"/>
@@ -6715,9 +6911,9 @@
         <p:grpSpPr>
           <a:xfrm>
             <a:off x="731520" y="1507490"/>
-            <a:ext cx="6683375" cy="2017419"/>
+            <a:ext cx="6683375" cy="1740361"/>
             <a:chOff x="1909359" y="1722903"/>
-            <a:chExt cx="6683683" cy="2116720"/>
+            <a:chExt cx="6683683" cy="1826025"/>
           </a:xfrm>
         </p:grpSpPr>
         <p:grpSp>
@@ -7052,6 +7248,15 @@
                     </a:rPr>
                     <a:t>01</a:t>
                   </a:r>
+                  <a:endParaRPr lang="en-US" altLang="zh-CN" sz="2800" dirty="0">
+                    <a:solidFill>
+                      <a:schemeClr val="bg1">
+                        <a:lumMod val="95000"/>
+                      </a:schemeClr>
+                    </a:solidFill>
+                    <a:latin typeface="Agency FB" panose="020B0503020202020204" pitchFamily="34" charset="0"/>
+                    <a:ea typeface="微软雅黑" panose="020B0503020204020204" charset="-122"/>
+                  </a:endParaRPr>
                 </a:p>
               </p:txBody>
             </p:sp>
@@ -7331,7 +7536,7 @@
           <p:spPr>
             <a:xfrm>
               <a:off x="3047188" y="2095824"/>
-              <a:ext cx="5545854" cy="1743799"/>
+              <a:ext cx="5545854" cy="1453104"/>
             </a:xfrm>
             <a:prstGeom prst="rect">
               <a:avLst/>
@@ -7356,27 +7561,15 @@
                   <a:effectLst/>
                   <a:latin typeface="-apple-system"/>
                 </a:rPr>
-                <a:t>Part of the homepage component </a:t>
+                <a:t>Part of the homepage component Coding.</a:t>
               </a:r>
-              <a:r>
-                <a:rPr lang="en-US" altLang="zh-CN" dirty="0">
-                  <a:solidFill>
-                    <a:srgbClr val="1F2328"/>
-                  </a:solidFill>
-                  <a:latin typeface="-apple-system"/>
-                </a:rPr>
-                <a:t>c</a:t>
-              </a:r>
-              <a:r>
-                <a:rPr lang="en-US" altLang="zh-CN" b="0" i="0" dirty="0">
-                  <a:solidFill>
-                    <a:srgbClr val="1F2328"/>
-                  </a:solidFill>
-                  <a:effectLst/>
-                  <a:latin typeface="-apple-system"/>
-                </a:rPr>
-                <a:t>oding.</a:t>
-              </a:r>
+              <a:endParaRPr lang="en-US" altLang="zh-CN" b="0" i="0" dirty="0">
+                <a:solidFill>
+                  <a:srgbClr val="1F2328"/>
+                </a:solidFill>
+                <a:effectLst/>
+                <a:latin typeface="-apple-system"/>
+              </a:endParaRPr>
             </a:p>
             <a:p>
               <a:pPr algn="l">
@@ -7393,22 +7586,13 @@
                 </a:rPr>
                 <a:t>Implemented the login page component.</a:t>
               </a:r>
-            </a:p>
-            <a:p>
-              <a:pPr>
-                <a:buFont typeface="Arial" panose="020B0604020202020204" pitchFamily="34" charset="0"/>
-                <a:buChar char="•"/>
-              </a:pPr>
-              <a:r>
-                <a:rPr lang="en-US" altLang="zh-CN" b="0" i="0" dirty="0">
-                  <a:solidFill>
-                    <a:srgbClr val="1F2328"/>
-                  </a:solidFill>
-                  <a:effectLst/>
-                  <a:latin typeface="-apple-system"/>
-                </a:rPr>
-                <a:t>Implemented the destination pages.</a:t>
-              </a:r>
+              <a:endParaRPr lang="en-US" altLang="zh-CN" b="0" i="0" dirty="0">
+                <a:solidFill>
+                  <a:srgbClr val="1F2328"/>
+                </a:solidFill>
+                <a:effectLst/>
+                <a:latin typeface="-apple-system"/>
+              </a:endParaRPr>
             </a:p>
             <a:p>
               <a:pPr algn="l">
@@ -7425,6 +7609,13 @@
                 </a:rPr>
                 <a:t>Overall project modification and optimization</a:t>
               </a:r>
+              <a:endParaRPr lang="en-US" altLang="zh-CN" b="0" i="0" dirty="0">
+                <a:solidFill>
+                  <a:srgbClr val="1F2328"/>
+                </a:solidFill>
+                <a:effectLst/>
+                <a:latin typeface="-apple-system"/>
+              </a:endParaRPr>
             </a:p>
             <a:p>
               <a:pPr algn="l">
@@ -7441,6 +7632,13 @@
                 </a:rPr>
                 <a:t>Creating PowerPoint</a:t>
               </a:r>
+              <a:endParaRPr lang="en-US" altLang="zh-CN" b="0" i="0" dirty="0">
+                <a:solidFill>
+                  <a:srgbClr val="1F2328"/>
+                </a:solidFill>
+                <a:effectLst/>
+                <a:latin typeface="-apple-system"/>
+              </a:endParaRPr>
             </a:p>
             <a:p>
               <a:pPr algn="l">
@@ -7457,6 +7655,13 @@
                 </a:rPr>
                 <a:t>In-class presentation.</a:t>
               </a:r>
+              <a:endParaRPr lang="en-US" altLang="zh-CN" b="0" i="0" dirty="0">
+                <a:solidFill>
+                  <a:srgbClr val="1F2328"/>
+                </a:solidFill>
+                <a:effectLst/>
+                <a:latin typeface="-apple-system"/>
+              </a:endParaRPr>
             </a:p>
           </p:txBody>
         </p:sp>
@@ -7541,7 +7746,7 @@
         </p:nvGrpSpPr>
         <p:grpSpPr>
           <a:xfrm>
-            <a:off x="735275" y="3873714"/>
+            <a:off x="694245" y="3429195"/>
             <a:ext cx="10044106" cy="3327576"/>
             <a:chOff x="1909359" y="1722903"/>
             <a:chExt cx="10044106" cy="3327576"/>
@@ -7879,6 +8084,15 @@
                     </a:rPr>
                     <a:t>02</a:t>
                   </a:r>
+                  <a:endParaRPr lang="en-US" altLang="zh-CN" sz="2800" dirty="0">
+                    <a:solidFill>
+                      <a:schemeClr val="bg1">
+                        <a:lumMod val="95000"/>
+                      </a:schemeClr>
+                    </a:solidFill>
+                    <a:latin typeface="Agency FB" panose="020B0503020202020204" pitchFamily="34" charset="0"/>
+                    <a:ea typeface="微软雅黑" panose="020B0503020204020204" charset="-122"/>
+                  </a:endParaRPr>
                 </a:p>
               </p:txBody>
             </p:sp>
@@ -8199,8 +8413,15 @@
                   <a:effectLst/>
                   <a:latin typeface="-apple-system"/>
                 </a:rPr>
-                <a:t>Building the React project structure.</a:t>
+                <a:t>Building the react project</a:t>
               </a:r>
+              <a:endParaRPr lang="en-US" altLang="zh-CN" sz="1800" b="0" i="0" dirty="0">
+                <a:solidFill>
+                  <a:srgbClr val="1F2328"/>
+                </a:solidFill>
+                <a:effectLst/>
+                <a:latin typeface="-apple-system"/>
+              </a:endParaRPr>
             </a:p>
             <a:p>
               <a:pPr algn="l">
@@ -8218,45 +8439,7 @@
                   <a:latin typeface="-apple-system"/>
                   <a:sym typeface="+mn-ea"/>
                 </a:rPr>
-                <a:t>Part of the homepage component coding.</a:t>
-              </a:r>
-            </a:p>
-            <a:p>
-              <a:pPr algn="l">
-                <a:buClrTx/>
-                <a:buSzTx/>
-                <a:buFont typeface="Arial" panose="020B0604020202020204" pitchFamily="34" charset="0"/>
-                <a:buChar char="•"/>
-              </a:pPr>
-              <a:r>
-                <a:rPr lang="en-US" altLang="zh-CN" sz="1800" dirty="0">
-                  <a:solidFill>
-                    <a:srgbClr val="1F2328"/>
-                  </a:solidFill>
-                  <a:effectLst/>
-                  <a:latin typeface="-apple-system"/>
-                  <a:sym typeface="+mn-ea"/>
-                </a:rPr>
-                <a:t>Implemented the Navbar and Footer component.</a:t>
-              </a:r>
-            </a:p>
-            <a:p>
-              <a:pPr algn="l">
-                <a:buClrTx/>
-                <a:buSzTx/>
-                <a:buFont typeface="Arial" panose="020B0604020202020204" pitchFamily="34" charset="0"/>
-                <a:buChar char="•"/>
-              </a:pPr>
-              <a:r>
-                <a:rPr lang="en-US" altLang="zh-CN" dirty="0">
-                  <a:solidFill>
-                    <a:srgbClr val="1F2328"/>
-                  </a:solidFill>
-                  <a:effectLst/>
-                  <a:latin typeface="-apple-system"/>
-                  <a:sym typeface="+mn-ea"/>
-                </a:rPr>
-                <a:t>Registration page component coding.</a:t>
+                <a:t>Part of the homepage component Coding</a:t>
               </a:r>
               <a:endParaRPr lang="en-US" altLang="zh-CN" sz="1800" dirty="0">
                 <a:solidFill>
@@ -8283,8 +8466,70 @@
                   <a:latin typeface="-apple-system"/>
                   <a:sym typeface="+mn-ea"/>
                 </a:rPr>
-                <a:t>Overall project modification and optimization.</a:t>
+                <a:t>Implemented the Navbar and Footer component</a:t>
               </a:r>
+              <a:endParaRPr lang="en-US" altLang="zh-CN" sz="1800" dirty="0">
+                <a:solidFill>
+                  <a:srgbClr val="1F2328"/>
+                </a:solidFill>
+                <a:effectLst/>
+                <a:latin typeface="-apple-system"/>
+                <a:sym typeface="+mn-ea"/>
+              </a:endParaRPr>
+            </a:p>
+            <a:p>
+              <a:pPr algn="l">
+                <a:buClrTx/>
+                <a:buSzTx/>
+                <a:buFont typeface="Arial" panose="020B0604020202020204" pitchFamily="34" charset="0"/>
+                <a:buChar char="•"/>
+              </a:pPr>
+              <a:r>
+                <a:rPr lang="en-US" altLang="zh-CN" dirty="0">
+                  <a:solidFill>
+                    <a:srgbClr val="1F2328"/>
+                  </a:solidFill>
+                  <a:effectLst/>
+                  <a:latin typeface="-apple-system"/>
+                  <a:sym typeface="+mn-ea"/>
+                </a:rPr>
+                <a:t>Registration page component Coding.</a:t>
+              </a:r>
+              <a:endParaRPr lang="en-US" altLang="zh-CN" sz="1800" dirty="0">
+                <a:solidFill>
+                  <a:srgbClr val="1F2328"/>
+                </a:solidFill>
+                <a:effectLst/>
+                <a:latin typeface="-apple-system"/>
+                <a:sym typeface="+mn-ea"/>
+              </a:endParaRPr>
+            </a:p>
+            <a:p>
+              <a:pPr algn="l">
+                <a:buClrTx/>
+                <a:buSzTx/>
+                <a:buFont typeface="Arial" panose="020B0604020202020204" pitchFamily="34" charset="0"/>
+                <a:buChar char="•"/>
+              </a:pPr>
+              <a:r>
+                <a:rPr lang="en-US" altLang="zh-CN" sz="1800" dirty="0">
+                  <a:solidFill>
+                    <a:srgbClr val="1F2328"/>
+                  </a:solidFill>
+                  <a:effectLst/>
+                  <a:latin typeface="-apple-system"/>
+                  <a:sym typeface="+mn-ea"/>
+                </a:rPr>
+                <a:t>Overall project modification and optimization</a:t>
+              </a:r>
+              <a:endParaRPr lang="en-US" altLang="zh-CN" sz="1800" dirty="0">
+                <a:solidFill>
+                  <a:srgbClr val="1F2328"/>
+                </a:solidFill>
+                <a:effectLst/>
+                <a:latin typeface="-apple-system"/>
+                <a:sym typeface="+mn-ea"/>
+              </a:endParaRPr>
             </a:p>
             <a:p>
               <a:pPr algn="l">
@@ -8394,6 +8639,13 @@
                 </a:rPr>
                 <a:t>.</a:t>
               </a:r>
+              <a:endParaRPr lang="en-US" altLang="zh-CN" sz="1200" b="0" i="0" dirty="0">
+                <a:solidFill>
+                  <a:srgbClr val="1F2328"/>
+                </a:solidFill>
+                <a:effectLst/>
+                <a:latin typeface="-apple-system"/>
+              </a:endParaRPr>
             </a:p>
           </p:txBody>
         </p:sp>
@@ -8454,6 +8706,49 @@
           </p:txBody>
         </p:sp>
       </p:grpSp>
+      <p:sp>
+        <p:nvSpPr>
+          <p:cNvPr id="4" name="文本框 3"/>
+          <p:cNvSpPr txBox="1"/>
+          <p:nvPr/>
+        </p:nvSpPr>
+        <p:spPr>
+          <a:xfrm>
+            <a:off x="3048000" y="3013710"/>
+            <a:ext cx="6096000" cy="829945"/>
+          </a:xfrm>
+          <a:prstGeom prst="rect">
+            <a:avLst/>
+          </a:prstGeom>
+          <a:noFill/>
+        </p:spPr>
+        <p:txBody>
+          <a:bodyPr wrap="square" rtlCol="0" anchor="t">
+            <a:spAutoFit/>
+          </a:bodyPr>
+          <a:p>
+            <a:r>
+              <a:rPr lang="en-US" altLang="zh-CN" sz="4800" b="1" dirty="0">
+                <a:solidFill>
+                  <a:schemeClr val="bg1"/>
+                </a:solidFill>
+                <a:latin typeface="微软雅黑" panose="020B0503020204020204" charset="-122"/>
+                <a:ea typeface="微软雅黑" panose="020B0503020204020204" charset="-122"/>
+                <a:sym typeface="+mn-ea"/>
+              </a:rPr>
+              <a:t>Contributions</a:t>
+            </a:r>
+            <a:endParaRPr lang="en-US" altLang="zh-CN" sz="4800" b="1" dirty="0">
+              <a:solidFill>
+                <a:schemeClr val="bg1"/>
+              </a:solidFill>
+              <a:latin typeface="微软雅黑" panose="020B0503020204020204" charset="-122"/>
+              <a:ea typeface="微软雅黑" panose="020B0503020204020204" charset="-122"/>
+              <a:sym typeface="+mn-ea"/>
+            </a:endParaRPr>
+          </a:p>
+        </p:txBody>
+      </p:sp>
     </p:spTree>
   </p:cSld>
   <p:clrMapOvr>
@@ -8481,6 +8776,1522 @@
       </p:grpSpPr>
       <p:pic>
         <p:nvPicPr>
+          <p:cNvPr id="49" name="图片 48"/>
+          <p:cNvPicPr>
+            <a:picLocks noChangeAspect="1"/>
+          </p:cNvPicPr>
+          <p:nvPr>
+            <p:custDataLst>
+              <p:tags r:id="rId1"/>
+            </p:custDataLst>
+          </p:nvPr>
+        </p:nvPicPr>
+        <p:blipFill>
+          <a:blip r:embed="rId2" cstate="print">
+            <a:extLst>
+              <a:ext uri="{28A0092B-C50C-407E-A947-70E740481C1C}">
+                <a14:useLocalDpi xmlns:a14="http://schemas.microsoft.com/office/drawing/2010/main" val="0"/>
+              </a:ext>
+            </a:extLst>
+          </a:blip>
+          <a:stretch>
+            <a:fillRect/>
+          </a:stretch>
+        </p:blipFill>
+        <p:spPr>
+          <a:xfrm>
+            <a:off x="0" y="5819"/>
+            <a:ext cx="12192000" cy="6852181"/>
+          </a:xfrm>
+          <a:prstGeom prst="rect">
+            <a:avLst/>
+          </a:prstGeom>
+        </p:spPr>
+      </p:pic>
+      <p:sp>
+        <p:nvSpPr>
+          <p:cNvPr id="2" name="标题 1"/>
+          <p:cNvSpPr>
+            <a:spLocks noGrp="1"/>
+          </p:cNvSpPr>
+          <p:nvPr>
+            <p:ph type="title"/>
+          </p:nvPr>
+        </p:nvSpPr>
+        <p:spPr/>
+        <p:txBody>
+          <a:bodyPr/>
+          <a:lstStyle/>
+          <a:p>
+            <a:pPr algn="l">
+              <a:lnSpc>
+                <a:spcPct val="120000"/>
+              </a:lnSpc>
+              <a:buClrTx/>
+              <a:buSzTx/>
+              <a:buFontTx/>
+            </a:pPr>
+            <a:r>
+              <a:rPr lang="en-US" altLang="zh-CN" sz="2400" b="1" dirty="0">
+                <a:solidFill>
+                  <a:srgbClr val="244C89"/>
+                </a:solidFill>
+                <a:ea typeface="微软雅黑" panose="020B0503020204020204" charset="-122"/>
+                <a:sym typeface="+mn-ea"/>
+              </a:rPr>
+              <a:t>         </a:t>
+            </a:r>
+            <a:endParaRPr lang="en-US" altLang="zh-CN" sz="2400" b="1" dirty="0">
+              <a:solidFill>
+                <a:srgbClr val="244C89"/>
+              </a:solidFill>
+              <a:ea typeface="微软雅黑" panose="020B0503020204020204" charset="-122"/>
+            </a:endParaRPr>
+          </a:p>
+        </p:txBody>
+      </p:sp>
+      <p:sp>
+        <p:nvSpPr>
+          <p:cNvPr id="4" name="文本框 3"/>
+          <p:cNvSpPr txBox="1"/>
+          <p:nvPr/>
+        </p:nvSpPr>
+        <p:spPr>
+          <a:xfrm>
+            <a:off x="3048000" y="3013710"/>
+            <a:ext cx="6096000" cy="829945"/>
+          </a:xfrm>
+          <a:prstGeom prst="rect">
+            <a:avLst/>
+          </a:prstGeom>
+          <a:noFill/>
+        </p:spPr>
+        <p:txBody>
+          <a:bodyPr wrap="square" rtlCol="0" anchor="t">
+            <a:spAutoFit/>
+          </a:bodyPr>
+          <a:p>
+            <a:r>
+              <a:rPr lang="en-US" altLang="zh-CN" sz="4800" b="1" dirty="0">
+                <a:solidFill>
+                  <a:schemeClr val="bg1"/>
+                </a:solidFill>
+                <a:latin typeface="微软雅黑" panose="020B0503020204020204" charset="-122"/>
+                <a:ea typeface="微软雅黑" panose="020B0503020204020204" charset="-122"/>
+                <a:sym typeface="+mn-ea"/>
+              </a:rPr>
+              <a:t>Contributions</a:t>
+            </a:r>
+            <a:endParaRPr lang="en-US" altLang="zh-CN" sz="4800" b="1" dirty="0">
+              <a:solidFill>
+                <a:schemeClr val="bg1"/>
+              </a:solidFill>
+              <a:latin typeface="微软雅黑" panose="020B0503020204020204" charset="-122"/>
+              <a:ea typeface="微软雅黑" panose="020B0503020204020204" charset="-122"/>
+              <a:sym typeface="+mn-ea"/>
+            </a:endParaRPr>
+          </a:p>
+        </p:txBody>
+      </p:sp>
+      <p:sp>
+        <p:nvSpPr>
+          <p:cNvPr id="22" name="Freeform 6"/>
+          <p:cNvSpPr/>
+          <p:nvPr>
+            <p:custDataLst>
+              <p:tags r:id="rId3"/>
+            </p:custDataLst>
+          </p:nvPr>
+        </p:nvSpPr>
+        <p:spPr bwMode="auto">
+          <a:xfrm>
+            <a:off x="1349375" y="2872740"/>
+            <a:ext cx="1640840" cy="1419860"/>
+          </a:xfrm>
+          <a:custGeom>
+            <a:avLst/>
+            <a:gdLst>
+              <a:gd name="T0" fmla="*/ 2143 w 2858"/>
+              <a:gd name="T1" fmla="*/ 0 h 2475"/>
+              <a:gd name="T2" fmla="*/ 2501 w 2858"/>
+              <a:gd name="T3" fmla="*/ 619 h 2475"/>
+              <a:gd name="T4" fmla="*/ 2858 w 2858"/>
+              <a:gd name="T5" fmla="*/ 1238 h 2475"/>
+              <a:gd name="T6" fmla="*/ 2501 w 2858"/>
+              <a:gd name="T7" fmla="*/ 1856 h 2475"/>
+              <a:gd name="T8" fmla="*/ 2143 w 2858"/>
+              <a:gd name="T9" fmla="*/ 2475 h 2475"/>
+              <a:gd name="T10" fmla="*/ 1429 w 2858"/>
+              <a:gd name="T11" fmla="*/ 2475 h 2475"/>
+              <a:gd name="T12" fmla="*/ 714 w 2858"/>
+              <a:gd name="T13" fmla="*/ 2475 h 2475"/>
+              <a:gd name="T14" fmla="*/ 357 w 2858"/>
+              <a:gd name="T15" fmla="*/ 1856 h 2475"/>
+              <a:gd name="T16" fmla="*/ 0 w 2858"/>
+              <a:gd name="T17" fmla="*/ 1238 h 2475"/>
+              <a:gd name="T18" fmla="*/ 357 w 2858"/>
+              <a:gd name="T19" fmla="*/ 619 h 2475"/>
+              <a:gd name="T20" fmla="*/ 714 w 2858"/>
+              <a:gd name="T21" fmla="*/ 0 h 2475"/>
+              <a:gd name="T22" fmla="*/ 1429 w 2858"/>
+              <a:gd name="T23" fmla="*/ 0 h 2475"/>
+              <a:gd name="T24" fmla="*/ 2143 w 2858"/>
+              <a:gd name="T25" fmla="*/ 0 h 2475"/>
+            </a:gdLst>
+            <a:ahLst/>
+            <a:cxnLst>
+              <a:cxn ang="0">
+                <a:pos x="T0" y="T1"/>
+              </a:cxn>
+              <a:cxn ang="0">
+                <a:pos x="T2" y="T3"/>
+              </a:cxn>
+              <a:cxn ang="0">
+                <a:pos x="T4" y="T5"/>
+              </a:cxn>
+              <a:cxn ang="0">
+                <a:pos x="T6" y="T7"/>
+              </a:cxn>
+              <a:cxn ang="0">
+                <a:pos x="T8" y="T9"/>
+              </a:cxn>
+              <a:cxn ang="0">
+                <a:pos x="T10" y="T11"/>
+              </a:cxn>
+              <a:cxn ang="0">
+                <a:pos x="T12" y="T13"/>
+              </a:cxn>
+              <a:cxn ang="0">
+                <a:pos x="T14" y="T15"/>
+              </a:cxn>
+              <a:cxn ang="0">
+                <a:pos x="T16" y="T17"/>
+              </a:cxn>
+              <a:cxn ang="0">
+                <a:pos x="T18" y="T19"/>
+              </a:cxn>
+              <a:cxn ang="0">
+                <a:pos x="T20" y="T21"/>
+              </a:cxn>
+              <a:cxn ang="0">
+                <a:pos x="T22" y="T23"/>
+              </a:cxn>
+              <a:cxn ang="0">
+                <a:pos x="T24" y="T25"/>
+              </a:cxn>
+            </a:cxnLst>
+            <a:rect l="0" t="0" r="r" b="b"/>
+            <a:pathLst>
+              <a:path w="2858" h="2475">
+                <a:moveTo>
+                  <a:pt x="2143" y="0"/>
+                </a:moveTo>
+                <a:lnTo>
+                  <a:pt x="2501" y="619"/>
+                </a:lnTo>
+                <a:lnTo>
+                  <a:pt x="2858" y="1238"/>
+                </a:lnTo>
+                <a:lnTo>
+                  <a:pt x="2501" y="1856"/>
+                </a:lnTo>
+                <a:lnTo>
+                  <a:pt x="2143" y="2475"/>
+                </a:lnTo>
+                <a:lnTo>
+                  <a:pt x="1429" y="2475"/>
+                </a:lnTo>
+                <a:lnTo>
+                  <a:pt x="714" y="2475"/>
+                </a:lnTo>
+                <a:lnTo>
+                  <a:pt x="357" y="1856"/>
+                </a:lnTo>
+                <a:lnTo>
+                  <a:pt x="0" y="1238"/>
+                </a:lnTo>
+                <a:lnTo>
+                  <a:pt x="357" y="619"/>
+                </a:lnTo>
+                <a:lnTo>
+                  <a:pt x="714" y="0"/>
+                </a:lnTo>
+                <a:lnTo>
+                  <a:pt x="1429" y="0"/>
+                </a:lnTo>
+                <a:lnTo>
+                  <a:pt x="2143" y="0"/>
+                </a:lnTo>
+                <a:close/>
+              </a:path>
+            </a:pathLst>
+          </a:custGeom>
+          <a:solidFill>
+            <a:srgbClr val="244C89"/>
+          </a:solidFill>
+          <a:ln w="38100" cap="flat">
+            <a:solidFill>
+              <a:schemeClr val="bg2"/>
+            </a:solidFill>
+            <a:prstDash val="solid"/>
+            <a:miter lim="800000"/>
+          </a:ln>
+          <a:effectLst>
+            <a:outerShdw blurRad="63500" sx="102000" sy="102000" algn="ctr" rotWithShape="0">
+              <a:prstClr val="black">
+                <a:alpha val="40000"/>
+              </a:prstClr>
+            </a:outerShdw>
+          </a:effectLst>
+        </p:spPr>
+        <p:txBody>
+          <a:bodyPr vert="horz" wrap="square" lIns="91440" tIns="45720" rIns="91440" bIns="45720" numCol="1" anchor="t" anchorCtr="0" compatLnSpc="1"/>
+          <a:lstStyle/>
+          <a:p>
+            <a:pPr>
+              <a:lnSpc>
+                <a:spcPct val="120000"/>
+              </a:lnSpc>
+            </a:pPr>
+            <a:endParaRPr lang="zh-CN" altLang="en-US" sz="2400">
+              <a:solidFill>
+                <a:srgbClr val="213555"/>
+              </a:solidFill>
+            </a:endParaRPr>
+          </a:p>
+        </p:txBody>
+      </p:sp>
+      <p:sp>
+        <p:nvSpPr>
+          <p:cNvPr id="25" name="Line 13"/>
+          <p:cNvSpPr>
+            <a:spLocks noChangeShapeType="1"/>
+          </p:cNvSpPr>
+          <p:nvPr>
+            <p:custDataLst>
+              <p:tags r:id="rId4"/>
+            </p:custDataLst>
+          </p:nvPr>
+        </p:nvSpPr>
+        <p:spPr bwMode="auto">
+          <a:xfrm>
+            <a:off x="2989580" y="3630295"/>
+            <a:ext cx="853440" cy="2280920"/>
+          </a:xfrm>
+          <a:prstGeom prst="line">
+            <a:avLst/>
+          </a:prstGeom>
+          <a:noFill/>
+          <a:ln w="9" cap="flat">
+            <a:solidFill>
+              <a:srgbClr val="2E2C2C"/>
+            </a:solidFill>
+            <a:prstDash val="solid"/>
+            <a:miter lim="800000"/>
+            <a:headEnd type="none" w="med" len="med"/>
+            <a:tailEnd type="triangle" w="med" len="med"/>
+          </a:ln>
+          <a:extLst>
+            <a:ext uri="{909E8E84-426E-40DD-AFC4-6F175D3DCCD1}">
+              <a14:hiddenFill xmlns:a14="http://schemas.microsoft.com/office/drawing/2010/main">
+                <a:noFill/>
+              </a14:hiddenFill>
+            </a:ext>
+          </a:extLst>
+        </p:spPr>
+        <p:txBody>
+          <a:bodyPr vert="horz" wrap="square" lIns="91440" tIns="45720" rIns="91440" bIns="45720" numCol="1" anchor="t" anchorCtr="0" compatLnSpc="1"/>
+          <a:lstStyle/>
+          <a:p>
+            <a:pPr>
+              <a:lnSpc>
+                <a:spcPct val="120000"/>
+              </a:lnSpc>
+            </a:pPr>
+            <a:endParaRPr lang="zh-CN" altLang="en-US" sz="2400">
+              <a:solidFill>
+                <a:srgbClr val="213555"/>
+              </a:solidFill>
+            </a:endParaRPr>
+          </a:p>
+        </p:txBody>
+      </p:sp>
+      <p:grpSp>
+        <p:nvGrpSpPr>
+          <p:cNvPr id="28" name="组合 27"/>
+          <p:cNvGrpSpPr/>
+          <p:nvPr/>
+        </p:nvGrpSpPr>
+        <p:grpSpPr>
+          <a:xfrm rot="0">
+            <a:off x="3945890" y="498475"/>
+            <a:ext cx="5794375" cy="1339850"/>
+            <a:chOff x="3751263" y="995645"/>
+            <a:chExt cx="7294239" cy="1686820"/>
+          </a:xfrm>
+        </p:grpSpPr>
+        <p:sp>
+          <p:nvSpPr>
+            <p:cNvPr id="44" name="Rectangle 9"/>
+            <p:cNvSpPr>
+              <a:spLocks noChangeArrowheads="1"/>
+            </p:cNvSpPr>
+            <p:nvPr>
+              <p:custDataLst>
+                <p:tags r:id="rId5"/>
+              </p:custDataLst>
+            </p:nvPr>
+          </p:nvSpPr>
+          <p:spPr bwMode="auto">
+            <a:xfrm>
+              <a:off x="3751263" y="1333579"/>
+              <a:ext cx="7119177" cy="1348886"/>
+            </a:xfrm>
+            <a:prstGeom prst="rect">
+              <a:avLst/>
+            </a:prstGeom>
+            <a:solidFill>
+              <a:srgbClr val="FFFFFF"/>
+            </a:solidFill>
+            <a:ln w="9" cap="flat">
+              <a:solidFill>
+                <a:schemeClr val="bg2">
+                  <a:lumMod val="75000"/>
+                </a:schemeClr>
+              </a:solidFill>
+              <a:prstDash val="solid"/>
+              <a:miter lim="800000"/>
+            </a:ln>
+          </p:spPr>
+          <p:txBody>
+            <a:bodyPr vert="horz" wrap="square" lIns="91440" tIns="45720" rIns="91440" bIns="45720" numCol="1" anchor="t" anchorCtr="0" compatLnSpc="1"/>
+            <a:lstStyle/>
+            <a:p>
+              <a:pPr>
+                <a:lnSpc>
+                  <a:spcPct val="120000"/>
+                </a:lnSpc>
+              </a:pPr>
+              <a:endParaRPr lang="zh-CN" altLang="en-US" sz="1600">
+                <a:solidFill>
+                  <a:srgbClr val="213555"/>
+                </a:solidFill>
+              </a:endParaRPr>
+            </a:p>
+          </p:txBody>
+        </p:sp>
+        <p:sp>
+          <p:nvSpPr>
+            <p:cNvPr id="45" name="Rectangle 10"/>
+            <p:cNvSpPr>
+              <a:spLocks noChangeArrowheads="1"/>
+            </p:cNvSpPr>
+            <p:nvPr>
+              <p:custDataLst>
+                <p:tags r:id="rId6"/>
+              </p:custDataLst>
+            </p:nvPr>
+          </p:nvSpPr>
+          <p:spPr bwMode="auto">
+            <a:xfrm>
+              <a:off x="5540009" y="995645"/>
+              <a:ext cx="3581400" cy="582090"/>
+            </a:xfrm>
+            <a:prstGeom prst="rect">
+              <a:avLst/>
+            </a:prstGeom>
+            <a:solidFill>
+              <a:srgbClr val="244C89"/>
+            </a:solidFill>
+            <a:ln w="19050" cap="flat">
+              <a:solidFill>
+                <a:schemeClr val="bg2"/>
+              </a:solidFill>
+              <a:prstDash val="solid"/>
+              <a:miter lim="800000"/>
+            </a:ln>
+            <a:effectLst>
+              <a:outerShdw blurRad="63500" sx="102000" sy="102000" algn="ctr" rotWithShape="0">
+                <a:prstClr val="black">
+                  <a:alpha val="40000"/>
+                </a:prstClr>
+              </a:outerShdw>
+            </a:effectLst>
+          </p:spPr>
+          <p:txBody>
+            <a:bodyPr vert="horz" wrap="square" lIns="91440" tIns="45720" rIns="91440" bIns="45720" numCol="1" anchor="t" anchorCtr="0" compatLnSpc="1"/>
+            <a:lstStyle/>
+            <a:p>
+              <a:pPr>
+                <a:lnSpc>
+                  <a:spcPct val="120000"/>
+                </a:lnSpc>
+              </a:pPr>
+              <a:endParaRPr lang="zh-CN" altLang="en-US" sz="1600">
+                <a:solidFill>
+                  <a:srgbClr val="213555"/>
+                </a:solidFill>
+              </a:endParaRPr>
+            </a:p>
+          </p:txBody>
+        </p:sp>
+        <p:sp>
+          <p:nvSpPr>
+            <p:cNvPr id="46" name="TextBox 16"/>
+            <p:cNvSpPr txBox="1"/>
+            <p:nvPr>
+              <p:custDataLst>
+                <p:tags r:id="rId7"/>
+              </p:custDataLst>
+            </p:nvPr>
+          </p:nvSpPr>
+          <p:spPr>
+            <a:xfrm>
+              <a:off x="5776685" y="995645"/>
+              <a:ext cx="3108046" cy="579595"/>
+            </a:xfrm>
+            <a:prstGeom prst="rect">
+              <a:avLst/>
+            </a:prstGeom>
+            <a:noFill/>
+          </p:spPr>
+          <p:txBody>
+            <a:bodyPr wrap="square" rtlCol="0">
+              <a:spAutoFit/>
+            </a:bodyPr>
+            <a:lstStyle/>
+            <a:p>
+              <a:pPr algn="ctr">
+                <a:lnSpc>
+                  <a:spcPct val="120000"/>
+                </a:lnSpc>
+              </a:pPr>
+              <a:r>
+                <a:rPr lang="en-US" altLang="zh-CN" sz="2000" b="1" dirty="0">
+                  <a:solidFill>
+                    <a:schemeClr val="bg1"/>
+                  </a:solidFill>
+                  <a:latin typeface="+mj-ea"/>
+                  <a:ea typeface="+mj-ea"/>
+                </a:rPr>
+                <a:t>Skills</a:t>
+              </a:r>
+              <a:endParaRPr lang="en-US" altLang="zh-CN" sz="2000" b="1" dirty="0">
+                <a:solidFill>
+                  <a:schemeClr val="bg1"/>
+                </a:solidFill>
+                <a:latin typeface="+mj-ea"/>
+                <a:ea typeface="+mj-ea"/>
+              </a:endParaRPr>
+            </a:p>
+          </p:txBody>
+        </p:sp>
+        <p:sp>
+          <p:nvSpPr>
+            <p:cNvPr id="47" name="TextBox 17"/>
+            <p:cNvSpPr txBox="1"/>
+            <p:nvPr>
+              <p:custDataLst>
+                <p:tags r:id="rId8"/>
+              </p:custDataLst>
+            </p:nvPr>
+          </p:nvSpPr>
+          <p:spPr>
+            <a:xfrm>
+              <a:off x="3751263" y="1764707"/>
+              <a:ext cx="7294239" cy="439692"/>
+            </a:xfrm>
+            <a:prstGeom prst="rect">
+              <a:avLst/>
+            </a:prstGeom>
+            <a:noFill/>
+          </p:spPr>
+          <p:txBody>
+            <a:bodyPr wrap="square" rtlCol="0">
+              <a:spAutoFit/>
+            </a:bodyPr>
+            <a:lstStyle/>
+            <a:p>
+              <a:pPr>
+                <a:lnSpc>
+                  <a:spcPct val="120000"/>
+                </a:lnSpc>
+              </a:pPr>
+              <a:r>
+                <a:rPr lang="en-US" altLang="zh-CN" sz="1400" dirty="0">
+                  <a:solidFill>
+                    <a:schemeClr val="tx1">
+                      <a:lumMod val="65000"/>
+                      <a:lumOff val="35000"/>
+                    </a:schemeClr>
+                  </a:solidFill>
+                  <a:latin typeface="微软雅黑" panose="020B0503020204020204" charset="-122"/>
+                  <a:ea typeface="微软雅黑" panose="020B0503020204020204" charset="-122"/>
+                </a:rPr>
+                <a:t>Mastered the front-end skills——HTML5,CSS3,Javascript</a:t>
+              </a:r>
+              <a:endParaRPr lang="en-US" altLang="zh-CN" sz="1600" dirty="0">
+                <a:solidFill>
+                  <a:schemeClr val="tx1">
+                    <a:lumMod val="65000"/>
+                    <a:lumOff val="35000"/>
+                  </a:schemeClr>
+                </a:solidFill>
+                <a:latin typeface="微软雅黑" panose="020B0503020204020204" charset="-122"/>
+                <a:ea typeface="微软雅黑" panose="020B0503020204020204" charset="-122"/>
+              </a:endParaRPr>
+            </a:p>
+          </p:txBody>
+        </p:sp>
+      </p:grpSp>
+      <p:grpSp>
+        <p:nvGrpSpPr>
+          <p:cNvPr id="9" name="组合 8"/>
+          <p:cNvGrpSpPr/>
+          <p:nvPr/>
+        </p:nvGrpSpPr>
+        <p:grpSpPr>
+          <a:xfrm rot="0">
+            <a:off x="3945890" y="2004695"/>
+            <a:ext cx="5655310" cy="1339850"/>
+            <a:chOff x="3751263" y="2741895"/>
+            <a:chExt cx="7119177" cy="1686748"/>
+          </a:xfrm>
+        </p:grpSpPr>
+        <p:sp>
+          <p:nvSpPr>
+            <p:cNvPr id="10" name="Rectangle 11"/>
+            <p:cNvSpPr>
+              <a:spLocks noChangeArrowheads="1"/>
+            </p:cNvSpPr>
+            <p:nvPr>
+              <p:custDataLst>
+                <p:tags r:id="rId9"/>
+              </p:custDataLst>
+            </p:nvPr>
+          </p:nvSpPr>
+          <p:spPr bwMode="auto">
+            <a:xfrm>
+              <a:off x="3751263" y="3081414"/>
+              <a:ext cx="7119177" cy="1347229"/>
+            </a:xfrm>
+            <a:prstGeom prst="rect">
+              <a:avLst/>
+            </a:prstGeom>
+            <a:solidFill>
+              <a:srgbClr val="FFFFFF"/>
+            </a:solidFill>
+            <a:ln w="9" cap="flat">
+              <a:solidFill>
+                <a:schemeClr val="bg2">
+                  <a:lumMod val="75000"/>
+                </a:schemeClr>
+              </a:solidFill>
+              <a:prstDash val="solid"/>
+              <a:miter lim="800000"/>
+            </a:ln>
+          </p:spPr>
+          <p:txBody>
+            <a:bodyPr vert="horz" wrap="square" lIns="91440" tIns="45720" rIns="91440" bIns="45720" numCol="1" anchor="t" anchorCtr="0" compatLnSpc="1"/>
+            <a:lstStyle/>
+            <a:p>
+              <a:pPr>
+                <a:lnSpc>
+                  <a:spcPct val="120000"/>
+                </a:lnSpc>
+              </a:pPr>
+              <a:endParaRPr lang="zh-CN" altLang="en-US" sz="1600">
+                <a:solidFill>
+                  <a:srgbClr val="213555"/>
+                </a:solidFill>
+              </a:endParaRPr>
+            </a:p>
+          </p:txBody>
+        </p:sp>
+        <p:sp>
+          <p:nvSpPr>
+            <p:cNvPr id="40" name="Rectangle 12"/>
+            <p:cNvSpPr>
+              <a:spLocks noChangeArrowheads="1"/>
+            </p:cNvSpPr>
+            <p:nvPr>
+              <p:custDataLst>
+                <p:tags r:id="rId10"/>
+              </p:custDataLst>
+            </p:nvPr>
+          </p:nvSpPr>
+          <p:spPr bwMode="auto">
+            <a:xfrm>
+              <a:off x="5540009" y="2741895"/>
+              <a:ext cx="3581400" cy="584278"/>
+            </a:xfrm>
+            <a:prstGeom prst="rect">
+              <a:avLst/>
+            </a:prstGeom>
+            <a:solidFill>
+              <a:srgbClr val="244C89"/>
+            </a:solidFill>
+            <a:ln w="19050" cap="flat">
+              <a:solidFill>
+                <a:schemeClr val="bg2"/>
+              </a:solidFill>
+              <a:prstDash val="solid"/>
+              <a:miter lim="800000"/>
+            </a:ln>
+            <a:effectLst>
+              <a:outerShdw blurRad="63500" sx="102000" sy="102000" algn="ctr" rotWithShape="0">
+                <a:prstClr val="black">
+                  <a:alpha val="40000"/>
+                </a:prstClr>
+              </a:outerShdw>
+            </a:effectLst>
+          </p:spPr>
+          <p:txBody>
+            <a:bodyPr vert="horz" wrap="square" lIns="91440" tIns="45720" rIns="91440" bIns="45720" numCol="1" anchor="t" anchorCtr="0" compatLnSpc="1"/>
+            <a:lstStyle/>
+            <a:p>
+              <a:pPr>
+                <a:lnSpc>
+                  <a:spcPct val="120000"/>
+                </a:lnSpc>
+              </a:pPr>
+              <a:endParaRPr lang="zh-CN" altLang="en-US" sz="1600">
+                <a:solidFill>
+                  <a:srgbClr val="213555"/>
+                </a:solidFill>
+              </a:endParaRPr>
+            </a:p>
+          </p:txBody>
+        </p:sp>
+        <p:sp>
+          <p:nvSpPr>
+            <p:cNvPr id="41" name="TextBox 18"/>
+            <p:cNvSpPr txBox="1"/>
+            <p:nvPr>
+              <p:custDataLst>
+                <p:tags r:id="rId11"/>
+              </p:custDataLst>
+            </p:nvPr>
+          </p:nvSpPr>
+          <p:spPr>
+            <a:xfrm>
+              <a:off x="5776685" y="2750677"/>
+              <a:ext cx="3108046" cy="579570"/>
+            </a:xfrm>
+            <a:prstGeom prst="rect">
+              <a:avLst/>
+            </a:prstGeom>
+            <a:noFill/>
+          </p:spPr>
+          <p:txBody>
+            <a:bodyPr wrap="square" rtlCol="0">
+              <a:spAutoFit/>
+            </a:bodyPr>
+            <a:lstStyle/>
+            <a:p>
+              <a:pPr algn="ctr">
+                <a:lnSpc>
+                  <a:spcPct val="120000"/>
+                </a:lnSpc>
+              </a:pPr>
+              <a:r>
+                <a:rPr lang="en-US" altLang="zh-CN" sz="2000" b="1" dirty="0">
+                  <a:solidFill>
+                    <a:schemeClr val="bg1"/>
+                  </a:solidFill>
+                  <a:latin typeface="+mj-ea"/>
+                  <a:ea typeface="+mj-ea"/>
+                </a:rPr>
+                <a:t>React</a:t>
+              </a:r>
+              <a:endParaRPr lang="en-US" altLang="zh-CN" sz="2000" b="1" dirty="0">
+                <a:solidFill>
+                  <a:schemeClr val="bg1"/>
+                </a:solidFill>
+                <a:latin typeface="+mj-ea"/>
+                <a:ea typeface="+mj-ea"/>
+              </a:endParaRPr>
+            </a:p>
+          </p:txBody>
+        </p:sp>
+        <p:sp>
+          <p:nvSpPr>
+            <p:cNvPr id="43" name="TextBox 19"/>
+            <p:cNvSpPr txBox="1"/>
+            <p:nvPr>
+              <p:custDataLst>
+                <p:tags r:id="rId12"/>
+              </p:custDataLst>
+            </p:nvPr>
+          </p:nvSpPr>
+          <p:spPr>
+            <a:xfrm>
+              <a:off x="3938139" y="3509957"/>
+              <a:ext cx="6932301" cy="765032"/>
+            </a:xfrm>
+            <a:prstGeom prst="rect">
+              <a:avLst/>
+            </a:prstGeom>
+            <a:noFill/>
+          </p:spPr>
+          <p:txBody>
+            <a:bodyPr wrap="square" rtlCol="0">
+              <a:spAutoFit/>
+            </a:bodyPr>
+            <a:lstStyle>
+              <a:defPPr>
+                <a:defRPr lang="zh-CN"/>
+              </a:defPPr>
+              <a:lvl1pPr>
+                <a:defRPr>
+                  <a:solidFill>
+                    <a:schemeClr val="accent1"/>
+                  </a:solidFill>
+                  <a:latin typeface="+mn-ea"/>
+                  <a:ea typeface="+mn-ea"/>
+                </a:defRPr>
+              </a:lvl1pPr>
+            </a:lstStyle>
+            <a:p>
+              <a:pPr>
+                <a:lnSpc>
+                  <a:spcPct val="120000"/>
+                </a:lnSpc>
+              </a:pPr>
+              <a:r>
+                <a:rPr lang="en-US" altLang="zh-CN" sz="1400" dirty="0">
+                  <a:solidFill>
+                    <a:schemeClr val="tx1">
+                      <a:lumMod val="65000"/>
+                      <a:lumOff val="35000"/>
+                    </a:schemeClr>
+                  </a:solidFill>
+                  <a:latin typeface="微软雅黑" panose="020B0503020204020204" charset="-122"/>
+                  <a:ea typeface="微软雅黑" panose="020B0503020204020204" charset="-122"/>
+                </a:rPr>
+                <a:t>Learned how to build react-based web pages with components</a:t>
+              </a:r>
+              <a:endParaRPr lang="en-US" altLang="zh-CN" sz="1400" dirty="0">
+                <a:solidFill>
+                  <a:schemeClr val="tx1">
+                    <a:lumMod val="65000"/>
+                    <a:lumOff val="35000"/>
+                  </a:schemeClr>
+                </a:solidFill>
+                <a:latin typeface="微软雅黑" panose="020B0503020204020204" charset="-122"/>
+                <a:ea typeface="微软雅黑" panose="020B0503020204020204" charset="-122"/>
+              </a:endParaRPr>
+            </a:p>
+          </p:txBody>
+        </p:sp>
+      </p:grpSp>
+      <p:grpSp>
+        <p:nvGrpSpPr>
+          <p:cNvPr id="11" name="组合 10"/>
+          <p:cNvGrpSpPr/>
+          <p:nvPr/>
+        </p:nvGrpSpPr>
+        <p:grpSpPr>
+          <a:xfrm rot="0">
+            <a:off x="3945890" y="3512185"/>
+            <a:ext cx="5655310" cy="1339850"/>
+            <a:chOff x="3751263" y="4494495"/>
+            <a:chExt cx="7119177" cy="1686819"/>
+          </a:xfrm>
+        </p:grpSpPr>
+        <p:sp>
+          <p:nvSpPr>
+            <p:cNvPr id="12" name="Rectangle 14"/>
+            <p:cNvSpPr>
+              <a:spLocks noChangeArrowheads="1"/>
+            </p:cNvSpPr>
+            <p:nvPr>
+              <p:custDataLst>
+                <p:tags r:id="rId13"/>
+              </p:custDataLst>
+            </p:nvPr>
+          </p:nvSpPr>
+          <p:spPr bwMode="auto">
+            <a:xfrm>
+              <a:off x="3751263" y="4832429"/>
+              <a:ext cx="7119177" cy="1348885"/>
+            </a:xfrm>
+            <a:prstGeom prst="rect">
+              <a:avLst/>
+            </a:prstGeom>
+            <a:solidFill>
+              <a:srgbClr val="FFFFFF"/>
+            </a:solidFill>
+            <a:ln w="9" cap="flat">
+              <a:solidFill>
+                <a:schemeClr val="bg2">
+                  <a:lumMod val="75000"/>
+                </a:schemeClr>
+              </a:solidFill>
+              <a:prstDash val="solid"/>
+              <a:miter lim="800000"/>
+            </a:ln>
+          </p:spPr>
+          <p:txBody>
+            <a:bodyPr vert="horz" wrap="square" lIns="91440" tIns="45720" rIns="91440" bIns="45720" numCol="1" anchor="t" anchorCtr="0" compatLnSpc="1"/>
+            <a:lstStyle/>
+            <a:p>
+              <a:pPr>
+                <a:lnSpc>
+                  <a:spcPct val="120000"/>
+                </a:lnSpc>
+              </a:pPr>
+              <a:endParaRPr lang="zh-CN" altLang="en-US" sz="1600">
+                <a:solidFill>
+                  <a:srgbClr val="213555"/>
+                </a:solidFill>
+              </a:endParaRPr>
+            </a:p>
+          </p:txBody>
+        </p:sp>
+        <p:sp>
+          <p:nvSpPr>
+            <p:cNvPr id="13" name="Rectangle 15"/>
+            <p:cNvSpPr>
+              <a:spLocks noChangeArrowheads="1"/>
+            </p:cNvSpPr>
+            <p:nvPr>
+              <p:custDataLst>
+                <p:tags r:id="rId14"/>
+              </p:custDataLst>
+            </p:nvPr>
+          </p:nvSpPr>
+          <p:spPr bwMode="auto">
+            <a:xfrm>
+              <a:off x="5540009" y="4494495"/>
+              <a:ext cx="3581400" cy="584278"/>
+            </a:xfrm>
+            <a:prstGeom prst="rect">
+              <a:avLst/>
+            </a:prstGeom>
+            <a:solidFill>
+              <a:srgbClr val="244C89"/>
+            </a:solidFill>
+            <a:ln w="19050" cap="flat">
+              <a:solidFill>
+                <a:schemeClr val="bg2"/>
+              </a:solidFill>
+              <a:prstDash val="solid"/>
+              <a:miter lim="800000"/>
+            </a:ln>
+            <a:effectLst>
+              <a:outerShdw blurRad="63500" sx="102000" sy="102000" algn="ctr" rotWithShape="0">
+                <a:prstClr val="black">
+                  <a:alpha val="40000"/>
+                </a:prstClr>
+              </a:outerShdw>
+            </a:effectLst>
+          </p:spPr>
+          <p:txBody>
+            <a:bodyPr vert="horz" wrap="square" lIns="91440" tIns="45720" rIns="91440" bIns="45720" numCol="1" anchor="t" anchorCtr="0" compatLnSpc="1"/>
+            <a:lstStyle/>
+            <a:p>
+              <a:pPr>
+                <a:lnSpc>
+                  <a:spcPct val="120000"/>
+                </a:lnSpc>
+              </a:pPr>
+              <a:endParaRPr lang="zh-CN" altLang="en-US" sz="1600">
+                <a:solidFill>
+                  <a:srgbClr val="213555"/>
+                </a:solidFill>
+              </a:endParaRPr>
+            </a:p>
+          </p:txBody>
+        </p:sp>
+        <p:sp>
+          <p:nvSpPr>
+            <p:cNvPr id="15" name="TextBox 20"/>
+            <p:cNvSpPr txBox="1"/>
+            <p:nvPr>
+              <p:custDataLst>
+                <p:tags r:id="rId15"/>
+              </p:custDataLst>
+            </p:nvPr>
+          </p:nvSpPr>
+          <p:spPr>
+            <a:xfrm>
+              <a:off x="5776685" y="4497591"/>
+              <a:ext cx="3108046" cy="579594"/>
+            </a:xfrm>
+            <a:prstGeom prst="rect">
+              <a:avLst/>
+            </a:prstGeom>
+            <a:noFill/>
+          </p:spPr>
+          <p:txBody>
+            <a:bodyPr wrap="square" rtlCol="0">
+              <a:spAutoFit/>
+            </a:bodyPr>
+            <a:lstStyle/>
+            <a:p>
+              <a:pPr algn="ctr">
+                <a:lnSpc>
+                  <a:spcPct val="120000"/>
+                </a:lnSpc>
+              </a:pPr>
+              <a:r>
+                <a:rPr lang="en-US" altLang="zh-CN" sz="2000" b="1" dirty="0">
+                  <a:solidFill>
+                    <a:schemeClr val="bg1"/>
+                  </a:solidFill>
+                  <a:latin typeface="微软雅黑" panose="020B0503020204020204" charset="-122"/>
+                  <a:ea typeface="微软雅黑" panose="020B0503020204020204" charset="-122"/>
+                </a:rPr>
+                <a:t>Cooperation</a:t>
+              </a:r>
+              <a:endParaRPr lang="zh-CN" altLang="en-US" sz="2000" b="1" dirty="0">
+                <a:solidFill>
+                  <a:schemeClr val="bg1"/>
+                </a:solidFill>
+                <a:latin typeface="微软雅黑" panose="020B0503020204020204" charset="-122"/>
+                <a:ea typeface="微软雅黑" panose="020B0503020204020204" charset="-122"/>
+              </a:endParaRPr>
+            </a:p>
+          </p:txBody>
+        </p:sp>
+        <p:sp>
+          <p:nvSpPr>
+            <p:cNvPr id="16" name="TextBox 21"/>
+            <p:cNvSpPr txBox="1"/>
+            <p:nvPr>
+              <p:custDataLst>
+                <p:tags r:id="rId16"/>
+              </p:custDataLst>
+            </p:nvPr>
+          </p:nvSpPr>
+          <p:spPr>
+            <a:xfrm>
+              <a:off x="3938139" y="5256871"/>
+              <a:ext cx="6807854" cy="765064"/>
+            </a:xfrm>
+            <a:prstGeom prst="rect">
+              <a:avLst/>
+            </a:prstGeom>
+            <a:noFill/>
+          </p:spPr>
+          <p:txBody>
+            <a:bodyPr wrap="square" rtlCol="0">
+              <a:spAutoFit/>
+            </a:bodyPr>
+            <a:lstStyle>
+              <a:defPPr>
+                <a:defRPr lang="zh-CN"/>
+              </a:defPPr>
+              <a:lvl1pPr>
+                <a:defRPr>
+                  <a:solidFill>
+                    <a:schemeClr val="accent1"/>
+                  </a:solidFill>
+                  <a:latin typeface="+mn-ea"/>
+                  <a:ea typeface="+mn-ea"/>
+                </a:defRPr>
+              </a:lvl1pPr>
+            </a:lstStyle>
+            <a:p>
+              <a:pPr algn="just">
+                <a:lnSpc>
+                  <a:spcPct val="120000"/>
+                </a:lnSpc>
+              </a:pPr>
+              <a:r>
+                <a:rPr lang="en-US" altLang="zh-CN" sz="1400">
+                  <a:solidFill>
+                    <a:schemeClr val="tx1">
+                      <a:lumMod val="65000"/>
+                      <a:lumOff val="35000"/>
+                    </a:schemeClr>
+                  </a:solidFill>
+                  <a:latin typeface="+mj-ea"/>
+                  <a:ea typeface="+mj-ea"/>
+                </a:rPr>
+                <a:t>Completed assignments more efficiently and thoroughly through multiple team works</a:t>
+              </a:r>
+              <a:endParaRPr lang="en-US" altLang="zh-CN" sz="1400">
+                <a:solidFill>
+                  <a:schemeClr val="tx1">
+                    <a:lumMod val="65000"/>
+                    <a:lumOff val="35000"/>
+                  </a:schemeClr>
+                </a:solidFill>
+                <a:latin typeface="+mj-ea"/>
+                <a:ea typeface="+mj-ea"/>
+              </a:endParaRPr>
+            </a:p>
+          </p:txBody>
+        </p:sp>
+      </p:grpSp>
+      <p:sp>
+        <p:nvSpPr>
+          <p:cNvPr id="17" name="TextBox 22"/>
+          <p:cNvSpPr txBox="1"/>
+          <p:nvPr>
+            <p:custDataLst>
+              <p:tags r:id="rId17"/>
+            </p:custDataLst>
+          </p:nvPr>
+        </p:nvSpPr>
+        <p:spPr>
+          <a:xfrm>
+            <a:off x="1325245" y="3282950"/>
+            <a:ext cx="1722755" cy="534035"/>
+          </a:xfrm>
+          <a:prstGeom prst="rect">
+            <a:avLst/>
+          </a:prstGeom>
+          <a:noFill/>
+        </p:spPr>
+        <p:txBody>
+          <a:bodyPr wrap="square" rtlCol="0">
+            <a:spAutoFit/>
+          </a:bodyPr>
+          <a:lstStyle/>
+          <a:p>
+            <a:pPr algn="ctr">
+              <a:lnSpc>
+                <a:spcPct val="120000"/>
+              </a:lnSpc>
+            </a:pPr>
+            <a:r>
+              <a:rPr lang="en-US" altLang="zh-CN" sz="2400" b="1" dirty="0">
+                <a:solidFill>
+                  <a:schemeClr val="bg1"/>
+                </a:solidFill>
+                <a:latin typeface="+mj-ea"/>
+                <a:ea typeface="+mj-ea"/>
+              </a:rPr>
+              <a:t>Learnings</a:t>
+            </a:r>
+            <a:endParaRPr lang="en-US" altLang="zh-CN" sz="2400" b="1" dirty="0">
+              <a:solidFill>
+                <a:schemeClr val="bg1"/>
+              </a:solidFill>
+              <a:latin typeface="+mj-ea"/>
+              <a:ea typeface="+mj-ea"/>
+            </a:endParaRPr>
+          </a:p>
+        </p:txBody>
+      </p:sp>
+      <p:grpSp>
+        <p:nvGrpSpPr>
+          <p:cNvPr id="19" name="组合 18"/>
+          <p:cNvGrpSpPr/>
+          <p:nvPr/>
+        </p:nvGrpSpPr>
+        <p:grpSpPr>
+          <a:xfrm rot="0">
+            <a:off x="3945890" y="5019675"/>
+            <a:ext cx="5655310" cy="1339850"/>
+            <a:chOff x="3751263" y="995645"/>
+            <a:chExt cx="7119177" cy="1686820"/>
+          </a:xfrm>
+        </p:grpSpPr>
+        <p:sp>
+          <p:nvSpPr>
+            <p:cNvPr id="20" name="Rectangle 9"/>
+            <p:cNvSpPr>
+              <a:spLocks noChangeArrowheads="1"/>
+            </p:cNvSpPr>
+            <p:nvPr>
+              <p:custDataLst>
+                <p:tags r:id="rId18"/>
+              </p:custDataLst>
+            </p:nvPr>
+          </p:nvSpPr>
+          <p:spPr bwMode="auto">
+            <a:xfrm>
+              <a:off x="3751263" y="1333579"/>
+              <a:ext cx="7119177" cy="1348886"/>
+            </a:xfrm>
+            <a:prstGeom prst="rect">
+              <a:avLst/>
+            </a:prstGeom>
+            <a:solidFill>
+              <a:srgbClr val="FFFFFF"/>
+            </a:solidFill>
+            <a:ln w="9" cap="flat">
+              <a:solidFill>
+                <a:schemeClr val="bg2">
+                  <a:lumMod val="75000"/>
+                </a:schemeClr>
+              </a:solidFill>
+              <a:prstDash val="solid"/>
+              <a:miter lim="800000"/>
+            </a:ln>
+          </p:spPr>
+          <p:txBody>
+            <a:bodyPr vert="horz" wrap="square" lIns="91440" tIns="45720" rIns="91440" bIns="45720" numCol="1" anchor="t" anchorCtr="0" compatLnSpc="1"/>
+            <a:p>
+              <a:pPr>
+                <a:lnSpc>
+                  <a:spcPct val="120000"/>
+                </a:lnSpc>
+              </a:pPr>
+              <a:endParaRPr lang="zh-CN" altLang="en-US" sz="1600">
+                <a:solidFill>
+                  <a:srgbClr val="213555"/>
+                </a:solidFill>
+              </a:endParaRPr>
+            </a:p>
+          </p:txBody>
+        </p:sp>
+        <p:sp>
+          <p:nvSpPr>
+            <p:cNvPr id="26" name="Rectangle 10"/>
+            <p:cNvSpPr>
+              <a:spLocks noChangeArrowheads="1"/>
+            </p:cNvSpPr>
+            <p:nvPr>
+              <p:custDataLst>
+                <p:tags r:id="rId19"/>
+              </p:custDataLst>
+            </p:nvPr>
+          </p:nvSpPr>
+          <p:spPr bwMode="auto">
+            <a:xfrm>
+              <a:off x="5540009" y="995645"/>
+              <a:ext cx="3581400" cy="582090"/>
+            </a:xfrm>
+            <a:prstGeom prst="rect">
+              <a:avLst/>
+            </a:prstGeom>
+            <a:solidFill>
+              <a:srgbClr val="244C89"/>
+            </a:solidFill>
+            <a:ln w="19050" cap="flat">
+              <a:solidFill>
+                <a:schemeClr val="bg2"/>
+              </a:solidFill>
+              <a:prstDash val="solid"/>
+              <a:miter lim="800000"/>
+            </a:ln>
+            <a:effectLst>
+              <a:outerShdw blurRad="63500" sx="102000" sy="102000" algn="ctr" rotWithShape="0">
+                <a:prstClr val="black">
+                  <a:alpha val="40000"/>
+                </a:prstClr>
+              </a:outerShdw>
+            </a:effectLst>
+          </p:spPr>
+          <p:txBody>
+            <a:bodyPr vert="horz" wrap="square" lIns="91440" tIns="45720" rIns="91440" bIns="45720" numCol="1" anchor="t" anchorCtr="0" compatLnSpc="1"/>
+            <a:p>
+              <a:pPr>
+                <a:lnSpc>
+                  <a:spcPct val="120000"/>
+                </a:lnSpc>
+              </a:pPr>
+              <a:endParaRPr lang="zh-CN" altLang="en-US" sz="1600">
+                <a:solidFill>
+                  <a:srgbClr val="213555"/>
+                </a:solidFill>
+              </a:endParaRPr>
+            </a:p>
+          </p:txBody>
+        </p:sp>
+        <p:sp>
+          <p:nvSpPr>
+            <p:cNvPr id="27" name="TextBox 16"/>
+            <p:cNvSpPr txBox="1"/>
+            <p:nvPr>
+              <p:custDataLst>
+                <p:tags r:id="rId20"/>
+              </p:custDataLst>
+            </p:nvPr>
+          </p:nvSpPr>
+          <p:spPr>
+            <a:xfrm>
+              <a:off x="5776685" y="995645"/>
+              <a:ext cx="3108046" cy="579595"/>
+            </a:xfrm>
+            <a:prstGeom prst="rect">
+              <a:avLst/>
+            </a:prstGeom>
+            <a:noFill/>
+          </p:spPr>
+          <p:txBody>
+            <a:bodyPr wrap="square" rtlCol="0">
+              <a:spAutoFit/>
+            </a:bodyPr>
+            <a:p>
+              <a:pPr algn="ctr">
+                <a:lnSpc>
+                  <a:spcPct val="120000"/>
+                </a:lnSpc>
+              </a:pPr>
+              <a:r>
+                <a:rPr lang="en-US" altLang="zh-CN" sz="2000" b="1" dirty="0">
+                  <a:solidFill>
+                    <a:schemeClr val="bg1"/>
+                  </a:solidFill>
+                  <a:latin typeface="+mj-ea"/>
+                  <a:ea typeface="+mj-ea"/>
+                </a:rPr>
+                <a:t>Tools</a:t>
+              </a:r>
+              <a:endParaRPr lang="en-US" altLang="zh-CN" sz="2000" b="1" dirty="0">
+                <a:solidFill>
+                  <a:schemeClr val="bg1"/>
+                </a:solidFill>
+                <a:latin typeface="+mj-ea"/>
+                <a:ea typeface="+mj-ea"/>
+              </a:endParaRPr>
+            </a:p>
+          </p:txBody>
+        </p:sp>
+        <p:sp>
+          <p:nvSpPr>
+            <p:cNvPr id="29" name="TextBox 17"/>
+            <p:cNvSpPr txBox="1"/>
+            <p:nvPr>
+              <p:custDataLst>
+                <p:tags r:id="rId21"/>
+              </p:custDataLst>
+            </p:nvPr>
+          </p:nvSpPr>
+          <p:spPr>
+            <a:xfrm>
+              <a:off x="3938139" y="1776693"/>
+              <a:ext cx="6807854" cy="439692"/>
+            </a:xfrm>
+            <a:prstGeom prst="rect">
+              <a:avLst/>
+            </a:prstGeom>
+            <a:noFill/>
+          </p:spPr>
+          <p:txBody>
+            <a:bodyPr wrap="square" rtlCol="0">
+              <a:spAutoFit/>
+            </a:bodyPr>
+            <a:p>
+              <a:pPr>
+                <a:lnSpc>
+                  <a:spcPct val="120000"/>
+                </a:lnSpc>
+              </a:pPr>
+              <a:r>
+                <a:rPr lang="en-US" altLang="zh-CN" sz="1400" dirty="0">
+                  <a:solidFill>
+                    <a:schemeClr val="tx1">
+                      <a:lumMod val="65000"/>
+                      <a:lumOff val="35000"/>
+                    </a:schemeClr>
+                  </a:solidFill>
+                  <a:latin typeface="微软雅黑" panose="020B0503020204020204" charset="-122"/>
+                  <a:ea typeface="微软雅黑" panose="020B0503020204020204" charset="-122"/>
+                </a:rPr>
+                <a:t>Used various tools such as Trello, Lucid, Tailwind, Bootstrap</a:t>
+              </a:r>
+              <a:endParaRPr lang="en-US" altLang="zh-CN" sz="1400" dirty="0">
+                <a:solidFill>
+                  <a:schemeClr val="tx1">
+                    <a:lumMod val="65000"/>
+                    <a:lumOff val="35000"/>
+                  </a:schemeClr>
+                </a:solidFill>
+                <a:latin typeface="微软雅黑" panose="020B0503020204020204" charset="-122"/>
+                <a:ea typeface="微软雅黑" panose="020B0503020204020204" charset="-122"/>
+              </a:endParaRPr>
+            </a:p>
+          </p:txBody>
+        </p:sp>
+      </p:grpSp>
+      <p:sp>
+        <p:nvSpPr>
+          <p:cNvPr id="30" name="Line 13"/>
+          <p:cNvSpPr>
+            <a:spLocks noChangeShapeType="1"/>
+          </p:cNvSpPr>
+          <p:nvPr>
+            <p:custDataLst>
+              <p:tags r:id="rId22"/>
+            </p:custDataLst>
+          </p:nvPr>
+        </p:nvSpPr>
+        <p:spPr bwMode="auto">
+          <a:xfrm flipV="1">
+            <a:off x="2981960" y="1317625"/>
+            <a:ext cx="963930" cy="2312670"/>
+          </a:xfrm>
+          <a:prstGeom prst="line">
+            <a:avLst/>
+          </a:prstGeom>
+          <a:noFill/>
+          <a:ln w="9" cap="flat">
+            <a:solidFill>
+              <a:srgbClr val="2E2C2C"/>
+            </a:solidFill>
+            <a:prstDash val="solid"/>
+            <a:miter lim="800000"/>
+            <a:headEnd type="none" w="med" len="med"/>
+            <a:tailEnd type="triangle" w="med" len="med"/>
+          </a:ln>
+          <a:extLst>
+            <a:ext uri="{909E8E84-426E-40DD-AFC4-6F175D3DCCD1}">
+              <a14:hiddenFill xmlns:a14="http://schemas.microsoft.com/office/drawing/2010/main">
+                <a:noFill/>
+              </a14:hiddenFill>
+            </a:ext>
+          </a:extLst>
+        </p:spPr>
+        <p:txBody>
+          <a:bodyPr vert="horz" wrap="square" lIns="91440" tIns="45720" rIns="91440" bIns="45720" numCol="1" anchor="t" anchorCtr="0" compatLnSpc="1"/>
+          <a:p>
+            <a:pPr>
+              <a:lnSpc>
+                <a:spcPct val="120000"/>
+              </a:lnSpc>
+            </a:pPr>
+            <a:endParaRPr lang="zh-CN" altLang="en-US" sz="2400">
+              <a:solidFill>
+                <a:srgbClr val="213555"/>
+              </a:solidFill>
+            </a:endParaRPr>
+          </a:p>
+        </p:txBody>
+      </p:sp>
+      <p:sp>
+        <p:nvSpPr>
+          <p:cNvPr id="39" name="Line 13"/>
+          <p:cNvSpPr>
+            <a:spLocks noChangeShapeType="1"/>
+          </p:cNvSpPr>
+          <p:nvPr>
+            <p:custDataLst>
+              <p:tags r:id="rId23"/>
+            </p:custDataLst>
+          </p:nvPr>
+        </p:nvSpPr>
+        <p:spPr bwMode="auto">
+          <a:xfrm flipV="1">
+            <a:off x="2981960" y="2800350"/>
+            <a:ext cx="956310" cy="829945"/>
+          </a:xfrm>
+          <a:prstGeom prst="line">
+            <a:avLst/>
+          </a:prstGeom>
+          <a:noFill/>
+          <a:ln w="9" cap="flat">
+            <a:solidFill>
+              <a:srgbClr val="2E2C2C"/>
+            </a:solidFill>
+            <a:prstDash val="solid"/>
+            <a:miter lim="800000"/>
+            <a:headEnd type="none" w="med" len="med"/>
+            <a:tailEnd type="triangle" w="med" len="med"/>
+          </a:ln>
+          <a:extLst>
+            <a:ext uri="{909E8E84-426E-40DD-AFC4-6F175D3DCCD1}">
+              <a14:hiddenFill xmlns:a14="http://schemas.microsoft.com/office/drawing/2010/main">
+                <a:noFill/>
+              </a14:hiddenFill>
+            </a:ext>
+          </a:extLst>
+        </p:spPr>
+        <p:txBody>
+          <a:bodyPr vert="horz" wrap="square" lIns="91440" tIns="45720" rIns="91440" bIns="45720" numCol="1" anchor="t" anchorCtr="0" compatLnSpc="1"/>
+          <a:lstStyle/>
+          <a:p>
+            <a:pPr>
+              <a:lnSpc>
+                <a:spcPct val="120000"/>
+              </a:lnSpc>
+            </a:pPr>
+            <a:endParaRPr lang="zh-CN" altLang="en-US" sz="2400">
+              <a:solidFill>
+                <a:srgbClr val="213555"/>
+              </a:solidFill>
+            </a:endParaRPr>
+          </a:p>
+        </p:txBody>
+      </p:sp>
+      <p:sp>
+        <p:nvSpPr>
+          <p:cNvPr id="42" name="Line 13"/>
+          <p:cNvSpPr>
+            <a:spLocks noChangeShapeType="1"/>
+          </p:cNvSpPr>
+          <p:nvPr>
+            <p:custDataLst>
+              <p:tags r:id="rId24"/>
+            </p:custDataLst>
+          </p:nvPr>
+        </p:nvSpPr>
+        <p:spPr bwMode="auto">
+          <a:xfrm>
+            <a:off x="3002280" y="3630295"/>
+            <a:ext cx="936625" cy="760095"/>
+          </a:xfrm>
+          <a:prstGeom prst="line">
+            <a:avLst/>
+          </a:prstGeom>
+          <a:noFill/>
+          <a:ln w="9" cap="flat">
+            <a:solidFill>
+              <a:srgbClr val="2E2C2C"/>
+            </a:solidFill>
+            <a:prstDash val="solid"/>
+            <a:miter lim="800000"/>
+            <a:headEnd type="none" w="med" len="med"/>
+            <a:tailEnd type="triangle" w="med" len="med"/>
+          </a:ln>
+          <a:extLst>
+            <a:ext uri="{909E8E84-426E-40DD-AFC4-6F175D3DCCD1}">
+              <a14:hiddenFill xmlns:a14="http://schemas.microsoft.com/office/drawing/2010/main">
+                <a:noFill/>
+              </a14:hiddenFill>
+            </a:ext>
+          </a:extLst>
+        </p:spPr>
+        <p:txBody>
+          <a:bodyPr vert="horz" wrap="square" lIns="91440" tIns="45720" rIns="91440" bIns="45720" numCol="1" anchor="t" anchorCtr="0" compatLnSpc="1"/>
+          <a:lstStyle/>
+          <a:p>
+            <a:pPr>
+              <a:lnSpc>
+                <a:spcPct val="120000"/>
+              </a:lnSpc>
+            </a:pPr>
+            <a:endParaRPr lang="zh-CN" altLang="en-US" sz="2400">
+              <a:solidFill>
+                <a:srgbClr val="213555"/>
+              </a:solidFill>
+            </a:endParaRPr>
+          </a:p>
+        </p:txBody>
+      </p:sp>
+    </p:spTree>
+  </p:cSld>
+  <p:clrMapOvr>
+    <a:masterClrMapping/>
+  </p:clrMapOvr>
+</p:sld>
+</file>
+
+<file path=ppt/slides/slide17.xml><?xml version="1.0" encoding="utf-8"?>
+<p:sld xmlns:a="http://schemas.openxmlformats.org/drawingml/2006/main" xmlns:r="http://schemas.openxmlformats.org/officeDocument/2006/relationships" xmlns:p="http://schemas.openxmlformats.org/presentationml/2006/main">
+  <p:cSld>
+    <p:spTree>
+      <p:nvGrpSpPr>
+        <p:cNvPr id="1" name=""/>
+        <p:cNvGrpSpPr/>
+        <p:nvPr/>
+      </p:nvGrpSpPr>
+      <p:grpSpPr>
+        <a:xfrm>
+          <a:off x="0" y="0"/>
+          <a:ext cx="0" cy="0"/>
+          <a:chOff x="0" y="0"/>
+          <a:chExt cx="0" cy="0"/>
+        </a:xfrm>
+      </p:grpSpPr>
+      <p:pic>
+        <p:nvPicPr>
           <p:cNvPr id="2" name="图片 1"/>
           <p:cNvPicPr>
             <a:picLocks noChangeAspect="1"/>
@@ -8488,7 +10299,7 @@
           <p:nvPr/>
         </p:nvPicPr>
         <p:blipFill>
-          <a:blip r:embed="rId3" cstate="print">
+          <a:blip r:embed="rId1" cstate="print">
             <a:extLst>
               <a:ext uri="{28A0092B-C50C-407E-A947-70E740481C1C}">
                 <a14:useLocalDpi xmlns:a14="http://schemas.microsoft.com/office/drawing/2010/main" val="0"/>
@@ -8699,7 +10510,7 @@
           <p:nvPr/>
         </p:nvPicPr>
         <p:blipFill>
-          <a:blip r:embed="rId3" cstate="print">
+          <a:blip r:embed="rId1" cstate="print">
             <a:extLst>
               <a:ext uri="{28A0092B-C50C-407E-A947-70E740481C1C}">
                 <a14:useLocalDpi xmlns:a14="http://schemas.microsoft.com/office/drawing/2010/main" val="0"/>
@@ -8728,7 +10539,7 @@
         </p:nvSpPr>
         <p:spPr>
           <a:xfrm>
-            <a:off x="2997200" y="423263"/>
+            <a:off x="2856230" y="423263"/>
             <a:ext cx="8780616" cy="6017293"/>
           </a:xfrm>
           <a:prstGeom prst="rect">
@@ -13121,6 +14932,12 @@
                   </a:rPr>
                   <a:t>Operation result</a:t>
                 </a:r>
+                <a:endParaRPr lang="en-US" b="1" dirty="0">
+                  <a:solidFill>
+                    <a:srgbClr val="313D51"/>
+                  </a:solidFill>
+                  <a:latin typeface="微软雅黑" panose="020B0503020204020204" charset="-122"/>
+                </a:endParaRPr>
               </a:p>
             </p:txBody>
           </p:sp>
@@ -13221,9 +15038,9 @@
         <p:grpSpPr>
           <a:xfrm>
             <a:off x="5714354" y="5273048"/>
-            <a:ext cx="4890672" cy="578188"/>
+            <a:ext cx="5778500" cy="578188"/>
             <a:chOff x="5714354" y="4244369"/>
-            <a:chExt cx="4890672" cy="578188"/>
+            <a:chExt cx="5778500" cy="578188"/>
           </a:xfrm>
         </p:grpSpPr>
         <p:grpSp>
@@ -13235,9 +15052,9 @@
           <p:grpSpPr>
             <a:xfrm>
               <a:off x="5714354" y="4244369"/>
-              <a:ext cx="4103687" cy="576263"/>
+              <a:ext cx="5778500" cy="576263"/>
               <a:chOff x="4753236" y="4446326"/>
-              <a:chExt cx="4103687" cy="576263"/>
+              <a:chExt cx="5778500" cy="576263"/>
             </a:xfrm>
           </p:grpSpPr>
           <p:grpSp>
@@ -16901,7 +18718,7 @@
             <p:spPr bwMode="auto">
               <a:xfrm>
                 <a:off x="6566161" y="4535226"/>
-                <a:ext cx="2290762" cy="430374"/>
+                <a:ext cx="3965575" cy="460375"/>
               </a:xfrm>
               <a:prstGeom prst="rect">
                 <a:avLst/>
@@ -16931,7 +18748,7 @@
               </a:extLst>
             </p:spPr>
             <p:txBody>
-              <a:bodyPr>
+              <a:bodyPr wrap="square">
                 <a:spAutoFit/>
               </a:bodyPr>
               <a:lstStyle>
@@ -17086,7 +18903,7 @@
                     </a:solidFill>
                     <a:latin typeface="微软雅黑" panose="020B0503020204020204" charset="-122"/>
                   </a:rPr>
-                  <a:t>Contributions</a:t>
+                  <a:t>Contributions &amp; Learnings</a:t>
                 </a:r>
                 <a:endParaRPr lang="zh-CN" altLang="en-US" b="1" dirty="0">
                   <a:solidFill>
@@ -17257,7 +19074,7 @@
           <p:nvPr/>
         </p:nvPicPr>
         <p:blipFill>
-          <a:blip r:embed="rId3" cstate="print">
+          <a:blip r:embed="rId1" cstate="print">
             <a:extLst>
               <a:ext uri="{28A0092B-C50C-407E-A947-70E740481C1C}">
                 <a14:useLocalDpi xmlns:a14="http://schemas.microsoft.com/office/drawing/2010/main" val="0"/>
@@ -17546,7 +19363,7 @@
           </p:nvPr>
         </p:nvPicPr>
         <p:blipFill>
-          <a:blip r:embed="rId4" cstate="print">
+          <a:blip r:embed="rId2" cstate="print">
             <a:extLst>
               <a:ext uri="{28A0092B-C50C-407E-A947-70E740481C1C}">
                 <a14:useLocalDpi xmlns:a14="http://schemas.microsoft.com/office/drawing/2010/main" val="0"/>
@@ -17704,8 +19521,18 @@
                 <a:latin typeface="微软雅黑" panose="020B0503020204020204" charset="-122"/>
                 <a:ea typeface="微软雅黑" panose="020B0503020204020204" charset="-122"/>
               </a:rPr>
-              <a:t>Designed to provide users with a convenient, diverse selection of travel sites.This user-friendly system built on react implements user login and registration, provides multiple destinations to choose from, sign up for trips, etc.</a:t>
+              <a:t>Designed to provide users with a convenient, diverse selection.This user-friendly system built on react implements user login and registration, provides multiple destinations to choose from, sign up for trips, etc.</a:t>
             </a:r>
+            <a:endParaRPr lang="en-US" altLang="zh-CN" sz="1600" dirty="0">
+              <a:solidFill>
+                <a:schemeClr val="tx1">
+                  <a:lumMod val="65000"/>
+                  <a:lumOff val="35000"/>
+                </a:schemeClr>
+              </a:solidFill>
+              <a:latin typeface="微软雅黑" panose="020B0503020204020204" charset="-122"/>
+              <a:ea typeface="微软雅黑" panose="020B0503020204020204" charset="-122"/>
+            </a:endParaRPr>
           </a:p>
           <a:p>
             <a:pPr algn="just">
@@ -17743,6 +19570,16 @@
               </a:rPr>
               <a:t>common UI. Props are passed down properly.</a:t>
             </a:r>
+            <a:endParaRPr lang="en-US" altLang="zh-CN" sz="1600" dirty="0">
+              <a:solidFill>
+                <a:schemeClr val="tx1">
+                  <a:lumMod val="65000"/>
+                  <a:lumOff val="35000"/>
+                </a:schemeClr>
+              </a:solidFill>
+              <a:latin typeface="微软雅黑" panose="020B0503020204020204" charset="-122"/>
+              <a:ea typeface="微软雅黑" panose="020B0503020204020204" charset="-122"/>
+            </a:endParaRPr>
           </a:p>
         </p:txBody>
       </p:sp>
@@ -17806,7 +19643,7 @@
           <p:nvPr/>
         </p:nvPicPr>
         <p:blipFill>
-          <a:blip r:embed="rId5"/>
+          <a:blip r:embed="rId3"/>
           <a:stretch>
             <a:fillRect/>
           </a:stretch>
@@ -17830,7 +19667,7 @@
           <p:nvPr/>
         </p:nvPicPr>
         <p:blipFill>
-          <a:blip r:embed="rId6"/>
+          <a:blip r:embed="rId4"/>
           <a:stretch>
             <a:fillRect/>
           </a:stretch>
@@ -17883,7 +19720,7 @@
           </p:nvPr>
         </p:nvPicPr>
         <p:blipFill>
-          <a:blip r:embed="rId4" cstate="print">
+          <a:blip r:embed="rId2" cstate="print">
             <a:extLst>
               <a:ext uri="{28A0092B-C50C-407E-A947-70E740481C1C}">
                 <a14:useLocalDpi xmlns:a14="http://schemas.microsoft.com/office/drawing/2010/main" val="0"/>
@@ -17966,7 +19803,7 @@
           <p:nvPr/>
         </p:nvPicPr>
         <p:blipFill>
-          <a:blip r:embed="rId5"/>
+          <a:blip r:embed="rId3"/>
           <a:stretch>
             <a:fillRect/>
           </a:stretch>
@@ -17990,7 +19827,7 @@
           <p:nvPr/>
         </p:nvPicPr>
         <p:blipFill>
-          <a:blip r:embed="rId6"/>
+          <a:blip r:embed="rId4"/>
           <a:srcRect l="4030" t="17370" r="14382" b="33981"/>
           <a:stretch>
             <a:fillRect/>
@@ -18040,7 +19877,7 @@
           <p:nvPr/>
         </p:nvPicPr>
         <p:blipFill>
-          <a:blip r:embed="rId3" cstate="print">
+          <a:blip r:embed="rId1" cstate="print">
             <a:extLst>
               <a:ext uri="{28A0092B-C50C-407E-A947-70E740481C1C}">
                 <a14:useLocalDpi xmlns:a14="http://schemas.microsoft.com/office/drawing/2010/main" val="0"/>
@@ -18328,7 +20165,7 @@
           </p:nvPr>
         </p:nvPicPr>
         <p:blipFill>
-          <a:blip r:embed="rId5" cstate="print">
+          <a:blip r:embed="rId2" cstate="print">
             <a:extLst>
               <a:ext uri="{28A0092B-C50C-407E-A947-70E740481C1C}">
                 <a14:useLocalDpi xmlns:a14="http://schemas.microsoft.com/office/drawing/2010/main" val="0"/>
@@ -18393,6 +20230,13 @@
               </a:rPr>
               <a:t>Main Components</a:t>
             </a:r>
+            <a:endParaRPr lang="en-US" altLang="zh-CN" sz="3200" b="1" dirty="0">
+              <a:solidFill>
+                <a:srgbClr val="244C89"/>
+              </a:solidFill>
+              <a:ea typeface="微软雅黑" panose="020B0503020204020204" charset="-122"/>
+              <a:sym typeface="+mn-ea"/>
+            </a:endParaRPr>
           </a:p>
         </p:txBody>
       </p:sp>
@@ -18404,12 +20248,12 @@
           </p:cNvPicPr>
           <p:nvPr>
             <p:custDataLst>
-              <p:tags r:id="rId2"/>
+              <p:tags r:id="rId3"/>
             </p:custDataLst>
           </p:nvPr>
         </p:nvPicPr>
         <p:blipFill>
-          <a:blip r:embed="rId6"/>
+          <a:blip r:embed="rId4"/>
           <a:stretch>
             <a:fillRect/>
           </a:stretch>
@@ -18433,7 +20277,7 @@
           <p:nvPr/>
         </p:nvPicPr>
         <p:blipFill>
-          <a:blip r:embed="rId7"/>
+          <a:blip r:embed="rId5"/>
           <a:stretch>
             <a:fillRect/>
           </a:stretch>
@@ -18486,7 +20330,7 @@
           </p:nvPr>
         </p:nvPicPr>
         <p:blipFill>
-          <a:blip r:embed="rId8" cstate="print">
+          <a:blip r:embed="rId2" cstate="print">
             <a:extLst>
               <a:ext uri="{28A0092B-C50C-407E-A947-70E740481C1C}">
                 <a14:useLocalDpi xmlns:a14="http://schemas.microsoft.com/office/drawing/2010/main" val="0"/>
@@ -18551,6 +20395,13 @@
               </a:rPr>
               <a:t>React router &amp; Component Nesting</a:t>
             </a:r>
+            <a:endParaRPr lang="en-US" altLang="zh-CN" sz="3200" b="1" dirty="0">
+              <a:solidFill>
+                <a:srgbClr val="244C89"/>
+              </a:solidFill>
+              <a:ea typeface="微软雅黑" panose="020B0503020204020204" charset="-122"/>
+              <a:sym typeface="+mn-ea"/>
+            </a:endParaRPr>
           </a:p>
         </p:txBody>
       </p:sp>
@@ -18562,12 +20413,12 @@
           </p:cNvPicPr>
           <p:nvPr>
             <p:custDataLst>
-              <p:tags r:id="rId2"/>
+              <p:tags r:id="rId3"/>
             </p:custDataLst>
           </p:nvPr>
         </p:nvPicPr>
         <p:blipFill>
-          <a:blip r:embed="rId9"/>
+          <a:blip r:embed="rId4"/>
           <a:stretch>
             <a:fillRect/>
           </a:stretch>
@@ -18591,7 +20442,7 @@
           <p:nvPr/>
         </p:nvPicPr>
         <p:blipFill>
-          <a:blip r:embed="rId10"/>
+          <a:blip r:embed="rId5"/>
           <a:stretch>
             <a:fillRect/>
           </a:stretch>
@@ -18615,7 +20466,7 @@
           <p:nvPr/>
         </p:nvPicPr>
         <p:blipFill>
-          <a:blip r:embed="rId11"/>
+          <a:blip r:embed="rId6"/>
           <a:stretch>
             <a:fillRect/>
           </a:stretch>
@@ -18636,7 +20487,7 @@
           <p:cNvSpPr/>
           <p:nvPr>
             <p:custDataLst>
-              <p:tags r:id="rId3"/>
+              <p:tags r:id="rId7"/>
             </p:custDataLst>
           </p:nvPr>
         </p:nvSpPr>
@@ -18674,7 +20525,6 @@
         </p:style>
         <p:txBody>
           <a:bodyPr rtlCol="0" anchor="ctr"/>
-          <a:lstStyle/>
           <a:p>
             <a:pPr algn="ctr"/>
             <a:endParaRPr lang="zh-CN" altLang="en-US">
@@ -18694,7 +20544,7 @@
           <p:nvPr/>
         </p:nvPicPr>
         <p:blipFill>
-          <a:blip r:embed="rId12"/>
+          <a:blip r:embed="rId8"/>
           <a:stretch>
             <a:fillRect/>
           </a:stretch>
@@ -18718,7 +20568,7 @@
           <p:nvPr/>
         </p:nvPicPr>
         <p:blipFill>
-          <a:blip r:embed="rId13"/>
+          <a:blip r:embed="rId9"/>
           <a:stretch>
             <a:fillRect/>
           </a:stretch>
@@ -18742,7 +20592,7 @@
           <p:nvPr/>
         </p:nvPicPr>
         <p:blipFill>
-          <a:blip r:embed="rId14"/>
+          <a:blip r:embed="rId10"/>
           <a:stretch>
             <a:fillRect/>
           </a:stretch>
@@ -18763,7 +20613,7 @@
           <p:cNvSpPr/>
           <p:nvPr>
             <p:custDataLst>
-              <p:tags r:id="rId4"/>
+              <p:tags r:id="rId11"/>
             </p:custDataLst>
           </p:nvPr>
         </p:nvSpPr>
@@ -18801,7 +20651,6 @@
         </p:style>
         <p:txBody>
           <a:bodyPr rtlCol="0" anchor="ctr"/>
-          <a:lstStyle/>
           <a:p>
             <a:pPr algn="ctr"/>
             <a:endParaRPr lang="zh-CN" altLang="en-US">
@@ -18821,7 +20670,7 @@
           <p:nvPr/>
         </p:nvPicPr>
         <p:blipFill>
-          <a:blip r:embed="rId15"/>
+          <a:blip r:embed="rId12"/>
           <a:stretch>
             <a:fillRect/>
           </a:stretch>
@@ -18842,7 +20691,7 @@
           <p:cNvSpPr/>
           <p:nvPr>
             <p:custDataLst>
-              <p:tags r:id="rId5"/>
+              <p:tags r:id="rId13"/>
             </p:custDataLst>
           </p:nvPr>
         </p:nvSpPr>
@@ -18880,7 +20729,6 @@
         </p:style>
         <p:txBody>
           <a:bodyPr rtlCol="0" anchor="ctr"/>
-          <a:lstStyle/>
           <a:p>
             <a:pPr algn="ctr"/>
             <a:endParaRPr lang="zh-CN" altLang="en-US">
@@ -18929,7 +20777,7 @@
           </p:nvPr>
         </p:nvPicPr>
         <p:blipFill>
-          <a:blip r:embed="rId5" cstate="print">
+          <a:blip r:embed="rId2" cstate="print">
             <a:extLst>
               <a:ext uri="{28A0092B-C50C-407E-A947-70E740481C1C}">
                 <a14:useLocalDpi xmlns:a14="http://schemas.microsoft.com/office/drawing/2010/main" val="0"/>
@@ -18994,6 +20842,13 @@
               </a:rPr>
               <a:t>Main Components</a:t>
             </a:r>
+            <a:endParaRPr lang="en-US" altLang="zh-CN" sz="3200" b="1" dirty="0">
+              <a:solidFill>
+                <a:srgbClr val="244C89"/>
+              </a:solidFill>
+              <a:ea typeface="微软雅黑" panose="020B0503020204020204" charset="-122"/>
+              <a:sym typeface="+mn-ea"/>
+            </a:endParaRPr>
           </a:p>
         </p:txBody>
       </p:sp>
@@ -19005,12 +20860,12 @@
           </p:cNvPicPr>
           <p:nvPr>
             <p:custDataLst>
-              <p:tags r:id="rId2"/>
+              <p:tags r:id="rId3"/>
             </p:custDataLst>
           </p:nvPr>
         </p:nvPicPr>
         <p:blipFill>
-          <a:blip r:embed="rId6"/>
+          <a:blip r:embed="rId4"/>
           <a:stretch>
             <a:fillRect/>
           </a:stretch>
@@ -19034,7 +20889,7 @@
           <p:nvPr/>
         </p:nvPicPr>
         <p:blipFill>
-          <a:blip r:embed="rId7"/>
+          <a:blip r:embed="rId5"/>
           <a:stretch>
             <a:fillRect/>
           </a:stretch>
@@ -19069,7 +20924,6 @@
           <a:bodyPr wrap="square" rtlCol="0">
             <a:spAutoFit/>
           </a:bodyPr>
-          <a:lstStyle/>
           <a:p>
             <a:pPr marL="342900" indent="-342900">
               <a:buClr>
@@ -19083,6 +20937,7 @@
               <a:rPr lang="en-US" altLang="zh-CN" sz="2000"/>
               <a:t>Displaying Spain as an example.</a:t>
             </a:r>
+            <a:endParaRPr lang="en-US" altLang="zh-CN" sz="2000"/>
           </a:p>
           <a:p>
             <a:pPr marL="342900" indent="-342900">
@@ -19097,6 +20952,7 @@
               <a:rPr lang="en-US" altLang="zh-CN" sz="2000"/>
               <a:t>All components are reusable and used in other destination pages.</a:t>
             </a:r>
+            <a:endParaRPr lang="en-US" altLang="zh-CN" sz="2000"/>
           </a:p>
           <a:p>
             <a:pPr marL="342900" indent="-342900">
@@ -19111,6 +20967,7 @@
               <a:rPr lang="en-US" altLang="zh-CN" sz="2000"/>
               <a:t>Props are passed down properly such as title, description and image URL.</a:t>
             </a:r>
+            <a:endParaRPr lang="en-US" altLang="zh-CN" sz="2000"/>
           </a:p>
           <a:p>
             <a:endParaRPr lang="en-US" altLang="zh-CN" sz="2000"/>
@@ -19126,139 +20983,283 @@
 </file>
 
 <file path=ppt/tags/tag1.xml><?xml version="1.0" encoding="utf-8"?>
-<p:tagLst xmlns:a="http://schemas.openxmlformats.org/drawingml/2006/main" xmlns:r="http://schemas.openxmlformats.org/officeDocument/2006/relationships" xmlns:p="http://schemas.openxmlformats.org/presentationml/2006/main">
-  <p:tag name="COMMONDATA" val="eyJoZGlkIjoiMWZjNGE5ZTQ0NzNmZmJlYWZiNzBjMzJmYzRhZDMyMmMifQ=="/>
+<p:tagLst xmlns:p="http://schemas.openxmlformats.org/presentationml/2006/main">
+  <p:tag name="PA" val="v3.0.1"/>
 </p:tagLst>
 </file>
 
 <file path=ppt/tags/tag10.xml><?xml version="1.0" encoding="utf-8"?>
-<p:tagLst xmlns:a="http://schemas.openxmlformats.org/drawingml/2006/main" xmlns:r="http://schemas.openxmlformats.org/officeDocument/2006/relationships" xmlns:p="http://schemas.openxmlformats.org/presentationml/2006/main">
+<p:tagLst xmlns:p="http://schemas.openxmlformats.org/presentationml/2006/main">
   <p:tag name="KSO_WM_BEAUTIFY_FLAG" val=""/>
 </p:tagLst>
 </file>
 
 <file path=ppt/tags/tag11.xml><?xml version="1.0" encoding="utf-8"?>
-<p:tagLst xmlns:a="http://schemas.openxmlformats.org/drawingml/2006/main" xmlns:r="http://schemas.openxmlformats.org/officeDocument/2006/relationships" xmlns:p="http://schemas.openxmlformats.org/presentationml/2006/main">
+<p:tagLst xmlns:p="http://schemas.openxmlformats.org/presentationml/2006/main">
   <p:tag name="KSO_WM_BEAUTIFY_FLAG" val=""/>
 </p:tagLst>
 </file>
 
 <file path=ppt/tags/tag12.xml><?xml version="1.0" encoding="utf-8"?>
-<p:tagLst xmlns:a="http://schemas.openxmlformats.org/drawingml/2006/main" xmlns:r="http://schemas.openxmlformats.org/officeDocument/2006/relationships" xmlns:p="http://schemas.openxmlformats.org/presentationml/2006/main">
+<p:tagLst xmlns:p="http://schemas.openxmlformats.org/presentationml/2006/main">
   <p:tag name="KSO_WM_BEAUTIFY_FLAG" val=""/>
 </p:tagLst>
 </file>
 
 <file path=ppt/tags/tag13.xml><?xml version="1.0" encoding="utf-8"?>
-<p:tagLst xmlns:a="http://schemas.openxmlformats.org/drawingml/2006/main" xmlns:r="http://schemas.openxmlformats.org/officeDocument/2006/relationships" xmlns:p="http://schemas.openxmlformats.org/presentationml/2006/main">
+<p:tagLst xmlns:p="http://schemas.openxmlformats.org/presentationml/2006/main">
   <p:tag name="KSO_WM_BEAUTIFY_FLAG" val=""/>
 </p:tagLst>
 </file>
 
 <file path=ppt/tags/tag14.xml><?xml version="1.0" encoding="utf-8"?>
-<p:tagLst xmlns:a="http://schemas.openxmlformats.org/drawingml/2006/main" xmlns:r="http://schemas.openxmlformats.org/officeDocument/2006/relationships" xmlns:p="http://schemas.openxmlformats.org/presentationml/2006/main">
+<p:tagLst xmlns:p="http://schemas.openxmlformats.org/presentationml/2006/main">
   <p:tag name="KSO_WM_BEAUTIFY_FLAG" val=""/>
 </p:tagLst>
 </file>
 
 <file path=ppt/tags/tag15.xml><?xml version="1.0" encoding="utf-8"?>
-<p:tagLst xmlns:a="http://schemas.openxmlformats.org/drawingml/2006/main" xmlns:r="http://schemas.openxmlformats.org/officeDocument/2006/relationships" xmlns:p="http://schemas.openxmlformats.org/presentationml/2006/main">
+<p:tagLst xmlns:p="http://schemas.openxmlformats.org/presentationml/2006/main">
   <p:tag name="KSO_WM_BEAUTIFY_FLAG" val=""/>
 </p:tagLst>
 </file>
 
 <file path=ppt/tags/tag16.xml><?xml version="1.0" encoding="utf-8"?>
-<p:tagLst xmlns:a="http://schemas.openxmlformats.org/drawingml/2006/main" xmlns:r="http://schemas.openxmlformats.org/officeDocument/2006/relationships" xmlns:p="http://schemas.openxmlformats.org/presentationml/2006/main">
+<p:tagLst xmlns:p="http://schemas.openxmlformats.org/presentationml/2006/main">
   <p:tag name="KSO_WM_BEAUTIFY_FLAG" val=""/>
 </p:tagLst>
 </file>
 
 <file path=ppt/tags/tag17.xml><?xml version="1.0" encoding="utf-8"?>
-<p:tagLst xmlns:a="http://schemas.openxmlformats.org/drawingml/2006/main" xmlns:r="http://schemas.openxmlformats.org/officeDocument/2006/relationships" xmlns:p="http://schemas.openxmlformats.org/presentationml/2006/main">
+<p:tagLst xmlns:p="http://schemas.openxmlformats.org/presentationml/2006/main">
   <p:tag name="KSO_WM_BEAUTIFY_FLAG" val=""/>
 </p:tagLst>
 </file>
 
 <file path=ppt/tags/tag18.xml><?xml version="1.0" encoding="utf-8"?>
-<p:tagLst xmlns:a="http://schemas.openxmlformats.org/drawingml/2006/main" xmlns:r="http://schemas.openxmlformats.org/officeDocument/2006/relationships" xmlns:p="http://schemas.openxmlformats.org/presentationml/2006/main">
+<p:tagLst xmlns:p="http://schemas.openxmlformats.org/presentationml/2006/main">
   <p:tag name="KSO_WM_BEAUTIFY_FLAG" val=""/>
 </p:tagLst>
 </file>
 
 <file path=ppt/tags/tag19.xml><?xml version="1.0" encoding="utf-8"?>
-<p:tagLst xmlns:a="http://schemas.openxmlformats.org/drawingml/2006/main" xmlns:r="http://schemas.openxmlformats.org/officeDocument/2006/relationships" xmlns:p="http://schemas.openxmlformats.org/presentationml/2006/main">
+<p:tagLst xmlns:p="http://schemas.openxmlformats.org/presentationml/2006/main">
   <p:tag name="KSO_WM_BEAUTIFY_FLAG" val=""/>
 </p:tagLst>
 </file>
 
 <file path=ppt/tags/tag2.xml><?xml version="1.0" encoding="utf-8"?>
-<p:tagLst xmlns:a="http://schemas.openxmlformats.org/drawingml/2006/main" xmlns:r="http://schemas.openxmlformats.org/officeDocument/2006/relationships" xmlns:p="http://schemas.openxmlformats.org/presentationml/2006/main">
-  <p:tag name="PA" val="v3.0.1"/>
+<p:tagLst xmlns:p="http://schemas.openxmlformats.org/presentationml/2006/main">
+  <p:tag name="KSO_WM_BEAUTIFY_FLAG" val=""/>
 </p:tagLst>
 </file>
 
 <file path=ppt/tags/tag20.xml><?xml version="1.0" encoding="utf-8"?>
-<p:tagLst xmlns:a="http://schemas.openxmlformats.org/drawingml/2006/main" xmlns:r="http://schemas.openxmlformats.org/officeDocument/2006/relationships" xmlns:p="http://schemas.openxmlformats.org/presentationml/2006/main">
+<p:tagLst xmlns:p="http://schemas.openxmlformats.org/presentationml/2006/main">
   <p:tag name="KSO_WM_BEAUTIFY_FLAG" val=""/>
 </p:tagLst>
 </file>
 
 <file path=ppt/tags/tag21.xml><?xml version="1.0" encoding="utf-8"?>
-<p:tagLst xmlns:a="http://schemas.openxmlformats.org/drawingml/2006/main" xmlns:r="http://schemas.openxmlformats.org/officeDocument/2006/relationships" xmlns:p="http://schemas.openxmlformats.org/presentationml/2006/main">
+<p:tagLst xmlns:p="http://schemas.openxmlformats.org/presentationml/2006/main">
   <p:tag name="KSO_WM_BEAUTIFY_FLAG" val=""/>
 </p:tagLst>
 </file>
 
 <file path=ppt/tags/tag22.xml><?xml version="1.0" encoding="utf-8"?>
-<p:tagLst xmlns:a="http://schemas.openxmlformats.org/drawingml/2006/main" xmlns:r="http://schemas.openxmlformats.org/officeDocument/2006/relationships" xmlns:p="http://schemas.openxmlformats.org/presentationml/2006/main">
+<p:tagLst xmlns:p="http://schemas.openxmlformats.org/presentationml/2006/main">
   <p:tag name="KSO_WM_BEAUTIFY_FLAG" val=""/>
 </p:tagLst>
 </file>
 
 <file path=ppt/tags/tag23.xml><?xml version="1.0" encoding="utf-8"?>
-<p:tagLst xmlns:a="http://schemas.openxmlformats.org/drawingml/2006/main" xmlns:r="http://schemas.openxmlformats.org/officeDocument/2006/relationships" xmlns:p="http://schemas.openxmlformats.org/presentationml/2006/main">
+<p:tagLst xmlns:p="http://schemas.openxmlformats.org/presentationml/2006/main">
+  <p:tag name="KSO_WM_BEAUTIFY_FLAG" val=""/>
+</p:tagLst>
+</file>
+
+<file path=ppt/tags/tag24.xml><?xml version="1.0" encoding="utf-8"?>
+<p:tagLst xmlns:p="http://schemas.openxmlformats.org/presentationml/2006/main">
+  <p:tag name="KSO_WM_BEAUTIFY_FLAG" val=""/>
+</p:tagLst>
+</file>
+
+<file path=ppt/tags/tag25.xml><?xml version="1.0" encoding="utf-8"?>
+<p:tagLst xmlns:p="http://schemas.openxmlformats.org/presentationml/2006/main">
+  <p:tag name="KSO_WM_BEAUTIFY_FLAG" val=""/>
+</p:tagLst>
+</file>
+
+<file path=ppt/tags/tag26.xml><?xml version="1.0" encoding="utf-8"?>
+<p:tagLst xmlns:p="http://schemas.openxmlformats.org/presentationml/2006/main">
+  <p:tag name="KSO_WM_BEAUTIFY_FLAG" val=""/>
+</p:tagLst>
+</file>
+
+<file path=ppt/tags/tag27.xml><?xml version="1.0" encoding="utf-8"?>
+<p:tagLst xmlns:p="http://schemas.openxmlformats.org/presentationml/2006/main">
+  <p:tag name="KSO_WM_BEAUTIFY_FLAG" val=""/>
+</p:tagLst>
+</file>
+
+<file path=ppt/tags/tag28.xml><?xml version="1.0" encoding="utf-8"?>
+<p:tagLst xmlns:p="http://schemas.openxmlformats.org/presentationml/2006/main">
+  <p:tag name="KSO_WM_BEAUTIFY_FLAG" val=""/>
+</p:tagLst>
+</file>
+
+<file path=ppt/tags/tag29.xml><?xml version="1.0" encoding="utf-8"?>
+<p:tagLst xmlns:p="http://schemas.openxmlformats.org/presentationml/2006/main">
   <p:tag name="KSO_WM_BEAUTIFY_FLAG" val=""/>
 </p:tagLst>
 </file>
 
 <file path=ppt/tags/tag3.xml><?xml version="1.0" encoding="utf-8"?>
-<p:tagLst xmlns:a="http://schemas.openxmlformats.org/drawingml/2006/main" xmlns:r="http://schemas.openxmlformats.org/officeDocument/2006/relationships" xmlns:p="http://schemas.openxmlformats.org/presentationml/2006/main">
+<p:tagLst xmlns:p="http://schemas.openxmlformats.org/presentationml/2006/main">
+  <p:tag name="KSO_WM_BEAUTIFY_FLAG" val=""/>
+</p:tagLst>
+</file>
+
+<file path=ppt/tags/tag30.xml><?xml version="1.0" encoding="utf-8"?>
+<p:tagLst xmlns:p="http://schemas.openxmlformats.org/presentationml/2006/main">
+  <p:tag name="KSO_WM_BEAUTIFY_FLAG" val=""/>
+</p:tagLst>
+</file>
+
+<file path=ppt/tags/tag31.xml><?xml version="1.0" encoding="utf-8"?>
+<p:tagLst xmlns:p="http://schemas.openxmlformats.org/presentationml/2006/main">
+  <p:tag name="KSO_WM_BEAUTIFY_FLAG" val=""/>
+</p:tagLst>
+</file>
+
+<file path=ppt/tags/tag32.xml><?xml version="1.0" encoding="utf-8"?>
+<p:tagLst xmlns:p="http://schemas.openxmlformats.org/presentationml/2006/main">
+  <p:tag name="KSO_WM_BEAUTIFY_FLAG" val=""/>
+</p:tagLst>
+</file>
+
+<file path=ppt/tags/tag33.xml><?xml version="1.0" encoding="utf-8"?>
+<p:tagLst xmlns:p="http://schemas.openxmlformats.org/presentationml/2006/main">
+  <p:tag name="KSO_WM_BEAUTIFY_FLAG" val=""/>
+</p:tagLst>
+</file>
+
+<file path=ppt/tags/tag34.xml><?xml version="1.0" encoding="utf-8"?>
+<p:tagLst xmlns:p="http://schemas.openxmlformats.org/presentationml/2006/main">
+  <p:tag name="KSO_WM_BEAUTIFY_FLAG" val=""/>
+</p:tagLst>
+</file>
+
+<file path=ppt/tags/tag35.xml><?xml version="1.0" encoding="utf-8"?>
+<p:tagLst xmlns:p="http://schemas.openxmlformats.org/presentationml/2006/main">
+  <p:tag name="KSO_WM_BEAUTIFY_FLAG" val=""/>
+</p:tagLst>
+</file>
+
+<file path=ppt/tags/tag36.xml><?xml version="1.0" encoding="utf-8"?>
+<p:tagLst xmlns:p="http://schemas.openxmlformats.org/presentationml/2006/main">
+  <p:tag name="KSO_WM_BEAUTIFY_FLAG" val=""/>
+</p:tagLst>
+</file>
+
+<file path=ppt/tags/tag37.xml><?xml version="1.0" encoding="utf-8"?>
+<p:tagLst xmlns:p="http://schemas.openxmlformats.org/presentationml/2006/main">
+  <p:tag name="KSO_WM_BEAUTIFY_FLAG" val=""/>
+</p:tagLst>
+</file>
+
+<file path=ppt/tags/tag38.xml><?xml version="1.0" encoding="utf-8"?>
+<p:tagLst xmlns:p="http://schemas.openxmlformats.org/presentationml/2006/main">
+  <p:tag name="KSO_WM_BEAUTIFY_FLAG" val=""/>
+</p:tagLst>
+</file>
+
+<file path=ppt/tags/tag39.xml><?xml version="1.0" encoding="utf-8"?>
+<p:tagLst xmlns:p="http://schemas.openxmlformats.org/presentationml/2006/main">
   <p:tag name="KSO_WM_BEAUTIFY_FLAG" val=""/>
 </p:tagLst>
 </file>
 
 <file path=ppt/tags/tag4.xml><?xml version="1.0" encoding="utf-8"?>
-<p:tagLst xmlns:a="http://schemas.openxmlformats.org/drawingml/2006/main" xmlns:r="http://schemas.openxmlformats.org/officeDocument/2006/relationships" xmlns:p="http://schemas.openxmlformats.org/presentationml/2006/main">
+<p:tagLst xmlns:p="http://schemas.openxmlformats.org/presentationml/2006/main">
   <p:tag name="KSO_WM_BEAUTIFY_FLAG" val=""/>
 </p:tagLst>
 </file>
 
+<file path=ppt/tags/tag40.xml><?xml version="1.0" encoding="utf-8"?>
+<p:tagLst xmlns:p="http://schemas.openxmlformats.org/presentationml/2006/main">
+  <p:tag name="KSO_WM_BEAUTIFY_FLAG" val=""/>
+</p:tagLst>
+</file>
+
+<file path=ppt/tags/tag41.xml><?xml version="1.0" encoding="utf-8"?>
+<p:tagLst xmlns:p="http://schemas.openxmlformats.org/presentationml/2006/main">
+  <p:tag name="KSO_WM_BEAUTIFY_FLAG" val=""/>
+</p:tagLst>
+</file>
+
+<file path=ppt/tags/tag42.xml><?xml version="1.0" encoding="utf-8"?>
+<p:tagLst xmlns:p="http://schemas.openxmlformats.org/presentationml/2006/main">
+  <p:tag name="KSO_WM_BEAUTIFY_FLAG" val=""/>
+</p:tagLst>
+</file>
+
+<file path=ppt/tags/tag43.xml><?xml version="1.0" encoding="utf-8"?>
+<p:tagLst xmlns:p="http://schemas.openxmlformats.org/presentationml/2006/main">
+  <p:tag name="KSO_WM_BEAUTIFY_FLAG" val=""/>
+</p:tagLst>
+</file>
+
+<file path=ppt/tags/tag44.xml><?xml version="1.0" encoding="utf-8"?>
+<p:tagLst xmlns:p="http://schemas.openxmlformats.org/presentationml/2006/main">
+  <p:tag name="KSO_WM_BEAUTIFY_FLAG" val=""/>
+</p:tagLst>
+</file>
+
+<file path=ppt/tags/tag45.xml><?xml version="1.0" encoding="utf-8"?>
+<p:tagLst xmlns:p="http://schemas.openxmlformats.org/presentationml/2006/main">
+  <p:tag name="KSO_WM_BEAUTIFY_FLAG" val=""/>
+</p:tagLst>
+</file>
+
+<file path=ppt/tags/tag46.xml><?xml version="1.0" encoding="utf-8"?>
+<p:tagLst xmlns:p="http://schemas.openxmlformats.org/presentationml/2006/main">
+  <p:tag name="KSO_WM_BEAUTIFY_FLAG" val=""/>
+</p:tagLst>
+</file>
+
+<file path=ppt/tags/tag47.xml><?xml version="1.0" encoding="utf-8"?>
+<p:tagLst xmlns:p="http://schemas.openxmlformats.org/presentationml/2006/main">
+  <p:tag name="commondata" val="eyJoZGlkIjoiMWZjNGE5ZTQ0NzNmZmJlYWZiNzBjMzJmYzRhZDMyMmMifQ=="/>
+</p:tagLst>
+</file>
+
 <file path=ppt/tags/tag5.xml><?xml version="1.0" encoding="utf-8"?>
-<p:tagLst xmlns:a="http://schemas.openxmlformats.org/drawingml/2006/main" xmlns:r="http://schemas.openxmlformats.org/officeDocument/2006/relationships" xmlns:p="http://schemas.openxmlformats.org/presentationml/2006/main">
+<p:tagLst xmlns:p="http://schemas.openxmlformats.org/presentationml/2006/main">
   <p:tag name="KSO_WM_BEAUTIFY_FLAG" val=""/>
 </p:tagLst>
 </file>
 
 <file path=ppt/tags/tag6.xml><?xml version="1.0" encoding="utf-8"?>
-<p:tagLst xmlns:a="http://schemas.openxmlformats.org/drawingml/2006/main" xmlns:r="http://schemas.openxmlformats.org/officeDocument/2006/relationships" xmlns:p="http://schemas.openxmlformats.org/presentationml/2006/main">
+<p:tagLst xmlns:p="http://schemas.openxmlformats.org/presentationml/2006/main">
   <p:tag name="KSO_WM_BEAUTIFY_FLAG" val=""/>
 </p:tagLst>
 </file>
 
 <file path=ppt/tags/tag7.xml><?xml version="1.0" encoding="utf-8"?>
-<p:tagLst xmlns:a="http://schemas.openxmlformats.org/drawingml/2006/main" xmlns:r="http://schemas.openxmlformats.org/officeDocument/2006/relationships" xmlns:p="http://schemas.openxmlformats.org/presentationml/2006/main">
+<p:tagLst xmlns:p="http://schemas.openxmlformats.org/presentationml/2006/main">
   <p:tag name="KSO_WM_BEAUTIFY_FLAG" val=""/>
 </p:tagLst>
 </file>
 
 <file path=ppt/tags/tag8.xml><?xml version="1.0" encoding="utf-8"?>
-<p:tagLst xmlns:a="http://schemas.openxmlformats.org/drawingml/2006/main" xmlns:r="http://schemas.openxmlformats.org/officeDocument/2006/relationships" xmlns:p="http://schemas.openxmlformats.org/presentationml/2006/main">
+<p:tagLst xmlns:p="http://schemas.openxmlformats.org/presentationml/2006/main">
   <p:tag name="KSO_WM_BEAUTIFY_FLAG" val=""/>
 </p:tagLst>
 </file>
 
 <file path=ppt/tags/tag9.xml><?xml version="1.0" encoding="utf-8"?>
-<p:tagLst xmlns:a="http://schemas.openxmlformats.org/drawingml/2006/main" xmlns:r="http://schemas.openxmlformats.org/officeDocument/2006/relationships" xmlns:p="http://schemas.openxmlformats.org/presentationml/2006/main">
+<p:tagLst xmlns:p="http://schemas.openxmlformats.org/presentationml/2006/main">
   <p:tag name="KSO_WM_BEAUTIFY_FLAG" val=""/>
 </p:tagLst>
 </file>
@@ -19506,8 +21507,6 @@
       </a:bgFillStyleLst>
     </a:fmtScheme>
   </a:themeElements>
-  <a:objectDefaults/>
-  <a:extraClrSchemeLst/>
   <a:extLst>
     <a:ext uri="{05A4C25C-085E-4340-85A3-A5531E510DB2}">
       <thm15:themeFamily xmlns:thm15="http://schemas.microsoft.com/office/thememl/2012/main" name="Office Theme" id="{62F939B6-93AF-4DB8-9C6B-D6C7DFDC589F}" vid="{4A3C46E8-61CC-4603-A589-7422A47A8E4A}"/>
@@ -19767,8 +21766,6 @@
       </a:bgFillStyleLst>
     </a:fmtScheme>
   </a:themeElements>
-  <a:objectDefaults/>
-  <a:extraClrSchemeLst/>
   <a:extLst>
     <a:ext uri="{05A4C25C-085E-4340-85A3-A5531E510DB2}">
       <thm15:themeFamily xmlns:thm15="http://schemas.microsoft.com/office/thememl/2012/main" name="Office Theme" id="{62F939B6-93AF-4DB8-9C6B-D6C7DFDC589F}" vid="{4A3C46E8-61CC-4603-A589-7422A47A8E4A}"/>

--- a/INFO6150-final.pptx
+++ b/INFO6150-final.pptx
@@ -4669,7 +4669,7 @@
         </p:blipFill>
         <p:spPr>
           <a:xfrm>
-            <a:off x="0" y="5819"/>
+            <a:off x="441325" y="-240561"/>
             <a:ext cx="12192000" cy="6852181"/>
           </a:xfrm>
           <a:prstGeom prst="rect">
@@ -4821,7 +4821,29 @@
                 <a:latin typeface="微软雅黑" panose="020B0503020204020204" charset="-122"/>
                 <a:ea typeface="微软雅黑" panose="020B0503020204020204" charset="-122"/>
               </a:rPr>
-              <a:t>Midterm Project MileStone 4</a:t>
+              <a:t>Final Project </a:t>
+            </a:r>
+            <a:endParaRPr lang="en-US" altLang="zh-CN" sz="4400" b="1">
+              <a:solidFill>
+                <a:schemeClr val="bg1"/>
+              </a:solidFill>
+              <a:latin typeface="微软雅黑" panose="020B0503020204020204" charset="-122"/>
+              <a:ea typeface="微软雅黑" panose="020B0503020204020204" charset="-122"/>
+            </a:endParaRPr>
+          </a:p>
+          <a:p>
+            <a:pPr algn="ctr">
+              <a:defRPr/>
+            </a:pPr>
+            <a:r>
+              <a:rPr lang="en-US" altLang="zh-CN" sz="4400" b="1">
+                <a:solidFill>
+                  <a:schemeClr val="bg1"/>
+                </a:solidFill>
+                <a:latin typeface="微软雅黑" panose="020B0503020204020204" charset="-122"/>
+                <a:ea typeface="微软雅黑" panose="020B0503020204020204" charset="-122"/>
+              </a:rPr>
+              <a:t>MileStone 4</a:t>
             </a:r>
             <a:endParaRPr lang="en-US" altLang="zh-CN" sz="4400" b="1">
               <a:solidFill>

--- a/INFO6150-final.pptx
+++ b/INFO6150-final.pptx
@@ -5,31 +5,31 @@
     <p:sldMasterId id="2147483648" r:id="rId1"/>
   </p:sldMasterIdLst>
   <p:notesMasterIdLst>
-    <p:notesMasterId r:id="rId5"/>
+    <p:notesMasterId r:id="rId19"/>
   </p:notesMasterIdLst>
   <p:sldIdLst>
-    <p:sldId id="256" r:id="rId3"/>
-    <p:sldId id="257" r:id="rId4"/>
-    <p:sldId id="258" r:id="rId6"/>
-    <p:sldId id="260" r:id="rId7"/>
-    <p:sldId id="262" r:id="rId8"/>
-    <p:sldId id="263" r:id="rId9"/>
-    <p:sldId id="264" r:id="rId10"/>
-    <p:sldId id="265" r:id="rId11"/>
-    <p:sldId id="266" r:id="rId12"/>
-    <p:sldId id="267" r:id="rId13"/>
-    <p:sldId id="268" r:id="rId14"/>
-    <p:sldId id="270" r:id="rId15"/>
-    <p:sldId id="271" r:id="rId16"/>
-    <p:sldId id="272" r:id="rId17"/>
-    <p:sldId id="273" r:id="rId18"/>
-    <p:sldId id="275" r:id="rId19"/>
-    <p:sldId id="274" r:id="rId20"/>
+    <p:sldId id="256" r:id="rId2"/>
+    <p:sldId id="257" r:id="rId3"/>
+    <p:sldId id="258" r:id="rId4"/>
+    <p:sldId id="260" r:id="rId5"/>
+    <p:sldId id="262" r:id="rId6"/>
+    <p:sldId id="263" r:id="rId7"/>
+    <p:sldId id="264" r:id="rId8"/>
+    <p:sldId id="265" r:id="rId9"/>
+    <p:sldId id="266" r:id="rId10"/>
+    <p:sldId id="267" r:id="rId11"/>
+    <p:sldId id="268" r:id="rId12"/>
+    <p:sldId id="270" r:id="rId13"/>
+    <p:sldId id="271" r:id="rId14"/>
+    <p:sldId id="276" r:id="rId15"/>
+    <p:sldId id="275" r:id="rId16"/>
+    <p:sldId id="273" r:id="rId17"/>
+    <p:sldId id="274" r:id="rId18"/>
   </p:sldIdLst>
   <p:sldSz cx="12192000" cy="6858000"/>
   <p:notesSz cx="6858000" cy="9144000"/>
   <p:custDataLst>
-    <p:tags r:id="rId24"/>
+    <p:tags r:id="rId20"/>
   </p:custDataLst>
   <p:defaultTextStyle>
     <a:defPPr>
@@ -126,6 +126,11 @@
       </a:defRPr>
     </a:lvl9pPr>
   </p:defaultTextStyle>
+  <p:extLst>
+    <p:ext uri="{EFAFB233-063F-42B5-8137-9DF3F51BA10A}">
+      <p15:sldGuideLst xmlns:p15="http://schemas.microsoft.com/office/powerpoint/2012/main"/>
+    </p:ext>
+  </p:extLst>
 </p:presentation>
 </file>
 
@@ -211,6 +216,7 @@
           <a:p>
             <a:fld id="{D2A48B96-639E-45A3-A0BA-2464DFDB1FAA}" type="datetimeFigureOut">
               <a:rPr lang="zh-CN" altLang="en-US" smtClean="0"/>
+              <a:t>2023/12/12</a:t>
             </a:fld>
             <a:endParaRPr lang="zh-CN" altLang="en-US"/>
           </a:p>
@@ -274,42 +280,37 @@
           <a:p>
             <a:pPr lvl="0"/>
             <a:r>
-              <a:rPr lang="zh-CN" altLang="en-US" smtClean="0"/>
+              <a:rPr lang="zh-CN" altLang="en-US"/>
               <a:t>单击此处编辑母版文本样式</a:t>
             </a:r>
-            <a:endParaRPr lang="zh-CN" altLang="en-US" smtClean="0"/>
           </a:p>
           <a:p>
             <a:pPr lvl="1"/>
             <a:r>
-              <a:rPr lang="zh-CN" altLang="en-US" smtClean="0"/>
+              <a:rPr lang="zh-CN" altLang="en-US"/>
               <a:t>第二级</a:t>
             </a:r>
-            <a:endParaRPr lang="zh-CN" altLang="en-US" smtClean="0"/>
           </a:p>
           <a:p>
             <a:pPr lvl="2"/>
             <a:r>
-              <a:rPr lang="zh-CN" altLang="en-US" smtClean="0"/>
+              <a:rPr lang="zh-CN" altLang="en-US"/>
               <a:t>第三级</a:t>
             </a:r>
-            <a:endParaRPr lang="zh-CN" altLang="en-US" smtClean="0"/>
           </a:p>
           <a:p>
             <a:pPr lvl="3"/>
             <a:r>
-              <a:rPr lang="zh-CN" altLang="en-US" smtClean="0"/>
+              <a:rPr lang="zh-CN" altLang="en-US"/>
               <a:t>第四级</a:t>
             </a:r>
-            <a:endParaRPr lang="zh-CN" altLang="en-US" smtClean="0"/>
           </a:p>
           <a:p>
             <a:pPr lvl="4"/>
             <a:r>
-              <a:rPr lang="zh-CN" altLang="en-US" smtClean="0"/>
+              <a:rPr lang="zh-CN" altLang="en-US"/>
               <a:t>第五级</a:t>
             </a:r>
-            <a:endParaRPr lang="zh-CN" altLang="en-US"/>
           </a:p>
         </p:txBody>
       </p:sp>
@@ -373,6 +374,7 @@
           <a:p>
             <a:fld id="{A6837353-30EB-4A48-80EB-173D804AEFBD}" type="slidenum">
               <a:rPr lang="zh-CN" altLang="en-US" smtClean="0"/>
+              <a:t>‹#›</a:t>
             </a:fld>
             <a:endParaRPr lang="zh-CN" altLang="en-US"/>
           </a:p>
@@ -541,6 +543,7 @@
           <a:p>
             <a:fld id="{DA25CCEA-3F45-46FD-873C-10FB1242F407}" type="slidenum">
               <a:rPr lang="zh-CN" altLang="en-US" smtClean="0"/>
+              <a:t>2</a:t>
             </a:fld>
             <a:endParaRPr lang="zh-CN" altLang="en-US"/>
           </a:p>
@@ -619,6 +622,7 @@
           <a:p>
             <a:fld id="{59E3CF89-91F4-45FB-A589-58532703FCA1}" type="slidenum">
               <a:rPr lang="zh-CN" altLang="en-US" smtClean="0"/>
+              <a:t>11</a:t>
             </a:fld>
             <a:endParaRPr lang="zh-CN" altLang="en-US"/>
           </a:p>
@@ -697,6 +701,7 @@
           <a:p>
             <a:fld id="{59E3CF89-91F4-45FB-A589-58532703FCA1}" type="slidenum">
               <a:rPr lang="zh-CN" altLang="en-US" smtClean="0"/>
+              <a:t>12</a:t>
             </a:fld>
             <a:endParaRPr lang="zh-CN" altLang="en-US"/>
           </a:p>
@@ -775,6 +780,7 @@
           <a:p>
             <a:fld id="{DA25CCEA-3F45-46FD-873C-10FB1242F407}" type="slidenum">
               <a:rPr lang="zh-CN" altLang="en-US" smtClean="0"/>
+              <a:t>13</a:t>
             </a:fld>
             <a:endParaRPr lang="zh-CN" altLang="en-US"/>
           </a:p>
@@ -853,6 +859,7 @@
           <a:p>
             <a:fld id="{DA25CCEA-3F45-46FD-873C-10FB1242F407}" type="slidenum">
               <a:rPr lang="zh-CN" altLang="en-US" smtClean="0"/>
+              <a:t>14</a:t>
             </a:fld>
             <a:endParaRPr lang="zh-CN" altLang="en-US"/>
           </a:p>
@@ -931,6 +938,7 @@
           <a:p>
             <a:fld id="{59E3CF89-91F4-45FB-A589-58532703FCA1}" type="slidenum">
               <a:rPr lang="zh-CN" altLang="en-US" smtClean="0"/>
+              <a:t>15</a:t>
             </a:fld>
             <a:endParaRPr lang="zh-CN" altLang="en-US"/>
           </a:p>
@@ -1009,6 +1017,7 @@
           <a:p>
             <a:fld id="{59E3CF89-91F4-45FB-A589-58532703FCA1}" type="slidenum">
               <a:rPr lang="zh-CN" altLang="en-US" smtClean="0"/>
+              <a:t>16</a:t>
             </a:fld>
             <a:endParaRPr lang="zh-CN" altLang="en-US"/>
           </a:p>
@@ -1087,6 +1096,7 @@
           <a:p>
             <a:fld id="{0D64EC1F-4C1A-4575-A29E-535B091AA911}" type="slidenum">
               <a:rPr lang="zh-CN" altLang="en-US" smtClean="0"/>
+              <a:t>17</a:t>
             </a:fld>
             <a:endParaRPr lang="zh-CN" altLang="en-US"/>
           </a:p>
@@ -1165,6 +1175,7 @@
           <a:p>
             <a:fld id="{DA25CCEA-3F45-46FD-873C-10FB1242F407}" type="slidenum">
               <a:rPr lang="zh-CN" altLang="en-US" smtClean="0"/>
+              <a:t>3</a:t>
             </a:fld>
             <a:endParaRPr lang="zh-CN" altLang="en-US"/>
           </a:p>
@@ -1243,6 +1254,7 @@
           <a:p>
             <a:fld id="{59E3CF89-91F4-45FB-A589-58532703FCA1}" type="slidenum">
               <a:rPr lang="zh-CN" altLang="en-US" smtClean="0"/>
+              <a:t>4</a:t>
             </a:fld>
             <a:endParaRPr lang="zh-CN" altLang="en-US"/>
           </a:p>
@@ -1321,6 +1333,7 @@
           <a:p>
             <a:fld id="{59E3CF89-91F4-45FB-A589-58532703FCA1}" type="slidenum">
               <a:rPr lang="zh-CN" altLang="en-US" smtClean="0"/>
+              <a:t>5</a:t>
             </a:fld>
             <a:endParaRPr lang="zh-CN" altLang="en-US"/>
           </a:p>
@@ -1399,6 +1412,7 @@
           <a:p>
             <a:fld id="{DA25CCEA-3F45-46FD-873C-10FB1242F407}" type="slidenum">
               <a:rPr lang="zh-CN" altLang="en-US" smtClean="0"/>
+              <a:t>6</a:t>
             </a:fld>
             <a:endParaRPr lang="zh-CN" altLang="en-US"/>
           </a:p>
@@ -1477,6 +1491,7 @@
           <a:p>
             <a:fld id="{59E3CF89-91F4-45FB-A589-58532703FCA1}" type="slidenum">
               <a:rPr lang="zh-CN" altLang="en-US" smtClean="0"/>
+              <a:t>7</a:t>
             </a:fld>
             <a:endParaRPr lang="zh-CN" altLang="en-US"/>
           </a:p>
@@ -1555,6 +1570,7 @@
           <a:p>
             <a:fld id="{59E3CF89-91F4-45FB-A589-58532703FCA1}" type="slidenum">
               <a:rPr lang="zh-CN" altLang="en-US" smtClean="0"/>
+              <a:t>8</a:t>
             </a:fld>
             <a:endParaRPr lang="zh-CN" altLang="en-US"/>
           </a:p>
@@ -1633,6 +1649,7 @@
           <a:p>
             <a:fld id="{59E3CF89-91F4-45FB-A589-58532703FCA1}" type="slidenum">
               <a:rPr lang="zh-CN" altLang="en-US" smtClean="0"/>
+              <a:t>9</a:t>
             </a:fld>
             <a:endParaRPr lang="zh-CN" altLang="en-US"/>
           </a:p>
@@ -1711,6 +1728,7 @@
           <a:p>
             <a:fld id="{59E3CF89-91F4-45FB-A589-58532703FCA1}" type="slidenum">
               <a:rPr lang="zh-CN" altLang="en-US" smtClean="0"/>
+              <a:t>10</a:t>
             </a:fld>
             <a:endParaRPr lang="zh-CN" altLang="en-US"/>
           </a:p>
@@ -1766,10 +1784,9 @@
           </a:lstStyle>
           <a:p>
             <a:r>
-              <a:rPr lang="zh-CN" altLang="en-US" smtClean="0"/>
+              <a:rPr lang="zh-CN" altLang="en-US"/>
               <a:t>单击此处编辑母版标题样式</a:t>
             </a:r>
-            <a:endParaRPr lang="zh-CN" altLang="en-US"/>
           </a:p>
         </p:txBody>
       </p:sp>
@@ -1831,10 +1848,9 @@
           </a:lstStyle>
           <a:p>
             <a:r>
-              <a:rPr lang="zh-CN" altLang="en-US" smtClean="0"/>
+              <a:rPr lang="zh-CN" altLang="en-US"/>
               <a:t>单击此处编辑母版副标题样式</a:t>
             </a:r>
-            <a:endParaRPr lang="zh-CN" altLang="en-US"/>
           </a:p>
         </p:txBody>
       </p:sp>
@@ -1855,6 +1871,7 @@
           <a:p>
             <a:fld id="{D997B5FA-0921-464F-AAE1-844C04324D75}" type="datetimeFigureOut">
               <a:rPr lang="zh-CN" altLang="en-US" smtClean="0"/>
+              <a:t>2023/12/12</a:t>
             </a:fld>
             <a:endParaRPr lang="zh-CN" altLang="en-US"/>
           </a:p>
@@ -1896,6 +1913,7 @@
           <a:p>
             <a:fld id="{565CE74E-AB26-4998-AD42-012C4C1AD076}" type="slidenum">
               <a:rPr lang="zh-CN" altLang="en-US" smtClean="0"/>
+              <a:t>‹#›</a:t>
             </a:fld>
             <a:endParaRPr lang="zh-CN" altLang="en-US"/>
           </a:p>
@@ -1942,10 +1960,9 @@
           <a:lstStyle/>
           <a:p>
             <a:r>
-              <a:rPr lang="zh-CN" altLang="en-US" smtClean="0"/>
+              <a:rPr lang="zh-CN" altLang="en-US"/>
               <a:t>单击此处编辑母版标题样式</a:t>
             </a:r>
-            <a:endParaRPr lang="zh-CN" altLang="en-US"/>
           </a:p>
         </p:txBody>
       </p:sp>
@@ -1966,42 +1983,37 @@
           <a:p>
             <a:pPr lvl="0"/>
             <a:r>
-              <a:rPr lang="zh-CN" altLang="en-US" smtClean="0"/>
+              <a:rPr lang="zh-CN" altLang="en-US"/>
               <a:t>单击此处编辑母版文本样式</a:t>
             </a:r>
-            <a:endParaRPr lang="zh-CN" altLang="en-US" smtClean="0"/>
           </a:p>
           <a:p>
             <a:pPr lvl="1"/>
             <a:r>
-              <a:rPr lang="zh-CN" altLang="en-US" smtClean="0"/>
+              <a:rPr lang="zh-CN" altLang="en-US"/>
               <a:t>第二级</a:t>
             </a:r>
-            <a:endParaRPr lang="zh-CN" altLang="en-US" smtClean="0"/>
           </a:p>
           <a:p>
             <a:pPr lvl="2"/>
             <a:r>
-              <a:rPr lang="zh-CN" altLang="en-US" smtClean="0"/>
+              <a:rPr lang="zh-CN" altLang="en-US"/>
               <a:t>第三级</a:t>
             </a:r>
-            <a:endParaRPr lang="zh-CN" altLang="en-US" smtClean="0"/>
           </a:p>
           <a:p>
             <a:pPr lvl="3"/>
             <a:r>
-              <a:rPr lang="zh-CN" altLang="en-US" smtClean="0"/>
+              <a:rPr lang="zh-CN" altLang="en-US"/>
               <a:t>第四级</a:t>
             </a:r>
-            <a:endParaRPr lang="zh-CN" altLang="en-US" smtClean="0"/>
           </a:p>
           <a:p>
             <a:pPr lvl="4"/>
             <a:r>
-              <a:rPr lang="zh-CN" altLang="en-US" smtClean="0"/>
+              <a:rPr lang="zh-CN" altLang="en-US"/>
               <a:t>第五级</a:t>
             </a:r>
-            <a:endParaRPr lang="zh-CN" altLang="en-US"/>
           </a:p>
         </p:txBody>
       </p:sp>
@@ -2022,6 +2034,7 @@
           <a:p>
             <a:fld id="{D997B5FA-0921-464F-AAE1-844C04324D75}" type="datetimeFigureOut">
               <a:rPr lang="zh-CN" altLang="en-US" smtClean="0"/>
+              <a:t>2023/12/12</a:t>
             </a:fld>
             <a:endParaRPr lang="zh-CN" altLang="en-US"/>
           </a:p>
@@ -2063,6 +2076,7 @@
           <a:p>
             <a:fld id="{565CE74E-AB26-4998-AD42-012C4C1AD076}" type="slidenum">
               <a:rPr lang="zh-CN" altLang="en-US" smtClean="0"/>
+              <a:t>‹#›</a:t>
             </a:fld>
             <a:endParaRPr lang="zh-CN" altLang="en-US"/>
           </a:p>
@@ -2114,10 +2128,9 @@
           <a:lstStyle/>
           <a:p>
             <a:r>
-              <a:rPr lang="zh-CN" altLang="en-US" smtClean="0"/>
+              <a:rPr lang="zh-CN" altLang="en-US"/>
               <a:t>单击此处编辑母版标题样式</a:t>
             </a:r>
-            <a:endParaRPr lang="zh-CN" altLang="en-US"/>
           </a:p>
         </p:txBody>
       </p:sp>
@@ -2143,42 +2156,37 @@
           <a:p>
             <a:pPr lvl="0"/>
             <a:r>
-              <a:rPr lang="zh-CN" altLang="en-US" smtClean="0"/>
+              <a:rPr lang="zh-CN" altLang="en-US"/>
               <a:t>单击此处编辑母版文本样式</a:t>
             </a:r>
-            <a:endParaRPr lang="zh-CN" altLang="en-US" smtClean="0"/>
           </a:p>
           <a:p>
             <a:pPr lvl="1"/>
             <a:r>
-              <a:rPr lang="zh-CN" altLang="en-US" smtClean="0"/>
+              <a:rPr lang="zh-CN" altLang="en-US"/>
               <a:t>第二级</a:t>
             </a:r>
-            <a:endParaRPr lang="zh-CN" altLang="en-US" smtClean="0"/>
           </a:p>
           <a:p>
             <a:pPr lvl="2"/>
             <a:r>
-              <a:rPr lang="zh-CN" altLang="en-US" smtClean="0"/>
+              <a:rPr lang="zh-CN" altLang="en-US"/>
               <a:t>第三级</a:t>
             </a:r>
-            <a:endParaRPr lang="zh-CN" altLang="en-US" smtClean="0"/>
           </a:p>
           <a:p>
             <a:pPr lvl="3"/>
             <a:r>
-              <a:rPr lang="zh-CN" altLang="en-US" smtClean="0"/>
+              <a:rPr lang="zh-CN" altLang="en-US"/>
               <a:t>第四级</a:t>
             </a:r>
-            <a:endParaRPr lang="zh-CN" altLang="en-US" smtClean="0"/>
           </a:p>
           <a:p>
             <a:pPr lvl="4"/>
             <a:r>
-              <a:rPr lang="zh-CN" altLang="en-US" smtClean="0"/>
+              <a:rPr lang="zh-CN" altLang="en-US"/>
               <a:t>第五级</a:t>
             </a:r>
-            <a:endParaRPr lang="zh-CN" altLang="en-US"/>
           </a:p>
         </p:txBody>
       </p:sp>
@@ -2199,6 +2207,7 @@
           <a:p>
             <a:fld id="{D997B5FA-0921-464F-AAE1-844C04324D75}" type="datetimeFigureOut">
               <a:rPr lang="zh-CN" altLang="en-US" smtClean="0"/>
+              <a:t>2023/12/12</a:t>
             </a:fld>
             <a:endParaRPr lang="zh-CN" altLang="en-US"/>
           </a:p>
@@ -2240,6 +2249,7 @@
           <a:p>
             <a:fld id="{565CE74E-AB26-4998-AD42-012C4C1AD076}" type="slidenum">
               <a:rPr lang="zh-CN" altLang="en-US" smtClean="0"/>
+              <a:t>‹#›</a:t>
             </a:fld>
             <a:endParaRPr lang="zh-CN" altLang="en-US"/>
           </a:p>
@@ -2394,10 +2404,9 @@
           <a:lstStyle/>
           <a:p>
             <a:r>
-              <a:rPr lang="zh-CN" altLang="en-US" smtClean="0"/>
+              <a:rPr lang="zh-CN" altLang="en-US"/>
               <a:t>单击此处编辑母版标题样式</a:t>
             </a:r>
-            <a:endParaRPr lang="zh-CN" altLang="en-US"/>
           </a:p>
         </p:txBody>
       </p:sp>
@@ -2418,42 +2427,37 @@
           <a:p>
             <a:pPr lvl="0"/>
             <a:r>
-              <a:rPr lang="zh-CN" altLang="en-US" smtClean="0"/>
+              <a:rPr lang="zh-CN" altLang="en-US"/>
               <a:t>单击此处编辑母版文本样式</a:t>
             </a:r>
-            <a:endParaRPr lang="zh-CN" altLang="en-US" smtClean="0"/>
           </a:p>
           <a:p>
             <a:pPr lvl="1"/>
             <a:r>
-              <a:rPr lang="zh-CN" altLang="en-US" smtClean="0"/>
+              <a:rPr lang="zh-CN" altLang="en-US"/>
               <a:t>第二级</a:t>
             </a:r>
-            <a:endParaRPr lang="zh-CN" altLang="en-US" smtClean="0"/>
           </a:p>
           <a:p>
             <a:pPr lvl="2"/>
             <a:r>
-              <a:rPr lang="zh-CN" altLang="en-US" smtClean="0"/>
+              <a:rPr lang="zh-CN" altLang="en-US"/>
               <a:t>第三级</a:t>
             </a:r>
-            <a:endParaRPr lang="zh-CN" altLang="en-US" smtClean="0"/>
           </a:p>
           <a:p>
             <a:pPr lvl="3"/>
             <a:r>
-              <a:rPr lang="zh-CN" altLang="en-US" smtClean="0"/>
+              <a:rPr lang="zh-CN" altLang="en-US"/>
               <a:t>第四级</a:t>
             </a:r>
-            <a:endParaRPr lang="zh-CN" altLang="en-US" smtClean="0"/>
           </a:p>
           <a:p>
             <a:pPr lvl="4"/>
             <a:r>
-              <a:rPr lang="zh-CN" altLang="en-US" smtClean="0"/>
+              <a:rPr lang="zh-CN" altLang="en-US"/>
               <a:t>第五级</a:t>
             </a:r>
-            <a:endParaRPr lang="zh-CN" altLang="en-US"/>
           </a:p>
         </p:txBody>
       </p:sp>
@@ -2474,6 +2478,7 @@
           <a:p>
             <a:fld id="{D997B5FA-0921-464F-AAE1-844C04324D75}" type="datetimeFigureOut">
               <a:rPr lang="zh-CN" altLang="en-US" smtClean="0"/>
+              <a:t>2023/12/12</a:t>
             </a:fld>
             <a:endParaRPr lang="zh-CN" altLang="en-US"/>
           </a:p>
@@ -2515,6 +2520,7 @@
           <a:p>
             <a:fld id="{565CE74E-AB26-4998-AD42-012C4C1AD076}" type="slidenum">
               <a:rPr lang="zh-CN" altLang="en-US" smtClean="0"/>
+              <a:t>‹#›</a:t>
             </a:fld>
             <a:endParaRPr lang="zh-CN" altLang="en-US"/>
           </a:p>
@@ -2570,10 +2576,9 @@
           </a:lstStyle>
           <a:p>
             <a:r>
-              <a:rPr lang="zh-CN" altLang="en-US" smtClean="0"/>
+              <a:rPr lang="zh-CN" altLang="en-US"/>
               <a:t>单击此处编辑母版标题样式</a:t>
             </a:r>
-            <a:endParaRPr lang="zh-CN" altLang="en-US"/>
           </a:p>
         </p:txBody>
       </p:sp>
@@ -2690,10 +2695,9 @@
           <a:p>
             <a:pPr lvl="0"/>
             <a:r>
-              <a:rPr lang="zh-CN" altLang="en-US" smtClean="0"/>
+              <a:rPr lang="zh-CN" altLang="en-US"/>
               <a:t>单击此处编辑母版文本样式</a:t>
             </a:r>
-            <a:endParaRPr lang="zh-CN" altLang="en-US" smtClean="0"/>
           </a:p>
         </p:txBody>
       </p:sp>
@@ -2714,6 +2718,7 @@
           <a:p>
             <a:fld id="{D997B5FA-0921-464F-AAE1-844C04324D75}" type="datetimeFigureOut">
               <a:rPr lang="zh-CN" altLang="en-US" smtClean="0"/>
+              <a:t>2023/12/12</a:t>
             </a:fld>
             <a:endParaRPr lang="zh-CN" altLang="en-US"/>
           </a:p>
@@ -2755,6 +2760,7 @@
           <a:p>
             <a:fld id="{565CE74E-AB26-4998-AD42-012C4C1AD076}" type="slidenum">
               <a:rPr lang="zh-CN" altLang="en-US" smtClean="0"/>
+              <a:t>‹#›</a:t>
             </a:fld>
             <a:endParaRPr lang="zh-CN" altLang="en-US"/>
           </a:p>
@@ -2801,10 +2807,9 @@
           <a:lstStyle/>
           <a:p>
             <a:r>
-              <a:rPr lang="zh-CN" altLang="en-US" smtClean="0"/>
+              <a:rPr lang="zh-CN" altLang="en-US"/>
               <a:t>单击此处编辑母版标题样式</a:t>
             </a:r>
-            <a:endParaRPr lang="zh-CN" altLang="en-US"/>
           </a:p>
         </p:txBody>
       </p:sp>
@@ -2830,42 +2835,37 @@
           <a:p>
             <a:pPr lvl="0"/>
             <a:r>
-              <a:rPr lang="zh-CN" altLang="en-US" smtClean="0"/>
+              <a:rPr lang="zh-CN" altLang="en-US"/>
               <a:t>单击此处编辑母版文本样式</a:t>
             </a:r>
-            <a:endParaRPr lang="zh-CN" altLang="en-US" smtClean="0"/>
           </a:p>
           <a:p>
             <a:pPr lvl="1"/>
             <a:r>
-              <a:rPr lang="zh-CN" altLang="en-US" smtClean="0"/>
+              <a:rPr lang="zh-CN" altLang="en-US"/>
               <a:t>第二级</a:t>
             </a:r>
-            <a:endParaRPr lang="zh-CN" altLang="en-US" smtClean="0"/>
           </a:p>
           <a:p>
             <a:pPr lvl="2"/>
             <a:r>
-              <a:rPr lang="zh-CN" altLang="en-US" smtClean="0"/>
+              <a:rPr lang="zh-CN" altLang="en-US"/>
               <a:t>第三级</a:t>
             </a:r>
-            <a:endParaRPr lang="zh-CN" altLang="en-US" smtClean="0"/>
           </a:p>
           <a:p>
             <a:pPr lvl="3"/>
             <a:r>
-              <a:rPr lang="zh-CN" altLang="en-US" smtClean="0"/>
+              <a:rPr lang="zh-CN" altLang="en-US"/>
               <a:t>第四级</a:t>
             </a:r>
-            <a:endParaRPr lang="zh-CN" altLang="en-US" smtClean="0"/>
           </a:p>
           <a:p>
             <a:pPr lvl="4"/>
             <a:r>
-              <a:rPr lang="zh-CN" altLang="en-US" smtClean="0"/>
+              <a:rPr lang="zh-CN" altLang="en-US"/>
               <a:t>第五级</a:t>
             </a:r>
-            <a:endParaRPr lang="zh-CN" altLang="en-US"/>
           </a:p>
         </p:txBody>
       </p:sp>
@@ -2891,42 +2891,37 @@
           <a:p>
             <a:pPr lvl="0"/>
             <a:r>
-              <a:rPr lang="zh-CN" altLang="en-US" smtClean="0"/>
+              <a:rPr lang="zh-CN" altLang="en-US"/>
               <a:t>单击此处编辑母版文本样式</a:t>
             </a:r>
-            <a:endParaRPr lang="zh-CN" altLang="en-US" smtClean="0"/>
           </a:p>
           <a:p>
             <a:pPr lvl="1"/>
             <a:r>
-              <a:rPr lang="zh-CN" altLang="en-US" smtClean="0"/>
+              <a:rPr lang="zh-CN" altLang="en-US"/>
               <a:t>第二级</a:t>
             </a:r>
-            <a:endParaRPr lang="zh-CN" altLang="en-US" smtClean="0"/>
           </a:p>
           <a:p>
             <a:pPr lvl="2"/>
             <a:r>
-              <a:rPr lang="zh-CN" altLang="en-US" smtClean="0"/>
+              <a:rPr lang="zh-CN" altLang="en-US"/>
               <a:t>第三级</a:t>
             </a:r>
-            <a:endParaRPr lang="zh-CN" altLang="en-US" smtClean="0"/>
           </a:p>
           <a:p>
             <a:pPr lvl="3"/>
             <a:r>
-              <a:rPr lang="zh-CN" altLang="en-US" smtClean="0"/>
+              <a:rPr lang="zh-CN" altLang="en-US"/>
               <a:t>第四级</a:t>
             </a:r>
-            <a:endParaRPr lang="zh-CN" altLang="en-US" smtClean="0"/>
           </a:p>
           <a:p>
             <a:pPr lvl="4"/>
             <a:r>
-              <a:rPr lang="zh-CN" altLang="en-US" smtClean="0"/>
+              <a:rPr lang="zh-CN" altLang="en-US"/>
               <a:t>第五级</a:t>
             </a:r>
-            <a:endParaRPr lang="zh-CN" altLang="en-US"/>
           </a:p>
         </p:txBody>
       </p:sp>
@@ -2947,6 +2942,7 @@
           <a:p>
             <a:fld id="{D997B5FA-0921-464F-AAE1-844C04324D75}" type="datetimeFigureOut">
               <a:rPr lang="zh-CN" altLang="en-US" smtClean="0"/>
+              <a:t>2023/12/12</a:t>
             </a:fld>
             <a:endParaRPr lang="zh-CN" altLang="en-US"/>
           </a:p>
@@ -2988,6 +2984,7 @@
           <a:p>
             <a:fld id="{565CE74E-AB26-4998-AD42-012C4C1AD076}" type="slidenum">
               <a:rPr lang="zh-CN" altLang="en-US" smtClean="0"/>
+              <a:t>‹#›</a:t>
             </a:fld>
             <a:endParaRPr lang="zh-CN" altLang="en-US"/>
           </a:p>
@@ -3039,10 +3036,9 @@
           <a:lstStyle/>
           <a:p>
             <a:r>
-              <a:rPr lang="zh-CN" altLang="en-US" smtClean="0"/>
+              <a:rPr lang="zh-CN" altLang="en-US"/>
               <a:t>单击此处编辑母版标题样式</a:t>
             </a:r>
-            <a:endParaRPr lang="zh-CN" altLang="en-US"/>
           </a:p>
         </p:txBody>
       </p:sp>
@@ -3105,10 +3101,9 @@
           <a:p>
             <a:pPr lvl="0"/>
             <a:r>
-              <a:rPr lang="zh-CN" altLang="en-US" smtClean="0"/>
+              <a:rPr lang="zh-CN" altLang="en-US"/>
               <a:t>单击此处编辑母版文本样式</a:t>
             </a:r>
-            <a:endParaRPr lang="zh-CN" altLang="en-US" smtClean="0"/>
           </a:p>
         </p:txBody>
       </p:sp>
@@ -3134,42 +3129,37 @@
           <a:p>
             <a:pPr lvl="0"/>
             <a:r>
-              <a:rPr lang="zh-CN" altLang="en-US" smtClean="0"/>
+              <a:rPr lang="zh-CN" altLang="en-US"/>
               <a:t>单击此处编辑母版文本样式</a:t>
             </a:r>
-            <a:endParaRPr lang="zh-CN" altLang="en-US" smtClean="0"/>
           </a:p>
           <a:p>
             <a:pPr lvl="1"/>
             <a:r>
-              <a:rPr lang="zh-CN" altLang="en-US" smtClean="0"/>
+              <a:rPr lang="zh-CN" altLang="en-US"/>
               <a:t>第二级</a:t>
             </a:r>
-            <a:endParaRPr lang="zh-CN" altLang="en-US" smtClean="0"/>
           </a:p>
           <a:p>
             <a:pPr lvl="2"/>
             <a:r>
-              <a:rPr lang="zh-CN" altLang="en-US" smtClean="0"/>
+              <a:rPr lang="zh-CN" altLang="en-US"/>
               <a:t>第三级</a:t>
             </a:r>
-            <a:endParaRPr lang="zh-CN" altLang="en-US" smtClean="0"/>
           </a:p>
           <a:p>
             <a:pPr lvl="3"/>
             <a:r>
-              <a:rPr lang="zh-CN" altLang="en-US" smtClean="0"/>
+              <a:rPr lang="zh-CN" altLang="en-US"/>
               <a:t>第四级</a:t>
             </a:r>
-            <a:endParaRPr lang="zh-CN" altLang="en-US" smtClean="0"/>
           </a:p>
           <a:p>
             <a:pPr lvl="4"/>
             <a:r>
-              <a:rPr lang="zh-CN" altLang="en-US" smtClean="0"/>
+              <a:rPr lang="zh-CN" altLang="en-US"/>
               <a:t>第五级</a:t>
             </a:r>
-            <a:endParaRPr lang="zh-CN" altLang="en-US"/>
           </a:p>
         </p:txBody>
       </p:sp>
@@ -3232,10 +3222,9 @@
           <a:p>
             <a:pPr lvl="0"/>
             <a:r>
-              <a:rPr lang="zh-CN" altLang="en-US" smtClean="0"/>
+              <a:rPr lang="zh-CN" altLang="en-US"/>
               <a:t>单击此处编辑母版文本样式</a:t>
             </a:r>
-            <a:endParaRPr lang="zh-CN" altLang="en-US" smtClean="0"/>
           </a:p>
         </p:txBody>
       </p:sp>
@@ -3261,42 +3250,37 @@
           <a:p>
             <a:pPr lvl="0"/>
             <a:r>
-              <a:rPr lang="zh-CN" altLang="en-US" smtClean="0"/>
+              <a:rPr lang="zh-CN" altLang="en-US"/>
               <a:t>单击此处编辑母版文本样式</a:t>
             </a:r>
-            <a:endParaRPr lang="zh-CN" altLang="en-US" smtClean="0"/>
           </a:p>
           <a:p>
             <a:pPr lvl="1"/>
             <a:r>
-              <a:rPr lang="zh-CN" altLang="en-US" smtClean="0"/>
+              <a:rPr lang="zh-CN" altLang="en-US"/>
               <a:t>第二级</a:t>
             </a:r>
-            <a:endParaRPr lang="zh-CN" altLang="en-US" smtClean="0"/>
           </a:p>
           <a:p>
             <a:pPr lvl="2"/>
             <a:r>
-              <a:rPr lang="zh-CN" altLang="en-US" smtClean="0"/>
+              <a:rPr lang="zh-CN" altLang="en-US"/>
               <a:t>第三级</a:t>
             </a:r>
-            <a:endParaRPr lang="zh-CN" altLang="en-US" smtClean="0"/>
           </a:p>
           <a:p>
             <a:pPr lvl="3"/>
             <a:r>
-              <a:rPr lang="zh-CN" altLang="en-US" smtClean="0"/>
+              <a:rPr lang="zh-CN" altLang="en-US"/>
               <a:t>第四级</a:t>
             </a:r>
-            <a:endParaRPr lang="zh-CN" altLang="en-US" smtClean="0"/>
           </a:p>
           <a:p>
             <a:pPr lvl="4"/>
             <a:r>
-              <a:rPr lang="zh-CN" altLang="en-US" smtClean="0"/>
+              <a:rPr lang="zh-CN" altLang="en-US"/>
               <a:t>第五级</a:t>
             </a:r>
-            <a:endParaRPr lang="zh-CN" altLang="en-US"/>
           </a:p>
         </p:txBody>
       </p:sp>
@@ -3317,6 +3301,7 @@
           <a:p>
             <a:fld id="{D997B5FA-0921-464F-AAE1-844C04324D75}" type="datetimeFigureOut">
               <a:rPr lang="zh-CN" altLang="en-US" smtClean="0"/>
+              <a:t>2023/12/12</a:t>
             </a:fld>
             <a:endParaRPr lang="zh-CN" altLang="en-US"/>
           </a:p>
@@ -3358,6 +3343,7 @@
           <a:p>
             <a:fld id="{565CE74E-AB26-4998-AD42-012C4C1AD076}" type="slidenum">
               <a:rPr lang="zh-CN" altLang="en-US" smtClean="0"/>
+              <a:t>‹#›</a:t>
             </a:fld>
             <a:endParaRPr lang="zh-CN" altLang="en-US"/>
           </a:p>
@@ -3404,10 +3390,9 @@
           <a:lstStyle/>
           <a:p>
             <a:r>
-              <a:rPr lang="zh-CN" altLang="en-US" smtClean="0"/>
+              <a:rPr lang="zh-CN" altLang="en-US"/>
               <a:t>单击此处编辑母版标题样式</a:t>
             </a:r>
-            <a:endParaRPr lang="zh-CN" altLang="en-US"/>
           </a:p>
         </p:txBody>
       </p:sp>
@@ -3428,6 +3413,7 @@
           <a:p>
             <a:fld id="{D997B5FA-0921-464F-AAE1-844C04324D75}" type="datetimeFigureOut">
               <a:rPr lang="zh-CN" altLang="en-US" smtClean="0"/>
+              <a:t>2023/12/12</a:t>
             </a:fld>
             <a:endParaRPr lang="zh-CN" altLang="en-US"/>
           </a:p>
@@ -3469,6 +3455,7 @@
           <a:p>
             <a:fld id="{565CE74E-AB26-4998-AD42-012C4C1AD076}" type="slidenum">
               <a:rPr lang="zh-CN" altLang="en-US" smtClean="0"/>
+              <a:t>‹#›</a:t>
             </a:fld>
             <a:endParaRPr lang="zh-CN" altLang="en-US"/>
           </a:p>
@@ -3516,6 +3503,7 @@
           <a:p>
             <a:fld id="{D997B5FA-0921-464F-AAE1-844C04324D75}" type="datetimeFigureOut">
               <a:rPr lang="zh-CN" altLang="en-US" smtClean="0"/>
+              <a:t>2023/12/12</a:t>
             </a:fld>
             <a:endParaRPr lang="zh-CN" altLang="en-US"/>
           </a:p>
@@ -3557,6 +3545,7 @@
           <a:p>
             <a:fld id="{565CE74E-AB26-4998-AD42-012C4C1AD076}" type="slidenum">
               <a:rPr lang="zh-CN" altLang="en-US" smtClean="0"/>
+              <a:t>‹#›</a:t>
             </a:fld>
             <a:endParaRPr lang="zh-CN" altLang="en-US"/>
           </a:p>
@@ -3612,10 +3601,9 @@
           </a:lstStyle>
           <a:p>
             <a:r>
-              <a:rPr lang="zh-CN" altLang="en-US" smtClean="0"/>
+              <a:rPr lang="zh-CN" altLang="en-US"/>
               <a:t>单击此处编辑母版标题样式</a:t>
             </a:r>
-            <a:endParaRPr lang="zh-CN" altLang="en-US"/>
           </a:p>
         </p:txBody>
       </p:sp>
@@ -3669,42 +3657,37 @@
           <a:p>
             <a:pPr lvl="0"/>
             <a:r>
-              <a:rPr lang="zh-CN" altLang="en-US" smtClean="0"/>
+              <a:rPr lang="zh-CN" altLang="en-US"/>
               <a:t>单击此处编辑母版文本样式</a:t>
             </a:r>
-            <a:endParaRPr lang="zh-CN" altLang="en-US" smtClean="0"/>
           </a:p>
           <a:p>
             <a:pPr lvl="1"/>
             <a:r>
-              <a:rPr lang="zh-CN" altLang="en-US" smtClean="0"/>
+              <a:rPr lang="zh-CN" altLang="en-US"/>
               <a:t>第二级</a:t>
             </a:r>
-            <a:endParaRPr lang="zh-CN" altLang="en-US" smtClean="0"/>
           </a:p>
           <a:p>
             <a:pPr lvl="2"/>
             <a:r>
-              <a:rPr lang="zh-CN" altLang="en-US" smtClean="0"/>
+              <a:rPr lang="zh-CN" altLang="en-US"/>
               <a:t>第三级</a:t>
             </a:r>
-            <a:endParaRPr lang="zh-CN" altLang="en-US" smtClean="0"/>
           </a:p>
           <a:p>
             <a:pPr lvl="3"/>
             <a:r>
-              <a:rPr lang="zh-CN" altLang="en-US" smtClean="0"/>
+              <a:rPr lang="zh-CN" altLang="en-US"/>
               <a:t>第四级</a:t>
             </a:r>
-            <a:endParaRPr lang="zh-CN" altLang="en-US" smtClean="0"/>
           </a:p>
           <a:p>
             <a:pPr lvl="4"/>
             <a:r>
-              <a:rPr lang="zh-CN" altLang="en-US" smtClean="0"/>
+              <a:rPr lang="zh-CN" altLang="en-US"/>
               <a:t>第五级</a:t>
             </a:r>
-            <a:endParaRPr lang="zh-CN" altLang="en-US"/>
           </a:p>
         </p:txBody>
       </p:sp>
@@ -3767,10 +3750,9 @@
           <a:p>
             <a:pPr lvl="0"/>
             <a:r>
-              <a:rPr lang="zh-CN" altLang="en-US" smtClean="0"/>
+              <a:rPr lang="zh-CN" altLang="en-US"/>
               <a:t>单击此处编辑母版文本样式</a:t>
             </a:r>
-            <a:endParaRPr lang="zh-CN" altLang="en-US" smtClean="0"/>
           </a:p>
         </p:txBody>
       </p:sp>
@@ -3791,6 +3773,7 @@
           <a:p>
             <a:fld id="{D997B5FA-0921-464F-AAE1-844C04324D75}" type="datetimeFigureOut">
               <a:rPr lang="zh-CN" altLang="en-US" smtClean="0"/>
+              <a:t>2023/12/12</a:t>
             </a:fld>
             <a:endParaRPr lang="zh-CN" altLang="en-US"/>
           </a:p>
@@ -3832,6 +3815,7 @@
           <a:p>
             <a:fld id="{565CE74E-AB26-4998-AD42-012C4C1AD076}" type="slidenum">
               <a:rPr lang="zh-CN" altLang="en-US" smtClean="0"/>
+              <a:t>‹#›</a:t>
             </a:fld>
             <a:endParaRPr lang="zh-CN" altLang="en-US"/>
           </a:p>
@@ -3887,10 +3871,9 @@
           </a:lstStyle>
           <a:p>
             <a:r>
-              <a:rPr lang="zh-CN" altLang="en-US" smtClean="0"/>
+              <a:rPr lang="zh-CN" altLang="en-US"/>
               <a:t>单击此处编辑母版标题样式</a:t>
             </a:r>
-            <a:endParaRPr lang="zh-CN" altLang="en-US"/>
           </a:p>
         </p:txBody>
       </p:sp>
@@ -4014,10 +3997,9 @@
           <a:p>
             <a:pPr lvl="0"/>
             <a:r>
-              <a:rPr lang="zh-CN" altLang="en-US" smtClean="0"/>
+              <a:rPr lang="zh-CN" altLang="en-US"/>
               <a:t>单击此处编辑母版文本样式</a:t>
             </a:r>
-            <a:endParaRPr lang="zh-CN" altLang="en-US" smtClean="0"/>
           </a:p>
         </p:txBody>
       </p:sp>
@@ -4038,6 +4020,7 @@
           <a:p>
             <a:fld id="{D997B5FA-0921-464F-AAE1-844C04324D75}" type="datetimeFigureOut">
               <a:rPr lang="zh-CN" altLang="en-US" smtClean="0"/>
+              <a:t>2023/12/12</a:t>
             </a:fld>
             <a:endParaRPr lang="zh-CN" altLang="en-US"/>
           </a:p>
@@ -4079,6 +4062,7 @@
           <a:p>
             <a:fld id="{565CE74E-AB26-4998-AD42-012C4C1AD076}" type="slidenum">
               <a:rPr lang="zh-CN" altLang="en-US" smtClean="0"/>
+              <a:t>‹#›</a:t>
             </a:fld>
             <a:endParaRPr lang="zh-CN" altLang="en-US"/>
           </a:p>
@@ -4140,10 +4124,9 @@
           <a:lstStyle/>
           <a:p>
             <a:r>
-              <a:rPr lang="zh-CN" altLang="en-US" smtClean="0"/>
+              <a:rPr lang="zh-CN" altLang="en-US"/>
               <a:t>单击此处编辑母版标题样式</a:t>
             </a:r>
-            <a:endParaRPr lang="zh-CN" altLang="en-US"/>
           </a:p>
         </p:txBody>
       </p:sp>
@@ -4174,42 +4157,37 @@
           <a:p>
             <a:pPr lvl="0"/>
             <a:r>
-              <a:rPr lang="zh-CN" altLang="en-US" smtClean="0"/>
+              <a:rPr lang="zh-CN" altLang="en-US"/>
               <a:t>单击此处编辑母版文本样式</a:t>
             </a:r>
-            <a:endParaRPr lang="zh-CN" altLang="en-US" smtClean="0"/>
           </a:p>
           <a:p>
             <a:pPr lvl="1"/>
             <a:r>
-              <a:rPr lang="zh-CN" altLang="en-US" smtClean="0"/>
+              <a:rPr lang="zh-CN" altLang="en-US"/>
               <a:t>第二级</a:t>
             </a:r>
-            <a:endParaRPr lang="zh-CN" altLang="en-US" smtClean="0"/>
           </a:p>
           <a:p>
             <a:pPr lvl="2"/>
             <a:r>
-              <a:rPr lang="zh-CN" altLang="en-US" smtClean="0"/>
+              <a:rPr lang="zh-CN" altLang="en-US"/>
               <a:t>第三级</a:t>
             </a:r>
-            <a:endParaRPr lang="zh-CN" altLang="en-US" smtClean="0"/>
           </a:p>
           <a:p>
             <a:pPr lvl="3"/>
             <a:r>
-              <a:rPr lang="zh-CN" altLang="en-US" smtClean="0"/>
+              <a:rPr lang="zh-CN" altLang="en-US"/>
               <a:t>第四级</a:t>
             </a:r>
-            <a:endParaRPr lang="zh-CN" altLang="en-US" smtClean="0"/>
           </a:p>
           <a:p>
             <a:pPr lvl="4"/>
             <a:r>
-              <a:rPr lang="zh-CN" altLang="en-US" smtClean="0"/>
+              <a:rPr lang="zh-CN" altLang="en-US"/>
               <a:t>第五级</a:t>
             </a:r>
-            <a:endParaRPr lang="zh-CN" altLang="en-US"/>
           </a:p>
         </p:txBody>
       </p:sp>
@@ -4248,6 +4226,7 @@
           <a:p>
             <a:fld id="{D997B5FA-0921-464F-AAE1-844C04324D75}" type="datetimeFigureOut">
               <a:rPr lang="zh-CN" altLang="en-US" smtClean="0"/>
+              <a:t>2023/12/12</a:t>
             </a:fld>
             <a:endParaRPr lang="zh-CN" altLang="en-US"/>
           </a:p>
@@ -4325,6 +4304,7 @@
           <a:p>
             <a:fld id="{565CE74E-AB26-4998-AD42-012C4C1AD076}" type="slidenum">
               <a:rPr lang="zh-CN" altLang="en-US" smtClean="0"/>
+              <a:t>‹#›</a:t>
             </a:fld>
             <a:endParaRPr lang="zh-CN" altLang="en-US"/>
           </a:p>
@@ -4656,7 +4636,7 @@
           <p:nvPr/>
         </p:nvPicPr>
         <p:blipFill>
-          <a:blip r:embed="rId1" cstate="print">
+          <a:blip r:embed="rId3" cstate="print">
             <a:extLst>
               <a:ext uri="{28A0092B-C50C-407E-A947-70E740481C1C}">
                 <a14:useLocalDpi xmlns:a14="http://schemas.microsoft.com/office/drawing/2010/main" val="0"/>
@@ -4669,7 +4649,7 @@
         </p:blipFill>
         <p:spPr>
           <a:xfrm>
-            <a:off x="441325" y="-240561"/>
+            <a:off x="0" y="5819"/>
             <a:ext cx="12192000" cy="6852181"/>
           </a:xfrm>
           <a:prstGeom prst="rect">
@@ -4821,37 +4801,8 @@
                 <a:latin typeface="微软雅黑" panose="020B0503020204020204" charset="-122"/>
                 <a:ea typeface="微软雅黑" panose="020B0503020204020204" charset="-122"/>
               </a:rPr>
-              <a:t>Final Project </a:t>
+              <a:t>Midterm Project MileStone 4</a:t>
             </a:r>
-            <a:endParaRPr lang="en-US" altLang="zh-CN" sz="4400" b="1">
-              <a:solidFill>
-                <a:schemeClr val="bg1"/>
-              </a:solidFill>
-              <a:latin typeface="微软雅黑" panose="020B0503020204020204" charset="-122"/>
-              <a:ea typeface="微软雅黑" panose="020B0503020204020204" charset="-122"/>
-            </a:endParaRPr>
-          </a:p>
-          <a:p>
-            <a:pPr algn="ctr">
-              <a:defRPr/>
-            </a:pPr>
-            <a:r>
-              <a:rPr lang="en-US" altLang="zh-CN" sz="4400" b="1">
-                <a:solidFill>
-                  <a:schemeClr val="bg1"/>
-                </a:solidFill>
-                <a:latin typeface="微软雅黑" panose="020B0503020204020204" charset="-122"/>
-                <a:ea typeface="微软雅黑" panose="020B0503020204020204" charset="-122"/>
-              </a:rPr>
-              <a:t>MileStone 4</a:t>
-            </a:r>
-            <a:endParaRPr lang="en-US" altLang="zh-CN" sz="4400" b="1">
-              <a:solidFill>
-                <a:schemeClr val="bg1"/>
-              </a:solidFill>
-              <a:latin typeface="微软雅黑" panose="020B0503020204020204" charset="-122"/>
-              <a:ea typeface="微软雅黑" panose="020B0503020204020204" charset="-122"/>
-            </a:endParaRPr>
           </a:p>
           <a:p>
             <a:pPr algn="ctr">
@@ -4873,7 +4824,7 @@
           <p:cNvSpPr/>
           <p:nvPr>
             <p:custDataLst>
-              <p:tags r:id="rId2"/>
+              <p:tags r:id="rId1"/>
             </p:custDataLst>
           </p:nvPr>
         </p:nvSpPr>
@@ -5076,7 +5027,7 @@
           </p:nvPr>
         </p:nvPicPr>
         <p:blipFill>
-          <a:blip r:embed="rId2" cstate="print">
+          <a:blip r:embed="rId8" cstate="print">
             <a:extLst>
               <a:ext uri="{28A0092B-C50C-407E-A947-70E740481C1C}">
                 <a14:useLocalDpi xmlns:a14="http://schemas.microsoft.com/office/drawing/2010/main" val="0"/>
@@ -5149,12 +5100,12 @@
           </p:cNvPicPr>
           <p:nvPr>
             <p:custDataLst>
-              <p:tags r:id="rId3"/>
+              <p:tags r:id="rId2"/>
             </p:custDataLst>
           </p:nvPr>
         </p:nvPicPr>
         <p:blipFill>
-          <a:blip r:embed="rId4"/>
+          <a:blip r:embed="rId9"/>
           <a:stretch>
             <a:fillRect/>
           </a:stretch>
@@ -5178,7 +5129,7 @@
           <p:nvPr/>
         </p:nvPicPr>
         <p:blipFill>
-          <a:blip r:embed="rId5"/>
+          <a:blip r:embed="rId10"/>
           <a:stretch>
             <a:fillRect/>
           </a:stretch>
@@ -5202,7 +5153,7 @@
           <p:nvPr/>
         </p:nvPicPr>
         <p:blipFill>
-          <a:blip r:embed="rId6"/>
+          <a:blip r:embed="rId11"/>
           <a:stretch>
             <a:fillRect/>
           </a:stretch>
@@ -5226,7 +5177,7 @@
           <p:nvPr/>
         </p:nvPicPr>
         <p:blipFill>
-          <a:blip r:embed="rId7"/>
+          <a:blip r:embed="rId12"/>
           <a:stretch>
             <a:fillRect/>
           </a:stretch>
@@ -5250,7 +5201,7 @@
           <p:nvPr/>
         </p:nvPicPr>
         <p:blipFill>
-          <a:blip r:embed="rId8"/>
+          <a:blip r:embed="rId13"/>
           <a:stretch>
             <a:fillRect/>
           </a:stretch>
@@ -5271,7 +5222,7 @@
           <p:cNvSpPr/>
           <p:nvPr>
             <p:custDataLst>
-              <p:tags r:id="rId9"/>
+              <p:tags r:id="rId3"/>
             </p:custDataLst>
           </p:nvPr>
         </p:nvSpPr>
@@ -5309,6 +5260,7 @@
         </p:style>
         <p:txBody>
           <a:bodyPr rtlCol="0" anchor="ctr"/>
+          <a:lstStyle/>
           <a:p>
             <a:pPr algn="ctr"/>
             <a:endParaRPr lang="zh-CN" altLang="en-US">
@@ -5325,7 +5277,7 @@
           <p:cNvSpPr/>
           <p:nvPr>
             <p:custDataLst>
-              <p:tags r:id="rId10"/>
+              <p:tags r:id="rId4"/>
             </p:custDataLst>
           </p:nvPr>
         </p:nvSpPr>
@@ -5363,6 +5315,7 @@
         </p:style>
         <p:txBody>
           <a:bodyPr rtlCol="0" anchor="ctr"/>
+          <a:lstStyle/>
           <a:p>
             <a:pPr algn="ctr"/>
             <a:endParaRPr lang="zh-CN" altLang="en-US">
@@ -5379,7 +5332,7 @@
           <p:cNvSpPr/>
           <p:nvPr>
             <p:custDataLst>
-              <p:tags r:id="rId11"/>
+              <p:tags r:id="rId5"/>
             </p:custDataLst>
           </p:nvPr>
         </p:nvSpPr>
@@ -5417,6 +5370,7 @@
         </p:style>
         <p:txBody>
           <a:bodyPr rtlCol="0" anchor="ctr"/>
+          <a:lstStyle/>
           <a:p>
             <a:pPr algn="ctr"/>
             <a:endParaRPr lang="zh-CN" altLang="en-US">
@@ -5447,6 +5401,7 @@
           <a:bodyPr wrap="square" rtlCol="0">
             <a:noAutofit/>
           </a:bodyPr>
+          <a:lstStyle/>
           <a:p>
             <a:r>
               <a:rPr lang="en-US" altLang="zh-CN" sz="2000"/>
@@ -5460,7 +5415,6 @@
               <a:rPr lang="zh-CN" altLang="en-US"/>
               <a:t> </a:t>
             </a:r>
-            <a:endParaRPr lang="zh-CN" altLang="en-US"/>
           </a:p>
         </p:txBody>
       </p:sp>
@@ -5484,12 +5438,12 @@
           <a:bodyPr wrap="square" rtlCol="0">
             <a:spAutoFit/>
           </a:bodyPr>
+          <a:lstStyle/>
           <a:p>
             <a:r>
               <a:rPr lang="en-US" altLang="zh-CN" sz="2000"/>
               <a:t>Defined ‘class’ as the initial value for ‘selectgroup’</a:t>
             </a:r>
-            <a:endParaRPr lang="en-US" altLang="zh-CN" sz="2000"/>
           </a:p>
         </p:txBody>
       </p:sp>
@@ -5513,6 +5467,7 @@
           <a:bodyPr wrap="square" rtlCol="0">
             <a:spAutoFit/>
           </a:bodyPr>
+          <a:lstStyle/>
           <a:p>
             <a:r>
               <a:rPr lang="en-US" altLang="zh-CN" sz="2000"/>
@@ -5530,7 +5485,6 @@
               <a:rPr lang="zh-CN" altLang="en-US" sz="2000"/>
               <a:t> the value of selectedGroup with the identifiers of each group option ('classic' or 'small')</a:t>
             </a:r>
-            <a:endParaRPr lang="zh-CN" altLang="en-US" sz="2000"/>
           </a:p>
         </p:txBody>
       </p:sp>
@@ -5572,7 +5526,7 @@
           </p:nvPr>
         </p:nvPicPr>
         <p:blipFill>
-          <a:blip r:embed="rId2" cstate="print">
+          <a:blip r:embed="rId7" cstate="print">
             <a:extLst>
               <a:ext uri="{28A0092B-C50C-407E-A947-70E740481C1C}">
                 <a14:useLocalDpi xmlns:a14="http://schemas.microsoft.com/office/drawing/2010/main" val="0"/>
@@ -5585,7 +5539,7 @@
         </p:blipFill>
         <p:spPr>
           <a:xfrm>
-            <a:off x="0" y="5819"/>
+            <a:off x="0" y="-64666"/>
             <a:ext cx="12192000" cy="6852181"/>
           </a:xfrm>
           <a:prstGeom prst="rect">
@@ -5605,7 +5559,7 @@
         </p:nvSpPr>
         <p:spPr>
           <a:xfrm>
-            <a:off x="690245" y="454025"/>
+            <a:off x="1415415" y="365125"/>
             <a:ext cx="10515600" cy="1325563"/>
           </a:xfrm>
         </p:spPr>
@@ -5645,12 +5599,12 @@
           </p:cNvPicPr>
           <p:nvPr>
             <p:custDataLst>
-              <p:tags r:id="rId3"/>
+              <p:tags r:id="rId2"/>
             </p:custDataLst>
           </p:nvPr>
         </p:nvPicPr>
         <p:blipFill>
-          <a:blip r:embed="rId4"/>
+          <a:blip r:embed="rId8"/>
           <a:stretch>
             <a:fillRect/>
           </a:stretch>
@@ -5673,8 +5627,8 @@
         </p:nvSpPr>
         <p:spPr>
           <a:xfrm>
-            <a:off x="980440" y="1779905"/>
-            <a:ext cx="2700655" cy="460375"/>
+            <a:off x="1370960" y="1459855"/>
+            <a:ext cx="3943350" cy="461665"/>
           </a:xfrm>
           <a:prstGeom prst="rect">
             <a:avLst/>
@@ -5685,18 +5639,22 @@
           <a:bodyPr wrap="square" rtlCol="0">
             <a:spAutoFit/>
           </a:bodyPr>
+          <a:lstStyle/>
           <a:p>
+            <a:pPr algn="l">
+              <a:buClrTx/>
+              <a:buSzTx/>
+              <a:buFontTx/>
+            </a:pPr>
             <a:r>
               <a:rPr lang="en-US" altLang="zh-CN" sz="2400" b="1" dirty="0">
                 <a:solidFill>
                   <a:srgbClr val="244C89"/>
                 </a:solidFill>
                 <a:ea typeface="微软雅黑" panose="020B0503020204020204" charset="-122"/>
-                <a:sym typeface="+mn-ea"/>
               </a:rPr>
-              <a:t>Main Components</a:t>
+              <a:t>Registration page</a:t>
             </a:r>
-            <a:endParaRPr lang="zh-CN" altLang="en-US" sz="2400"/>
           </a:p>
         </p:txBody>
       </p:sp>
@@ -5709,14 +5667,14 @@
           <p:nvPr/>
         </p:nvPicPr>
         <p:blipFill>
-          <a:blip r:embed="rId5"/>
+          <a:blip r:embed="rId9"/>
           <a:stretch>
             <a:fillRect/>
           </a:stretch>
         </p:blipFill>
         <p:spPr>
           <a:xfrm>
-            <a:off x="878840" y="2810510"/>
+            <a:off x="1042353" y="1971516"/>
             <a:ext cx="3602990" cy="1237615"/>
           </a:xfrm>
           <a:prstGeom prst="rect">
@@ -5732,8 +5690,8 @@
         </p:nvSpPr>
         <p:spPr>
           <a:xfrm>
-            <a:off x="5766435" y="1390015"/>
-            <a:ext cx="4782820" cy="737235"/>
+            <a:off x="1042353" y="3797253"/>
+            <a:ext cx="3976686" cy="738664"/>
           </a:xfrm>
           <a:prstGeom prst="rect">
             <a:avLst/>
@@ -5744,6 +5702,7 @@
           <a:bodyPr wrap="square" rtlCol="0">
             <a:spAutoFit/>
           </a:bodyPr>
+          <a:lstStyle/>
           <a:p>
             <a:pPr algn="l">
               <a:buClrTx/>
@@ -5751,63 +5710,42 @@
               <a:buFontTx/>
             </a:pPr>
             <a:r>
+              <a:rPr lang="en-US" altLang="zh-CN" sz="2400" b="1" dirty="0" err="1">
+                <a:solidFill>
+                  <a:srgbClr val="244C89"/>
+                </a:solidFill>
+                <a:ea typeface="微软雅黑" panose="020B0503020204020204" charset="-122"/>
+              </a:rPr>
+              <a:t>RegistrationForm</a:t>
+            </a:r>
+            <a:r>
               <a:rPr lang="en-US" altLang="zh-CN" sz="2400" b="1" dirty="0">
                 <a:solidFill>
                   <a:srgbClr val="244C89"/>
                 </a:solidFill>
                 <a:ea typeface="微软雅黑" panose="020B0503020204020204" charset="-122"/>
               </a:rPr>
-              <a:t>Implemented registration function</a:t>
+              <a:t> Component</a:t>
             </a:r>
-            <a:endParaRPr lang="en-US" altLang="zh-CN" sz="2400" b="1" dirty="0">
-              <a:solidFill>
-                <a:srgbClr val="244C89"/>
-              </a:solidFill>
-              <a:ea typeface="微软雅黑" panose="020B0503020204020204" charset="-122"/>
-            </a:endParaRPr>
           </a:p>
           <a:p>
-            <a:endParaRPr lang="zh-CN" altLang="en-US"/>
+            <a:endParaRPr lang="zh-CN" altLang="en-US" dirty="0"/>
           </a:p>
         </p:txBody>
       </p:sp>
-      <p:pic>
-        <p:nvPicPr>
-          <p:cNvPr id="8" name="图片 7"/>
-          <p:cNvPicPr>
-            <a:picLocks noChangeAspect="1"/>
-          </p:cNvPicPr>
-          <p:nvPr/>
-        </p:nvPicPr>
-        <p:blipFill>
-          <a:blip r:embed="rId6"/>
-          <a:stretch>
-            <a:fillRect/>
-          </a:stretch>
-        </p:blipFill>
-        <p:spPr>
-          <a:xfrm>
-            <a:off x="5687695" y="2240280"/>
-            <a:ext cx="3943350" cy="3381375"/>
-          </a:xfrm>
-          <a:prstGeom prst="rect">
-            <a:avLst/>
-          </a:prstGeom>
-        </p:spPr>
-      </p:pic>
       <p:sp>
         <p:nvSpPr>
           <p:cNvPr id="12" name="箭头: 左 22"/>
           <p:cNvSpPr/>
           <p:nvPr>
             <p:custDataLst>
-              <p:tags r:id="rId7"/>
+              <p:tags r:id="rId3"/>
             </p:custDataLst>
           </p:nvPr>
         </p:nvSpPr>
         <p:spPr>
           <a:xfrm rot="10800000">
-            <a:off x="4834255" y="3263265"/>
+            <a:off x="5164696" y="3655755"/>
             <a:ext cx="642620" cy="331470"/>
           </a:xfrm>
           <a:prstGeom prst="leftArrow">
@@ -5839,6 +5777,68 @@
         </p:style>
         <p:txBody>
           <a:bodyPr rtlCol="0" anchor="ctr"/>
+          <a:lstStyle/>
+          <a:p>
+            <a:pPr algn="ctr"/>
+            <a:endParaRPr lang="zh-CN" altLang="en-US" dirty="0">
+              <a:solidFill>
+                <a:srgbClr val="244C89"/>
+              </a:solidFill>
+            </a:endParaRPr>
+          </a:p>
+        </p:txBody>
+      </p:sp>
+      <p:sp>
+        <p:nvSpPr>
+          <p:cNvPr id="5" name="箭头: 左 4">
+            <a:extLst>
+              <a:ext uri="{FF2B5EF4-FFF2-40B4-BE49-F238E27FC236}">
+                <a16:creationId xmlns:a16="http://schemas.microsoft.com/office/drawing/2014/main" id="{FD71A01B-F63A-CF9C-A78A-3B5F140F9938}"/>
+              </a:ext>
+            </a:extLst>
+          </p:cNvPr>
+          <p:cNvSpPr/>
+          <p:nvPr>
+            <p:custDataLst>
+              <p:tags r:id="rId4"/>
+            </p:custDataLst>
+          </p:nvPr>
+        </p:nvSpPr>
+        <p:spPr>
+          <a:xfrm rot="16200000">
+            <a:off x="2578735" y="3392805"/>
+            <a:ext cx="422910" cy="304800"/>
+          </a:xfrm>
+          <a:prstGeom prst="leftArrow">
+            <a:avLst/>
+          </a:prstGeom>
+          <a:solidFill>
+            <a:srgbClr val="244C89"/>
+          </a:solidFill>
+          <a:ln>
+            <a:noFill/>
+          </a:ln>
+          <a:effectLst/>
+        </p:spPr>
+        <p:style>
+          <a:lnRef idx="2">
+            <a:schemeClr val="accent1">
+              <a:shade val="50000"/>
+            </a:schemeClr>
+          </a:lnRef>
+          <a:fillRef idx="1">
+            <a:schemeClr val="accent1"/>
+          </a:fillRef>
+          <a:effectRef idx="0">
+            <a:schemeClr val="accent1"/>
+          </a:effectRef>
+          <a:fontRef idx="minor">
+            <a:schemeClr val="lt1"/>
+          </a:fontRef>
+        </p:style>
+        <p:txBody>
+          <a:bodyPr rtlCol="0" anchor="ctr"/>
+          <a:lstStyle/>
           <a:p>
             <a:pPr algn="ctr"/>
             <a:endParaRPr lang="zh-CN" altLang="en-US">
@@ -5851,14 +5851,20 @@
       </p:sp>
       <p:sp>
         <p:nvSpPr>
-          <p:cNvPr id="9" name="文本框 8"/>
+          <p:cNvPr id="25" name="文本框 24">
+            <a:extLst>
+              <a:ext uri="{FF2B5EF4-FFF2-40B4-BE49-F238E27FC236}">
+                <a16:creationId xmlns:a16="http://schemas.microsoft.com/office/drawing/2014/main" id="{C51984DB-25E2-1DE9-0E61-3C208534EB09}"/>
+              </a:ext>
+            </a:extLst>
+          </p:cNvPr>
           <p:cNvSpPr txBox="1"/>
           <p:nvPr/>
         </p:nvSpPr>
         <p:spPr>
           <a:xfrm>
-            <a:off x="9753600" y="4727575"/>
-            <a:ext cx="2117725" cy="645160"/>
+            <a:off x="6865742" y="1059452"/>
+            <a:ext cx="3770166" cy="738664"/>
           </a:xfrm>
           <a:prstGeom prst="rect">
             <a:avLst/>
@@ -5869,32 +5875,83 @@
           <a:bodyPr wrap="square" rtlCol="0">
             <a:spAutoFit/>
           </a:bodyPr>
+          <a:lstStyle/>
           <a:p>
+            <a:pPr algn="l">
+              <a:buClrTx/>
+              <a:buSzTx/>
+              <a:buFontTx/>
+            </a:pPr>
             <a:r>
-              <a:rPr lang="zh-CN" altLang="en-US"/>
-              <a:t>Setting form data</a:t>
+              <a:rPr lang="en-US" altLang="zh-CN" sz="2400" b="1" dirty="0" err="1">
+                <a:solidFill>
+                  <a:srgbClr val="244C89"/>
+                </a:solidFill>
+                <a:ea typeface="微软雅黑" panose="020B0503020204020204" charset="-122"/>
+              </a:rPr>
+              <a:t>useFormHandling</a:t>
             </a:r>
-            <a:endParaRPr lang="zh-CN" altLang="en-US"/>
+            <a:r>
+              <a:rPr lang="en-US" altLang="zh-CN" sz="2400" b="1" dirty="0">
+                <a:solidFill>
+                  <a:srgbClr val="244C89"/>
+                </a:solidFill>
+                <a:ea typeface="微软雅黑" panose="020B0503020204020204" charset="-122"/>
+              </a:rPr>
+              <a:t> Hook</a:t>
+            </a:r>
           </a:p>
           <a:p>
-            <a:r>
-              <a:rPr lang="zh-CN" altLang="en-US"/>
-              <a:t>Open modal box</a:t>
-            </a:r>
-            <a:endParaRPr lang="zh-CN" altLang="en-US"/>
+            <a:endParaRPr lang="zh-CN" altLang="en-US" dirty="0"/>
           </a:p>
         </p:txBody>
       </p:sp>
+      <p:pic>
+        <p:nvPicPr>
+          <p:cNvPr id="27" name="图片 26">
+            <a:extLst>
+              <a:ext uri="{FF2B5EF4-FFF2-40B4-BE49-F238E27FC236}">
+                <a16:creationId xmlns:a16="http://schemas.microsoft.com/office/drawing/2014/main" id="{5C426119-0AA1-6028-19A1-187A0602B335}"/>
+              </a:ext>
+            </a:extLst>
+          </p:cNvPr>
+          <p:cNvPicPr>
+            <a:picLocks noChangeAspect="1"/>
+          </p:cNvPicPr>
+          <p:nvPr/>
+        </p:nvPicPr>
+        <p:blipFill>
+          <a:blip r:embed="rId10"/>
+          <a:stretch>
+            <a:fillRect/>
+          </a:stretch>
+        </p:blipFill>
+        <p:spPr>
+          <a:xfrm>
+            <a:off x="6249347" y="1567814"/>
+            <a:ext cx="4571693" cy="1977390"/>
+          </a:xfrm>
+          <a:prstGeom prst="rect">
+            <a:avLst/>
+          </a:prstGeom>
+        </p:spPr>
+      </p:pic>
       <p:sp>
         <p:nvSpPr>
-          <p:cNvPr id="10" name="文本框 9"/>
+          <p:cNvPr id="34" name="文本框 33">
+            <a:extLst>
+              <a:ext uri="{FF2B5EF4-FFF2-40B4-BE49-F238E27FC236}">
+                <a16:creationId xmlns:a16="http://schemas.microsoft.com/office/drawing/2014/main" id="{60EABD2E-B51E-32AF-2831-A87DD2EF2EE2}"/>
+              </a:ext>
+            </a:extLst>
+          </p:cNvPr>
           <p:cNvSpPr txBox="1"/>
           <p:nvPr/>
         </p:nvSpPr>
         <p:spPr>
           <a:xfrm>
-            <a:off x="9753600" y="3176905"/>
-            <a:ext cx="2037715" cy="368300"/>
+            <a:off x="6793265" y="3903252"/>
+            <a:ext cx="3770166" cy="738664"/>
           </a:xfrm>
           <a:prstGeom prst="rect">
             <a:avLst/>
@@ -5905,15 +5962,157 @@
           <a:bodyPr wrap="square" rtlCol="0">
             <a:spAutoFit/>
           </a:bodyPr>
+          <a:lstStyle/>
           <a:p>
+            <a:pPr algn="l">
+              <a:buClrTx/>
+              <a:buSzTx/>
+              <a:buFontTx/>
+            </a:pPr>
             <a:r>
-              <a:rPr lang="zh-CN" altLang="en-US"/>
-              <a:t>Setting Variables</a:t>
+              <a:rPr lang="en-US" altLang="zh-CN" sz="2400" b="1" dirty="0" err="1">
+                <a:solidFill>
+                  <a:srgbClr val="244C89"/>
+                </a:solidFill>
+                <a:ea typeface="微软雅黑" panose="020B0503020204020204" charset="-122"/>
+              </a:rPr>
+              <a:t>FormModal</a:t>
             </a:r>
-            <a:endParaRPr lang="zh-CN" altLang="en-US"/>
+            <a:r>
+              <a:rPr lang="en-US" altLang="zh-CN" sz="2400" b="1" dirty="0">
+                <a:solidFill>
+                  <a:srgbClr val="244C89"/>
+                </a:solidFill>
+                <a:ea typeface="微软雅黑" panose="020B0503020204020204" charset="-122"/>
+              </a:rPr>
+              <a:t> Component</a:t>
+            </a:r>
+          </a:p>
+          <a:p>
+            <a:endParaRPr lang="zh-CN" altLang="en-US" dirty="0"/>
           </a:p>
         </p:txBody>
       </p:sp>
+      <p:pic>
+        <p:nvPicPr>
+          <p:cNvPr id="37" name="图片 36">
+            <a:extLst>
+              <a:ext uri="{FF2B5EF4-FFF2-40B4-BE49-F238E27FC236}">
+                <a16:creationId xmlns:a16="http://schemas.microsoft.com/office/drawing/2014/main" id="{1EF26B5D-6840-F2D5-50A4-4666CB547CD7}"/>
+              </a:ext>
+            </a:extLst>
+          </p:cNvPr>
+          <p:cNvPicPr>
+            <a:picLocks noChangeAspect="1"/>
+          </p:cNvPicPr>
+          <p:nvPr/>
+        </p:nvPicPr>
+        <p:blipFill>
+          <a:blip r:embed="rId11"/>
+          <a:stretch>
+            <a:fillRect/>
+          </a:stretch>
+        </p:blipFill>
+        <p:spPr>
+          <a:xfrm>
+            <a:off x="1095057" y="4297213"/>
+            <a:ext cx="3770167" cy="1170491"/>
+          </a:xfrm>
+          <a:prstGeom prst="rect">
+            <a:avLst/>
+          </a:prstGeom>
+        </p:spPr>
+      </p:pic>
+      <p:pic>
+        <p:nvPicPr>
+          <p:cNvPr id="39" name="图片 38">
+            <a:extLst>
+              <a:ext uri="{FF2B5EF4-FFF2-40B4-BE49-F238E27FC236}">
+                <a16:creationId xmlns:a16="http://schemas.microsoft.com/office/drawing/2014/main" id="{1799CB68-51E6-BE7F-8215-7307727E37F6}"/>
+              </a:ext>
+            </a:extLst>
+          </p:cNvPr>
+          <p:cNvPicPr>
+            <a:picLocks noChangeAspect="1"/>
+          </p:cNvPicPr>
+          <p:nvPr/>
+        </p:nvPicPr>
+        <p:blipFill>
+          <a:blip r:embed="rId12"/>
+          <a:stretch>
+            <a:fillRect/>
+          </a:stretch>
+        </p:blipFill>
+        <p:spPr>
+          <a:xfrm>
+            <a:off x="288681" y="5632393"/>
+            <a:ext cx="6963770" cy="251045"/>
+          </a:xfrm>
+          <a:prstGeom prst="rect">
+            <a:avLst/>
+          </a:prstGeom>
+        </p:spPr>
+      </p:pic>
+      <p:pic>
+        <p:nvPicPr>
+          <p:cNvPr id="41" name="图片 40">
+            <a:extLst>
+              <a:ext uri="{FF2B5EF4-FFF2-40B4-BE49-F238E27FC236}">
+                <a16:creationId xmlns:a16="http://schemas.microsoft.com/office/drawing/2014/main" id="{D5EA6414-C001-FC80-0A88-D04C458BCC03}"/>
+              </a:ext>
+            </a:extLst>
+          </p:cNvPr>
+          <p:cNvPicPr>
+            <a:picLocks noChangeAspect="1"/>
+          </p:cNvPicPr>
+          <p:nvPr/>
+        </p:nvPicPr>
+        <p:blipFill>
+          <a:blip r:embed="rId13"/>
+          <a:stretch>
+            <a:fillRect/>
+          </a:stretch>
+        </p:blipFill>
+        <p:spPr>
+          <a:xfrm>
+            <a:off x="2090005" y="6042548"/>
+            <a:ext cx="1602764" cy="353430"/>
+          </a:xfrm>
+          <a:prstGeom prst="rect">
+            <a:avLst/>
+          </a:prstGeom>
+        </p:spPr>
+      </p:pic>
+      <p:pic>
+        <p:nvPicPr>
+          <p:cNvPr id="43" name="图片 42">
+            <a:extLst>
+              <a:ext uri="{FF2B5EF4-FFF2-40B4-BE49-F238E27FC236}">
+                <a16:creationId xmlns:a16="http://schemas.microsoft.com/office/drawing/2014/main" id="{6AD68546-1FCA-34AD-DAF9-3C6F5790EA7E}"/>
+              </a:ext>
+            </a:extLst>
+          </p:cNvPr>
+          <p:cNvPicPr>
+            <a:picLocks noChangeAspect="1"/>
+          </p:cNvPicPr>
+          <p:nvPr/>
+        </p:nvPicPr>
+        <p:blipFill>
+          <a:blip r:embed="rId14"/>
+          <a:stretch>
+            <a:fillRect/>
+          </a:stretch>
+        </p:blipFill>
+        <p:spPr>
+          <a:xfrm>
+            <a:off x="5785190" y="4517781"/>
+            <a:ext cx="6145825" cy="883780"/>
+          </a:xfrm>
+          <a:prstGeom prst="rect">
+            <a:avLst/>
+          </a:prstGeom>
+        </p:spPr>
+      </p:pic>
     </p:spTree>
   </p:cSld>
   <p:clrMapOvr>
@@ -5952,7 +6151,7 @@
           </p:nvPr>
         </p:nvPicPr>
         <p:blipFill>
-          <a:blip r:embed="rId2" cstate="print">
+          <a:blip r:embed="rId6" cstate="print">
             <a:extLst>
               <a:ext uri="{28A0092B-C50C-407E-A947-70E740481C1C}">
                 <a14:useLocalDpi xmlns:a14="http://schemas.microsoft.com/office/drawing/2010/main" val="0"/>
@@ -6005,7 +6204,7 @@
                 </a:solidFill>
                 <a:ea typeface="微软雅黑" panose="020B0503020204020204" charset="-122"/>
               </a:rPr>
-              <a:t>Login                  </a:t>
+              <a:t>Login/Signup                  </a:t>
             </a:r>
             <a:endParaRPr lang="en-US" altLang="zh-CN" sz="3200" b="1" dirty="0">
               <a:solidFill>
@@ -6025,12 +6224,12 @@
           </p:cNvPicPr>
           <p:nvPr>
             <p:custDataLst>
-              <p:tags r:id="rId3"/>
+              <p:tags r:id="rId2"/>
             </p:custDataLst>
           </p:nvPr>
         </p:nvPicPr>
         <p:blipFill>
-          <a:blip r:embed="rId4"/>
+          <a:blip r:embed="rId7"/>
           <a:stretch>
             <a:fillRect/>
           </a:stretch>
@@ -6065,6 +6264,7 @@
           <a:bodyPr wrap="square" rtlCol="0">
             <a:spAutoFit/>
           </a:bodyPr>
+          <a:lstStyle/>
           <a:p>
             <a:r>
               <a:rPr lang="en-US" altLang="zh-CN" sz="2400" b="1" dirty="0">
@@ -6074,22 +6274,88 @@
                 <a:ea typeface="微软雅黑" panose="020B0503020204020204" charset="-122"/>
                 <a:sym typeface="+mn-ea"/>
               </a:rPr>
-              <a:t>Main Components</a:t>
+              <a:t>Login page</a:t>
             </a:r>
-            <a:endParaRPr lang="zh-CN" altLang="en-US" sz="2400"/>
+            <a:endParaRPr lang="zh-CN" altLang="en-US" sz="2400" dirty="0"/>
           </a:p>
         </p:txBody>
       </p:sp>
+      <p:pic>
+        <p:nvPicPr>
+          <p:cNvPr id="8" name="图片 7">
+            <a:extLst>
+              <a:ext uri="{FF2B5EF4-FFF2-40B4-BE49-F238E27FC236}">
+                <a16:creationId xmlns:a16="http://schemas.microsoft.com/office/drawing/2014/main" id="{8D671531-F151-0195-4670-E68F4BB1B961}"/>
+              </a:ext>
+            </a:extLst>
+          </p:cNvPr>
+          <p:cNvPicPr>
+            <a:picLocks noChangeAspect="1"/>
+          </p:cNvPicPr>
+          <p:nvPr/>
+        </p:nvPicPr>
+        <p:blipFill>
+          <a:blip r:embed="rId8"/>
+          <a:stretch>
+            <a:fillRect/>
+          </a:stretch>
+        </p:blipFill>
+        <p:spPr>
+          <a:xfrm>
+            <a:off x="1095057" y="2902682"/>
+            <a:ext cx="2266950" cy="1323975"/>
+          </a:xfrm>
+          <a:prstGeom prst="rect">
+            <a:avLst/>
+          </a:prstGeom>
+        </p:spPr>
+      </p:pic>
+      <p:pic>
+        <p:nvPicPr>
+          <p:cNvPr id="10" name="图片 9">
+            <a:extLst>
+              <a:ext uri="{FF2B5EF4-FFF2-40B4-BE49-F238E27FC236}">
+                <a16:creationId xmlns:a16="http://schemas.microsoft.com/office/drawing/2014/main" id="{8224FCB8-869D-15B4-574E-8E039034D7E6}"/>
+              </a:ext>
+            </a:extLst>
+          </p:cNvPr>
+          <p:cNvPicPr>
+            <a:picLocks noChangeAspect="1"/>
+          </p:cNvPicPr>
+          <p:nvPr/>
+        </p:nvPicPr>
+        <p:blipFill>
+          <a:blip r:embed="rId9"/>
+          <a:stretch>
+            <a:fillRect/>
+          </a:stretch>
+        </p:blipFill>
+        <p:spPr>
+          <a:xfrm>
+            <a:off x="4569741" y="2491153"/>
+            <a:ext cx="6662751" cy="2837180"/>
+          </a:xfrm>
+          <a:prstGeom prst="rect">
+            <a:avLst/>
+          </a:prstGeom>
+        </p:spPr>
+      </p:pic>
       <p:sp>
         <p:nvSpPr>
-          <p:cNvPr id="7" name="文本框 6"/>
+          <p:cNvPr id="17" name="文本框 16">
+            <a:extLst>
+              <a:ext uri="{FF2B5EF4-FFF2-40B4-BE49-F238E27FC236}">
+                <a16:creationId xmlns:a16="http://schemas.microsoft.com/office/drawing/2014/main" id="{12182A7D-D1A5-C5ED-7F22-5D2094D8FE11}"/>
+              </a:ext>
+            </a:extLst>
+          </p:cNvPr>
           <p:cNvSpPr txBox="1"/>
           <p:nvPr/>
         </p:nvSpPr>
         <p:spPr>
           <a:xfrm>
-            <a:off x="5267960" y="878205"/>
-            <a:ext cx="4782820" cy="737235"/>
+            <a:off x="6320302" y="1860088"/>
+            <a:ext cx="3527082" cy="461665"/>
           </a:xfrm>
           <a:prstGeom prst="rect">
             <a:avLst/>
@@ -6100,105 +6366,93 @@
           <a:bodyPr wrap="square" rtlCol="0">
             <a:spAutoFit/>
           </a:bodyPr>
+          <a:lstStyle/>
           <a:p>
-            <a:pPr algn="l">
-              <a:buClrTx/>
-              <a:buSzTx/>
-              <a:buFontTx/>
-            </a:pPr>
+            <a:r>
+              <a:rPr lang="en-US" altLang="zh-CN" sz="2400" b="1" dirty="0" err="1">
+                <a:solidFill>
+                  <a:srgbClr val="244C89"/>
+                </a:solidFill>
+                <a:ea typeface="微软雅黑" panose="020B0503020204020204" charset="-122"/>
+                <a:sym typeface="+mn-ea"/>
+              </a:rPr>
+              <a:t>LoginForm</a:t>
+            </a:r>
             <a:r>
               <a:rPr lang="en-US" altLang="zh-CN" sz="2400" b="1" dirty="0">
                 <a:solidFill>
                   <a:srgbClr val="244C89"/>
                 </a:solidFill>
                 <a:ea typeface="微软雅黑" panose="020B0503020204020204" charset="-122"/>
+                <a:sym typeface="+mn-ea"/>
               </a:rPr>
-              <a:t>External CSS libraries</a:t>
+              <a:t> Component</a:t>
             </a:r>
-            <a:endParaRPr lang="en-US" altLang="zh-CN" sz="2400" b="1" dirty="0">
+            <a:endParaRPr lang="zh-CN" altLang="en-US" sz="2400" dirty="0"/>
+          </a:p>
+        </p:txBody>
+      </p:sp>
+      <p:sp>
+        <p:nvSpPr>
+          <p:cNvPr id="19" name="箭头: 左 22">
+            <a:extLst>
+              <a:ext uri="{FF2B5EF4-FFF2-40B4-BE49-F238E27FC236}">
+                <a16:creationId xmlns:a16="http://schemas.microsoft.com/office/drawing/2014/main" id="{5EC558C8-E001-74E0-537F-D4FDDC083422}"/>
+              </a:ext>
+            </a:extLst>
+          </p:cNvPr>
+          <p:cNvSpPr/>
+          <p:nvPr>
+            <p:custDataLst>
+              <p:tags r:id="rId3"/>
+            </p:custDataLst>
+          </p:nvPr>
+        </p:nvSpPr>
+        <p:spPr>
+          <a:xfrm rot="10800000">
+            <a:off x="3740343" y="3520940"/>
+            <a:ext cx="642620" cy="331470"/>
+          </a:xfrm>
+          <a:prstGeom prst="leftArrow">
+            <a:avLst/>
+          </a:prstGeom>
+          <a:solidFill>
+            <a:srgbClr val="244C89"/>
+          </a:solidFill>
+          <a:ln>
+            <a:noFill/>
+          </a:ln>
+          <a:effectLst/>
+        </p:spPr>
+        <p:style>
+          <a:lnRef idx="2">
+            <a:schemeClr val="accent1">
+              <a:shade val="50000"/>
+            </a:schemeClr>
+          </a:lnRef>
+          <a:fillRef idx="1">
+            <a:schemeClr val="accent1"/>
+          </a:fillRef>
+          <a:effectRef idx="0">
+            <a:schemeClr val="accent1"/>
+          </a:effectRef>
+          <a:fontRef idx="minor">
+            <a:schemeClr val="lt1"/>
+          </a:fontRef>
+        </p:style>
+        <p:txBody>
+          <a:bodyPr rtlCol="0" anchor="ctr"/>
+          <a:lstStyle/>
+          <a:p>
+            <a:pPr algn="ctr"/>
+            <a:endParaRPr lang="zh-CN" altLang="en-US" dirty="0">
               <a:solidFill>
                 <a:srgbClr val="244C89"/>
               </a:solidFill>
-              <a:ea typeface="微软雅黑" panose="020B0503020204020204" charset="-122"/>
             </a:endParaRPr>
-          </a:p>
-          <a:p>
-            <a:endParaRPr lang="zh-CN" altLang="en-US"/>
           </a:p>
         </p:txBody>
       </p:sp>
-      <p:pic>
-        <p:nvPicPr>
-          <p:cNvPr id="5" name="图片 4"/>
-          <p:cNvPicPr>
-            <a:picLocks noChangeAspect="1"/>
-          </p:cNvPicPr>
-          <p:nvPr/>
-        </p:nvPicPr>
-        <p:blipFill>
-          <a:blip r:embed="rId5"/>
-          <a:stretch>
-            <a:fillRect/>
-          </a:stretch>
-        </p:blipFill>
-        <p:spPr>
-          <a:xfrm>
-            <a:off x="980440" y="2468245"/>
-            <a:ext cx="2574290" cy="960755"/>
-          </a:xfrm>
-          <a:prstGeom prst="rect">
-            <a:avLst/>
-          </a:prstGeom>
-        </p:spPr>
-      </p:pic>
-      <p:pic>
-        <p:nvPicPr>
-          <p:cNvPr id="11" name="图片 10"/>
-          <p:cNvPicPr>
-            <a:picLocks noChangeAspect="1"/>
-          </p:cNvPicPr>
-          <p:nvPr/>
-        </p:nvPicPr>
-        <p:blipFill>
-          <a:blip r:embed="rId6"/>
-          <a:stretch>
-            <a:fillRect/>
-          </a:stretch>
-        </p:blipFill>
-        <p:spPr>
-          <a:xfrm>
-            <a:off x="5338445" y="1457325"/>
-            <a:ext cx="3067050" cy="1971675"/>
-          </a:xfrm>
-          <a:prstGeom prst="rect">
-            <a:avLst/>
-          </a:prstGeom>
-        </p:spPr>
-      </p:pic>
-      <p:pic>
-        <p:nvPicPr>
-          <p:cNvPr id="13" name="图片 12"/>
-          <p:cNvPicPr>
-            <a:picLocks noChangeAspect="1"/>
-          </p:cNvPicPr>
-          <p:nvPr/>
-        </p:nvPicPr>
-        <p:blipFill>
-          <a:blip r:embed="rId7"/>
-          <a:stretch>
-            <a:fillRect/>
-          </a:stretch>
-        </p:blipFill>
-        <p:spPr>
-          <a:xfrm>
-            <a:off x="3028315" y="3545205"/>
-            <a:ext cx="8230870" cy="2863215"/>
-          </a:xfrm>
-          <a:prstGeom prst="rect">
-            <a:avLst/>
-          </a:prstGeom>
-        </p:spPr>
-      </p:pic>
     </p:spTree>
   </p:cSld>
   <p:clrMapOvr>
@@ -6233,7 +6487,7 @@
           <p:nvPr/>
         </p:nvPicPr>
         <p:blipFill>
-          <a:blip r:embed="rId1" cstate="print">
+          <a:blip r:embed="rId3" cstate="print">
             <a:extLst>
               <a:ext uri="{28A0092B-C50C-407E-A947-70E740481C1C}">
                 <a14:useLocalDpi xmlns:a14="http://schemas.microsoft.com/office/drawing/2010/main" val="0"/>
@@ -6474,14 +6728,6 @@
               </a:rPr>
               <a:t>Operation </a:t>
             </a:r>
-            <a:endParaRPr lang="en-US" altLang="zh-CN" sz="4400" b="1" dirty="0">
-              <a:solidFill>
-                <a:schemeClr val="bg1"/>
-              </a:solidFill>
-              <a:latin typeface="微软雅黑" panose="020B0503020204020204" charset="-122"/>
-              <a:ea typeface="微软雅黑" panose="020B0503020204020204" charset="-122"/>
-              <a:sym typeface="+mn-ea"/>
-            </a:endParaRPr>
           </a:p>
           <a:p>
             <a:r>
@@ -6539,7 +6785,7 @@
           <p:nvPr/>
         </p:nvPicPr>
         <p:blipFill>
-          <a:blip r:embed="rId1" cstate="print">
+          <a:blip r:embed="rId3" cstate="print">
             <a:extLst>
               <a:ext uri="{28A0092B-C50C-407E-A947-70E740481C1C}">
                 <a14:useLocalDpi xmlns:a14="http://schemas.microsoft.com/office/drawing/2010/main" val="0"/>
@@ -6810,6 +7056,7 @@
           <a:bodyPr wrap="square" rtlCol="0">
             <a:spAutoFit/>
           </a:bodyPr>
+          <a:lstStyle/>
           <a:p>
             <a:r>
               <a:rPr lang="en-US" altLang="zh-CN" sz="4800" b="1" dirty="0">
@@ -6859,7 +7106,7 @@
       </p:grpSpPr>
       <p:pic>
         <p:nvPicPr>
-          <p:cNvPr id="18" name="图片 17"/>
+          <p:cNvPr id="49" name="图片 48"/>
           <p:cNvPicPr>
             <a:picLocks noChangeAspect="1"/>
           </p:cNvPicPr>
@@ -6870,7 +7117,7 @@
           </p:nvPr>
         </p:nvPicPr>
         <p:blipFill>
-          <a:blip r:embed="rId2" cstate="print">
+          <a:blip r:embed="rId26" cstate="print">
             <a:extLst>
               <a:ext uri="{28A0092B-C50C-407E-A947-70E740481C1C}">
                 <a14:useLocalDpi xmlns:a14="http://schemas.microsoft.com/office/drawing/2010/main" val="0"/>
@@ -6891,6 +7138,1428 @@
           </a:prstGeom>
         </p:spPr>
       </p:pic>
+      <p:sp>
+        <p:nvSpPr>
+          <p:cNvPr id="2" name="标题 1"/>
+          <p:cNvSpPr>
+            <a:spLocks noGrp="1"/>
+          </p:cNvSpPr>
+          <p:nvPr>
+            <p:ph type="title"/>
+          </p:nvPr>
+        </p:nvSpPr>
+        <p:spPr/>
+        <p:txBody>
+          <a:bodyPr/>
+          <a:lstStyle/>
+          <a:p>
+            <a:pPr algn="l">
+              <a:lnSpc>
+                <a:spcPct val="120000"/>
+              </a:lnSpc>
+              <a:buClrTx/>
+              <a:buSzTx/>
+              <a:buFontTx/>
+            </a:pPr>
+            <a:r>
+              <a:rPr lang="en-US" altLang="zh-CN" sz="2400" b="1" dirty="0">
+                <a:solidFill>
+                  <a:srgbClr val="244C89"/>
+                </a:solidFill>
+                <a:ea typeface="微软雅黑" panose="020B0503020204020204" charset="-122"/>
+                <a:sym typeface="+mn-ea"/>
+              </a:rPr>
+              <a:t>         </a:t>
+            </a:r>
+            <a:endParaRPr lang="en-US" altLang="zh-CN" sz="2400" b="1" dirty="0">
+              <a:solidFill>
+                <a:srgbClr val="244C89"/>
+              </a:solidFill>
+              <a:ea typeface="微软雅黑" panose="020B0503020204020204" charset="-122"/>
+            </a:endParaRPr>
+          </a:p>
+        </p:txBody>
+      </p:sp>
+      <p:sp>
+        <p:nvSpPr>
+          <p:cNvPr id="4" name="文本框 3"/>
+          <p:cNvSpPr txBox="1"/>
+          <p:nvPr/>
+        </p:nvSpPr>
+        <p:spPr>
+          <a:xfrm>
+            <a:off x="3048000" y="3013710"/>
+            <a:ext cx="6096000" cy="829945"/>
+          </a:xfrm>
+          <a:prstGeom prst="rect">
+            <a:avLst/>
+          </a:prstGeom>
+          <a:noFill/>
+        </p:spPr>
+        <p:txBody>
+          <a:bodyPr wrap="square" rtlCol="0" anchor="t">
+            <a:spAutoFit/>
+          </a:bodyPr>
+          <a:lstStyle/>
+          <a:p>
+            <a:r>
+              <a:rPr lang="en-US" altLang="zh-CN" sz="4800" b="1" dirty="0">
+                <a:solidFill>
+                  <a:schemeClr val="bg1"/>
+                </a:solidFill>
+                <a:latin typeface="微软雅黑" panose="020B0503020204020204" charset="-122"/>
+                <a:ea typeface="微软雅黑" panose="020B0503020204020204" charset="-122"/>
+                <a:sym typeface="+mn-ea"/>
+              </a:rPr>
+              <a:t>Contributions</a:t>
+            </a:r>
+          </a:p>
+        </p:txBody>
+      </p:sp>
+      <p:sp>
+        <p:nvSpPr>
+          <p:cNvPr id="22" name="Freeform 6"/>
+          <p:cNvSpPr/>
+          <p:nvPr>
+            <p:custDataLst>
+              <p:tags r:id="rId2"/>
+            </p:custDataLst>
+          </p:nvPr>
+        </p:nvSpPr>
+        <p:spPr bwMode="auto">
+          <a:xfrm>
+            <a:off x="1349375" y="2872740"/>
+            <a:ext cx="1640840" cy="1419860"/>
+          </a:xfrm>
+          <a:custGeom>
+            <a:avLst/>
+            <a:gdLst>
+              <a:gd name="T0" fmla="*/ 2143 w 2858"/>
+              <a:gd name="T1" fmla="*/ 0 h 2475"/>
+              <a:gd name="T2" fmla="*/ 2501 w 2858"/>
+              <a:gd name="T3" fmla="*/ 619 h 2475"/>
+              <a:gd name="T4" fmla="*/ 2858 w 2858"/>
+              <a:gd name="T5" fmla="*/ 1238 h 2475"/>
+              <a:gd name="T6" fmla="*/ 2501 w 2858"/>
+              <a:gd name="T7" fmla="*/ 1856 h 2475"/>
+              <a:gd name="T8" fmla="*/ 2143 w 2858"/>
+              <a:gd name="T9" fmla="*/ 2475 h 2475"/>
+              <a:gd name="T10" fmla="*/ 1429 w 2858"/>
+              <a:gd name="T11" fmla="*/ 2475 h 2475"/>
+              <a:gd name="T12" fmla="*/ 714 w 2858"/>
+              <a:gd name="T13" fmla="*/ 2475 h 2475"/>
+              <a:gd name="T14" fmla="*/ 357 w 2858"/>
+              <a:gd name="T15" fmla="*/ 1856 h 2475"/>
+              <a:gd name="T16" fmla="*/ 0 w 2858"/>
+              <a:gd name="T17" fmla="*/ 1238 h 2475"/>
+              <a:gd name="T18" fmla="*/ 357 w 2858"/>
+              <a:gd name="T19" fmla="*/ 619 h 2475"/>
+              <a:gd name="T20" fmla="*/ 714 w 2858"/>
+              <a:gd name="T21" fmla="*/ 0 h 2475"/>
+              <a:gd name="T22" fmla="*/ 1429 w 2858"/>
+              <a:gd name="T23" fmla="*/ 0 h 2475"/>
+              <a:gd name="T24" fmla="*/ 2143 w 2858"/>
+              <a:gd name="T25" fmla="*/ 0 h 2475"/>
+            </a:gdLst>
+            <a:ahLst/>
+            <a:cxnLst>
+              <a:cxn ang="0">
+                <a:pos x="T0" y="T1"/>
+              </a:cxn>
+              <a:cxn ang="0">
+                <a:pos x="T2" y="T3"/>
+              </a:cxn>
+              <a:cxn ang="0">
+                <a:pos x="T4" y="T5"/>
+              </a:cxn>
+              <a:cxn ang="0">
+                <a:pos x="T6" y="T7"/>
+              </a:cxn>
+              <a:cxn ang="0">
+                <a:pos x="T8" y="T9"/>
+              </a:cxn>
+              <a:cxn ang="0">
+                <a:pos x="T10" y="T11"/>
+              </a:cxn>
+              <a:cxn ang="0">
+                <a:pos x="T12" y="T13"/>
+              </a:cxn>
+              <a:cxn ang="0">
+                <a:pos x="T14" y="T15"/>
+              </a:cxn>
+              <a:cxn ang="0">
+                <a:pos x="T16" y="T17"/>
+              </a:cxn>
+              <a:cxn ang="0">
+                <a:pos x="T18" y="T19"/>
+              </a:cxn>
+              <a:cxn ang="0">
+                <a:pos x="T20" y="T21"/>
+              </a:cxn>
+              <a:cxn ang="0">
+                <a:pos x="T22" y="T23"/>
+              </a:cxn>
+              <a:cxn ang="0">
+                <a:pos x="T24" y="T25"/>
+              </a:cxn>
+            </a:cxnLst>
+            <a:rect l="0" t="0" r="r" b="b"/>
+            <a:pathLst>
+              <a:path w="2858" h="2475">
+                <a:moveTo>
+                  <a:pt x="2143" y="0"/>
+                </a:moveTo>
+                <a:lnTo>
+                  <a:pt x="2501" y="619"/>
+                </a:lnTo>
+                <a:lnTo>
+                  <a:pt x="2858" y="1238"/>
+                </a:lnTo>
+                <a:lnTo>
+                  <a:pt x="2501" y="1856"/>
+                </a:lnTo>
+                <a:lnTo>
+                  <a:pt x="2143" y="2475"/>
+                </a:lnTo>
+                <a:lnTo>
+                  <a:pt x="1429" y="2475"/>
+                </a:lnTo>
+                <a:lnTo>
+                  <a:pt x="714" y="2475"/>
+                </a:lnTo>
+                <a:lnTo>
+                  <a:pt x="357" y="1856"/>
+                </a:lnTo>
+                <a:lnTo>
+                  <a:pt x="0" y="1238"/>
+                </a:lnTo>
+                <a:lnTo>
+                  <a:pt x="357" y="619"/>
+                </a:lnTo>
+                <a:lnTo>
+                  <a:pt x="714" y="0"/>
+                </a:lnTo>
+                <a:lnTo>
+                  <a:pt x="1429" y="0"/>
+                </a:lnTo>
+                <a:lnTo>
+                  <a:pt x="2143" y="0"/>
+                </a:lnTo>
+                <a:close/>
+              </a:path>
+            </a:pathLst>
+          </a:custGeom>
+          <a:solidFill>
+            <a:srgbClr val="244C89"/>
+          </a:solidFill>
+          <a:ln w="38100" cap="flat">
+            <a:solidFill>
+              <a:schemeClr val="bg2"/>
+            </a:solidFill>
+            <a:prstDash val="solid"/>
+            <a:miter lim="800000"/>
+          </a:ln>
+          <a:effectLst>
+            <a:outerShdw blurRad="63500" sx="102000" sy="102000" algn="ctr" rotWithShape="0">
+              <a:prstClr val="black">
+                <a:alpha val="40000"/>
+              </a:prstClr>
+            </a:outerShdw>
+          </a:effectLst>
+        </p:spPr>
+        <p:txBody>
+          <a:bodyPr vert="horz" wrap="square" lIns="91440" tIns="45720" rIns="91440" bIns="45720" numCol="1" anchor="t" anchorCtr="0" compatLnSpc="1"/>
+          <a:lstStyle/>
+          <a:p>
+            <a:pPr>
+              <a:lnSpc>
+                <a:spcPct val="120000"/>
+              </a:lnSpc>
+            </a:pPr>
+            <a:endParaRPr lang="zh-CN" altLang="en-US" sz="2400">
+              <a:solidFill>
+                <a:srgbClr val="213555"/>
+              </a:solidFill>
+            </a:endParaRPr>
+          </a:p>
+        </p:txBody>
+      </p:sp>
+      <p:sp>
+        <p:nvSpPr>
+          <p:cNvPr id="25" name="Line 13"/>
+          <p:cNvSpPr>
+            <a:spLocks noChangeShapeType="1"/>
+          </p:cNvSpPr>
+          <p:nvPr>
+            <p:custDataLst>
+              <p:tags r:id="rId3"/>
+            </p:custDataLst>
+          </p:nvPr>
+        </p:nvSpPr>
+        <p:spPr bwMode="auto">
+          <a:xfrm>
+            <a:off x="2989580" y="3630295"/>
+            <a:ext cx="853440" cy="2280920"/>
+          </a:xfrm>
+          <a:prstGeom prst="line">
+            <a:avLst/>
+          </a:prstGeom>
+          <a:noFill/>
+          <a:ln w="9" cap="flat">
+            <a:solidFill>
+              <a:srgbClr val="2E2C2C"/>
+            </a:solidFill>
+            <a:prstDash val="solid"/>
+            <a:miter lim="800000"/>
+            <a:headEnd type="none" w="med" len="med"/>
+            <a:tailEnd type="triangle" w="med" len="med"/>
+          </a:ln>
+          <a:extLst>
+            <a:ext uri="{909E8E84-426E-40DD-AFC4-6F175D3DCCD1}">
+              <a14:hiddenFill xmlns:a14="http://schemas.microsoft.com/office/drawing/2010/main">
+                <a:noFill/>
+              </a14:hiddenFill>
+            </a:ext>
+          </a:extLst>
+        </p:spPr>
+        <p:txBody>
+          <a:bodyPr vert="horz" wrap="square" lIns="91440" tIns="45720" rIns="91440" bIns="45720" numCol="1" anchor="t" anchorCtr="0" compatLnSpc="1"/>
+          <a:lstStyle/>
+          <a:p>
+            <a:pPr>
+              <a:lnSpc>
+                <a:spcPct val="120000"/>
+              </a:lnSpc>
+            </a:pPr>
+            <a:endParaRPr lang="zh-CN" altLang="en-US" sz="2400">
+              <a:solidFill>
+                <a:srgbClr val="213555"/>
+              </a:solidFill>
+            </a:endParaRPr>
+          </a:p>
+        </p:txBody>
+      </p:sp>
+      <p:grpSp>
+        <p:nvGrpSpPr>
+          <p:cNvPr id="28" name="组合 27"/>
+          <p:cNvGrpSpPr/>
+          <p:nvPr/>
+        </p:nvGrpSpPr>
+        <p:grpSpPr>
+          <a:xfrm>
+            <a:off x="3945890" y="498475"/>
+            <a:ext cx="5794375" cy="1339850"/>
+            <a:chOff x="3751263" y="995645"/>
+            <a:chExt cx="7294239" cy="1686820"/>
+          </a:xfrm>
+        </p:grpSpPr>
+        <p:sp>
+          <p:nvSpPr>
+            <p:cNvPr id="44" name="Rectangle 9"/>
+            <p:cNvSpPr>
+              <a:spLocks noChangeArrowheads="1"/>
+            </p:cNvSpPr>
+            <p:nvPr>
+              <p:custDataLst>
+                <p:tags r:id="rId20"/>
+              </p:custDataLst>
+            </p:nvPr>
+          </p:nvSpPr>
+          <p:spPr bwMode="auto">
+            <a:xfrm>
+              <a:off x="3751263" y="1333579"/>
+              <a:ext cx="7119177" cy="1348886"/>
+            </a:xfrm>
+            <a:prstGeom prst="rect">
+              <a:avLst/>
+            </a:prstGeom>
+            <a:solidFill>
+              <a:srgbClr val="FFFFFF"/>
+            </a:solidFill>
+            <a:ln w="9" cap="flat">
+              <a:solidFill>
+                <a:schemeClr val="bg2">
+                  <a:lumMod val="75000"/>
+                </a:schemeClr>
+              </a:solidFill>
+              <a:prstDash val="solid"/>
+              <a:miter lim="800000"/>
+            </a:ln>
+          </p:spPr>
+          <p:txBody>
+            <a:bodyPr vert="horz" wrap="square" lIns="91440" tIns="45720" rIns="91440" bIns="45720" numCol="1" anchor="t" anchorCtr="0" compatLnSpc="1"/>
+            <a:lstStyle/>
+            <a:p>
+              <a:pPr>
+                <a:lnSpc>
+                  <a:spcPct val="120000"/>
+                </a:lnSpc>
+              </a:pPr>
+              <a:endParaRPr lang="zh-CN" altLang="en-US" sz="1600">
+                <a:solidFill>
+                  <a:srgbClr val="213555"/>
+                </a:solidFill>
+              </a:endParaRPr>
+            </a:p>
+          </p:txBody>
+        </p:sp>
+        <p:sp>
+          <p:nvSpPr>
+            <p:cNvPr id="45" name="Rectangle 10"/>
+            <p:cNvSpPr>
+              <a:spLocks noChangeArrowheads="1"/>
+            </p:cNvSpPr>
+            <p:nvPr>
+              <p:custDataLst>
+                <p:tags r:id="rId21"/>
+              </p:custDataLst>
+            </p:nvPr>
+          </p:nvSpPr>
+          <p:spPr bwMode="auto">
+            <a:xfrm>
+              <a:off x="5540009" y="995645"/>
+              <a:ext cx="3581400" cy="582090"/>
+            </a:xfrm>
+            <a:prstGeom prst="rect">
+              <a:avLst/>
+            </a:prstGeom>
+            <a:solidFill>
+              <a:srgbClr val="244C89"/>
+            </a:solidFill>
+            <a:ln w="19050" cap="flat">
+              <a:solidFill>
+                <a:schemeClr val="bg2"/>
+              </a:solidFill>
+              <a:prstDash val="solid"/>
+              <a:miter lim="800000"/>
+            </a:ln>
+            <a:effectLst>
+              <a:outerShdw blurRad="63500" sx="102000" sy="102000" algn="ctr" rotWithShape="0">
+                <a:prstClr val="black">
+                  <a:alpha val="40000"/>
+                </a:prstClr>
+              </a:outerShdw>
+            </a:effectLst>
+          </p:spPr>
+          <p:txBody>
+            <a:bodyPr vert="horz" wrap="square" lIns="91440" tIns="45720" rIns="91440" bIns="45720" numCol="1" anchor="t" anchorCtr="0" compatLnSpc="1"/>
+            <a:lstStyle/>
+            <a:p>
+              <a:pPr>
+                <a:lnSpc>
+                  <a:spcPct val="120000"/>
+                </a:lnSpc>
+              </a:pPr>
+              <a:endParaRPr lang="zh-CN" altLang="en-US" sz="1600">
+                <a:solidFill>
+                  <a:srgbClr val="213555"/>
+                </a:solidFill>
+              </a:endParaRPr>
+            </a:p>
+          </p:txBody>
+        </p:sp>
+        <p:sp>
+          <p:nvSpPr>
+            <p:cNvPr id="46" name="TextBox 16"/>
+            <p:cNvSpPr txBox="1"/>
+            <p:nvPr>
+              <p:custDataLst>
+                <p:tags r:id="rId22"/>
+              </p:custDataLst>
+            </p:nvPr>
+          </p:nvSpPr>
+          <p:spPr>
+            <a:xfrm>
+              <a:off x="5776685" y="995645"/>
+              <a:ext cx="3108046" cy="579595"/>
+            </a:xfrm>
+            <a:prstGeom prst="rect">
+              <a:avLst/>
+            </a:prstGeom>
+            <a:noFill/>
+          </p:spPr>
+          <p:txBody>
+            <a:bodyPr wrap="square" rtlCol="0">
+              <a:spAutoFit/>
+            </a:bodyPr>
+            <a:lstStyle/>
+            <a:p>
+              <a:pPr algn="ctr">
+                <a:lnSpc>
+                  <a:spcPct val="120000"/>
+                </a:lnSpc>
+              </a:pPr>
+              <a:r>
+                <a:rPr lang="en-US" altLang="zh-CN" sz="2000" b="1" dirty="0">
+                  <a:solidFill>
+                    <a:schemeClr val="bg1"/>
+                  </a:solidFill>
+                  <a:latin typeface="+mj-ea"/>
+                  <a:ea typeface="+mj-ea"/>
+                </a:rPr>
+                <a:t>Skills</a:t>
+              </a:r>
+            </a:p>
+          </p:txBody>
+        </p:sp>
+        <p:sp>
+          <p:nvSpPr>
+            <p:cNvPr id="47" name="TextBox 17"/>
+            <p:cNvSpPr txBox="1"/>
+            <p:nvPr>
+              <p:custDataLst>
+                <p:tags r:id="rId23"/>
+              </p:custDataLst>
+            </p:nvPr>
+          </p:nvSpPr>
+          <p:spPr>
+            <a:xfrm>
+              <a:off x="3751263" y="1764707"/>
+              <a:ext cx="7294239" cy="439692"/>
+            </a:xfrm>
+            <a:prstGeom prst="rect">
+              <a:avLst/>
+            </a:prstGeom>
+            <a:noFill/>
+          </p:spPr>
+          <p:txBody>
+            <a:bodyPr wrap="square" rtlCol="0">
+              <a:spAutoFit/>
+            </a:bodyPr>
+            <a:lstStyle/>
+            <a:p>
+              <a:pPr>
+                <a:lnSpc>
+                  <a:spcPct val="120000"/>
+                </a:lnSpc>
+              </a:pPr>
+              <a:r>
+                <a:rPr lang="en-US" altLang="zh-CN" sz="1400" dirty="0">
+                  <a:solidFill>
+                    <a:schemeClr val="tx1">
+                      <a:lumMod val="65000"/>
+                      <a:lumOff val="35000"/>
+                    </a:schemeClr>
+                  </a:solidFill>
+                  <a:latin typeface="微软雅黑" panose="020B0503020204020204" charset="-122"/>
+                  <a:ea typeface="微软雅黑" panose="020B0503020204020204" charset="-122"/>
+                </a:rPr>
+                <a:t>Mastered the front-end skills——HTML5,CSS3,Javascript</a:t>
+              </a:r>
+              <a:endParaRPr lang="en-US" altLang="zh-CN" sz="1600" dirty="0">
+                <a:solidFill>
+                  <a:schemeClr val="tx1">
+                    <a:lumMod val="65000"/>
+                    <a:lumOff val="35000"/>
+                  </a:schemeClr>
+                </a:solidFill>
+                <a:latin typeface="微软雅黑" panose="020B0503020204020204" charset="-122"/>
+                <a:ea typeface="微软雅黑" panose="020B0503020204020204" charset="-122"/>
+              </a:endParaRPr>
+            </a:p>
+          </p:txBody>
+        </p:sp>
+      </p:grpSp>
+      <p:grpSp>
+        <p:nvGrpSpPr>
+          <p:cNvPr id="9" name="组合 8"/>
+          <p:cNvGrpSpPr/>
+          <p:nvPr/>
+        </p:nvGrpSpPr>
+        <p:grpSpPr>
+          <a:xfrm>
+            <a:off x="3945890" y="2004695"/>
+            <a:ext cx="5655310" cy="1339850"/>
+            <a:chOff x="3751263" y="2741895"/>
+            <a:chExt cx="7119177" cy="1686748"/>
+          </a:xfrm>
+        </p:grpSpPr>
+        <p:sp>
+          <p:nvSpPr>
+            <p:cNvPr id="10" name="Rectangle 11"/>
+            <p:cNvSpPr>
+              <a:spLocks noChangeArrowheads="1"/>
+            </p:cNvSpPr>
+            <p:nvPr>
+              <p:custDataLst>
+                <p:tags r:id="rId16"/>
+              </p:custDataLst>
+            </p:nvPr>
+          </p:nvSpPr>
+          <p:spPr bwMode="auto">
+            <a:xfrm>
+              <a:off x="3751263" y="3081414"/>
+              <a:ext cx="7119177" cy="1347229"/>
+            </a:xfrm>
+            <a:prstGeom prst="rect">
+              <a:avLst/>
+            </a:prstGeom>
+            <a:solidFill>
+              <a:srgbClr val="FFFFFF"/>
+            </a:solidFill>
+            <a:ln w="9" cap="flat">
+              <a:solidFill>
+                <a:schemeClr val="bg2">
+                  <a:lumMod val="75000"/>
+                </a:schemeClr>
+              </a:solidFill>
+              <a:prstDash val="solid"/>
+              <a:miter lim="800000"/>
+            </a:ln>
+          </p:spPr>
+          <p:txBody>
+            <a:bodyPr vert="horz" wrap="square" lIns="91440" tIns="45720" rIns="91440" bIns="45720" numCol="1" anchor="t" anchorCtr="0" compatLnSpc="1"/>
+            <a:lstStyle/>
+            <a:p>
+              <a:pPr>
+                <a:lnSpc>
+                  <a:spcPct val="120000"/>
+                </a:lnSpc>
+              </a:pPr>
+              <a:endParaRPr lang="zh-CN" altLang="en-US" sz="1600">
+                <a:solidFill>
+                  <a:srgbClr val="213555"/>
+                </a:solidFill>
+              </a:endParaRPr>
+            </a:p>
+          </p:txBody>
+        </p:sp>
+        <p:sp>
+          <p:nvSpPr>
+            <p:cNvPr id="40" name="Rectangle 12"/>
+            <p:cNvSpPr>
+              <a:spLocks noChangeArrowheads="1"/>
+            </p:cNvSpPr>
+            <p:nvPr>
+              <p:custDataLst>
+                <p:tags r:id="rId17"/>
+              </p:custDataLst>
+            </p:nvPr>
+          </p:nvSpPr>
+          <p:spPr bwMode="auto">
+            <a:xfrm>
+              <a:off x="5540009" y="2741895"/>
+              <a:ext cx="3581400" cy="584278"/>
+            </a:xfrm>
+            <a:prstGeom prst="rect">
+              <a:avLst/>
+            </a:prstGeom>
+            <a:solidFill>
+              <a:srgbClr val="244C89"/>
+            </a:solidFill>
+            <a:ln w="19050" cap="flat">
+              <a:solidFill>
+                <a:schemeClr val="bg2"/>
+              </a:solidFill>
+              <a:prstDash val="solid"/>
+              <a:miter lim="800000"/>
+            </a:ln>
+            <a:effectLst>
+              <a:outerShdw blurRad="63500" sx="102000" sy="102000" algn="ctr" rotWithShape="0">
+                <a:prstClr val="black">
+                  <a:alpha val="40000"/>
+                </a:prstClr>
+              </a:outerShdw>
+            </a:effectLst>
+          </p:spPr>
+          <p:txBody>
+            <a:bodyPr vert="horz" wrap="square" lIns="91440" tIns="45720" rIns="91440" bIns="45720" numCol="1" anchor="t" anchorCtr="0" compatLnSpc="1"/>
+            <a:lstStyle/>
+            <a:p>
+              <a:pPr>
+                <a:lnSpc>
+                  <a:spcPct val="120000"/>
+                </a:lnSpc>
+              </a:pPr>
+              <a:endParaRPr lang="zh-CN" altLang="en-US" sz="1600">
+                <a:solidFill>
+                  <a:srgbClr val="213555"/>
+                </a:solidFill>
+              </a:endParaRPr>
+            </a:p>
+          </p:txBody>
+        </p:sp>
+        <p:sp>
+          <p:nvSpPr>
+            <p:cNvPr id="41" name="TextBox 18"/>
+            <p:cNvSpPr txBox="1"/>
+            <p:nvPr>
+              <p:custDataLst>
+                <p:tags r:id="rId18"/>
+              </p:custDataLst>
+            </p:nvPr>
+          </p:nvSpPr>
+          <p:spPr>
+            <a:xfrm>
+              <a:off x="5776685" y="2750677"/>
+              <a:ext cx="3108046" cy="579570"/>
+            </a:xfrm>
+            <a:prstGeom prst="rect">
+              <a:avLst/>
+            </a:prstGeom>
+            <a:noFill/>
+          </p:spPr>
+          <p:txBody>
+            <a:bodyPr wrap="square" rtlCol="0">
+              <a:spAutoFit/>
+            </a:bodyPr>
+            <a:lstStyle/>
+            <a:p>
+              <a:pPr algn="ctr">
+                <a:lnSpc>
+                  <a:spcPct val="120000"/>
+                </a:lnSpc>
+              </a:pPr>
+              <a:r>
+                <a:rPr lang="en-US" altLang="zh-CN" sz="2000" b="1" dirty="0">
+                  <a:solidFill>
+                    <a:schemeClr val="bg1"/>
+                  </a:solidFill>
+                  <a:latin typeface="+mj-ea"/>
+                  <a:ea typeface="+mj-ea"/>
+                </a:rPr>
+                <a:t>React</a:t>
+              </a:r>
+            </a:p>
+          </p:txBody>
+        </p:sp>
+        <p:sp>
+          <p:nvSpPr>
+            <p:cNvPr id="43" name="TextBox 19"/>
+            <p:cNvSpPr txBox="1"/>
+            <p:nvPr>
+              <p:custDataLst>
+                <p:tags r:id="rId19"/>
+              </p:custDataLst>
+            </p:nvPr>
+          </p:nvSpPr>
+          <p:spPr>
+            <a:xfrm>
+              <a:off x="3938139" y="3509957"/>
+              <a:ext cx="6932301" cy="765032"/>
+            </a:xfrm>
+            <a:prstGeom prst="rect">
+              <a:avLst/>
+            </a:prstGeom>
+            <a:noFill/>
+          </p:spPr>
+          <p:txBody>
+            <a:bodyPr wrap="square" rtlCol="0">
+              <a:spAutoFit/>
+            </a:bodyPr>
+            <a:lstStyle>
+              <a:defPPr>
+                <a:defRPr lang="zh-CN"/>
+              </a:defPPr>
+              <a:lvl1pPr>
+                <a:defRPr>
+                  <a:solidFill>
+                    <a:schemeClr val="accent1"/>
+                  </a:solidFill>
+                  <a:latin typeface="+mn-ea"/>
+                  <a:ea typeface="+mn-ea"/>
+                </a:defRPr>
+              </a:lvl1pPr>
+            </a:lstStyle>
+            <a:p>
+              <a:pPr>
+                <a:lnSpc>
+                  <a:spcPct val="120000"/>
+                </a:lnSpc>
+              </a:pPr>
+              <a:r>
+                <a:rPr lang="en-US" altLang="zh-CN" sz="1400" dirty="0">
+                  <a:solidFill>
+                    <a:schemeClr val="tx1">
+                      <a:lumMod val="65000"/>
+                      <a:lumOff val="35000"/>
+                    </a:schemeClr>
+                  </a:solidFill>
+                  <a:latin typeface="微软雅黑" panose="020B0503020204020204" charset="-122"/>
+                  <a:ea typeface="微软雅黑" panose="020B0503020204020204" charset="-122"/>
+                </a:rPr>
+                <a:t>Learned how to build react-based web pages with components</a:t>
+              </a:r>
+            </a:p>
+          </p:txBody>
+        </p:sp>
+      </p:grpSp>
+      <p:grpSp>
+        <p:nvGrpSpPr>
+          <p:cNvPr id="11" name="组合 10"/>
+          <p:cNvGrpSpPr/>
+          <p:nvPr/>
+        </p:nvGrpSpPr>
+        <p:grpSpPr>
+          <a:xfrm>
+            <a:off x="3945890" y="3512185"/>
+            <a:ext cx="5655310" cy="1339850"/>
+            <a:chOff x="3751263" y="4494495"/>
+            <a:chExt cx="7119177" cy="1686819"/>
+          </a:xfrm>
+        </p:grpSpPr>
+        <p:sp>
+          <p:nvSpPr>
+            <p:cNvPr id="12" name="Rectangle 14"/>
+            <p:cNvSpPr>
+              <a:spLocks noChangeArrowheads="1"/>
+            </p:cNvSpPr>
+            <p:nvPr>
+              <p:custDataLst>
+                <p:tags r:id="rId12"/>
+              </p:custDataLst>
+            </p:nvPr>
+          </p:nvSpPr>
+          <p:spPr bwMode="auto">
+            <a:xfrm>
+              <a:off x="3751263" y="4832429"/>
+              <a:ext cx="7119177" cy="1348885"/>
+            </a:xfrm>
+            <a:prstGeom prst="rect">
+              <a:avLst/>
+            </a:prstGeom>
+            <a:solidFill>
+              <a:srgbClr val="FFFFFF"/>
+            </a:solidFill>
+            <a:ln w="9" cap="flat">
+              <a:solidFill>
+                <a:schemeClr val="bg2">
+                  <a:lumMod val="75000"/>
+                </a:schemeClr>
+              </a:solidFill>
+              <a:prstDash val="solid"/>
+              <a:miter lim="800000"/>
+            </a:ln>
+          </p:spPr>
+          <p:txBody>
+            <a:bodyPr vert="horz" wrap="square" lIns="91440" tIns="45720" rIns="91440" bIns="45720" numCol="1" anchor="t" anchorCtr="0" compatLnSpc="1"/>
+            <a:lstStyle/>
+            <a:p>
+              <a:pPr>
+                <a:lnSpc>
+                  <a:spcPct val="120000"/>
+                </a:lnSpc>
+              </a:pPr>
+              <a:endParaRPr lang="zh-CN" altLang="en-US" sz="1600">
+                <a:solidFill>
+                  <a:srgbClr val="213555"/>
+                </a:solidFill>
+              </a:endParaRPr>
+            </a:p>
+          </p:txBody>
+        </p:sp>
+        <p:sp>
+          <p:nvSpPr>
+            <p:cNvPr id="13" name="Rectangle 15"/>
+            <p:cNvSpPr>
+              <a:spLocks noChangeArrowheads="1"/>
+            </p:cNvSpPr>
+            <p:nvPr>
+              <p:custDataLst>
+                <p:tags r:id="rId13"/>
+              </p:custDataLst>
+            </p:nvPr>
+          </p:nvSpPr>
+          <p:spPr bwMode="auto">
+            <a:xfrm>
+              <a:off x="5540009" y="4494495"/>
+              <a:ext cx="3581400" cy="584278"/>
+            </a:xfrm>
+            <a:prstGeom prst="rect">
+              <a:avLst/>
+            </a:prstGeom>
+            <a:solidFill>
+              <a:srgbClr val="244C89"/>
+            </a:solidFill>
+            <a:ln w="19050" cap="flat">
+              <a:solidFill>
+                <a:schemeClr val="bg2"/>
+              </a:solidFill>
+              <a:prstDash val="solid"/>
+              <a:miter lim="800000"/>
+            </a:ln>
+            <a:effectLst>
+              <a:outerShdw blurRad="63500" sx="102000" sy="102000" algn="ctr" rotWithShape="0">
+                <a:prstClr val="black">
+                  <a:alpha val="40000"/>
+                </a:prstClr>
+              </a:outerShdw>
+            </a:effectLst>
+          </p:spPr>
+          <p:txBody>
+            <a:bodyPr vert="horz" wrap="square" lIns="91440" tIns="45720" rIns="91440" bIns="45720" numCol="1" anchor="t" anchorCtr="0" compatLnSpc="1"/>
+            <a:lstStyle/>
+            <a:p>
+              <a:pPr>
+                <a:lnSpc>
+                  <a:spcPct val="120000"/>
+                </a:lnSpc>
+              </a:pPr>
+              <a:endParaRPr lang="zh-CN" altLang="en-US" sz="1600">
+                <a:solidFill>
+                  <a:srgbClr val="213555"/>
+                </a:solidFill>
+              </a:endParaRPr>
+            </a:p>
+          </p:txBody>
+        </p:sp>
+        <p:sp>
+          <p:nvSpPr>
+            <p:cNvPr id="15" name="TextBox 20"/>
+            <p:cNvSpPr txBox="1"/>
+            <p:nvPr>
+              <p:custDataLst>
+                <p:tags r:id="rId14"/>
+              </p:custDataLst>
+            </p:nvPr>
+          </p:nvSpPr>
+          <p:spPr>
+            <a:xfrm>
+              <a:off x="5776685" y="4497591"/>
+              <a:ext cx="3108046" cy="579594"/>
+            </a:xfrm>
+            <a:prstGeom prst="rect">
+              <a:avLst/>
+            </a:prstGeom>
+            <a:noFill/>
+          </p:spPr>
+          <p:txBody>
+            <a:bodyPr wrap="square" rtlCol="0">
+              <a:spAutoFit/>
+            </a:bodyPr>
+            <a:lstStyle/>
+            <a:p>
+              <a:pPr algn="ctr">
+                <a:lnSpc>
+                  <a:spcPct val="120000"/>
+                </a:lnSpc>
+              </a:pPr>
+              <a:r>
+                <a:rPr lang="en-US" altLang="zh-CN" sz="2000" b="1" dirty="0">
+                  <a:solidFill>
+                    <a:schemeClr val="bg1"/>
+                  </a:solidFill>
+                  <a:latin typeface="微软雅黑" panose="020B0503020204020204" charset="-122"/>
+                  <a:ea typeface="微软雅黑" panose="020B0503020204020204" charset="-122"/>
+                </a:rPr>
+                <a:t>Cooperation</a:t>
+              </a:r>
+              <a:endParaRPr lang="zh-CN" altLang="en-US" sz="2000" b="1" dirty="0">
+                <a:solidFill>
+                  <a:schemeClr val="bg1"/>
+                </a:solidFill>
+                <a:latin typeface="微软雅黑" panose="020B0503020204020204" charset="-122"/>
+                <a:ea typeface="微软雅黑" panose="020B0503020204020204" charset="-122"/>
+              </a:endParaRPr>
+            </a:p>
+          </p:txBody>
+        </p:sp>
+        <p:sp>
+          <p:nvSpPr>
+            <p:cNvPr id="16" name="TextBox 21"/>
+            <p:cNvSpPr txBox="1"/>
+            <p:nvPr>
+              <p:custDataLst>
+                <p:tags r:id="rId15"/>
+              </p:custDataLst>
+            </p:nvPr>
+          </p:nvSpPr>
+          <p:spPr>
+            <a:xfrm>
+              <a:off x="3938139" y="5256871"/>
+              <a:ext cx="6807854" cy="765064"/>
+            </a:xfrm>
+            <a:prstGeom prst="rect">
+              <a:avLst/>
+            </a:prstGeom>
+            <a:noFill/>
+          </p:spPr>
+          <p:txBody>
+            <a:bodyPr wrap="square" rtlCol="0">
+              <a:spAutoFit/>
+            </a:bodyPr>
+            <a:lstStyle>
+              <a:defPPr>
+                <a:defRPr lang="zh-CN"/>
+              </a:defPPr>
+              <a:lvl1pPr>
+                <a:defRPr>
+                  <a:solidFill>
+                    <a:schemeClr val="accent1"/>
+                  </a:solidFill>
+                  <a:latin typeface="+mn-ea"/>
+                  <a:ea typeface="+mn-ea"/>
+                </a:defRPr>
+              </a:lvl1pPr>
+            </a:lstStyle>
+            <a:p>
+              <a:pPr algn="just">
+                <a:lnSpc>
+                  <a:spcPct val="120000"/>
+                </a:lnSpc>
+              </a:pPr>
+              <a:r>
+                <a:rPr lang="en-US" altLang="zh-CN" sz="1400">
+                  <a:solidFill>
+                    <a:schemeClr val="tx1">
+                      <a:lumMod val="65000"/>
+                      <a:lumOff val="35000"/>
+                    </a:schemeClr>
+                  </a:solidFill>
+                  <a:latin typeface="+mj-ea"/>
+                  <a:ea typeface="+mj-ea"/>
+                </a:rPr>
+                <a:t>Completed assignments more efficiently and thoroughly through multiple team works</a:t>
+              </a:r>
+            </a:p>
+          </p:txBody>
+        </p:sp>
+      </p:grpSp>
+      <p:sp>
+        <p:nvSpPr>
+          <p:cNvPr id="17" name="TextBox 22"/>
+          <p:cNvSpPr txBox="1"/>
+          <p:nvPr>
+            <p:custDataLst>
+              <p:tags r:id="rId4"/>
+            </p:custDataLst>
+          </p:nvPr>
+        </p:nvSpPr>
+        <p:spPr>
+          <a:xfrm>
+            <a:off x="1325245" y="3282950"/>
+            <a:ext cx="1722755" cy="534035"/>
+          </a:xfrm>
+          <a:prstGeom prst="rect">
+            <a:avLst/>
+          </a:prstGeom>
+          <a:noFill/>
+        </p:spPr>
+        <p:txBody>
+          <a:bodyPr wrap="square" rtlCol="0">
+            <a:spAutoFit/>
+          </a:bodyPr>
+          <a:lstStyle/>
+          <a:p>
+            <a:pPr algn="ctr">
+              <a:lnSpc>
+                <a:spcPct val="120000"/>
+              </a:lnSpc>
+            </a:pPr>
+            <a:r>
+              <a:rPr lang="en-US" altLang="zh-CN" sz="2400" b="1" dirty="0">
+                <a:solidFill>
+                  <a:schemeClr val="bg1"/>
+                </a:solidFill>
+                <a:latin typeface="+mj-ea"/>
+                <a:ea typeface="+mj-ea"/>
+              </a:rPr>
+              <a:t>Learnings</a:t>
+            </a:r>
+          </a:p>
+        </p:txBody>
+      </p:sp>
+      <p:grpSp>
+        <p:nvGrpSpPr>
+          <p:cNvPr id="19" name="组合 18"/>
+          <p:cNvGrpSpPr/>
+          <p:nvPr/>
+        </p:nvGrpSpPr>
+        <p:grpSpPr>
+          <a:xfrm>
+            <a:off x="3945890" y="5019675"/>
+            <a:ext cx="5655310" cy="1339850"/>
+            <a:chOff x="3751263" y="995645"/>
+            <a:chExt cx="7119177" cy="1686820"/>
+          </a:xfrm>
+        </p:grpSpPr>
+        <p:sp>
+          <p:nvSpPr>
+            <p:cNvPr id="20" name="Rectangle 9"/>
+            <p:cNvSpPr>
+              <a:spLocks noChangeArrowheads="1"/>
+            </p:cNvSpPr>
+            <p:nvPr>
+              <p:custDataLst>
+                <p:tags r:id="rId8"/>
+              </p:custDataLst>
+            </p:nvPr>
+          </p:nvSpPr>
+          <p:spPr bwMode="auto">
+            <a:xfrm>
+              <a:off x="3751263" y="1333579"/>
+              <a:ext cx="7119177" cy="1348886"/>
+            </a:xfrm>
+            <a:prstGeom prst="rect">
+              <a:avLst/>
+            </a:prstGeom>
+            <a:solidFill>
+              <a:srgbClr val="FFFFFF"/>
+            </a:solidFill>
+            <a:ln w="9" cap="flat">
+              <a:solidFill>
+                <a:schemeClr val="bg2">
+                  <a:lumMod val="75000"/>
+                </a:schemeClr>
+              </a:solidFill>
+              <a:prstDash val="solid"/>
+              <a:miter lim="800000"/>
+            </a:ln>
+          </p:spPr>
+          <p:txBody>
+            <a:bodyPr vert="horz" wrap="square" lIns="91440" tIns="45720" rIns="91440" bIns="45720" numCol="1" anchor="t" anchorCtr="0" compatLnSpc="1"/>
+            <a:lstStyle/>
+            <a:p>
+              <a:pPr>
+                <a:lnSpc>
+                  <a:spcPct val="120000"/>
+                </a:lnSpc>
+              </a:pPr>
+              <a:endParaRPr lang="zh-CN" altLang="en-US" sz="1600">
+                <a:solidFill>
+                  <a:srgbClr val="213555"/>
+                </a:solidFill>
+              </a:endParaRPr>
+            </a:p>
+          </p:txBody>
+        </p:sp>
+        <p:sp>
+          <p:nvSpPr>
+            <p:cNvPr id="26" name="Rectangle 10"/>
+            <p:cNvSpPr>
+              <a:spLocks noChangeArrowheads="1"/>
+            </p:cNvSpPr>
+            <p:nvPr>
+              <p:custDataLst>
+                <p:tags r:id="rId9"/>
+              </p:custDataLst>
+            </p:nvPr>
+          </p:nvSpPr>
+          <p:spPr bwMode="auto">
+            <a:xfrm>
+              <a:off x="5540009" y="995645"/>
+              <a:ext cx="3581400" cy="582090"/>
+            </a:xfrm>
+            <a:prstGeom prst="rect">
+              <a:avLst/>
+            </a:prstGeom>
+            <a:solidFill>
+              <a:srgbClr val="244C89"/>
+            </a:solidFill>
+            <a:ln w="19050" cap="flat">
+              <a:solidFill>
+                <a:schemeClr val="bg2"/>
+              </a:solidFill>
+              <a:prstDash val="solid"/>
+              <a:miter lim="800000"/>
+            </a:ln>
+            <a:effectLst>
+              <a:outerShdw blurRad="63500" sx="102000" sy="102000" algn="ctr" rotWithShape="0">
+                <a:prstClr val="black">
+                  <a:alpha val="40000"/>
+                </a:prstClr>
+              </a:outerShdw>
+            </a:effectLst>
+          </p:spPr>
+          <p:txBody>
+            <a:bodyPr vert="horz" wrap="square" lIns="91440" tIns="45720" rIns="91440" bIns="45720" numCol="1" anchor="t" anchorCtr="0" compatLnSpc="1"/>
+            <a:lstStyle/>
+            <a:p>
+              <a:pPr>
+                <a:lnSpc>
+                  <a:spcPct val="120000"/>
+                </a:lnSpc>
+              </a:pPr>
+              <a:endParaRPr lang="zh-CN" altLang="en-US" sz="1600">
+                <a:solidFill>
+                  <a:srgbClr val="213555"/>
+                </a:solidFill>
+              </a:endParaRPr>
+            </a:p>
+          </p:txBody>
+        </p:sp>
+        <p:sp>
+          <p:nvSpPr>
+            <p:cNvPr id="27" name="TextBox 16"/>
+            <p:cNvSpPr txBox="1"/>
+            <p:nvPr>
+              <p:custDataLst>
+                <p:tags r:id="rId10"/>
+              </p:custDataLst>
+            </p:nvPr>
+          </p:nvSpPr>
+          <p:spPr>
+            <a:xfrm>
+              <a:off x="5776685" y="995645"/>
+              <a:ext cx="3108046" cy="579595"/>
+            </a:xfrm>
+            <a:prstGeom prst="rect">
+              <a:avLst/>
+            </a:prstGeom>
+            <a:noFill/>
+          </p:spPr>
+          <p:txBody>
+            <a:bodyPr wrap="square" rtlCol="0">
+              <a:spAutoFit/>
+            </a:bodyPr>
+            <a:lstStyle/>
+            <a:p>
+              <a:pPr algn="ctr">
+                <a:lnSpc>
+                  <a:spcPct val="120000"/>
+                </a:lnSpc>
+              </a:pPr>
+              <a:r>
+                <a:rPr lang="en-US" altLang="zh-CN" sz="2000" b="1" dirty="0">
+                  <a:solidFill>
+                    <a:schemeClr val="bg1"/>
+                  </a:solidFill>
+                  <a:latin typeface="+mj-ea"/>
+                  <a:ea typeface="+mj-ea"/>
+                </a:rPr>
+                <a:t>Tools</a:t>
+              </a:r>
+            </a:p>
+          </p:txBody>
+        </p:sp>
+        <p:sp>
+          <p:nvSpPr>
+            <p:cNvPr id="29" name="TextBox 17"/>
+            <p:cNvSpPr txBox="1"/>
+            <p:nvPr>
+              <p:custDataLst>
+                <p:tags r:id="rId11"/>
+              </p:custDataLst>
+            </p:nvPr>
+          </p:nvSpPr>
+          <p:spPr>
+            <a:xfrm>
+              <a:off x="3938139" y="1776693"/>
+              <a:ext cx="6807854" cy="439692"/>
+            </a:xfrm>
+            <a:prstGeom prst="rect">
+              <a:avLst/>
+            </a:prstGeom>
+            <a:noFill/>
+          </p:spPr>
+          <p:txBody>
+            <a:bodyPr wrap="square" rtlCol="0">
+              <a:spAutoFit/>
+            </a:bodyPr>
+            <a:lstStyle/>
+            <a:p>
+              <a:pPr>
+                <a:lnSpc>
+                  <a:spcPct val="120000"/>
+                </a:lnSpc>
+              </a:pPr>
+              <a:r>
+                <a:rPr lang="en-US" altLang="zh-CN" sz="1400" dirty="0">
+                  <a:solidFill>
+                    <a:schemeClr val="tx1">
+                      <a:lumMod val="65000"/>
+                      <a:lumOff val="35000"/>
+                    </a:schemeClr>
+                  </a:solidFill>
+                  <a:latin typeface="微软雅黑" panose="020B0503020204020204" charset="-122"/>
+                  <a:ea typeface="微软雅黑" panose="020B0503020204020204" charset="-122"/>
+                </a:rPr>
+                <a:t>Used various tools such as kanban, lucid, tailwind, bootstrap</a:t>
+              </a:r>
+            </a:p>
+          </p:txBody>
+        </p:sp>
+      </p:grpSp>
+      <p:sp>
+        <p:nvSpPr>
+          <p:cNvPr id="30" name="Line 13"/>
+          <p:cNvSpPr>
+            <a:spLocks noChangeShapeType="1"/>
+          </p:cNvSpPr>
+          <p:nvPr>
+            <p:custDataLst>
+              <p:tags r:id="rId5"/>
+            </p:custDataLst>
+          </p:nvPr>
+        </p:nvSpPr>
+        <p:spPr bwMode="auto">
+          <a:xfrm flipV="1">
+            <a:off x="2981960" y="1317625"/>
+            <a:ext cx="963930" cy="2312670"/>
+          </a:xfrm>
+          <a:prstGeom prst="line">
+            <a:avLst/>
+          </a:prstGeom>
+          <a:noFill/>
+          <a:ln w="9" cap="flat">
+            <a:solidFill>
+              <a:srgbClr val="2E2C2C"/>
+            </a:solidFill>
+            <a:prstDash val="solid"/>
+            <a:miter lim="800000"/>
+            <a:headEnd type="none" w="med" len="med"/>
+            <a:tailEnd type="triangle" w="med" len="med"/>
+          </a:ln>
+          <a:extLst>
+            <a:ext uri="{909E8E84-426E-40DD-AFC4-6F175D3DCCD1}">
+              <a14:hiddenFill xmlns:a14="http://schemas.microsoft.com/office/drawing/2010/main">
+                <a:noFill/>
+              </a14:hiddenFill>
+            </a:ext>
+          </a:extLst>
+        </p:spPr>
+        <p:txBody>
+          <a:bodyPr vert="horz" wrap="square" lIns="91440" tIns="45720" rIns="91440" bIns="45720" numCol="1" anchor="t" anchorCtr="0" compatLnSpc="1"/>
+          <a:lstStyle/>
+          <a:p>
+            <a:pPr>
+              <a:lnSpc>
+                <a:spcPct val="120000"/>
+              </a:lnSpc>
+            </a:pPr>
+            <a:endParaRPr lang="zh-CN" altLang="en-US" sz="2400">
+              <a:solidFill>
+                <a:srgbClr val="213555"/>
+              </a:solidFill>
+            </a:endParaRPr>
+          </a:p>
+        </p:txBody>
+      </p:sp>
+      <p:sp>
+        <p:nvSpPr>
+          <p:cNvPr id="39" name="Line 13"/>
+          <p:cNvSpPr>
+            <a:spLocks noChangeShapeType="1"/>
+          </p:cNvSpPr>
+          <p:nvPr>
+            <p:custDataLst>
+              <p:tags r:id="rId6"/>
+            </p:custDataLst>
+          </p:nvPr>
+        </p:nvSpPr>
+        <p:spPr bwMode="auto">
+          <a:xfrm flipV="1">
+            <a:off x="2981960" y="2800350"/>
+            <a:ext cx="956310" cy="829945"/>
+          </a:xfrm>
+          <a:prstGeom prst="line">
+            <a:avLst/>
+          </a:prstGeom>
+          <a:noFill/>
+          <a:ln w="9" cap="flat">
+            <a:solidFill>
+              <a:srgbClr val="2E2C2C"/>
+            </a:solidFill>
+            <a:prstDash val="solid"/>
+            <a:miter lim="800000"/>
+            <a:headEnd type="none" w="med" len="med"/>
+            <a:tailEnd type="triangle" w="med" len="med"/>
+          </a:ln>
+          <a:extLst>
+            <a:ext uri="{909E8E84-426E-40DD-AFC4-6F175D3DCCD1}">
+              <a14:hiddenFill xmlns:a14="http://schemas.microsoft.com/office/drawing/2010/main">
+                <a:noFill/>
+              </a14:hiddenFill>
+            </a:ext>
+          </a:extLst>
+        </p:spPr>
+        <p:txBody>
+          <a:bodyPr vert="horz" wrap="square" lIns="91440" tIns="45720" rIns="91440" bIns="45720" numCol="1" anchor="t" anchorCtr="0" compatLnSpc="1"/>
+          <a:lstStyle/>
+          <a:p>
+            <a:pPr>
+              <a:lnSpc>
+                <a:spcPct val="120000"/>
+              </a:lnSpc>
+            </a:pPr>
+            <a:endParaRPr lang="zh-CN" altLang="en-US" sz="2400">
+              <a:solidFill>
+                <a:srgbClr val="213555"/>
+              </a:solidFill>
+            </a:endParaRPr>
+          </a:p>
+        </p:txBody>
+      </p:sp>
+      <p:sp>
+        <p:nvSpPr>
+          <p:cNvPr id="42" name="Line 13"/>
+          <p:cNvSpPr>
+            <a:spLocks noChangeShapeType="1"/>
+          </p:cNvSpPr>
+          <p:nvPr>
+            <p:custDataLst>
+              <p:tags r:id="rId7"/>
+            </p:custDataLst>
+          </p:nvPr>
+        </p:nvSpPr>
+        <p:spPr bwMode="auto">
+          <a:xfrm>
+            <a:off x="3002280" y="3630295"/>
+            <a:ext cx="936625" cy="760095"/>
+          </a:xfrm>
+          <a:prstGeom prst="line">
+            <a:avLst/>
+          </a:prstGeom>
+          <a:noFill/>
+          <a:ln w="9" cap="flat">
+            <a:solidFill>
+              <a:srgbClr val="2E2C2C"/>
+            </a:solidFill>
+            <a:prstDash val="solid"/>
+            <a:miter lim="800000"/>
+            <a:headEnd type="none" w="med" len="med"/>
+            <a:tailEnd type="triangle" w="med" len="med"/>
+          </a:ln>
+          <a:extLst>
+            <a:ext uri="{909E8E84-426E-40DD-AFC4-6F175D3DCCD1}">
+              <a14:hiddenFill xmlns:a14="http://schemas.microsoft.com/office/drawing/2010/main">
+                <a:noFill/>
+              </a14:hiddenFill>
+            </a:ext>
+          </a:extLst>
+        </p:spPr>
+        <p:txBody>
+          <a:bodyPr vert="horz" wrap="square" lIns="91440" tIns="45720" rIns="91440" bIns="45720" numCol="1" anchor="t" anchorCtr="0" compatLnSpc="1"/>
+          <a:lstStyle/>
+          <a:p>
+            <a:pPr>
+              <a:lnSpc>
+                <a:spcPct val="120000"/>
+              </a:lnSpc>
+            </a:pPr>
+            <a:endParaRPr lang="zh-CN" altLang="en-US" sz="2400">
+              <a:solidFill>
+                <a:srgbClr val="213555"/>
+              </a:solidFill>
+            </a:endParaRPr>
+          </a:p>
+        </p:txBody>
+      </p:sp>
+    </p:spTree>
+  </p:cSld>
+  <p:clrMapOvr>
+    <a:masterClrMapping/>
+  </p:clrMapOvr>
+</p:sld>
+</file>
+
+<file path=ppt/slides/slide16.xml><?xml version="1.0" encoding="utf-8"?>
+<p:sld xmlns:a="http://schemas.openxmlformats.org/drawingml/2006/main" xmlns:r="http://schemas.openxmlformats.org/officeDocument/2006/relationships" xmlns:p="http://schemas.openxmlformats.org/presentationml/2006/main">
+  <p:cSld>
+    <p:spTree>
+      <p:nvGrpSpPr>
+        <p:cNvPr id="1" name=""/>
+        <p:cNvGrpSpPr/>
+        <p:nvPr/>
+      </p:nvGrpSpPr>
+      <p:grpSpPr>
+        <a:xfrm>
+          <a:off x="0" y="0"/>
+          <a:ext cx="0" cy="0"/>
+          <a:chOff x="0" y="0"/>
+          <a:chExt cx="0" cy="0"/>
+        </a:xfrm>
+      </p:grpSpPr>
       <p:sp>
         <p:nvSpPr>
           <p:cNvPr id="2" name="标题 1"/>
@@ -6933,9 +8602,9 @@
         <p:grpSpPr>
           <a:xfrm>
             <a:off x="731520" y="1507490"/>
-            <a:ext cx="6683375" cy="1740361"/>
+            <a:ext cx="6683375" cy="2017419"/>
             <a:chOff x="1909359" y="1722903"/>
-            <a:chExt cx="6683683" cy="1826025"/>
+            <a:chExt cx="6683683" cy="2116720"/>
           </a:xfrm>
         </p:grpSpPr>
         <p:grpSp>
@@ -7270,15 +8939,6 @@
                     </a:rPr>
                     <a:t>01</a:t>
                   </a:r>
-                  <a:endParaRPr lang="en-US" altLang="zh-CN" sz="2800" dirty="0">
-                    <a:solidFill>
-                      <a:schemeClr val="bg1">
-                        <a:lumMod val="95000"/>
-                      </a:schemeClr>
-                    </a:solidFill>
-                    <a:latin typeface="Agency FB" panose="020B0503020202020204" pitchFamily="34" charset="0"/>
-                    <a:ea typeface="微软雅黑" panose="020B0503020204020204" charset="-122"/>
-                  </a:endParaRPr>
                 </a:p>
               </p:txBody>
             </p:sp>
@@ -7558,7 +9218,7 @@
           <p:spPr>
             <a:xfrm>
               <a:off x="3047188" y="2095824"/>
-              <a:ext cx="5545854" cy="1453104"/>
+              <a:ext cx="5545854" cy="1743799"/>
             </a:xfrm>
             <a:prstGeom prst="rect">
               <a:avLst/>
@@ -7583,15 +9243,27 @@
                   <a:effectLst/>
                   <a:latin typeface="-apple-system"/>
                 </a:rPr>
-                <a:t>Part of the homepage component Coding.</a:t>
+                <a:t>Part of the homepage component </a:t>
               </a:r>
-              <a:endParaRPr lang="en-US" altLang="zh-CN" b="0" i="0" dirty="0">
-                <a:solidFill>
-                  <a:srgbClr val="1F2328"/>
-                </a:solidFill>
-                <a:effectLst/>
-                <a:latin typeface="-apple-system"/>
-              </a:endParaRPr>
+              <a:r>
+                <a:rPr lang="en-US" altLang="zh-CN" dirty="0">
+                  <a:solidFill>
+                    <a:srgbClr val="1F2328"/>
+                  </a:solidFill>
+                  <a:latin typeface="-apple-system"/>
+                </a:rPr>
+                <a:t>c</a:t>
+              </a:r>
+              <a:r>
+                <a:rPr lang="en-US" altLang="zh-CN" b="0" i="0" dirty="0">
+                  <a:solidFill>
+                    <a:srgbClr val="1F2328"/>
+                  </a:solidFill>
+                  <a:effectLst/>
+                  <a:latin typeface="-apple-system"/>
+                </a:rPr>
+                <a:t>oding.</a:t>
+              </a:r>
             </a:p>
             <a:p>
               <a:pPr algn="l">
@@ -7608,13 +9280,22 @@
                 </a:rPr>
                 <a:t>Implemented the login page component.</a:t>
               </a:r>
-              <a:endParaRPr lang="en-US" altLang="zh-CN" b="0" i="0" dirty="0">
-                <a:solidFill>
-                  <a:srgbClr val="1F2328"/>
-                </a:solidFill>
-                <a:effectLst/>
-                <a:latin typeface="-apple-system"/>
-              </a:endParaRPr>
+            </a:p>
+            <a:p>
+              <a:pPr>
+                <a:buFont typeface="Arial" panose="020B0604020202020204" pitchFamily="34" charset="0"/>
+                <a:buChar char="•"/>
+              </a:pPr>
+              <a:r>
+                <a:rPr lang="en-US" altLang="zh-CN" b="0" i="0" dirty="0">
+                  <a:solidFill>
+                    <a:srgbClr val="1F2328"/>
+                  </a:solidFill>
+                  <a:effectLst/>
+                  <a:latin typeface="-apple-system"/>
+                </a:rPr>
+                <a:t>Implemented the destination pages.</a:t>
+              </a:r>
             </a:p>
             <a:p>
               <a:pPr algn="l">
@@ -7631,13 +9312,6 @@
                 </a:rPr>
                 <a:t>Overall project modification and optimization</a:t>
               </a:r>
-              <a:endParaRPr lang="en-US" altLang="zh-CN" b="0" i="0" dirty="0">
-                <a:solidFill>
-                  <a:srgbClr val="1F2328"/>
-                </a:solidFill>
-                <a:effectLst/>
-                <a:latin typeface="-apple-system"/>
-              </a:endParaRPr>
             </a:p>
             <a:p>
               <a:pPr algn="l">
@@ -7654,13 +9328,6 @@
                 </a:rPr>
                 <a:t>Creating PowerPoint</a:t>
               </a:r>
-              <a:endParaRPr lang="en-US" altLang="zh-CN" b="0" i="0" dirty="0">
-                <a:solidFill>
-                  <a:srgbClr val="1F2328"/>
-                </a:solidFill>
-                <a:effectLst/>
-                <a:latin typeface="-apple-system"/>
-              </a:endParaRPr>
             </a:p>
             <a:p>
               <a:pPr algn="l">
@@ -7677,13 +9344,6 @@
                 </a:rPr>
                 <a:t>In-class presentation.</a:t>
               </a:r>
-              <a:endParaRPr lang="en-US" altLang="zh-CN" b="0" i="0" dirty="0">
-                <a:solidFill>
-                  <a:srgbClr val="1F2328"/>
-                </a:solidFill>
-                <a:effectLst/>
-                <a:latin typeface="-apple-system"/>
-              </a:endParaRPr>
             </a:p>
           </p:txBody>
         </p:sp>
@@ -7768,7 +9428,7 @@
         </p:nvGrpSpPr>
         <p:grpSpPr>
           <a:xfrm>
-            <a:off x="694245" y="3429195"/>
+            <a:off x="735275" y="3873714"/>
             <a:ext cx="10044106" cy="3327576"/>
             <a:chOff x="1909359" y="1722903"/>
             <a:chExt cx="10044106" cy="3327576"/>
@@ -8106,15 +9766,6 @@
                     </a:rPr>
                     <a:t>02</a:t>
                   </a:r>
-                  <a:endParaRPr lang="en-US" altLang="zh-CN" sz="2800" dirty="0">
-                    <a:solidFill>
-                      <a:schemeClr val="bg1">
-                        <a:lumMod val="95000"/>
-                      </a:schemeClr>
-                    </a:solidFill>
-                    <a:latin typeface="Agency FB" panose="020B0503020202020204" pitchFamily="34" charset="0"/>
-                    <a:ea typeface="微软雅黑" panose="020B0503020204020204" charset="-122"/>
-                  </a:endParaRPr>
                 </a:p>
               </p:txBody>
             </p:sp>
@@ -8435,15 +10086,8 @@
                   <a:effectLst/>
                   <a:latin typeface="-apple-system"/>
                 </a:rPr>
-                <a:t>Building the react project</a:t>
+                <a:t>Building the React project structure.</a:t>
               </a:r>
-              <a:endParaRPr lang="en-US" altLang="zh-CN" sz="1800" b="0" i="0" dirty="0">
-                <a:solidFill>
-                  <a:srgbClr val="1F2328"/>
-                </a:solidFill>
-                <a:effectLst/>
-                <a:latin typeface="-apple-system"/>
-              </a:endParaRPr>
             </a:p>
             <a:p>
               <a:pPr algn="l">
@@ -8461,7 +10105,45 @@
                   <a:latin typeface="-apple-system"/>
                   <a:sym typeface="+mn-ea"/>
                 </a:rPr>
-                <a:t>Part of the homepage component Coding</a:t>
+                <a:t>Part of the homepage component coding.</a:t>
+              </a:r>
+            </a:p>
+            <a:p>
+              <a:pPr algn="l">
+                <a:buClrTx/>
+                <a:buSzTx/>
+                <a:buFont typeface="Arial" panose="020B0604020202020204" pitchFamily="34" charset="0"/>
+                <a:buChar char="•"/>
+              </a:pPr>
+              <a:r>
+                <a:rPr lang="en-US" altLang="zh-CN" sz="1800" dirty="0">
+                  <a:solidFill>
+                    <a:srgbClr val="1F2328"/>
+                  </a:solidFill>
+                  <a:effectLst/>
+                  <a:latin typeface="-apple-system"/>
+                  <a:sym typeface="+mn-ea"/>
+                </a:rPr>
+                <a:t>Implemented the Navbar and Footer component.</a:t>
+              </a:r>
+            </a:p>
+            <a:p>
+              <a:pPr algn="l">
+                <a:buClrTx/>
+                <a:buSzTx/>
+                <a:buFont typeface="Arial" panose="020B0604020202020204" pitchFamily="34" charset="0"/>
+                <a:buChar char="•"/>
+              </a:pPr>
+              <a:r>
+                <a:rPr lang="en-US" altLang="zh-CN" dirty="0">
+                  <a:solidFill>
+                    <a:srgbClr val="1F2328"/>
+                  </a:solidFill>
+                  <a:effectLst/>
+                  <a:latin typeface="-apple-system"/>
+                  <a:sym typeface="+mn-ea"/>
+                </a:rPr>
+                <a:t>Registration page component coding.</a:t>
               </a:r>
               <a:endParaRPr lang="en-US" altLang="zh-CN" sz="1800" dirty="0">
                 <a:solidFill>
@@ -8488,70 +10170,8 @@
                   <a:latin typeface="-apple-system"/>
                   <a:sym typeface="+mn-ea"/>
                 </a:rPr>
-                <a:t>Implemented the Navbar and Footer component</a:t>
+                <a:t>Overall project modification and optimization.</a:t>
               </a:r>
-              <a:endParaRPr lang="en-US" altLang="zh-CN" sz="1800" dirty="0">
-                <a:solidFill>
-                  <a:srgbClr val="1F2328"/>
-                </a:solidFill>
-                <a:effectLst/>
-                <a:latin typeface="-apple-system"/>
-                <a:sym typeface="+mn-ea"/>
-              </a:endParaRPr>
-            </a:p>
-            <a:p>
-              <a:pPr algn="l">
-                <a:buClrTx/>
-                <a:buSzTx/>
-                <a:buFont typeface="Arial" panose="020B0604020202020204" pitchFamily="34" charset="0"/>
-                <a:buChar char="•"/>
-              </a:pPr>
-              <a:r>
-                <a:rPr lang="en-US" altLang="zh-CN" dirty="0">
-                  <a:solidFill>
-                    <a:srgbClr val="1F2328"/>
-                  </a:solidFill>
-                  <a:effectLst/>
-                  <a:latin typeface="-apple-system"/>
-                  <a:sym typeface="+mn-ea"/>
-                </a:rPr>
-                <a:t>Registration page component Coding.</a:t>
-              </a:r>
-              <a:endParaRPr lang="en-US" altLang="zh-CN" sz="1800" dirty="0">
-                <a:solidFill>
-                  <a:srgbClr val="1F2328"/>
-                </a:solidFill>
-                <a:effectLst/>
-                <a:latin typeface="-apple-system"/>
-                <a:sym typeface="+mn-ea"/>
-              </a:endParaRPr>
-            </a:p>
-            <a:p>
-              <a:pPr algn="l">
-                <a:buClrTx/>
-                <a:buSzTx/>
-                <a:buFont typeface="Arial" panose="020B0604020202020204" pitchFamily="34" charset="0"/>
-                <a:buChar char="•"/>
-              </a:pPr>
-              <a:r>
-                <a:rPr lang="en-US" altLang="zh-CN" sz="1800" dirty="0">
-                  <a:solidFill>
-                    <a:srgbClr val="1F2328"/>
-                  </a:solidFill>
-                  <a:effectLst/>
-                  <a:latin typeface="-apple-system"/>
-                  <a:sym typeface="+mn-ea"/>
-                </a:rPr>
-                <a:t>Overall project modification and optimization</a:t>
-              </a:r>
-              <a:endParaRPr lang="en-US" altLang="zh-CN" sz="1800" dirty="0">
-                <a:solidFill>
-                  <a:srgbClr val="1F2328"/>
-                </a:solidFill>
-                <a:effectLst/>
-                <a:latin typeface="-apple-system"/>
-                <a:sym typeface="+mn-ea"/>
-              </a:endParaRPr>
             </a:p>
             <a:p>
               <a:pPr algn="l">
@@ -8661,13 +10281,6 @@
                 </a:rPr>
                 <a:t>.</a:t>
               </a:r>
-              <a:endParaRPr lang="en-US" altLang="zh-CN" sz="1200" b="0" i="0" dirty="0">
-                <a:solidFill>
-                  <a:srgbClr val="1F2328"/>
-                </a:solidFill>
-                <a:effectLst/>
-                <a:latin typeface="-apple-system"/>
-              </a:endParaRPr>
             </a:p>
           </p:txBody>
         </p:sp>
@@ -8728,1565 +10341,6 @@
           </p:txBody>
         </p:sp>
       </p:grpSp>
-      <p:sp>
-        <p:nvSpPr>
-          <p:cNvPr id="4" name="文本框 3"/>
-          <p:cNvSpPr txBox="1"/>
-          <p:nvPr/>
-        </p:nvSpPr>
-        <p:spPr>
-          <a:xfrm>
-            <a:off x="3048000" y="3013710"/>
-            <a:ext cx="6096000" cy="829945"/>
-          </a:xfrm>
-          <a:prstGeom prst="rect">
-            <a:avLst/>
-          </a:prstGeom>
-          <a:noFill/>
-        </p:spPr>
-        <p:txBody>
-          <a:bodyPr wrap="square" rtlCol="0" anchor="t">
-            <a:spAutoFit/>
-          </a:bodyPr>
-          <a:p>
-            <a:r>
-              <a:rPr lang="en-US" altLang="zh-CN" sz="4800" b="1" dirty="0">
-                <a:solidFill>
-                  <a:schemeClr val="bg1"/>
-                </a:solidFill>
-                <a:latin typeface="微软雅黑" panose="020B0503020204020204" charset="-122"/>
-                <a:ea typeface="微软雅黑" panose="020B0503020204020204" charset="-122"/>
-                <a:sym typeface="+mn-ea"/>
-              </a:rPr>
-              <a:t>Contributions</a:t>
-            </a:r>
-            <a:endParaRPr lang="en-US" altLang="zh-CN" sz="4800" b="1" dirty="0">
-              <a:solidFill>
-                <a:schemeClr val="bg1"/>
-              </a:solidFill>
-              <a:latin typeface="微软雅黑" panose="020B0503020204020204" charset="-122"/>
-              <a:ea typeface="微软雅黑" panose="020B0503020204020204" charset="-122"/>
-              <a:sym typeface="+mn-ea"/>
-            </a:endParaRPr>
-          </a:p>
-        </p:txBody>
-      </p:sp>
-    </p:spTree>
-  </p:cSld>
-  <p:clrMapOvr>
-    <a:masterClrMapping/>
-  </p:clrMapOvr>
-</p:sld>
-</file>
-
-<file path=ppt/slides/slide16.xml><?xml version="1.0" encoding="utf-8"?>
-<p:sld xmlns:a="http://schemas.openxmlformats.org/drawingml/2006/main" xmlns:r="http://schemas.openxmlformats.org/officeDocument/2006/relationships" xmlns:p="http://schemas.openxmlformats.org/presentationml/2006/main">
-  <p:cSld>
-    <p:spTree>
-      <p:nvGrpSpPr>
-        <p:cNvPr id="1" name=""/>
-        <p:cNvGrpSpPr/>
-        <p:nvPr/>
-      </p:nvGrpSpPr>
-      <p:grpSpPr>
-        <a:xfrm>
-          <a:off x="0" y="0"/>
-          <a:ext cx="0" cy="0"/>
-          <a:chOff x="0" y="0"/>
-          <a:chExt cx="0" cy="0"/>
-        </a:xfrm>
-      </p:grpSpPr>
-      <p:pic>
-        <p:nvPicPr>
-          <p:cNvPr id="49" name="图片 48"/>
-          <p:cNvPicPr>
-            <a:picLocks noChangeAspect="1"/>
-          </p:cNvPicPr>
-          <p:nvPr>
-            <p:custDataLst>
-              <p:tags r:id="rId1"/>
-            </p:custDataLst>
-          </p:nvPr>
-        </p:nvPicPr>
-        <p:blipFill>
-          <a:blip r:embed="rId2" cstate="print">
-            <a:extLst>
-              <a:ext uri="{28A0092B-C50C-407E-A947-70E740481C1C}">
-                <a14:useLocalDpi xmlns:a14="http://schemas.microsoft.com/office/drawing/2010/main" val="0"/>
-              </a:ext>
-            </a:extLst>
-          </a:blip>
-          <a:stretch>
-            <a:fillRect/>
-          </a:stretch>
-        </p:blipFill>
-        <p:spPr>
-          <a:xfrm>
-            <a:off x="0" y="5819"/>
-            <a:ext cx="12192000" cy="6852181"/>
-          </a:xfrm>
-          <a:prstGeom prst="rect">
-            <a:avLst/>
-          </a:prstGeom>
-        </p:spPr>
-      </p:pic>
-      <p:sp>
-        <p:nvSpPr>
-          <p:cNvPr id="2" name="标题 1"/>
-          <p:cNvSpPr>
-            <a:spLocks noGrp="1"/>
-          </p:cNvSpPr>
-          <p:nvPr>
-            <p:ph type="title"/>
-          </p:nvPr>
-        </p:nvSpPr>
-        <p:spPr/>
-        <p:txBody>
-          <a:bodyPr/>
-          <a:lstStyle/>
-          <a:p>
-            <a:pPr algn="l">
-              <a:lnSpc>
-                <a:spcPct val="120000"/>
-              </a:lnSpc>
-              <a:buClrTx/>
-              <a:buSzTx/>
-              <a:buFontTx/>
-            </a:pPr>
-            <a:r>
-              <a:rPr lang="en-US" altLang="zh-CN" sz="2400" b="1" dirty="0">
-                <a:solidFill>
-                  <a:srgbClr val="244C89"/>
-                </a:solidFill>
-                <a:ea typeface="微软雅黑" panose="020B0503020204020204" charset="-122"/>
-                <a:sym typeface="+mn-ea"/>
-              </a:rPr>
-              <a:t>         </a:t>
-            </a:r>
-            <a:endParaRPr lang="en-US" altLang="zh-CN" sz="2400" b="1" dirty="0">
-              <a:solidFill>
-                <a:srgbClr val="244C89"/>
-              </a:solidFill>
-              <a:ea typeface="微软雅黑" panose="020B0503020204020204" charset="-122"/>
-            </a:endParaRPr>
-          </a:p>
-        </p:txBody>
-      </p:sp>
-      <p:sp>
-        <p:nvSpPr>
-          <p:cNvPr id="4" name="文本框 3"/>
-          <p:cNvSpPr txBox="1"/>
-          <p:nvPr/>
-        </p:nvSpPr>
-        <p:spPr>
-          <a:xfrm>
-            <a:off x="3048000" y="3013710"/>
-            <a:ext cx="6096000" cy="829945"/>
-          </a:xfrm>
-          <a:prstGeom prst="rect">
-            <a:avLst/>
-          </a:prstGeom>
-          <a:noFill/>
-        </p:spPr>
-        <p:txBody>
-          <a:bodyPr wrap="square" rtlCol="0" anchor="t">
-            <a:spAutoFit/>
-          </a:bodyPr>
-          <a:p>
-            <a:r>
-              <a:rPr lang="en-US" altLang="zh-CN" sz="4800" b="1" dirty="0">
-                <a:solidFill>
-                  <a:schemeClr val="bg1"/>
-                </a:solidFill>
-                <a:latin typeface="微软雅黑" panose="020B0503020204020204" charset="-122"/>
-                <a:ea typeface="微软雅黑" panose="020B0503020204020204" charset="-122"/>
-                <a:sym typeface="+mn-ea"/>
-              </a:rPr>
-              <a:t>Contributions</a:t>
-            </a:r>
-            <a:endParaRPr lang="en-US" altLang="zh-CN" sz="4800" b="1" dirty="0">
-              <a:solidFill>
-                <a:schemeClr val="bg1"/>
-              </a:solidFill>
-              <a:latin typeface="微软雅黑" panose="020B0503020204020204" charset="-122"/>
-              <a:ea typeface="微软雅黑" panose="020B0503020204020204" charset="-122"/>
-              <a:sym typeface="+mn-ea"/>
-            </a:endParaRPr>
-          </a:p>
-        </p:txBody>
-      </p:sp>
-      <p:sp>
-        <p:nvSpPr>
-          <p:cNvPr id="22" name="Freeform 6"/>
-          <p:cNvSpPr/>
-          <p:nvPr>
-            <p:custDataLst>
-              <p:tags r:id="rId3"/>
-            </p:custDataLst>
-          </p:nvPr>
-        </p:nvSpPr>
-        <p:spPr bwMode="auto">
-          <a:xfrm>
-            <a:off x="1349375" y="2872740"/>
-            <a:ext cx="1640840" cy="1419860"/>
-          </a:xfrm>
-          <a:custGeom>
-            <a:avLst/>
-            <a:gdLst>
-              <a:gd name="T0" fmla="*/ 2143 w 2858"/>
-              <a:gd name="T1" fmla="*/ 0 h 2475"/>
-              <a:gd name="T2" fmla="*/ 2501 w 2858"/>
-              <a:gd name="T3" fmla="*/ 619 h 2475"/>
-              <a:gd name="T4" fmla="*/ 2858 w 2858"/>
-              <a:gd name="T5" fmla="*/ 1238 h 2475"/>
-              <a:gd name="T6" fmla="*/ 2501 w 2858"/>
-              <a:gd name="T7" fmla="*/ 1856 h 2475"/>
-              <a:gd name="T8" fmla="*/ 2143 w 2858"/>
-              <a:gd name="T9" fmla="*/ 2475 h 2475"/>
-              <a:gd name="T10" fmla="*/ 1429 w 2858"/>
-              <a:gd name="T11" fmla="*/ 2475 h 2475"/>
-              <a:gd name="T12" fmla="*/ 714 w 2858"/>
-              <a:gd name="T13" fmla="*/ 2475 h 2475"/>
-              <a:gd name="T14" fmla="*/ 357 w 2858"/>
-              <a:gd name="T15" fmla="*/ 1856 h 2475"/>
-              <a:gd name="T16" fmla="*/ 0 w 2858"/>
-              <a:gd name="T17" fmla="*/ 1238 h 2475"/>
-              <a:gd name="T18" fmla="*/ 357 w 2858"/>
-              <a:gd name="T19" fmla="*/ 619 h 2475"/>
-              <a:gd name="T20" fmla="*/ 714 w 2858"/>
-              <a:gd name="T21" fmla="*/ 0 h 2475"/>
-              <a:gd name="T22" fmla="*/ 1429 w 2858"/>
-              <a:gd name="T23" fmla="*/ 0 h 2475"/>
-              <a:gd name="T24" fmla="*/ 2143 w 2858"/>
-              <a:gd name="T25" fmla="*/ 0 h 2475"/>
-            </a:gdLst>
-            <a:ahLst/>
-            <a:cxnLst>
-              <a:cxn ang="0">
-                <a:pos x="T0" y="T1"/>
-              </a:cxn>
-              <a:cxn ang="0">
-                <a:pos x="T2" y="T3"/>
-              </a:cxn>
-              <a:cxn ang="0">
-                <a:pos x="T4" y="T5"/>
-              </a:cxn>
-              <a:cxn ang="0">
-                <a:pos x="T6" y="T7"/>
-              </a:cxn>
-              <a:cxn ang="0">
-                <a:pos x="T8" y="T9"/>
-              </a:cxn>
-              <a:cxn ang="0">
-                <a:pos x="T10" y="T11"/>
-              </a:cxn>
-              <a:cxn ang="0">
-                <a:pos x="T12" y="T13"/>
-              </a:cxn>
-              <a:cxn ang="0">
-                <a:pos x="T14" y="T15"/>
-              </a:cxn>
-              <a:cxn ang="0">
-                <a:pos x="T16" y="T17"/>
-              </a:cxn>
-              <a:cxn ang="0">
-                <a:pos x="T18" y="T19"/>
-              </a:cxn>
-              <a:cxn ang="0">
-                <a:pos x="T20" y="T21"/>
-              </a:cxn>
-              <a:cxn ang="0">
-                <a:pos x="T22" y="T23"/>
-              </a:cxn>
-              <a:cxn ang="0">
-                <a:pos x="T24" y="T25"/>
-              </a:cxn>
-            </a:cxnLst>
-            <a:rect l="0" t="0" r="r" b="b"/>
-            <a:pathLst>
-              <a:path w="2858" h="2475">
-                <a:moveTo>
-                  <a:pt x="2143" y="0"/>
-                </a:moveTo>
-                <a:lnTo>
-                  <a:pt x="2501" y="619"/>
-                </a:lnTo>
-                <a:lnTo>
-                  <a:pt x="2858" y="1238"/>
-                </a:lnTo>
-                <a:lnTo>
-                  <a:pt x="2501" y="1856"/>
-                </a:lnTo>
-                <a:lnTo>
-                  <a:pt x="2143" y="2475"/>
-                </a:lnTo>
-                <a:lnTo>
-                  <a:pt x="1429" y="2475"/>
-                </a:lnTo>
-                <a:lnTo>
-                  <a:pt x="714" y="2475"/>
-                </a:lnTo>
-                <a:lnTo>
-                  <a:pt x="357" y="1856"/>
-                </a:lnTo>
-                <a:lnTo>
-                  <a:pt x="0" y="1238"/>
-                </a:lnTo>
-                <a:lnTo>
-                  <a:pt x="357" y="619"/>
-                </a:lnTo>
-                <a:lnTo>
-                  <a:pt x="714" y="0"/>
-                </a:lnTo>
-                <a:lnTo>
-                  <a:pt x="1429" y="0"/>
-                </a:lnTo>
-                <a:lnTo>
-                  <a:pt x="2143" y="0"/>
-                </a:lnTo>
-                <a:close/>
-              </a:path>
-            </a:pathLst>
-          </a:custGeom>
-          <a:solidFill>
-            <a:srgbClr val="244C89"/>
-          </a:solidFill>
-          <a:ln w="38100" cap="flat">
-            <a:solidFill>
-              <a:schemeClr val="bg2"/>
-            </a:solidFill>
-            <a:prstDash val="solid"/>
-            <a:miter lim="800000"/>
-          </a:ln>
-          <a:effectLst>
-            <a:outerShdw blurRad="63500" sx="102000" sy="102000" algn="ctr" rotWithShape="0">
-              <a:prstClr val="black">
-                <a:alpha val="40000"/>
-              </a:prstClr>
-            </a:outerShdw>
-          </a:effectLst>
-        </p:spPr>
-        <p:txBody>
-          <a:bodyPr vert="horz" wrap="square" lIns="91440" tIns="45720" rIns="91440" bIns="45720" numCol="1" anchor="t" anchorCtr="0" compatLnSpc="1"/>
-          <a:lstStyle/>
-          <a:p>
-            <a:pPr>
-              <a:lnSpc>
-                <a:spcPct val="120000"/>
-              </a:lnSpc>
-            </a:pPr>
-            <a:endParaRPr lang="zh-CN" altLang="en-US" sz="2400">
-              <a:solidFill>
-                <a:srgbClr val="213555"/>
-              </a:solidFill>
-            </a:endParaRPr>
-          </a:p>
-        </p:txBody>
-      </p:sp>
-      <p:sp>
-        <p:nvSpPr>
-          <p:cNvPr id="25" name="Line 13"/>
-          <p:cNvSpPr>
-            <a:spLocks noChangeShapeType="1"/>
-          </p:cNvSpPr>
-          <p:nvPr>
-            <p:custDataLst>
-              <p:tags r:id="rId4"/>
-            </p:custDataLst>
-          </p:nvPr>
-        </p:nvSpPr>
-        <p:spPr bwMode="auto">
-          <a:xfrm>
-            <a:off x="2989580" y="3630295"/>
-            <a:ext cx="853440" cy="2280920"/>
-          </a:xfrm>
-          <a:prstGeom prst="line">
-            <a:avLst/>
-          </a:prstGeom>
-          <a:noFill/>
-          <a:ln w="9" cap="flat">
-            <a:solidFill>
-              <a:srgbClr val="2E2C2C"/>
-            </a:solidFill>
-            <a:prstDash val="solid"/>
-            <a:miter lim="800000"/>
-            <a:headEnd type="none" w="med" len="med"/>
-            <a:tailEnd type="triangle" w="med" len="med"/>
-          </a:ln>
-          <a:extLst>
-            <a:ext uri="{909E8E84-426E-40DD-AFC4-6F175D3DCCD1}">
-              <a14:hiddenFill xmlns:a14="http://schemas.microsoft.com/office/drawing/2010/main">
-                <a:noFill/>
-              </a14:hiddenFill>
-            </a:ext>
-          </a:extLst>
-        </p:spPr>
-        <p:txBody>
-          <a:bodyPr vert="horz" wrap="square" lIns="91440" tIns="45720" rIns="91440" bIns="45720" numCol="1" anchor="t" anchorCtr="0" compatLnSpc="1"/>
-          <a:lstStyle/>
-          <a:p>
-            <a:pPr>
-              <a:lnSpc>
-                <a:spcPct val="120000"/>
-              </a:lnSpc>
-            </a:pPr>
-            <a:endParaRPr lang="zh-CN" altLang="en-US" sz="2400">
-              <a:solidFill>
-                <a:srgbClr val="213555"/>
-              </a:solidFill>
-            </a:endParaRPr>
-          </a:p>
-        </p:txBody>
-      </p:sp>
-      <p:grpSp>
-        <p:nvGrpSpPr>
-          <p:cNvPr id="28" name="组合 27"/>
-          <p:cNvGrpSpPr/>
-          <p:nvPr/>
-        </p:nvGrpSpPr>
-        <p:grpSpPr>
-          <a:xfrm rot="0">
-            <a:off x="3945890" y="498475"/>
-            <a:ext cx="5794375" cy="1339850"/>
-            <a:chOff x="3751263" y="995645"/>
-            <a:chExt cx="7294239" cy="1686820"/>
-          </a:xfrm>
-        </p:grpSpPr>
-        <p:sp>
-          <p:nvSpPr>
-            <p:cNvPr id="44" name="Rectangle 9"/>
-            <p:cNvSpPr>
-              <a:spLocks noChangeArrowheads="1"/>
-            </p:cNvSpPr>
-            <p:nvPr>
-              <p:custDataLst>
-                <p:tags r:id="rId5"/>
-              </p:custDataLst>
-            </p:nvPr>
-          </p:nvSpPr>
-          <p:spPr bwMode="auto">
-            <a:xfrm>
-              <a:off x="3751263" y="1333579"/>
-              <a:ext cx="7119177" cy="1348886"/>
-            </a:xfrm>
-            <a:prstGeom prst="rect">
-              <a:avLst/>
-            </a:prstGeom>
-            <a:solidFill>
-              <a:srgbClr val="FFFFFF"/>
-            </a:solidFill>
-            <a:ln w="9" cap="flat">
-              <a:solidFill>
-                <a:schemeClr val="bg2">
-                  <a:lumMod val="75000"/>
-                </a:schemeClr>
-              </a:solidFill>
-              <a:prstDash val="solid"/>
-              <a:miter lim="800000"/>
-            </a:ln>
-          </p:spPr>
-          <p:txBody>
-            <a:bodyPr vert="horz" wrap="square" lIns="91440" tIns="45720" rIns="91440" bIns="45720" numCol="1" anchor="t" anchorCtr="0" compatLnSpc="1"/>
-            <a:lstStyle/>
-            <a:p>
-              <a:pPr>
-                <a:lnSpc>
-                  <a:spcPct val="120000"/>
-                </a:lnSpc>
-              </a:pPr>
-              <a:endParaRPr lang="zh-CN" altLang="en-US" sz="1600">
-                <a:solidFill>
-                  <a:srgbClr val="213555"/>
-                </a:solidFill>
-              </a:endParaRPr>
-            </a:p>
-          </p:txBody>
-        </p:sp>
-        <p:sp>
-          <p:nvSpPr>
-            <p:cNvPr id="45" name="Rectangle 10"/>
-            <p:cNvSpPr>
-              <a:spLocks noChangeArrowheads="1"/>
-            </p:cNvSpPr>
-            <p:nvPr>
-              <p:custDataLst>
-                <p:tags r:id="rId6"/>
-              </p:custDataLst>
-            </p:nvPr>
-          </p:nvSpPr>
-          <p:spPr bwMode="auto">
-            <a:xfrm>
-              <a:off x="5540009" y="995645"/>
-              <a:ext cx="3581400" cy="582090"/>
-            </a:xfrm>
-            <a:prstGeom prst="rect">
-              <a:avLst/>
-            </a:prstGeom>
-            <a:solidFill>
-              <a:srgbClr val="244C89"/>
-            </a:solidFill>
-            <a:ln w="19050" cap="flat">
-              <a:solidFill>
-                <a:schemeClr val="bg2"/>
-              </a:solidFill>
-              <a:prstDash val="solid"/>
-              <a:miter lim="800000"/>
-            </a:ln>
-            <a:effectLst>
-              <a:outerShdw blurRad="63500" sx="102000" sy="102000" algn="ctr" rotWithShape="0">
-                <a:prstClr val="black">
-                  <a:alpha val="40000"/>
-                </a:prstClr>
-              </a:outerShdw>
-            </a:effectLst>
-          </p:spPr>
-          <p:txBody>
-            <a:bodyPr vert="horz" wrap="square" lIns="91440" tIns="45720" rIns="91440" bIns="45720" numCol="1" anchor="t" anchorCtr="0" compatLnSpc="1"/>
-            <a:lstStyle/>
-            <a:p>
-              <a:pPr>
-                <a:lnSpc>
-                  <a:spcPct val="120000"/>
-                </a:lnSpc>
-              </a:pPr>
-              <a:endParaRPr lang="zh-CN" altLang="en-US" sz="1600">
-                <a:solidFill>
-                  <a:srgbClr val="213555"/>
-                </a:solidFill>
-              </a:endParaRPr>
-            </a:p>
-          </p:txBody>
-        </p:sp>
-        <p:sp>
-          <p:nvSpPr>
-            <p:cNvPr id="46" name="TextBox 16"/>
-            <p:cNvSpPr txBox="1"/>
-            <p:nvPr>
-              <p:custDataLst>
-                <p:tags r:id="rId7"/>
-              </p:custDataLst>
-            </p:nvPr>
-          </p:nvSpPr>
-          <p:spPr>
-            <a:xfrm>
-              <a:off x="5776685" y="995645"/>
-              <a:ext cx="3108046" cy="579595"/>
-            </a:xfrm>
-            <a:prstGeom prst="rect">
-              <a:avLst/>
-            </a:prstGeom>
-            <a:noFill/>
-          </p:spPr>
-          <p:txBody>
-            <a:bodyPr wrap="square" rtlCol="0">
-              <a:spAutoFit/>
-            </a:bodyPr>
-            <a:lstStyle/>
-            <a:p>
-              <a:pPr algn="ctr">
-                <a:lnSpc>
-                  <a:spcPct val="120000"/>
-                </a:lnSpc>
-              </a:pPr>
-              <a:r>
-                <a:rPr lang="en-US" altLang="zh-CN" sz="2000" b="1" dirty="0">
-                  <a:solidFill>
-                    <a:schemeClr val="bg1"/>
-                  </a:solidFill>
-                  <a:latin typeface="+mj-ea"/>
-                  <a:ea typeface="+mj-ea"/>
-                </a:rPr>
-                <a:t>Skills</a:t>
-              </a:r>
-              <a:endParaRPr lang="en-US" altLang="zh-CN" sz="2000" b="1" dirty="0">
-                <a:solidFill>
-                  <a:schemeClr val="bg1"/>
-                </a:solidFill>
-                <a:latin typeface="+mj-ea"/>
-                <a:ea typeface="+mj-ea"/>
-              </a:endParaRPr>
-            </a:p>
-          </p:txBody>
-        </p:sp>
-        <p:sp>
-          <p:nvSpPr>
-            <p:cNvPr id="47" name="TextBox 17"/>
-            <p:cNvSpPr txBox="1"/>
-            <p:nvPr>
-              <p:custDataLst>
-                <p:tags r:id="rId8"/>
-              </p:custDataLst>
-            </p:nvPr>
-          </p:nvSpPr>
-          <p:spPr>
-            <a:xfrm>
-              <a:off x="3751263" y="1764707"/>
-              <a:ext cx="7294239" cy="439692"/>
-            </a:xfrm>
-            <a:prstGeom prst="rect">
-              <a:avLst/>
-            </a:prstGeom>
-            <a:noFill/>
-          </p:spPr>
-          <p:txBody>
-            <a:bodyPr wrap="square" rtlCol="0">
-              <a:spAutoFit/>
-            </a:bodyPr>
-            <a:lstStyle/>
-            <a:p>
-              <a:pPr>
-                <a:lnSpc>
-                  <a:spcPct val="120000"/>
-                </a:lnSpc>
-              </a:pPr>
-              <a:r>
-                <a:rPr lang="en-US" altLang="zh-CN" sz="1400" dirty="0">
-                  <a:solidFill>
-                    <a:schemeClr val="tx1">
-                      <a:lumMod val="65000"/>
-                      <a:lumOff val="35000"/>
-                    </a:schemeClr>
-                  </a:solidFill>
-                  <a:latin typeface="微软雅黑" panose="020B0503020204020204" charset="-122"/>
-                  <a:ea typeface="微软雅黑" panose="020B0503020204020204" charset="-122"/>
-                </a:rPr>
-                <a:t>Mastered the front-end skills——HTML5,CSS3,Javascript</a:t>
-              </a:r>
-              <a:endParaRPr lang="en-US" altLang="zh-CN" sz="1600" dirty="0">
-                <a:solidFill>
-                  <a:schemeClr val="tx1">
-                    <a:lumMod val="65000"/>
-                    <a:lumOff val="35000"/>
-                  </a:schemeClr>
-                </a:solidFill>
-                <a:latin typeface="微软雅黑" panose="020B0503020204020204" charset="-122"/>
-                <a:ea typeface="微软雅黑" panose="020B0503020204020204" charset="-122"/>
-              </a:endParaRPr>
-            </a:p>
-          </p:txBody>
-        </p:sp>
-      </p:grpSp>
-      <p:grpSp>
-        <p:nvGrpSpPr>
-          <p:cNvPr id="9" name="组合 8"/>
-          <p:cNvGrpSpPr/>
-          <p:nvPr/>
-        </p:nvGrpSpPr>
-        <p:grpSpPr>
-          <a:xfrm rot="0">
-            <a:off x="3945890" y="2004695"/>
-            <a:ext cx="5655310" cy="1339850"/>
-            <a:chOff x="3751263" y="2741895"/>
-            <a:chExt cx="7119177" cy="1686748"/>
-          </a:xfrm>
-        </p:grpSpPr>
-        <p:sp>
-          <p:nvSpPr>
-            <p:cNvPr id="10" name="Rectangle 11"/>
-            <p:cNvSpPr>
-              <a:spLocks noChangeArrowheads="1"/>
-            </p:cNvSpPr>
-            <p:nvPr>
-              <p:custDataLst>
-                <p:tags r:id="rId9"/>
-              </p:custDataLst>
-            </p:nvPr>
-          </p:nvSpPr>
-          <p:spPr bwMode="auto">
-            <a:xfrm>
-              <a:off x="3751263" y="3081414"/>
-              <a:ext cx="7119177" cy="1347229"/>
-            </a:xfrm>
-            <a:prstGeom prst="rect">
-              <a:avLst/>
-            </a:prstGeom>
-            <a:solidFill>
-              <a:srgbClr val="FFFFFF"/>
-            </a:solidFill>
-            <a:ln w="9" cap="flat">
-              <a:solidFill>
-                <a:schemeClr val="bg2">
-                  <a:lumMod val="75000"/>
-                </a:schemeClr>
-              </a:solidFill>
-              <a:prstDash val="solid"/>
-              <a:miter lim="800000"/>
-            </a:ln>
-          </p:spPr>
-          <p:txBody>
-            <a:bodyPr vert="horz" wrap="square" lIns="91440" tIns="45720" rIns="91440" bIns="45720" numCol="1" anchor="t" anchorCtr="0" compatLnSpc="1"/>
-            <a:lstStyle/>
-            <a:p>
-              <a:pPr>
-                <a:lnSpc>
-                  <a:spcPct val="120000"/>
-                </a:lnSpc>
-              </a:pPr>
-              <a:endParaRPr lang="zh-CN" altLang="en-US" sz="1600">
-                <a:solidFill>
-                  <a:srgbClr val="213555"/>
-                </a:solidFill>
-              </a:endParaRPr>
-            </a:p>
-          </p:txBody>
-        </p:sp>
-        <p:sp>
-          <p:nvSpPr>
-            <p:cNvPr id="40" name="Rectangle 12"/>
-            <p:cNvSpPr>
-              <a:spLocks noChangeArrowheads="1"/>
-            </p:cNvSpPr>
-            <p:nvPr>
-              <p:custDataLst>
-                <p:tags r:id="rId10"/>
-              </p:custDataLst>
-            </p:nvPr>
-          </p:nvSpPr>
-          <p:spPr bwMode="auto">
-            <a:xfrm>
-              <a:off x="5540009" y="2741895"/>
-              <a:ext cx="3581400" cy="584278"/>
-            </a:xfrm>
-            <a:prstGeom prst="rect">
-              <a:avLst/>
-            </a:prstGeom>
-            <a:solidFill>
-              <a:srgbClr val="244C89"/>
-            </a:solidFill>
-            <a:ln w="19050" cap="flat">
-              <a:solidFill>
-                <a:schemeClr val="bg2"/>
-              </a:solidFill>
-              <a:prstDash val="solid"/>
-              <a:miter lim="800000"/>
-            </a:ln>
-            <a:effectLst>
-              <a:outerShdw blurRad="63500" sx="102000" sy="102000" algn="ctr" rotWithShape="0">
-                <a:prstClr val="black">
-                  <a:alpha val="40000"/>
-                </a:prstClr>
-              </a:outerShdw>
-            </a:effectLst>
-          </p:spPr>
-          <p:txBody>
-            <a:bodyPr vert="horz" wrap="square" lIns="91440" tIns="45720" rIns="91440" bIns="45720" numCol="1" anchor="t" anchorCtr="0" compatLnSpc="1"/>
-            <a:lstStyle/>
-            <a:p>
-              <a:pPr>
-                <a:lnSpc>
-                  <a:spcPct val="120000"/>
-                </a:lnSpc>
-              </a:pPr>
-              <a:endParaRPr lang="zh-CN" altLang="en-US" sz="1600">
-                <a:solidFill>
-                  <a:srgbClr val="213555"/>
-                </a:solidFill>
-              </a:endParaRPr>
-            </a:p>
-          </p:txBody>
-        </p:sp>
-        <p:sp>
-          <p:nvSpPr>
-            <p:cNvPr id="41" name="TextBox 18"/>
-            <p:cNvSpPr txBox="1"/>
-            <p:nvPr>
-              <p:custDataLst>
-                <p:tags r:id="rId11"/>
-              </p:custDataLst>
-            </p:nvPr>
-          </p:nvSpPr>
-          <p:spPr>
-            <a:xfrm>
-              <a:off x="5776685" y="2750677"/>
-              <a:ext cx="3108046" cy="579570"/>
-            </a:xfrm>
-            <a:prstGeom prst="rect">
-              <a:avLst/>
-            </a:prstGeom>
-            <a:noFill/>
-          </p:spPr>
-          <p:txBody>
-            <a:bodyPr wrap="square" rtlCol="0">
-              <a:spAutoFit/>
-            </a:bodyPr>
-            <a:lstStyle/>
-            <a:p>
-              <a:pPr algn="ctr">
-                <a:lnSpc>
-                  <a:spcPct val="120000"/>
-                </a:lnSpc>
-              </a:pPr>
-              <a:r>
-                <a:rPr lang="en-US" altLang="zh-CN" sz="2000" b="1" dirty="0">
-                  <a:solidFill>
-                    <a:schemeClr val="bg1"/>
-                  </a:solidFill>
-                  <a:latin typeface="+mj-ea"/>
-                  <a:ea typeface="+mj-ea"/>
-                </a:rPr>
-                <a:t>React</a:t>
-              </a:r>
-              <a:endParaRPr lang="en-US" altLang="zh-CN" sz="2000" b="1" dirty="0">
-                <a:solidFill>
-                  <a:schemeClr val="bg1"/>
-                </a:solidFill>
-                <a:latin typeface="+mj-ea"/>
-                <a:ea typeface="+mj-ea"/>
-              </a:endParaRPr>
-            </a:p>
-          </p:txBody>
-        </p:sp>
-        <p:sp>
-          <p:nvSpPr>
-            <p:cNvPr id="43" name="TextBox 19"/>
-            <p:cNvSpPr txBox="1"/>
-            <p:nvPr>
-              <p:custDataLst>
-                <p:tags r:id="rId12"/>
-              </p:custDataLst>
-            </p:nvPr>
-          </p:nvSpPr>
-          <p:spPr>
-            <a:xfrm>
-              <a:off x="3938139" y="3509957"/>
-              <a:ext cx="6932301" cy="765032"/>
-            </a:xfrm>
-            <a:prstGeom prst="rect">
-              <a:avLst/>
-            </a:prstGeom>
-            <a:noFill/>
-          </p:spPr>
-          <p:txBody>
-            <a:bodyPr wrap="square" rtlCol="0">
-              <a:spAutoFit/>
-            </a:bodyPr>
-            <a:lstStyle>
-              <a:defPPr>
-                <a:defRPr lang="zh-CN"/>
-              </a:defPPr>
-              <a:lvl1pPr>
-                <a:defRPr>
-                  <a:solidFill>
-                    <a:schemeClr val="accent1"/>
-                  </a:solidFill>
-                  <a:latin typeface="+mn-ea"/>
-                  <a:ea typeface="+mn-ea"/>
-                </a:defRPr>
-              </a:lvl1pPr>
-            </a:lstStyle>
-            <a:p>
-              <a:pPr>
-                <a:lnSpc>
-                  <a:spcPct val="120000"/>
-                </a:lnSpc>
-              </a:pPr>
-              <a:r>
-                <a:rPr lang="en-US" altLang="zh-CN" sz="1400" dirty="0">
-                  <a:solidFill>
-                    <a:schemeClr val="tx1">
-                      <a:lumMod val="65000"/>
-                      <a:lumOff val="35000"/>
-                    </a:schemeClr>
-                  </a:solidFill>
-                  <a:latin typeface="微软雅黑" panose="020B0503020204020204" charset="-122"/>
-                  <a:ea typeface="微软雅黑" panose="020B0503020204020204" charset="-122"/>
-                </a:rPr>
-                <a:t>Learned how to build react-based web pages with components</a:t>
-              </a:r>
-              <a:endParaRPr lang="en-US" altLang="zh-CN" sz="1400" dirty="0">
-                <a:solidFill>
-                  <a:schemeClr val="tx1">
-                    <a:lumMod val="65000"/>
-                    <a:lumOff val="35000"/>
-                  </a:schemeClr>
-                </a:solidFill>
-                <a:latin typeface="微软雅黑" panose="020B0503020204020204" charset="-122"/>
-                <a:ea typeface="微软雅黑" panose="020B0503020204020204" charset="-122"/>
-              </a:endParaRPr>
-            </a:p>
-          </p:txBody>
-        </p:sp>
-      </p:grpSp>
-      <p:grpSp>
-        <p:nvGrpSpPr>
-          <p:cNvPr id="11" name="组合 10"/>
-          <p:cNvGrpSpPr/>
-          <p:nvPr/>
-        </p:nvGrpSpPr>
-        <p:grpSpPr>
-          <a:xfrm rot="0">
-            <a:off x="3945890" y="3512185"/>
-            <a:ext cx="5655310" cy="1339850"/>
-            <a:chOff x="3751263" y="4494495"/>
-            <a:chExt cx="7119177" cy="1686819"/>
-          </a:xfrm>
-        </p:grpSpPr>
-        <p:sp>
-          <p:nvSpPr>
-            <p:cNvPr id="12" name="Rectangle 14"/>
-            <p:cNvSpPr>
-              <a:spLocks noChangeArrowheads="1"/>
-            </p:cNvSpPr>
-            <p:nvPr>
-              <p:custDataLst>
-                <p:tags r:id="rId13"/>
-              </p:custDataLst>
-            </p:nvPr>
-          </p:nvSpPr>
-          <p:spPr bwMode="auto">
-            <a:xfrm>
-              <a:off x="3751263" y="4832429"/>
-              <a:ext cx="7119177" cy="1348885"/>
-            </a:xfrm>
-            <a:prstGeom prst="rect">
-              <a:avLst/>
-            </a:prstGeom>
-            <a:solidFill>
-              <a:srgbClr val="FFFFFF"/>
-            </a:solidFill>
-            <a:ln w="9" cap="flat">
-              <a:solidFill>
-                <a:schemeClr val="bg2">
-                  <a:lumMod val="75000"/>
-                </a:schemeClr>
-              </a:solidFill>
-              <a:prstDash val="solid"/>
-              <a:miter lim="800000"/>
-            </a:ln>
-          </p:spPr>
-          <p:txBody>
-            <a:bodyPr vert="horz" wrap="square" lIns="91440" tIns="45720" rIns="91440" bIns="45720" numCol="1" anchor="t" anchorCtr="0" compatLnSpc="1"/>
-            <a:lstStyle/>
-            <a:p>
-              <a:pPr>
-                <a:lnSpc>
-                  <a:spcPct val="120000"/>
-                </a:lnSpc>
-              </a:pPr>
-              <a:endParaRPr lang="zh-CN" altLang="en-US" sz="1600">
-                <a:solidFill>
-                  <a:srgbClr val="213555"/>
-                </a:solidFill>
-              </a:endParaRPr>
-            </a:p>
-          </p:txBody>
-        </p:sp>
-        <p:sp>
-          <p:nvSpPr>
-            <p:cNvPr id="13" name="Rectangle 15"/>
-            <p:cNvSpPr>
-              <a:spLocks noChangeArrowheads="1"/>
-            </p:cNvSpPr>
-            <p:nvPr>
-              <p:custDataLst>
-                <p:tags r:id="rId14"/>
-              </p:custDataLst>
-            </p:nvPr>
-          </p:nvSpPr>
-          <p:spPr bwMode="auto">
-            <a:xfrm>
-              <a:off x="5540009" y="4494495"/>
-              <a:ext cx="3581400" cy="584278"/>
-            </a:xfrm>
-            <a:prstGeom prst="rect">
-              <a:avLst/>
-            </a:prstGeom>
-            <a:solidFill>
-              <a:srgbClr val="244C89"/>
-            </a:solidFill>
-            <a:ln w="19050" cap="flat">
-              <a:solidFill>
-                <a:schemeClr val="bg2"/>
-              </a:solidFill>
-              <a:prstDash val="solid"/>
-              <a:miter lim="800000"/>
-            </a:ln>
-            <a:effectLst>
-              <a:outerShdw blurRad="63500" sx="102000" sy="102000" algn="ctr" rotWithShape="0">
-                <a:prstClr val="black">
-                  <a:alpha val="40000"/>
-                </a:prstClr>
-              </a:outerShdw>
-            </a:effectLst>
-          </p:spPr>
-          <p:txBody>
-            <a:bodyPr vert="horz" wrap="square" lIns="91440" tIns="45720" rIns="91440" bIns="45720" numCol="1" anchor="t" anchorCtr="0" compatLnSpc="1"/>
-            <a:lstStyle/>
-            <a:p>
-              <a:pPr>
-                <a:lnSpc>
-                  <a:spcPct val="120000"/>
-                </a:lnSpc>
-              </a:pPr>
-              <a:endParaRPr lang="zh-CN" altLang="en-US" sz="1600">
-                <a:solidFill>
-                  <a:srgbClr val="213555"/>
-                </a:solidFill>
-              </a:endParaRPr>
-            </a:p>
-          </p:txBody>
-        </p:sp>
-        <p:sp>
-          <p:nvSpPr>
-            <p:cNvPr id="15" name="TextBox 20"/>
-            <p:cNvSpPr txBox="1"/>
-            <p:nvPr>
-              <p:custDataLst>
-                <p:tags r:id="rId15"/>
-              </p:custDataLst>
-            </p:nvPr>
-          </p:nvSpPr>
-          <p:spPr>
-            <a:xfrm>
-              <a:off x="5776685" y="4497591"/>
-              <a:ext cx="3108046" cy="579594"/>
-            </a:xfrm>
-            <a:prstGeom prst="rect">
-              <a:avLst/>
-            </a:prstGeom>
-            <a:noFill/>
-          </p:spPr>
-          <p:txBody>
-            <a:bodyPr wrap="square" rtlCol="0">
-              <a:spAutoFit/>
-            </a:bodyPr>
-            <a:lstStyle/>
-            <a:p>
-              <a:pPr algn="ctr">
-                <a:lnSpc>
-                  <a:spcPct val="120000"/>
-                </a:lnSpc>
-              </a:pPr>
-              <a:r>
-                <a:rPr lang="en-US" altLang="zh-CN" sz="2000" b="1" dirty="0">
-                  <a:solidFill>
-                    <a:schemeClr val="bg1"/>
-                  </a:solidFill>
-                  <a:latin typeface="微软雅黑" panose="020B0503020204020204" charset="-122"/>
-                  <a:ea typeface="微软雅黑" panose="020B0503020204020204" charset="-122"/>
-                </a:rPr>
-                <a:t>Cooperation</a:t>
-              </a:r>
-              <a:endParaRPr lang="zh-CN" altLang="en-US" sz="2000" b="1" dirty="0">
-                <a:solidFill>
-                  <a:schemeClr val="bg1"/>
-                </a:solidFill>
-                <a:latin typeface="微软雅黑" panose="020B0503020204020204" charset="-122"/>
-                <a:ea typeface="微软雅黑" panose="020B0503020204020204" charset="-122"/>
-              </a:endParaRPr>
-            </a:p>
-          </p:txBody>
-        </p:sp>
-        <p:sp>
-          <p:nvSpPr>
-            <p:cNvPr id="16" name="TextBox 21"/>
-            <p:cNvSpPr txBox="1"/>
-            <p:nvPr>
-              <p:custDataLst>
-                <p:tags r:id="rId16"/>
-              </p:custDataLst>
-            </p:nvPr>
-          </p:nvSpPr>
-          <p:spPr>
-            <a:xfrm>
-              <a:off x="3938139" y="5256871"/>
-              <a:ext cx="6807854" cy="765064"/>
-            </a:xfrm>
-            <a:prstGeom prst="rect">
-              <a:avLst/>
-            </a:prstGeom>
-            <a:noFill/>
-          </p:spPr>
-          <p:txBody>
-            <a:bodyPr wrap="square" rtlCol="0">
-              <a:spAutoFit/>
-            </a:bodyPr>
-            <a:lstStyle>
-              <a:defPPr>
-                <a:defRPr lang="zh-CN"/>
-              </a:defPPr>
-              <a:lvl1pPr>
-                <a:defRPr>
-                  <a:solidFill>
-                    <a:schemeClr val="accent1"/>
-                  </a:solidFill>
-                  <a:latin typeface="+mn-ea"/>
-                  <a:ea typeface="+mn-ea"/>
-                </a:defRPr>
-              </a:lvl1pPr>
-            </a:lstStyle>
-            <a:p>
-              <a:pPr algn="just">
-                <a:lnSpc>
-                  <a:spcPct val="120000"/>
-                </a:lnSpc>
-              </a:pPr>
-              <a:r>
-                <a:rPr lang="en-US" altLang="zh-CN" sz="1400">
-                  <a:solidFill>
-                    <a:schemeClr val="tx1">
-                      <a:lumMod val="65000"/>
-                      <a:lumOff val="35000"/>
-                    </a:schemeClr>
-                  </a:solidFill>
-                  <a:latin typeface="+mj-ea"/>
-                  <a:ea typeface="+mj-ea"/>
-                </a:rPr>
-                <a:t>Completed assignments more efficiently and thoroughly through multiple team works</a:t>
-              </a:r>
-              <a:endParaRPr lang="en-US" altLang="zh-CN" sz="1400">
-                <a:solidFill>
-                  <a:schemeClr val="tx1">
-                    <a:lumMod val="65000"/>
-                    <a:lumOff val="35000"/>
-                  </a:schemeClr>
-                </a:solidFill>
-                <a:latin typeface="+mj-ea"/>
-                <a:ea typeface="+mj-ea"/>
-              </a:endParaRPr>
-            </a:p>
-          </p:txBody>
-        </p:sp>
-      </p:grpSp>
-      <p:sp>
-        <p:nvSpPr>
-          <p:cNvPr id="17" name="TextBox 22"/>
-          <p:cNvSpPr txBox="1"/>
-          <p:nvPr>
-            <p:custDataLst>
-              <p:tags r:id="rId17"/>
-            </p:custDataLst>
-          </p:nvPr>
-        </p:nvSpPr>
-        <p:spPr>
-          <a:xfrm>
-            <a:off x="1325245" y="3282950"/>
-            <a:ext cx="1722755" cy="534035"/>
-          </a:xfrm>
-          <a:prstGeom prst="rect">
-            <a:avLst/>
-          </a:prstGeom>
-          <a:noFill/>
-        </p:spPr>
-        <p:txBody>
-          <a:bodyPr wrap="square" rtlCol="0">
-            <a:spAutoFit/>
-          </a:bodyPr>
-          <a:lstStyle/>
-          <a:p>
-            <a:pPr algn="ctr">
-              <a:lnSpc>
-                <a:spcPct val="120000"/>
-              </a:lnSpc>
-            </a:pPr>
-            <a:r>
-              <a:rPr lang="en-US" altLang="zh-CN" sz="2400" b="1" dirty="0">
-                <a:solidFill>
-                  <a:schemeClr val="bg1"/>
-                </a:solidFill>
-                <a:latin typeface="+mj-ea"/>
-                <a:ea typeface="+mj-ea"/>
-              </a:rPr>
-              <a:t>Learnings</a:t>
-            </a:r>
-            <a:endParaRPr lang="en-US" altLang="zh-CN" sz="2400" b="1" dirty="0">
-              <a:solidFill>
-                <a:schemeClr val="bg1"/>
-              </a:solidFill>
-              <a:latin typeface="+mj-ea"/>
-              <a:ea typeface="+mj-ea"/>
-            </a:endParaRPr>
-          </a:p>
-        </p:txBody>
-      </p:sp>
-      <p:grpSp>
-        <p:nvGrpSpPr>
-          <p:cNvPr id="19" name="组合 18"/>
-          <p:cNvGrpSpPr/>
-          <p:nvPr/>
-        </p:nvGrpSpPr>
-        <p:grpSpPr>
-          <a:xfrm rot="0">
-            <a:off x="3945890" y="5019675"/>
-            <a:ext cx="5655310" cy="1339850"/>
-            <a:chOff x="3751263" y="995645"/>
-            <a:chExt cx="7119177" cy="1686820"/>
-          </a:xfrm>
-        </p:grpSpPr>
-        <p:sp>
-          <p:nvSpPr>
-            <p:cNvPr id="20" name="Rectangle 9"/>
-            <p:cNvSpPr>
-              <a:spLocks noChangeArrowheads="1"/>
-            </p:cNvSpPr>
-            <p:nvPr>
-              <p:custDataLst>
-                <p:tags r:id="rId18"/>
-              </p:custDataLst>
-            </p:nvPr>
-          </p:nvSpPr>
-          <p:spPr bwMode="auto">
-            <a:xfrm>
-              <a:off x="3751263" y="1333579"/>
-              <a:ext cx="7119177" cy="1348886"/>
-            </a:xfrm>
-            <a:prstGeom prst="rect">
-              <a:avLst/>
-            </a:prstGeom>
-            <a:solidFill>
-              <a:srgbClr val="FFFFFF"/>
-            </a:solidFill>
-            <a:ln w="9" cap="flat">
-              <a:solidFill>
-                <a:schemeClr val="bg2">
-                  <a:lumMod val="75000"/>
-                </a:schemeClr>
-              </a:solidFill>
-              <a:prstDash val="solid"/>
-              <a:miter lim="800000"/>
-            </a:ln>
-          </p:spPr>
-          <p:txBody>
-            <a:bodyPr vert="horz" wrap="square" lIns="91440" tIns="45720" rIns="91440" bIns="45720" numCol="1" anchor="t" anchorCtr="0" compatLnSpc="1"/>
-            <a:p>
-              <a:pPr>
-                <a:lnSpc>
-                  <a:spcPct val="120000"/>
-                </a:lnSpc>
-              </a:pPr>
-              <a:endParaRPr lang="zh-CN" altLang="en-US" sz="1600">
-                <a:solidFill>
-                  <a:srgbClr val="213555"/>
-                </a:solidFill>
-              </a:endParaRPr>
-            </a:p>
-          </p:txBody>
-        </p:sp>
-        <p:sp>
-          <p:nvSpPr>
-            <p:cNvPr id="26" name="Rectangle 10"/>
-            <p:cNvSpPr>
-              <a:spLocks noChangeArrowheads="1"/>
-            </p:cNvSpPr>
-            <p:nvPr>
-              <p:custDataLst>
-                <p:tags r:id="rId19"/>
-              </p:custDataLst>
-            </p:nvPr>
-          </p:nvSpPr>
-          <p:spPr bwMode="auto">
-            <a:xfrm>
-              <a:off x="5540009" y="995645"/>
-              <a:ext cx="3581400" cy="582090"/>
-            </a:xfrm>
-            <a:prstGeom prst="rect">
-              <a:avLst/>
-            </a:prstGeom>
-            <a:solidFill>
-              <a:srgbClr val="244C89"/>
-            </a:solidFill>
-            <a:ln w="19050" cap="flat">
-              <a:solidFill>
-                <a:schemeClr val="bg2"/>
-              </a:solidFill>
-              <a:prstDash val="solid"/>
-              <a:miter lim="800000"/>
-            </a:ln>
-            <a:effectLst>
-              <a:outerShdw blurRad="63500" sx="102000" sy="102000" algn="ctr" rotWithShape="0">
-                <a:prstClr val="black">
-                  <a:alpha val="40000"/>
-                </a:prstClr>
-              </a:outerShdw>
-            </a:effectLst>
-          </p:spPr>
-          <p:txBody>
-            <a:bodyPr vert="horz" wrap="square" lIns="91440" tIns="45720" rIns="91440" bIns="45720" numCol="1" anchor="t" anchorCtr="0" compatLnSpc="1"/>
-            <a:p>
-              <a:pPr>
-                <a:lnSpc>
-                  <a:spcPct val="120000"/>
-                </a:lnSpc>
-              </a:pPr>
-              <a:endParaRPr lang="zh-CN" altLang="en-US" sz="1600">
-                <a:solidFill>
-                  <a:srgbClr val="213555"/>
-                </a:solidFill>
-              </a:endParaRPr>
-            </a:p>
-          </p:txBody>
-        </p:sp>
-        <p:sp>
-          <p:nvSpPr>
-            <p:cNvPr id="27" name="TextBox 16"/>
-            <p:cNvSpPr txBox="1"/>
-            <p:nvPr>
-              <p:custDataLst>
-                <p:tags r:id="rId20"/>
-              </p:custDataLst>
-            </p:nvPr>
-          </p:nvSpPr>
-          <p:spPr>
-            <a:xfrm>
-              <a:off x="5776685" y="995645"/>
-              <a:ext cx="3108046" cy="579595"/>
-            </a:xfrm>
-            <a:prstGeom prst="rect">
-              <a:avLst/>
-            </a:prstGeom>
-            <a:noFill/>
-          </p:spPr>
-          <p:txBody>
-            <a:bodyPr wrap="square" rtlCol="0">
-              <a:spAutoFit/>
-            </a:bodyPr>
-            <a:p>
-              <a:pPr algn="ctr">
-                <a:lnSpc>
-                  <a:spcPct val="120000"/>
-                </a:lnSpc>
-              </a:pPr>
-              <a:r>
-                <a:rPr lang="en-US" altLang="zh-CN" sz="2000" b="1" dirty="0">
-                  <a:solidFill>
-                    <a:schemeClr val="bg1"/>
-                  </a:solidFill>
-                  <a:latin typeface="+mj-ea"/>
-                  <a:ea typeface="+mj-ea"/>
-                </a:rPr>
-                <a:t>Tools</a:t>
-              </a:r>
-              <a:endParaRPr lang="en-US" altLang="zh-CN" sz="2000" b="1" dirty="0">
-                <a:solidFill>
-                  <a:schemeClr val="bg1"/>
-                </a:solidFill>
-                <a:latin typeface="+mj-ea"/>
-                <a:ea typeface="+mj-ea"/>
-              </a:endParaRPr>
-            </a:p>
-          </p:txBody>
-        </p:sp>
-        <p:sp>
-          <p:nvSpPr>
-            <p:cNvPr id="29" name="TextBox 17"/>
-            <p:cNvSpPr txBox="1"/>
-            <p:nvPr>
-              <p:custDataLst>
-                <p:tags r:id="rId21"/>
-              </p:custDataLst>
-            </p:nvPr>
-          </p:nvSpPr>
-          <p:spPr>
-            <a:xfrm>
-              <a:off x="3938139" y="1776693"/>
-              <a:ext cx="6807854" cy="439692"/>
-            </a:xfrm>
-            <a:prstGeom prst="rect">
-              <a:avLst/>
-            </a:prstGeom>
-            <a:noFill/>
-          </p:spPr>
-          <p:txBody>
-            <a:bodyPr wrap="square" rtlCol="0">
-              <a:spAutoFit/>
-            </a:bodyPr>
-            <a:p>
-              <a:pPr>
-                <a:lnSpc>
-                  <a:spcPct val="120000"/>
-                </a:lnSpc>
-              </a:pPr>
-              <a:r>
-                <a:rPr lang="en-US" altLang="zh-CN" sz="1400" dirty="0">
-                  <a:solidFill>
-                    <a:schemeClr val="tx1">
-                      <a:lumMod val="65000"/>
-                      <a:lumOff val="35000"/>
-                    </a:schemeClr>
-                  </a:solidFill>
-                  <a:latin typeface="微软雅黑" panose="020B0503020204020204" charset="-122"/>
-                  <a:ea typeface="微软雅黑" panose="020B0503020204020204" charset="-122"/>
-                </a:rPr>
-                <a:t>Used various tools such as Trello, Lucid, Tailwind, Bootstrap</a:t>
-              </a:r>
-              <a:endParaRPr lang="en-US" altLang="zh-CN" sz="1400" dirty="0">
-                <a:solidFill>
-                  <a:schemeClr val="tx1">
-                    <a:lumMod val="65000"/>
-                    <a:lumOff val="35000"/>
-                  </a:schemeClr>
-                </a:solidFill>
-                <a:latin typeface="微软雅黑" panose="020B0503020204020204" charset="-122"/>
-                <a:ea typeface="微软雅黑" panose="020B0503020204020204" charset="-122"/>
-              </a:endParaRPr>
-            </a:p>
-          </p:txBody>
-        </p:sp>
-      </p:grpSp>
-      <p:sp>
-        <p:nvSpPr>
-          <p:cNvPr id="30" name="Line 13"/>
-          <p:cNvSpPr>
-            <a:spLocks noChangeShapeType="1"/>
-          </p:cNvSpPr>
-          <p:nvPr>
-            <p:custDataLst>
-              <p:tags r:id="rId22"/>
-            </p:custDataLst>
-          </p:nvPr>
-        </p:nvSpPr>
-        <p:spPr bwMode="auto">
-          <a:xfrm flipV="1">
-            <a:off x="2981960" y="1317625"/>
-            <a:ext cx="963930" cy="2312670"/>
-          </a:xfrm>
-          <a:prstGeom prst="line">
-            <a:avLst/>
-          </a:prstGeom>
-          <a:noFill/>
-          <a:ln w="9" cap="flat">
-            <a:solidFill>
-              <a:srgbClr val="2E2C2C"/>
-            </a:solidFill>
-            <a:prstDash val="solid"/>
-            <a:miter lim="800000"/>
-            <a:headEnd type="none" w="med" len="med"/>
-            <a:tailEnd type="triangle" w="med" len="med"/>
-          </a:ln>
-          <a:extLst>
-            <a:ext uri="{909E8E84-426E-40DD-AFC4-6F175D3DCCD1}">
-              <a14:hiddenFill xmlns:a14="http://schemas.microsoft.com/office/drawing/2010/main">
-                <a:noFill/>
-              </a14:hiddenFill>
-            </a:ext>
-          </a:extLst>
-        </p:spPr>
-        <p:txBody>
-          <a:bodyPr vert="horz" wrap="square" lIns="91440" tIns="45720" rIns="91440" bIns="45720" numCol="1" anchor="t" anchorCtr="0" compatLnSpc="1"/>
-          <a:p>
-            <a:pPr>
-              <a:lnSpc>
-                <a:spcPct val="120000"/>
-              </a:lnSpc>
-            </a:pPr>
-            <a:endParaRPr lang="zh-CN" altLang="en-US" sz="2400">
-              <a:solidFill>
-                <a:srgbClr val="213555"/>
-              </a:solidFill>
-            </a:endParaRPr>
-          </a:p>
-        </p:txBody>
-      </p:sp>
-      <p:sp>
-        <p:nvSpPr>
-          <p:cNvPr id="39" name="Line 13"/>
-          <p:cNvSpPr>
-            <a:spLocks noChangeShapeType="1"/>
-          </p:cNvSpPr>
-          <p:nvPr>
-            <p:custDataLst>
-              <p:tags r:id="rId23"/>
-            </p:custDataLst>
-          </p:nvPr>
-        </p:nvSpPr>
-        <p:spPr bwMode="auto">
-          <a:xfrm flipV="1">
-            <a:off x="2981960" y="2800350"/>
-            <a:ext cx="956310" cy="829945"/>
-          </a:xfrm>
-          <a:prstGeom prst="line">
-            <a:avLst/>
-          </a:prstGeom>
-          <a:noFill/>
-          <a:ln w="9" cap="flat">
-            <a:solidFill>
-              <a:srgbClr val="2E2C2C"/>
-            </a:solidFill>
-            <a:prstDash val="solid"/>
-            <a:miter lim="800000"/>
-            <a:headEnd type="none" w="med" len="med"/>
-            <a:tailEnd type="triangle" w="med" len="med"/>
-          </a:ln>
-          <a:extLst>
-            <a:ext uri="{909E8E84-426E-40DD-AFC4-6F175D3DCCD1}">
-              <a14:hiddenFill xmlns:a14="http://schemas.microsoft.com/office/drawing/2010/main">
-                <a:noFill/>
-              </a14:hiddenFill>
-            </a:ext>
-          </a:extLst>
-        </p:spPr>
-        <p:txBody>
-          <a:bodyPr vert="horz" wrap="square" lIns="91440" tIns="45720" rIns="91440" bIns="45720" numCol="1" anchor="t" anchorCtr="0" compatLnSpc="1"/>
-          <a:lstStyle/>
-          <a:p>
-            <a:pPr>
-              <a:lnSpc>
-                <a:spcPct val="120000"/>
-              </a:lnSpc>
-            </a:pPr>
-            <a:endParaRPr lang="zh-CN" altLang="en-US" sz="2400">
-              <a:solidFill>
-                <a:srgbClr val="213555"/>
-              </a:solidFill>
-            </a:endParaRPr>
-          </a:p>
-        </p:txBody>
-      </p:sp>
-      <p:sp>
-        <p:nvSpPr>
-          <p:cNvPr id="42" name="Line 13"/>
-          <p:cNvSpPr>
-            <a:spLocks noChangeShapeType="1"/>
-          </p:cNvSpPr>
-          <p:nvPr>
-            <p:custDataLst>
-              <p:tags r:id="rId24"/>
-            </p:custDataLst>
-          </p:nvPr>
-        </p:nvSpPr>
-        <p:spPr bwMode="auto">
-          <a:xfrm>
-            <a:off x="3002280" y="3630295"/>
-            <a:ext cx="936625" cy="760095"/>
-          </a:xfrm>
-          <a:prstGeom prst="line">
-            <a:avLst/>
-          </a:prstGeom>
-          <a:noFill/>
-          <a:ln w="9" cap="flat">
-            <a:solidFill>
-              <a:srgbClr val="2E2C2C"/>
-            </a:solidFill>
-            <a:prstDash val="solid"/>
-            <a:miter lim="800000"/>
-            <a:headEnd type="none" w="med" len="med"/>
-            <a:tailEnd type="triangle" w="med" len="med"/>
-          </a:ln>
-          <a:extLst>
-            <a:ext uri="{909E8E84-426E-40DD-AFC4-6F175D3DCCD1}">
-              <a14:hiddenFill xmlns:a14="http://schemas.microsoft.com/office/drawing/2010/main">
-                <a:noFill/>
-              </a14:hiddenFill>
-            </a:ext>
-          </a:extLst>
-        </p:spPr>
-        <p:txBody>
-          <a:bodyPr vert="horz" wrap="square" lIns="91440" tIns="45720" rIns="91440" bIns="45720" numCol="1" anchor="t" anchorCtr="0" compatLnSpc="1"/>
-          <a:lstStyle/>
-          <a:p>
-            <a:pPr>
-              <a:lnSpc>
-                <a:spcPct val="120000"/>
-              </a:lnSpc>
-            </a:pPr>
-            <a:endParaRPr lang="zh-CN" altLang="en-US" sz="2400">
-              <a:solidFill>
-                <a:srgbClr val="213555"/>
-              </a:solidFill>
-            </a:endParaRPr>
-          </a:p>
-        </p:txBody>
-      </p:sp>
     </p:spTree>
   </p:cSld>
   <p:clrMapOvr>
@@ -10321,7 +10375,7 @@
           <p:nvPr/>
         </p:nvPicPr>
         <p:blipFill>
-          <a:blip r:embed="rId1" cstate="print">
+          <a:blip r:embed="rId3" cstate="print">
             <a:extLst>
               <a:ext uri="{28A0092B-C50C-407E-A947-70E740481C1C}">
                 <a14:useLocalDpi xmlns:a14="http://schemas.microsoft.com/office/drawing/2010/main" val="0"/>
@@ -10532,7 +10586,7 @@
           <p:nvPr/>
         </p:nvPicPr>
         <p:blipFill>
-          <a:blip r:embed="rId1" cstate="print">
+          <a:blip r:embed="rId3" cstate="print">
             <a:extLst>
               <a:ext uri="{28A0092B-C50C-407E-A947-70E740481C1C}">
                 <a14:useLocalDpi xmlns:a14="http://schemas.microsoft.com/office/drawing/2010/main" val="0"/>
@@ -10561,7 +10615,7 @@
         </p:nvSpPr>
         <p:spPr>
           <a:xfrm>
-            <a:off x="2856230" y="423263"/>
+            <a:off x="2997200" y="423263"/>
             <a:ext cx="8780616" cy="6017293"/>
           </a:xfrm>
           <a:prstGeom prst="rect">
@@ -14954,12 +15008,6 @@
                   </a:rPr>
                   <a:t>Operation result</a:t>
                 </a:r>
-                <a:endParaRPr lang="en-US" b="1" dirty="0">
-                  <a:solidFill>
-                    <a:srgbClr val="313D51"/>
-                  </a:solidFill>
-                  <a:latin typeface="微软雅黑" panose="020B0503020204020204" charset="-122"/>
-                </a:endParaRPr>
               </a:p>
             </p:txBody>
           </p:sp>
@@ -15060,9 +15108,9 @@
         <p:grpSpPr>
           <a:xfrm>
             <a:off x="5714354" y="5273048"/>
-            <a:ext cx="5778500" cy="578188"/>
+            <a:ext cx="4890672" cy="578188"/>
             <a:chOff x="5714354" y="4244369"/>
-            <a:chExt cx="5778500" cy="578188"/>
+            <a:chExt cx="4890672" cy="578188"/>
           </a:xfrm>
         </p:grpSpPr>
         <p:grpSp>
@@ -15074,9 +15122,9 @@
           <p:grpSpPr>
             <a:xfrm>
               <a:off x="5714354" y="4244369"/>
-              <a:ext cx="5778500" cy="576263"/>
+              <a:ext cx="4103687" cy="576263"/>
               <a:chOff x="4753236" y="4446326"/>
-              <a:chExt cx="5778500" cy="576263"/>
+              <a:chExt cx="4103687" cy="576263"/>
             </a:xfrm>
           </p:grpSpPr>
           <p:grpSp>
@@ -18740,7 +18788,7 @@
             <p:spPr bwMode="auto">
               <a:xfrm>
                 <a:off x="6566161" y="4535226"/>
-                <a:ext cx="3965575" cy="460375"/>
+                <a:ext cx="2290762" cy="430374"/>
               </a:xfrm>
               <a:prstGeom prst="rect">
                 <a:avLst/>
@@ -18770,7 +18818,7 @@
               </a:extLst>
             </p:spPr>
             <p:txBody>
-              <a:bodyPr wrap="square">
+              <a:bodyPr>
                 <a:spAutoFit/>
               </a:bodyPr>
               <a:lstStyle>
@@ -18925,7 +18973,7 @@
                     </a:solidFill>
                     <a:latin typeface="微软雅黑" panose="020B0503020204020204" charset="-122"/>
                   </a:rPr>
-                  <a:t>Contributions &amp; Learnings</a:t>
+                  <a:t>Contributions</a:t>
                 </a:r>
                 <a:endParaRPr lang="zh-CN" altLang="en-US" b="1" dirty="0">
                   <a:solidFill>
@@ -19096,7 +19144,7 @@
           <p:nvPr/>
         </p:nvPicPr>
         <p:blipFill>
-          <a:blip r:embed="rId1" cstate="print">
+          <a:blip r:embed="rId3" cstate="print">
             <a:extLst>
               <a:ext uri="{28A0092B-C50C-407E-A947-70E740481C1C}">
                 <a14:useLocalDpi xmlns:a14="http://schemas.microsoft.com/office/drawing/2010/main" val="0"/>
@@ -19385,7 +19433,7 @@
           </p:nvPr>
         </p:nvPicPr>
         <p:blipFill>
-          <a:blip r:embed="rId2" cstate="print">
+          <a:blip r:embed="rId4" cstate="print">
             <a:extLst>
               <a:ext uri="{28A0092B-C50C-407E-A947-70E740481C1C}">
                 <a14:useLocalDpi xmlns:a14="http://schemas.microsoft.com/office/drawing/2010/main" val="0"/>
@@ -19543,18 +19591,8 @@
                 <a:latin typeface="微软雅黑" panose="020B0503020204020204" charset="-122"/>
                 <a:ea typeface="微软雅黑" panose="020B0503020204020204" charset="-122"/>
               </a:rPr>
-              <a:t>Designed to provide users with a convenient, diverse selection.This user-friendly system built on react implements user login and registration, provides multiple destinations to choose from, sign up for trips, etc.</a:t>
+              <a:t>Designed to provide users with a convenient, diverse selection of travel sites.This user-friendly system built on react implements user login and registration, provides multiple destinations to choose from, sign up for trips, etc.</a:t>
             </a:r>
-            <a:endParaRPr lang="en-US" altLang="zh-CN" sz="1600" dirty="0">
-              <a:solidFill>
-                <a:schemeClr val="tx1">
-                  <a:lumMod val="65000"/>
-                  <a:lumOff val="35000"/>
-                </a:schemeClr>
-              </a:solidFill>
-              <a:latin typeface="微软雅黑" panose="020B0503020204020204" charset="-122"/>
-              <a:ea typeface="微软雅黑" panose="020B0503020204020204" charset="-122"/>
-            </a:endParaRPr>
           </a:p>
           <a:p>
             <a:pPr algn="just">
@@ -19592,16 +19630,6 @@
               </a:rPr>
               <a:t>common UI. Props are passed down properly.</a:t>
             </a:r>
-            <a:endParaRPr lang="en-US" altLang="zh-CN" sz="1600" dirty="0">
-              <a:solidFill>
-                <a:schemeClr val="tx1">
-                  <a:lumMod val="65000"/>
-                  <a:lumOff val="35000"/>
-                </a:schemeClr>
-              </a:solidFill>
-              <a:latin typeface="微软雅黑" panose="020B0503020204020204" charset="-122"/>
-              <a:ea typeface="微软雅黑" panose="020B0503020204020204" charset="-122"/>
-            </a:endParaRPr>
           </a:p>
         </p:txBody>
       </p:sp>
@@ -19665,7 +19693,7 @@
           <p:nvPr/>
         </p:nvPicPr>
         <p:blipFill>
-          <a:blip r:embed="rId3"/>
+          <a:blip r:embed="rId5"/>
           <a:stretch>
             <a:fillRect/>
           </a:stretch>
@@ -19689,7 +19717,7 @@
           <p:nvPr/>
         </p:nvPicPr>
         <p:blipFill>
-          <a:blip r:embed="rId4"/>
+          <a:blip r:embed="rId6"/>
           <a:stretch>
             <a:fillRect/>
           </a:stretch>
@@ -19742,7 +19770,7 @@
           </p:nvPr>
         </p:nvPicPr>
         <p:blipFill>
-          <a:blip r:embed="rId2" cstate="print">
+          <a:blip r:embed="rId4" cstate="print">
             <a:extLst>
               <a:ext uri="{28A0092B-C50C-407E-A947-70E740481C1C}">
                 <a14:useLocalDpi xmlns:a14="http://schemas.microsoft.com/office/drawing/2010/main" val="0"/>
@@ -19825,7 +19853,7 @@
           <p:nvPr/>
         </p:nvPicPr>
         <p:blipFill>
-          <a:blip r:embed="rId3"/>
+          <a:blip r:embed="rId5"/>
           <a:stretch>
             <a:fillRect/>
           </a:stretch>
@@ -19849,7 +19877,7 @@
           <p:nvPr/>
         </p:nvPicPr>
         <p:blipFill>
-          <a:blip r:embed="rId4"/>
+          <a:blip r:embed="rId6"/>
           <a:srcRect l="4030" t="17370" r="14382" b="33981"/>
           <a:stretch>
             <a:fillRect/>
@@ -19899,7 +19927,7 @@
           <p:nvPr/>
         </p:nvPicPr>
         <p:blipFill>
-          <a:blip r:embed="rId1" cstate="print">
+          <a:blip r:embed="rId3" cstate="print">
             <a:extLst>
               <a:ext uri="{28A0092B-C50C-407E-A947-70E740481C1C}">
                 <a14:useLocalDpi xmlns:a14="http://schemas.microsoft.com/office/drawing/2010/main" val="0"/>
@@ -20187,7 +20215,7 @@
           </p:nvPr>
         </p:nvPicPr>
         <p:blipFill>
-          <a:blip r:embed="rId2" cstate="print">
+          <a:blip r:embed="rId5" cstate="print">
             <a:extLst>
               <a:ext uri="{28A0092B-C50C-407E-A947-70E740481C1C}">
                 <a14:useLocalDpi xmlns:a14="http://schemas.microsoft.com/office/drawing/2010/main" val="0"/>
@@ -20252,13 +20280,6 @@
               </a:rPr>
               <a:t>Main Components</a:t>
             </a:r>
-            <a:endParaRPr lang="en-US" altLang="zh-CN" sz="3200" b="1" dirty="0">
-              <a:solidFill>
-                <a:srgbClr val="244C89"/>
-              </a:solidFill>
-              <a:ea typeface="微软雅黑" panose="020B0503020204020204" charset="-122"/>
-              <a:sym typeface="+mn-ea"/>
-            </a:endParaRPr>
           </a:p>
         </p:txBody>
       </p:sp>
@@ -20270,12 +20291,12 @@
           </p:cNvPicPr>
           <p:nvPr>
             <p:custDataLst>
-              <p:tags r:id="rId3"/>
+              <p:tags r:id="rId2"/>
             </p:custDataLst>
           </p:nvPr>
         </p:nvPicPr>
         <p:blipFill>
-          <a:blip r:embed="rId4"/>
+          <a:blip r:embed="rId6"/>
           <a:stretch>
             <a:fillRect/>
           </a:stretch>
@@ -20299,7 +20320,7 @@
           <p:nvPr/>
         </p:nvPicPr>
         <p:blipFill>
-          <a:blip r:embed="rId5"/>
+          <a:blip r:embed="rId7"/>
           <a:stretch>
             <a:fillRect/>
           </a:stretch>
@@ -20352,7 +20373,7 @@
           </p:nvPr>
         </p:nvPicPr>
         <p:blipFill>
-          <a:blip r:embed="rId2" cstate="print">
+          <a:blip r:embed="rId8" cstate="print">
             <a:extLst>
               <a:ext uri="{28A0092B-C50C-407E-A947-70E740481C1C}">
                 <a14:useLocalDpi xmlns:a14="http://schemas.microsoft.com/office/drawing/2010/main" val="0"/>
@@ -20417,13 +20438,6 @@
               </a:rPr>
               <a:t>React router &amp; Component Nesting</a:t>
             </a:r>
-            <a:endParaRPr lang="en-US" altLang="zh-CN" sz="3200" b="1" dirty="0">
-              <a:solidFill>
-                <a:srgbClr val="244C89"/>
-              </a:solidFill>
-              <a:ea typeface="微软雅黑" panose="020B0503020204020204" charset="-122"/>
-              <a:sym typeface="+mn-ea"/>
-            </a:endParaRPr>
           </a:p>
         </p:txBody>
       </p:sp>
@@ -20435,12 +20449,12 @@
           </p:cNvPicPr>
           <p:nvPr>
             <p:custDataLst>
-              <p:tags r:id="rId3"/>
+              <p:tags r:id="rId2"/>
             </p:custDataLst>
           </p:nvPr>
         </p:nvPicPr>
         <p:blipFill>
-          <a:blip r:embed="rId4"/>
+          <a:blip r:embed="rId9"/>
           <a:stretch>
             <a:fillRect/>
           </a:stretch>
@@ -20464,7 +20478,7 @@
           <p:nvPr/>
         </p:nvPicPr>
         <p:blipFill>
-          <a:blip r:embed="rId5"/>
+          <a:blip r:embed="rId10"/>
           <a:stretch>
             <a:fillRect/>
           </a:stretch>
@@ -20488,7 +20502,7 @@
           <p:nvPr/>
         </p:nvPicPr>
         <p:blipFill>
-          <a:blip r:embed="rId6"/>
+          <a:blip r:embed="rId11"/>
           <a:stretch>
             <a:fillRect/>
           </a:stretch>
@@ -20509,7 +20523,7 @@
           <p:cNvSpPr/>
           <p:nvPr>
             <p:custDataLst>
-              <p:tags r:id="rId7"/>
+              <p:tags r:id="rId3"/>
             </p:custDataLst>
           </p:nvPr>
         </p:nvSpPr>
@@ -20547,6 +20561,7 @@
         </p:style>
         <p:txBody>
           <a:bodyPr rtlCol="0" anchor="ctr"/>
+          <a:lstStyle/>
           <a:p>
             <a:pPr algn="ctr"/>
             <a:endParaRPr lang="zh-CN" altLang="en-US">
@@ -20566,7 +20581,7 @@
           <p:nvPr/>
         </p:nvPicPr>
         <p:blipFill>
-          <a:blip r:embed="rId8"/>
+          <a:blip r:embed="rId12"/>
           <a:stretch>
             <a:fillRect/>
           </a:stretch>
@@ -20590,7 +20605,7 @@
           <p:nvPr/>
         </p:nvPicPr>
         <p:blipFill>
-          <a:blip r:embed="rId9"/>
+          <a:blip r:embed="rId13"/>
           <a:stretch>
             <a:fillRect/>
           </a:stretch>
@@ -20614,7 +20629,7 @@
           <p:nvPr/>
         </p:nvPicPr>
         <p:blipFill>
-          <a:blip r:embed="rId10"/>
+          <a:blip r:embed="rId14"/>
           <a:stretch>
             <a:fillRect/>
           </a:stretch>
@@ -20635,7 +20650,7 @@
           <p:cNvSpPr/>
           <p:nvPr>
             <p:custDataLst>
-              <p:tags r:id="rId11"/>
+              <p:tags r:id="rId4"/>
             </p:custDataLst>
           </p:nvPr>
         </p:nvSpPr>
@@ -20673,6 +20688,7 @@
         </p:style>
         <p:txBody>
           <a:bodyPr rtlCol="0" anchor="ctr"/>
+          <a:lstStyle/>
           <a:p>
             <a:pPr algn="ctr"/>
             <a:endParaRPr lang="zh-CN" altLang="en-US">
@@ -20692,7 +20708,7 @@
           <p:nvPr/>
         </p:nvPicPr>
         <p:blipFill>
-          <a:blip r:embed="rId12"/>
+          <a:blip r:embed="rId15"/>
           <a:stretch>
             <a:fillRect/>
           </a:stretch>
@@ -20713,7 +20729,7 @@
           <p:cNvSpPr/>
           <p:nvPr>
             <p:custDataLst>
-              <p:tags r:id="rId13"/>
+              <p:tags r:id="rId5"/>
             </p:custDataLst>
           </p:nvPr>
         </p:nvSpPr>
@@ -20751,6 +20767,7 @@
         </p:style>
         <p:txBody>
           <a:bodyPr rtlCol="0" anchor="ctr"/>
+          <a:lstStyle/>
           <a:p>
             <a:pPr algn="ctr"/>
             <a:endParaRPr lang="zh-CN" altLang="en-US">
@@ -20799,7 +20816,7 @@
           </p:nvPr>
         </p:nvPicPr>
         <p:blipFill>
-          <a:blip r:embed="rId2" cstate="print">
+          <a:blip r:embed="rId5" cstate="print">
             <a:extLst>
               <a:ext uri="{28A0092B-C50C-407E-A947-70E740481C1C}">
                 <a14:useLocalDpi xmlns:a14="http://schemas.microsoft.com/office/drawing/2010/main" val="0"/>
@@ -20864,13 +20881,6 @@
               </a:rPr>
               <a:t>Main Components</a:t>
             </a:r>
-            <a:endParaRPr lang="en-US" altLang="zh-CN" sz="3200" b="1" dirty="0">
-              <a:solidFill>
-                <a:srgbClr val="244C89"/>
-              </a:solidFill>
-              <a:ea typeface="微软雅黑" panose="020B0503020204020204" charset="-122"/>
-              <a:sym typeface="+mn-ea"/>
-            </a:endParaRPr>
           </a:p>
         </p:txBody>
       </p:sp>
@@ -20882,12 +20892,12 @@
           </p:cNvPicPr>
           <p:nvPr>
             <p:custDataLst>
-              <p:tags r:id="rId3"/>
+              <p:tags r:id="rId2"/>
             </p:custDataLst>
           </p:nvPr>
         </p:nvPicPr>
         <p:blipFill>
-          <a:blip r:embed="rId4"/>
+          <a:blip r:embed="rId6"/>
           <a:stretch>
             <a:fillRect/>
           </a:stretch>
@@ -20911,7 +20921,7 @@
           <p:nvPr/>
         </p:nvPicPr>
         <p:blipFill>
-          <a:blip r:embed="rId5"/>
+          <a:blip r:embed="rId7"/>
           <a:stretch>
             <a:fillRect/>
           </a:stretch>
@@ -20946,6 +20956,7 @@
           <a:bodyPr wrap="square" rtlCol="0">
             <a:spAutoFit/>
           </a:bodyPr>
+          <a:lstStyle/>
           <a:p>
             <a:pPr marL="342900" indent="-342900">
               <a:buClr>
@@ -20959,7 +20970,6 @@
               <a:rPr lang="en-US" altLang="zh-CN" sz="2000"/>
               <a:t>Displaying Spain as an example.</a:t>
             </a:r>
-            <a:endParaRPr lang="en-US" altLang="zh-CN" sz="2000"/>
           </a:p>
           <a:p>
             <a:pPr marL="342900" indent="-342900">
@@ -20974,7 +20984,6 @@
               <a:rPr lang="en-US" altLang="zh-CN" sz="2000"/>
               <a:t>All components are reusable and used in other destination pages.</a:t>
             </a:r>
-            <a:endParaRPr lang="en-US" altLang="zh-CN" sz="2000"/>
           </a:p>
           <a:p>
             <a:pPr marL="342900" indent="-342900">
@@ -20989,7 +20998,6 @@
               <a:rPr lang="en-US" altLang="zh-CN" sz="2000"/>
               <a:t>Props are passed down properly such as title, description and image URL.</a:t>
             </a:r>
-            <a:endParaRPr lang="en-US" altLang="zh-CN" sz="2000"/>
           </a:p>
           <a:p>
             <a:endParaRPr lang="en-US" altLang="zh-CN" sz="2000"/>
@@ -21005,283 +21013,289 @@
 </file>
 
 <file path=ppt/tags/tag1.xml><?xml version="1.0" encoding="utf-8"?>
-<p:tagLst xmlns:p="http://schemas.openxmlformats.org/presentationml/2006/main">
-  <p:tag name="PA" val="v3.0.1"/>
+<p:tagLst xmlns:a="http://schemas.openxmlformats.org/drawingml/2006/main" xmlns:r="http://schemas.openxmlformats.org/officeDocument/2006/relationships" xmlns:p="http://schemas.openxmlformats.org/presentationml/2006/main">
+  <p:tag name="COMMONDATA" val="eyJoZGlkIjoiMWZjNGE5ZTQ0NzNmZmJlYWZiNzBjMzJmYzRhZDMyMmMifQ=="/>
 </p:tagLst>
 </file>
 
 <file path=ppt/tags/tag10.xml><?xml version="1.0" encoding="utf-8"?>
-<p:tagLst xmlns:p="http://schemas.openxmlformats.org/presentationml/2006/main">
+<p:tagLst xmlns:a="http://schemas.openxmlformats.org/drawingml/2006/main" xmlns:r="http://schemas.openxmlformats.org/officeDocument/2006/relationships" xmlns:p="http://schemas.openxmlformats.org/presentationml/2006/main">
   <p:tag name="KSO_WM_BEAUTIFY_FLAG" val=""/>
 </p:tagLst>
 </file>
 
 <file path=ppt/tags/tag11.xml><?xml version="1.0" encoding="utf-8"?>
-<p:tagLst xmlns:p="http://schemas.openxmlformats.org/presentationml/2006/main">
+<p:tagLst xmlns:a="http://schemas.openxmlformats.org/drawingml/2006/main" xmlns:r="http://schemas.openxmlformats.org/officeDocument/2006/relationships" xmlns:p="http://schemas.openxmlformats.org/presentationml/2006/main">
   <p:tag name="KSO_WM_BEAUTIFY_FLAG" val=""/>
 </p:tagLst>
 </file>
 
 <file path=ppt/tags/tag12.xml><?xml version="1.0" encoding="utf-8"?>
-<p:tagLst xmlns:p="http://schemas.openxmlformats.org/presentationml/2006/main">
+<p:tagLst xmlns:a="http://schemas.openxmlformats.org/drawingml/2006/main" xmlns:r="http://schemas.openxmlformats.org/officeDocument/2006/relationships" xmlns:p="http://schemas.openxmlformats.org/presentationml/2006/main">
   <p:tag name="KSO_WM_BEAUTIFY_FLAG" val=""/>
 </p:tagLst>
 </file>
 
 <file path=ppt/tags/tag13.xml><?xml version="1.0" encoding="utf-8"?>
-<p:tagLst xmlns:p="http://schemas.openxmlformats.org/presentationml/2006/main">
+<p:tagLst xmlns:a="http://schemas.openxmlformats.org/drawingml/2006/main" xmlns:r="http://schemas.openxmlformats.org/officeDocument/2006/relationships" xmlns:p="http://schemas.openxmlformats.org/presentationml/2006/main">
   <p:tag name="KSO_WM_BEAUTIFY_FLAG" val=""/>
 </p:tagLst>
 </file>
 
 <file path=ppt/tags/tag14.xml><?xml version="1.0" encoding="utf-8"?>
-<p:tagLst xmlns:p="http://schemas.openxmlformats.org/presentationml/2006/main">
+<p:tagLst xmlns:a="http://schemas.openxmlformats.org/drawingml/2006/main" xmlns:r="http://schemas.openxmlformats.org/officeDocument/2006/relationships" xmlns:p="http://schemas.openxmlformats.org/presentationml/2006/main">
   <p:tag name="KSO_WM_BEAUTIFY_FLAG" val=""/>
 </p:tagLst>
 </file>
 
 <file path=ppt/tags/tag15.xml><?xml version="1.0" encoding="utf-8"?>
-<p:tagLst xmlns:p="http://schemas.openxmlformats.org/presentationml/2006/main">
+<p:tagLst xmlns:a="http://schemas.openxmlformats.org/drawingml/2006/main" xmlns:r="http://schemas.openxmlformats.org/officeDocument/2006/relationships" xmlns:p="http://schemas.openxmlformats.org/presentationml/2006/main">
   <p:tag name="KSO_WM_BEAUTIFY_FLAG" val=""/>
 </p:tagLst>
 </file>
 
 <file path=ppt/tags/tag16.xml><?xml version="1.0" encoding="utf-8"?>
-<p:tagLst xmlns:p="http://schemas.openxmlformats.org/presentationml/2006/main">
+<p:tagLst xmlns:a="http://schemas.openxmlformats.org/drawingml/2006/main" xmlns:r="http://schemas.openxmlformats.org/officeDocument/2006/relationships" xmlns:p="http://schemas.openxmlformats.org/presentationml/2006/main">
   <p:tag name="KSO_WM_BEAUTIFY_FLAG" val=""/>
 </p:tagLst>
 </file>
 
 <file path=ppt/tags/tag17.xml><?xml version="1.0" encoding="utf-8"?>
-<p:tagLst xmlns:p="http://schemas.openxmlformats.org/presentationml/2006/main">
+<p:tagLst xmlns:a="http://schemas.openxmlformats.org/drawingml/2006/main" xmlns:r="http://schemas.openxmlformats.org/officeDocument/2006/relationships" xmlns:p="http://schemas.openxmlformats.org/presentationml/2006/main">
   <p:tag name="KSO_WM_BEAUTIFY_FLAG" val=""/>
 </p:tagLst>
 </file>
 
 <file path=ppt/tags/tag18.xml><?xml version="1.0" encoding="utf-8"?>
-<p:tagLst xmlns:p="http://schemas.openxmlformats.org/presentationml/2006/main">
+<p:tagLst xmlns:a="http://schemas.openxmlformats.org/drawingml/2006/main" xmlns:r="http://schemas.openxmlformats.org/officeDocument/2006/relationships" xmlns:p="http://schemas.openxmlformats.org/presentationml/2006/main">
   <p:tag name="KSO_WM_BEAUTIFY_FLAG" val=""/>
 </p:tagLst>
 </file>
 
 <file path=ppt/tags/tag19.xml><?xml version="1.0" encoding="utf-8"?>
-<p:tagLst xmlns:p="http://schemas.openxmlformats.org/presentationml/2006/main">
+<p:tagLst xmlns:a="http://schemas.openxmlformats.org/drawingml/2006/main" xmlns:r="http://schemas.openxmlformats.org/officeDocument/2006/relationships" xmlns:p="http://schemas.openxmlformats.org/presentationml/2006/main">
   <p:tag name="KSO_WM_BEAUTIFY_FLAG" val=""/>
 </p:tagLst>
 </file>
 
 <file path=ppt/tags/tag2.xml><?xml version="1.0" encoding="utf-8"?>
-<p:tagLst xmlns:p="http://schemas.openxmlformats.org/presentationml/2006/main">
-  <p:tag name="KSO_WM_BEAUTIFY_FLAG" val=""/>
+<p:tagLst xmlns:a="http://schemas.openxmlformats.org/drawingml/2006/main" xmlns:r="http://schemas.openxmlformats.org/officeDocument/2006/relationships" xmlns:p="http://schemas.openxmlformats.org/presentationml/2006/main">
+  <p:tag name="PA" val="v3.0.1"/>
 </p:tagLst>
 </file>
 
 <file path=ppt/tags/tag20.xml><?xml version="1.0" encoding="utf-8"?>
-<p:tagLst xmlns:p="http://schemas.openxmlformats.org/presentationml/2006/main">
+<p:tagLst xmlns:a="http://schemas.openxmlformats.org/drawingml/2006/main" xmlns:r="http://schemas.openxmlformats.org/officeDocument/2006/relationships" xmlns:p="http://schemas.openxmlformats.org/presentationml/2006/main">
   <p:tag name="KSO_WM_BEAUTIFY_FLAG" val=""/>
 </p:tagLst>
 </file>
 
 <file path=ppt/tags/tag21.xml><?xml version="1.0" encoding="utf-8"?>
-<p:tagLst xmlns:p="http://schemas.openxmlformats.org/presentationml/2006/main">
+<p:tagLst xmlns:a="http://schemas.openxmlformats.org/drawingml/2006/main" xmlns:r="http://schemas.openxmlformats.org/officeDocument/2006/relationships" xmlns:p="http://schemas.openxmlformats.org/presentationml/2006/main">
   <p:tag name="KSO_WM_BEAUTIFY_FLAG" val=""/>
 </p:tagLst>
 </file>
 
 <file path=ppt/tags/tag22.xml><?xml version="1.0" encoding="utf-8"?>
-<p:tagLst xmlns:p="http://schemas.openxmlformats.org/presentationml/2006/main">
+<p:tagLst xmlns:a="http://schemas.openxmlformats.org/drawingml/2006/main" xmlns:r="http://schemas.openxmlformats.org/officeDocument/2006/relationships" xmlns:p="http://schemas.openxmlformats.org/presentationml/2006/main">
   <p:tag name="KSO_WM_BEAUTIFY_FLAG" val=""/>
 </p:tagLst>
 </file>
 
 <file path=ppt/tags/tag23.xml><?xml version="1.0" encoding="utf-8"?>
-<p:tagLst xmlns:p="http://schemas.openxmlformats.org/presentationml/2006/main">
+<p:tagLst xmlns:a="http://schemas.openxmlformats.org/drawingml/2006/main" xmlns:r="http://schemas.openxmlformats.org/officeDocument/2006/relationships" xmlns:p="http://schemas.openxmlformats.org/presentationml/2006/main">
   <p:tag name="KSO_WM_BEAUTIFY_FLAG" val=""/>
 </p:tagLst>
 </file>
 
 <file path=ppt/tags/tag24.xml><?xml version="1.0" encoding="utf-8"?>
-<p:tagLst xmlns:p="http://schemas.openxmlformats.org/presentationml/2006/main">
+<p:tagLst xmlns:a="http://schemas.openxmlformats.org/drawingml/2006/main" xmlns:r="http://schemas.openxmlformats.org/officeDocument/2006/relationships" xmlns:p="http://schemas.openxmlformats.org/presentationml/2006/main">
   <p:tag name="KSO_WM_BEAUTIFY_FLAG" val=""/>
 </p:tagLst>
 </file>
 
 <file path=ppt/tags/tag25.xml><?xml version="1.0" encoding="utf-8"?>
-<p:tagLst xmlns:p="http://schemas.openxmlformats.org/presentationml/2006/main">
+<p:tagLst xmlns:a="http://schemas.openxmlformats.org/drawingml/2006/main" xmlns:r="http://schemas.openxmlformats.org/officeDocument/2006/relationships" xmlns:p="http://schemas.openxmlformats.org/presentationml/2006/main">
   <p:tag name="KSO_WM_BEAUTIFY_FLAG" val=""/>
 </p:tagLst>
 </file>
 
 <file path=ppt/tags/tag26.xml><?xml version="1.0" encoding="utf-8"?>
-<p:tagLst xmlns:p="http://schemas.openxmlformats.org/presentationml/2006/main">
+<p:tagLst xmlns:a="http://schemas.openxmlformats.org/drawingml/2006/main" xmlns:r="http://schemas.openxmlformats.org/officeDocument/2006/relationships" xmlns:p="http://schemas.openxmlformats.org/presentationml/2006/main">
   <p:tag name="KSO_WM_BEAUTIFY_FLAG" val=""/>
 </p:tagLst>
 </file>
 
 <file path=ppt/tags/tag27.xml><?xml version="1.0" encoding="utf-8"?>
-<p:tagLst xmlns:p="http://schemas.openxmlformats.org/presentationml/2006/main">
+<p:tagLst xmlns:a="http://schemas.openxmlformats.org/drawingml/2006/main" xmlns:r="http://schemas.openxmlformats.org/officeDocument/2006/relationships" xmlns:p="http://schemas.openxmlformats.org/presentationml/2006/main">
   <p:tag name="KSO_WM_BEAUTIFY_FLAG" val=""/>
 </p:tagLst>
 </file>
 
 <file path=ppt/tags/tag28.xml><?xml version="1.0" encoding="utf-8"?>
-<p:tagLst xmlns:p="http://schemas.openxmlformats.org/presentationml/2006/main">
+<p:tagLst xmlns:a="http://schemas.openxmlformats.org/drawingml/2006/main" xmlns:r="http://schemas.openxmlformats.org/officeDocument/2006/relationships" xmlns:p="http://schemas.openxmlformats.org/presentationml/2006/main">
   <p:tag name="KSO_WM_BEAUTIFY_FLAG" val=""/>
 </p:tagLst>
 </file>
 
 <file path=ppt/tags/tag29.xml><?xml version="1.0" encoding="utf-8"?>
-<p:tagLst xmlns:p="http://schemas.openxmlformats.org/presentationml/2006/main">
+<p:tagLst xmlns:a="http://schemas.openxmlformats.org/drawingml/2006/main" xmlns:r="http://schemas.openxmlformats.org/officeDocument/2006/relationships" xmlns:p="http://schemas.openxmlformats.org/presentationml/2006/main">
   <p:tag name="KSO_WM_BEAUTIFY_FLAG" val=""/>
 </p:tagLst>
 </file>
 
 <file path=ppt/tags/tag3.xml><?xml version="1.0" encoding="utf-8"?>
-<p:tagLst xmlns:p="http://schemas.openxmlformats.org/presentationml/2006/main">
+<p:tagLst xmlns:a="http://schemas.openxmlformats.org/drawingml/2006/main" xmlns:r="http://schemas.openxmlformats.org/officeDocument/2006/relationships" xmlns:p="http://schemas.openxmlformats.org/presentationml/2006/main">
   <p:tag name="KSO_WM_BEAUTIFY_FLAG" val=""/>
 </p:tagLst>
 </file>
 
 <file path=ppt/tags/tag30.xml><?xml version="1.0" encoding="utf-8"?>
-<p:tagLst xmlns:p="http://schemas.openxmlformats.org/presentationml/2006/main">
+<p:tagLst xmlns:a="http://schemas.openxmlformats.org/drawingml/2006/main" xmlns:r="http://schemas.openxmlformats.org/officeDocument/2006/relationships" xmlns:p="http://schemas.openxmlformats.org/presentationml/2006/main">
   <p:tag name="KSO_WM_BEAUTIFY_FLAG" val=""/>
 </p:tagLst>
 </file>
 
 <file path=ppt/tags/tag31.xml><?xml version="1.0" encoding="utf-8"?>
-<p:tagLst xmlns:p="http://schemas.openxmlformats.org/presentationml/2006/main">
+<p:tagLst xmlns:a="http://schemas.openxmlformats.org/drawingml/2006/main" xmlns:r="http://schemas.openxmlformats.org/officeDocument/2006/relationships" xmlns:p="http://schemas.openxmlformats.org/presentationml/2006/main">
   <p:tag name="KSO_WM_BEAUTIFY_FLAG" val=""/>
 </p:tagLst>
 </file>
 
 <file path=ppt/tags/tag32.xml><?xml version="1.0" encoding="utf-8"?>
-<p:tagLst xmlns:p="http://schemas.openxmlformats.org/presentationml/2006/main">
+<p:tagLst xmlns:a="http://schemas.openxmlformats.org/drawingml/2006/main" xmlns:r="http://schemas.openxmlformats.org/officeDocument/2006/relationships" xmlns:p="http://schemas.openxmlformats.org/presentationml/2006/main">
   <p:tag name="KSO_WM_BEAUTIFY_FLAG" val=""/>
 </p:tagLst>
 </file>
 
 <file path=ppt/tags/tag33.xml><?xml version="1.0" encoding="utf-8"?>
-<p:tagLst xmlns:p="http://schemas.openxmlformats.org/presentationml/2006/main">
+<p:tagLst xmlns:a="http://schemas.openxmlformats.org/drawingml/2006/main" xmlns:r="http://schemas.openxmlformats.org/officeDocument/2006/relationships" xmlns:p="http://schemas.openxmlformats.org/presentationml/2006/main">
   <p:tag name="KSO_WM_BEAUTIFY_FLAG" val=""/>
 </p:tagLst>
 </file>
 
 <file path=ppt/tags/tag34.xml><?xml version="1.0" encoding="utf-8"?>
-<p:tagLst xmlns:p="http://schemas.openxmlformats.org/presentationml/2006/main">
+<p:tagLst xmlns:a="http://schemas.openxmlformats.org/drawingml/2006/main" xmlns:r="http://schemas.openxmlformats.org/officeDocument/2006/relationships" xmlns:p="http://schemas.openxmlformats.org/presentationml/2006/main">
   <p:tag name="KSO_WM_BEAUTIFY_FLAG" val=""/>
 </p:tagLst>
 </file>
 
 <file path=ppt/tags/tag35.xml><?xml version="1.0" encoding="utf-8"?>
-<p:tagLst xmlns:p="http://schemas.openxmlformats.org/presentationml/2006/main">
+<p:tagLst xmlns:a="http://schemas.openxmlformats.org/drawingml/2006/main" xmlns:r="http://schemas.openxmlformats.org/officeDocument/2006/relationships" xmlns:p="http://schemas.openxmlformats.org/presentationml/2006/main">
   <p:tag name="KSO_WM_BEAUTIFY_FLAG" val=""/>
 </p:tagLst>
 </file>
 
 <file path=ppt/tags/tag36.xml><?xml version="1.0" encoding="utf-8"?>
-<p:tagLst xmlns:p="http://schemas.openxmlformats.org/presentationml/2006/main">
+<p:tagLst xmlns:a="http://schemas.openxmlformats.org/drawingml/2006/main" xmlns:r="http://schemas.openxmlformats.org/officeDocument/2006/relationships" xmlns:p="http://schemas.openxmlformats.org/presentationml/2006/main">
   <p:tag name="KSO_WM_BEAUTIFY_FLAG" val=""/>
 </p:tagLst>
 </file>
 
 <file path=ppt/tags/tag37.xml><?xml version="1.0" encoding="utf-8"?>
-<p:tagLst xmlns:p="http://schemas.openxmlformats.org/presentationml/2006/main">
+<p:tagLst xmlns:a="http://schemas.openxmlformats.org/drawingml/2006/main" xmlns:r="http://schemas.openxmlformats.org/officeDocument/2006/relationships" xmlns:p="http://schemas.openxmlformats.org/presentationml/2006/main">
   <p:tag name="KSO_WM_BEAUTIFY_FLAG" val=""/>
 </p:tagLst>
 </file>
 
 <file path=ppt/tags/tag38.xml><?xml version="1.0" encoding="utf-8"?>
-<p:tagLst xmlns:p="http://schemas.openxmlformats.org/presentationml/2006/main">
+<p:tagLst xmlns:a="http://schemas.openxmlformats.org/drawingml/2006/main" xmlns:r="http://schemas.openxmlformats.org/officeDocument/2006/relationships" xmlns:p="http://schemas.openxmlformats.org/presentationml/2006/main">
   <p:tag name="KSO_WM_BEAUTIFY_FLAG" val=""/>
 </p:tagLst>
 </file>
 
 <file path=ppt/tags/tag39.xml><?xml version="1.0" encoding="utf-8"?>
-<p:tagLst xmlns:p="http://schemas.openxmlformats.org/presentationml/2006/main">
+<p:tagLst xmlns:a="http://schemas.openxmlformats.org/drawingml/2006/main" xmlns:r="http://schemas.openxmlformats.org/officeDocument/2006/relationships" xmlns:p="http://schemas.openxmlformats.org/presentationml/2006/main">
   <p:tag name="KSO_WM_BEAUTIFY_FLAG" val=""/>
 </p:tagLst>
 </file>
 
 <file path=ppt/tags/tag4.xml><?xml version="1.0" encoding="utf-8"?>
-<p:tagLst xmlns:p="http://schemas.openxmlformats.org/presentationml/2006/main">
+<p:tagLst xmlns:a="http://schemas.openxmlformats.org/drawingml/2006/main" xmlns:r="http://schemas.openxmlformats.org/officeDocument/2006/relationships" xmlns:p="http://schemas.openxmlformats.org/presentationml/2006/main">
   <p:tag name="KSO_WM_BEAUTIFY_FLAG" val=""/>
 </p:tagLst>
 </file>
 
 <file path=ppt/tags/tag40.xml><?xml version="1.0" encoding="utf-8"?>
-<p:tagLst xmlns:p="http://schemas.openxmlformats.org/presentationml/2006/main">
+<p:tagLst xmlns:a="http://schemas.openxmlformats.org/drawingml/2006/main" xmlns:r="http://schemas.openxmlformats.org/officeDocument/2006/relationships" xmlns:p="http://schemas.openxmlformats.org/presentationml/2006/main">
   <p:tag name="KSO_WM_BEAUTIFY_FLAG" val=""/>
 </p:tagLst>
 </file>
 
 <file path=ppt/tags/tag41.xml><?xml version="1.0" encoding="utf-8"?>
-<p:tagLst xmlns:p="http://schemas.openxmlformats.org/presentationml/2006/main">
+<p:tagLst xmlns:a="http://schemas.openxmlformats.org/drawingml/2006/main" xmlns:r="http://schemas.openxmlformats.org/officeDocument/2006/relationships" xmlns:p="http://schemas.openxmlformats.org/presentationml/2006/main">
   <p:tag name="KSO_WM_BEAUTIFY_FLAG" val=""/>
 </p:tagLst>
 </file>
 
 <file path=ppt/tags/tag42.xml><?xml version="1.0" encoding="utf-8"?>
-<p:tagLst xmlns:p="http://schemas.openxmlformats.org/presentationml/2006/main">
+<p:tagLst xmlns:a="http://schemas.openxmlformats.org/drawingml/2006/main" xmlns:r="http://schemas.openxmlformats.org/officeDocument/2006/relationships" xmlns:p="http://schemas.openxmlformats.org/presentationml/2006/main">
   <p:tag name="KSO_WM_BEAUTIFY_FLAG" val=""/>
 </p:tagLst>
 </file>
 
 <file path=ppt/tags/tag43.xml><?xml version="1.0" encoding="utf-8"?>
-<p:tagLst xmlns:p="http://schemas.openxmlformats.org/presentationml/2006/main">
+<p:tagLst xmlns:a="http://schemas.openxmlformats.org/drawingml/2006/main" xmlns:r="http://schemas.openxmlformats.org/officeDocument/2006/relationships" xmlns:p="http://schemas.openxmlformats.org/presentationml/2006/main">
   <p:tag name="KSO_WM_BEAUTIFY_FLAG" val=""/>
 </p:tagLst>
 </file>
 
 <file path=ppt/tags/tag44.xml><?xml version="1.0" encoding="utf-8"?>
-<p:tagLst xmlns:p="http://schemas.openxmlformats.org/presentationml/2006/main">
+<p:tagLst xmlns:a="http://schemas.openxmlformats.org/drawingml/2006/main" xmlns:r="http://schemas.openxmlformats.org/officeDocument/2006/relationships" xmlns:p="http://schemas.openxmlformats.org/presentationml/2006/main">
   <p:tag name="KSO_WM_BEAUTIFY_FLAG" val=""/>
 </p:tagLst>
 </file>
 
 <file path=ppt/tags/tag45.xml><?xml version="1.0" encoding="utf-8"?>
-<p:tagLst xmlns:p="http://schemas.openxmlformats.org/presentationml/2006/main">
+<p:tagLst xmlns:a="http://schemas.openxmlformats.org/drawingml/2006/main" xmlns:r="http://schemas.openxmlformats.org/officeDocument/2006/relationships" xmlns:p="http://schemas.openxmlformats.org/presentationml/2006/main">
   <p:tag name="KSO_WM_BEAUTIFY_FLAG" val=""/>
 </p:tagLst>
 </file>
 
 <file path=ppt/tags/tag46.xml><?xml version="1.0" encoding="utf-8"?>
-<p:tagLst xmlns:p="http://schemas.openxmlformats.org/presentationml/2006/main">
+<p:tagLst xmlns:a="http://schemas.openxmlformats.org/drawingml/2006/main" xmlns:r="http://schemas.openxmlformats.org/officeDocument/2006/relationships" xmlns:p="http://schemas.openxmlformats.org/presentationml/2006/main">
   <p:tag name="KSO_WM_BEAUTIFY_FLAG" val=""/>
 </p:tagLst>
 </file>
 
 <file path=ppt/tags/tag47.xml><?xml version="1.0" encoding="utf-8"?>
-<p:tagLst xmlns:p="http://schemas.openxmlformats.org/presentationml/2006/main">
-  <p:tag name="commondata" val="eyJoZGlkIjoiMWZjNGE5ZTQ0NzNmZmJlYWZiNzBjMzJmYzRhZDMyMmMifQ=="/>
+<p:tagLst xmlns:a="http://schemas.openxmlformats.org/drawingml/2006/main" xmlns:r="http://schemas.openxmlformats.org/officeDocument/2006/relationships" xmlns:p="http://schemas.openxmlformats.org/presentationml/2006/main">
+  <p:tag name="KSO_WM_BEAUTIFY_FLAG" val=""/>
+</p:tagLst>
+</file>
+
+<file path=ppt/tags/tag48.xml><?xml version="1.0" encoding="utf-8"?>
+<p:tagLst xmlns:a="http://schemas.openxmlformats.org/drawingml/2006/main" xmlns:r="http://schemas.openxmlformats.org/officeDocument/2006/relationships" xmlns:p="http://schemas.openxmlformats.org/presentationml/2006/main">
+  <p:tag name="KSO_WM_BEAUTIFY_FLAG" val=""/>
 </p:tagLst>
 </file>
 
 <file path=ppt/tags/tag5.xml><?xml version="1.0" encoding="utf-8"?>
-<p:tagLst xmlns:p="http://schemas.openxmlformats.org/presentationml/2006/main">
+<p:tagLst xmlns:a="http://schemas.openxmlformats.org/drawingml/2006/main" xmlns:r="http://schemas.openxmlformats.org/officeDocument/2006/relationships" xmlns:p="http://schemas.openxmlformats.org/presentationml/2006/main">
   <p:tag name="KSO_WM_BEAUTIFY_FLAG" val=""/>
 </p:tagLst>
 </file>
 
 <file path=ppt/tags/tag6.xml><?xml version="1.0" encoding="utf-8"?>
-<p:tagLst xmlns:p="http://schemas.openxmlformats.org/presentationml/2006/main">
+<p:tagLst xmlns:a="http://schemas.openxmlformats.org/drawingml/2006/main" xmlns:r="http://schemas.openxmlformats.org/officeDocument/2006/relationships" xmlns:p="http://schemas.openxmlformats.org/presentationml/2006/main">
   <p:tag name="KSO_WM_BEAUTIFY_FLAG" val=""/>
 </p:tagLst>
 </file>
 
 <file path=ppt/tags/tag7.xml><?xml version="1.0" encoding="utf-8"?>
-<p:tagLst xmlns:p="http://schemas.openxmlformats.org/presentationml/2006/main">
+<p:tagLst xmlns:a="http://schemas.openxmlformats.org/drawingml/2006/main" xmlns:r="http://schemas.openxmlformats.org/officeDocument/2006/relationships" xmlns:p="http://schemas.openxmlformats.org/presentationml/2006/main">
   <p:tag name="KSO_WM_BEAUTIFY_FLAG" val=""/>
 </p:tagLst>
 </file>
 
 <file path=ppt/tags/tag8.xml><?xml version="1.0" encoding="utf-8"?>
-<p:tagLst xmlns:p="http://schemas.openxmlformats.org/presentationml/2006/main">
+<p:tagLst xmlns:a="http://schemas.openxmlformats.org/drawingml/2006/main" xmlns:r="http://schemas.openxmlformats.org/officeDocument/2006/relationships" xmlns:p="http://schemas.openxmlformats.org/presentationml/2006/main">
   <p:tag name="KSO_WM_BEAUTIFY_FLAG" val=""/>
 </p:tagLst>
 </file>
 
 <file path=ppt/tags/tag9.xml><?xml version="1.0" encoding="utf-8"?>
-<p:tagLst xmlns:p="http://schemas.openxmlformats.org/presentationml/2006/main">
+<p:tagLst xmlns:a="http://schemas.openxmlformats.org/drawingml/2006/main" xmlns:r="http://schemas.openxmlformats.org/officeDocument/2006/relationships" xmlns:p="http://schemas.openxmlformats.org/presentationml/2006/main">
   <p:tag name="KSO_WM_BEAUTIFY_FLAG" val=""/>
 </p:tagLst>
 </file>
@@ -21529,6 +21543,8 @@
       </a:bgFillStyleLst>
     </a:fmtScheme>
   </a:themeElements>
+  <a:objectDefaults/>
+  <a:extraClrSchemeLst/>
   <a:extLst>
     <a:ext uri="{05A4C25C-085E-4340-85A3-A5531E510DB2}">
       <thm15:themeFamily xmlns:thm15="http://schemas.microsoft.com/office/thememl/2012/main" name="Office Theme" id="{62F939B6-93AF-4DB8-9C6B-D6C7DFDC589F}" vid="{4A3C46E8-61CC-4603-A589-7422A47A8E4A}"/>
@@ -21788,6 +21804,8 @@
       </a:bgFillStyleLst>
     </a:fmtScheme>
   </a:themeElements>
+  <a:objectDefaults/>
+  <a:extraClrSchemeLst/>
   <a:extLst>
     <a:ext uri="{05A4C25C-085E-4340-85A3-A5531E510DB2}">
       <thm15:themeFamily xmlns:thm15="http://schemas.microsoft.com/office/thememl/2012/main" name="Office Theme" id="{62F939B6-93AF-4DB8-9C6B-D6C7DFDC589F}" vid="{4A3C46E8-61CC-4603-A589-7422A47A8E4A}"/>

--- a/INFO6150-final.pptx
+++ b/INFO6150-final.pptx
@@ -6198,13 +6198,13 @@
               </a:lnSpc>
             </a:pPr>
             <a:r>
-              <a:rPr lang="en-US" altLang="zh-CN" sz="3200" b="1" dirty="0">
+              <a:rPr lang="en-US" altLang="zh-CN" sz="3200" b="1">
                 <a:solidFill>
                   <a:srgbClr val="244C89"/>
                 </a:solidFill>
                 <a:ea typeface="微软雅黑" panose="020B0503020204020204" charset="-122"/>
               </a:rPr>
-              <a:t>Login/Signup                  </a:t>
+              <a:t>Login                  </a:t>
             </a:r>
             <a:endParaRPr lang="en-US" altLang="zh-CN" sz="3200" b="1" dirty="0">
               <a:solidFill>

--- a/INFO6150-final.pptx
+++ b/INFO6150-final.pptx
@@ -6113,6 +6113,36 @@
           </a:prstGeom>
         </p:spPr>
       </p:pic>
+      <p:pic>
+        <p:nvPicPr>
+          <p:cNvPr id="9" name="图片 8">
+            <a:extLst>
+              <a:ext uri="{FF2B5EF4-FFF2-40B4-BE49-F238E27FC236}">
+                <a16:creationId xmlns:a16="http://schemas.microsoft.com/office/drawing/2014/main" id="{5B08B13F-6C17-4C3F-40D6-77ABB639751E}"/>
+              </a:ext>
+            </a:extLst>
+          </p:cNvPr>
+          <p:cNvPicPr>
+            <a:picLocks noChangeAspect="1"/>
+          </p:cNvPicPr>
+          <p:nvPr/>
+        </p:nvPicPr>
+        <p:blipFill>
+          <a:blip r:embed="rId15"/>
+          <a:stretch>
+            <a:fillRect/>
+          </a:stretch>
+        </p:blipFill>
+        <p:spPr>
+          <a:xfrm>
+            <a:off x="7541132" y="5632393"/>
+            <a:ext cx="4413372" cy="604687"/>
+          </a:xfrm>
+          <a:prstGeom prst="rect">
+            <a:avLst/>
+          </a:prstGeom>
+        </p:spPr>
+      </p:pic>
     </p:spTree>
   </p:cSld>
   <p:clrMapOvr>
@@ -6198,13 +6228,13 @@
               </a:lnSpc>
             </a:pPr>
             <a:r>
-              <a:rPr lang="en-US" altLang="zh-CN" sz="3200" b="1">
+              <a:rPr lang="en-US" altLang="zh-CN" sz="3200" b="1" dirty="0">
                 <a:solidFill>
                   <a:srgbClr val="244C89"/>
                 </a:solidFill>
                 <a:ea typeface="微软雅黑" panose="020B0503020204020204" charset="-122"/>
               </a:rPr>
-              <a:t>Login                  </a:t>
+              <a:t>Login/Signup                  </a:t>
             </a:r>
             <a:endParaRPr lang="en-US" altLang="zh-CN" sz="3200" b="1" dirty="0">
               <a:solidFill>

--- a/INFO6150-final.pptx
+++ b/INFO6150-final.pptx
@@ -6228,13 +6228,13 @@
               </a:lnSpc>
             </a:pPr>
             <a:r>
-              <a:rPr lang="en-US" altLang="zh-CN" sz="3200" b="1" dirty="0">
+              <a:rPr lang="en-US" altLang="zh-CN" sz="3200" b="1">
                 <a:solidFill>
                   <a:srgbClr val="244C89"/>
                 </a:solidFill>
                 <a:ea typeface="微软雅黑" panose="020B0503020204020204" charset="-122"/>
               </a:rPr>
-              <a:t>Login/Signup                  </a:t>
+              <a:t>Login                  </a:t>
             </a:r>
             <a:endParaRPr lang="en-US" altLang="zh-CN" sz="3200" b="1" dirty="0">
               <a:solidFill>
